--- a/folded_gilbert/20230717/折り返し型の電圧範囲.pptx
+++ b/folded_gilbert/20230717/折り返し型の電圧範囲.pptx
@@ -4,12 +4,16 @@
   <p:sldMasterIdLst>
     <p:sldMasterId id="2147483648" r:id="rId1"/>
   </p:sldMasterIdLst>
+  <p:notesMasterIdLst>
+    <p:notesMasterId r:id="rId8"/>
+  </p:notesMasterIdLst>
   <p:sldIdLst>
     <p:sldId id="256" r:id="rId2"/>
     <p:sldId id="259" r:id="rId3"/>
     <p:sldId id="257" r:id="rId4"/>
     <p:sldId id="260" r:id="rId5"/>
     <p:sldId id="261" r:id="rId6"/>
+    <p:sldId id="262" r:id="rId7"/>
   </p:sldIdLst>
   <p:sldSz cx="12192000" cy="6858000"/>
   <p:notesSz cx="6858000" cy="9144000"/>
@@ -108,7 +112,485 @@
       </a:defRPr>
     </a:lvl9pPr>
   </p:defaultTextStyle>
+  <p:extLst>
+    <p:ext uri="{EFAFB233-063F-42B5-8137-9DF3F51BA10A}">
+      <p15:sldGuideLst xmlns:p15="http://schemas.microsoft.com/office/powerpoint/2012/main"/>
+    </p:ext>
+  </p:extLst>
 </p:presentation>
+</file>
+
+<file path=ppt/revisionInfo.xml><?xml version="1.0" encoding="utf-8"?>
+<p1510:revInfo xmlns:a="http://schemas.openxmlformats.org/drawingml/2006/main" xmlns:r="http://schemas.openxmlformats.org/officeDocument/2006/relationships" xmlns:p1510="http://schemas.microsoft.com/office/powerpoint/2015/10/main">
+  <p1510:revLst>
+    <p1510:client id="{0A9E075C-A1CB-4707-A053-A780105670F3}" v="136" dt="2023-07-12T04:25:31.319"/>
+  </p1510:revLst>
+</p1510:revInfo>
+</file>
+
+<file path=ppt/changesInfos/changesInfo1.xml><?xml version="1.0" encoding="utf-8"?>
+<pc:chgInfo xmlns:a="http://schemas.openxmlformats.org/drawingml/2006/main" xmlns:r="http://schemas.openxmlformats.org/officeDocument/2006/relationships" xmlns:ac="http://schemas.microsoft.com/office/drawing/2013/main/command" xmlns:pc="http://schemas.microsoft.com/office/powerpoint/2013/main/command">
+  <pc:docChgLst>
+    <pc:chgData name="Kojima Hikaru" userId="46d0e59221d47790" providerId="LiveId" clId="{0A9E075C-A1CB-4707-A053-A780105670F3}"/>
+    <pc:docChg chg="undo custSel addSld modSld">
+      <pc:chgData name="Kojima Hikaru" userId="46d0e59221d47790" providerId="LiveId" clId="{0A9E075C-A1CB-4707-A053-A780105670F3}" dt="2023-07-12T04:41:23.927" v="478" actId="20577"/>
+      <pc:docMkLst>
+        <pc:docMk/>
+      </pc:docMkLst>
+      <pc:sldChg chg="modSp mod">
+        <pc:chgData name="Kojima Hikaru" userId="46d0e59221d47790" providerId="LiveId" clId="{0A9E075C-A1CB-4707-A053-A780105670F3}" dt="2023-07-12T04:25:42.467" v="144" actId="1076"/>
+        <pc:sldMkLst>
+          <pc:docMk/>
+          <pc:sldMk cId="1038625007" sldId="261"/>
+        </pc:sldMkLst>
+        <pc:spChg chg="mod">
+          <ac:chgData name="Kojima Hikaru" userId="46d0e59221d47790" providerId="LiveId" clId="{0A9E075C-A1CB-4707-A053-A780105670F3}" dt="2023-07-12T04:25:42.467" v="144" actId="1076"/>
+          <ac:spMkLst>
+            <pc:docMk/>
+            <pc:sldMk cId="1038625007" sldId="261"/>
+            <ac:spMk id="4" creationId="{1C2801A2-19C5-C2C9-858F-706974E58519}"/>
+          </ac:spMkLst>
+        </pc:spChg>
+        <pc:graphicFrameChg chg="mod modGraphic">
+          <ac:chgData name="Kojima Hikaru" userId="46d0e59221d47790" providerId="LiveId" clId="{0A9E075C-A1CB-4707-A053-A780105670F3}" dt="2023-07-12T04:22:57.776" v="87" actId="1076"/>
+          <ac:graphicFrameMkLst>
+            <pc:docMk/>
+            <pc:sldMk cId="1038625007" sldId="261"/>
+            <ac:graphicFrameMk id="5" creationId="{62FAF4FC-C014-F788-42D4-28AE10ED3F16}"/>
+          </ac:graphicFrameMkLst>
+        </pc:graphicFrameChg>
+      </pc:sldChg>
+      <pc:sldChg chg="addSp delSp modSp new mod">
+        <pc:chgData name="Kojima Hikaru" userId="46d0e59221d47790" providerId="LiveId" clId="{0A9E075C-A1CB-4707-A053-A780105670F3}" dt="2023-07-12T04:41:23.927" v="478" actId="20577"/>
+        <pc:sldMkLst>
+          <pc:docMk/>
+          <pc:sldMk cId="3758820632" sldId="262"/>
+        </pc:sldMkLst>
+        <pc:spChg chg="mod">
+          <ac:chgData name="Kojima Hikaru" userId="46d0e59221d47790" providerId="LiveId" clId="{0A9E075C-A1CB-4707-A053-A780105670F3}" dt="2023-07-12T04:26:15.540" v="146"/>
+          <ac:spMkLst>
+            <pc:docMk/>
+            <pc:sldMk cId="3758820632" sldId="262"/>
+            <ac:spMk id="2" creationId="{46E1DF16-6910-E833-A20D-0AE90AB1D9EE}"/>
+          </ac:spMkLst>
+        </pc:spChg>
+        <pc:spChg chg="add del mod">
+          <ac:chgData name="Kojima Hikaru" userId="46d0e59221d47790" providerId="LiveId" clId="{0A9E075C-A1CB-4707-A053-A780105670F3}" dt="2023-07-12T04:34:55.651" v="291" actId="478"/>
+          <ac:spMkLst>
+            <pc:docMk/>
+            <pc:sldMk cId="3758820632" sldId="262"/>
+            <ac:spMk id="5" creationId="{8F21C3A4-E68D-A088-F876-02BAE4ED449F}"/>
+          </ac:spMkLst>
+        </pc:spChg>
+        <pc:spChg chg="add del mod">
+          <ac:chgData name="Kojima Hikaru" userId="46d0e59221d47790" providerId="LiveId" clId="{0A9E075C-A1CB-4707-A053-A780105670F3}" dt="2023-07-12T04:34:53.730" v="290" actId="478"/>
+          <ac:spMkLst>
+            <pc:docMk/>
+            <pc:sldMk cId="3758820632" sldId="262"/>
+            <ac:spMk id="7" creationId="{E92066BC-AA88-F232-58A5-92521F20AAA0}"/>
+          </ac:spMkLst>
+        </pc:spChg>
+        <pc:spChg chg="add mod">
+          <ac:chgData name="Kojima Hikaru" userId="46d0e59221d47790" providerId="LiveId" clId="{0A9E075C-A1CB-4707-A053-A780105670F3}" dt="2023-07-12T04:41:23.927" v="478" actId="20577"/>
+          <ac:spMkLst>
+            <pc:docMk/>
+            <pc:sldMk cId="3758820632" sldId="262"/>
+            <ac:spMk id="9" creationId="{C4E00861-7606-60D1-4793-5FD9BF1A1E2E}"/>
+          </ac:spMkLst>
+        </pc:spChg>
+        <pc:graphicFrameChg chg="add mod">
+          <ac:chgData name="Kojima Hikaru" userId="46d0e59221d47790" providerId="LiveId" clId="{0A9E075C-A1CB-4707-A053-A780105670F3}" dt="2023-07-12T04:34:58.866" v="292" actId="1076"/>
+          <ac:graphicFrameMkLst>
+            <pc:docMk/>
+            <pc:sldMk cId="3758820632" sldId="262"/>
+            <ac:graphicFrameMk id="8" creationId="{686D6557-A6FF-66BE-5FB9-1C139BD21E30}"/>
+          </ac:graphicFrameMkLst>
+        </pc:graphicFrameChg>
+      </pc:sldChg>
+    </pc:docChg>
+  </pc:docChgLst>
+</pc:chgInfo>
+</file>
+
+<file path=ppt/notesMasters/notesMaster1.xml><?xml version="1.0" encoding="utf-8"?>
+<p:notesMaster xmlns:a="http://schemas.openxmlformats.org/drawingml/2006/main" xmlns:r="http://schemas.openxmlformats.org/officeDocument/2006/relationships" xmlns:p="http://schemas.openxmlformats.org/presentationml/2006/main">
+  <p:cSld>
+    <p:bg>
+      <p:bgRef idx="1001">
+        <a:schemeClr val="bg1"/>
+      </p:bgRef>
+    </p:bg>
+    <p:spTree>
+      <p:nvGrpSpPr>
+        <p:cNvPr id="1" name=""/>
+        <p:cNvGrpSpPr/>
+        <p:nvPr/>
+      </p:nvGrpSpPr>
+      <p:grpSpPr>
+        <a:xfrm>
+          <a:off x="0" y="0"/>
+          <a:ext cx="0" cy="0"/>
+          <a:chOff x="0" y="0"/>
+          <a:chExt cx="0" cy="0"/>
+        </a:xfrm>
+      </p:grpSpPr>
+      <p:sp>
+        <p:nvSpPr>
+          <p:cNvPr id="2" name="ヘッダー プレースホルダー 1"/>
+          <p:cNvSpPr>
+            <a:spLocks noGrp="1"/>
+          </p:cNvSpPr>
+          <p:nvPr>
+            <p:ph type="hdr" sz="quarter"/>
+          </p:nvPr>
+        </p:nvSpPr>
+        <p:spPr>
+          <a:xfrm>
+            <a:off x="0" y="0"/>
+            <a:ext cx="2971800" cy="458788"/>
+          </a:xfrm>
+          <a:prstGeom prst="rect">
+            <a:avLst/>
+          </a:prstGeom>
+        </p:spPr>
+        <p:txBody>
+          <a:bodyPr vert="horz" lIns="91440" tIns="45720" rIns="91440" bIns="45720" rtlCol="0"/>
+          <a:lstStyle>
+            <a:lvl1pPr algn="l">
+              <a:defRPr sz="1200"/>
+            </a:lvl1pPr>
+          </a:lstStyle>
+          <a:p>
+            <a:endParaRPr kumimoji="1" lang="ja-JP" altLang="en-US"/>
+          </a:p>
+        </p:txBody>
+      </p:sp>
+      <p:sp>
+        <p:nvSpPr>
+          <p:cNvPr id="3" name="日付プレースホルダー 2"/>
+          <p:cNvSpPr>
+            <a:spLocks noGrp="1"/>
+          </p:cNvSpPr>
+          <p:nvPr>
+            <p:ph type="dt" idx="1"/>
+          </p:nvPr>
+        </p:nvSpPr>
+        <p:spPr>
+          <a:xfrm>
+            <a:off x="3884613" y="0"/>
+            <a:ext cx="2971800" cy="458788"/>
+          </a:xfrm>
+          <a:prstGeom prst="rect">
+            <a:avLst/>
+          </a:prstGeom>
+        </p:spPr>
+        <p:txBody>
+          <a:bodyPr vert="horz" lIns="91440" tIns="45720" rIns="91440" bIns="45720" rtlCol="0"/>
+          <a:lstStyle>
+            <a:lvl1pPr algn="r">
+              <a:defRPr sz="1200"/>
+            </a:lvl1pPr>
+          </a:lstStyle>
+          <a:p>
+            <a:fld id="{DE382154-419C-409D-B617-0B89EFE1CE79}" type="datetimeFigureOut">
+              <a:rPr kumimoji="1" lang="ja-JP" altLang="en-US" smtClean="0"/>
+              <a:t>2023/7/12</a:t>
+            </a:fld>
+            <a:endParaRPr kumimoji="1" lang="ja-JP" altLang="en-US"/>
+          </a:p>
+        </p:txBody>
+      </p:sp>
+      <p:sp>
+        <p:nvSpPr>
+          <p:cNvPr id="4" name="スライド イメージ プレースホルダー 3"/>
+          <p:cNvSpPr>
+            <a:spLocks noGrp="1" noRot="1" noChangeAspect="1"/>
+          </p:cNvSpPr>
+          <p:nvPr>
+            <p:ph type="sldImg" idx="2"/>
+          </p:nvPr>
+        </p:nvSpPr>
+        <p:spPr>
+          <a:xfrm>
+            <a:off x="685800" y="1143000"/>
+            <a:ext cx="5486400" cy="3086100"/>
+          </a:xfrm>
+          <a:prstGeom prst="rect">
+            <a:avLst/>
+          </a:prstGeom>
+          <a:noFill/>
+          <a:ln w="12700">
+            <a:solidFill>
+              <a:prstClr val="black"/>
+            </a:solidFill>
+          </a:ln>
+        </p:spPr>
+        <p:txBody>
+          <a:bodyPr vert="horz" lIns="91440" tIns="45720" rIns="91440" bIns="45720" rtlCol="0" anchor="ctr"/>
+          <a:lstStyle/>
+          <a:p>
+            <a:endParaRPr lang="ja-JP" altLang="en-US"/>
+          </a:p>
+        </p:txBody>
+      </p:sp>
+      <p:sp>
+        <p:nvSpPr>
+          <p:cNvPr id="5" name="ノート プレースホルダー 4"/>
+          <p:cNvSpPr>
+            <a:spLocks noGrp="1"/>
+          </p:cNvSpPr>
+          <p:nvPr>
+            <p:ph type="body" sz="quarter" idx="3"/>
+          </p:nvPr>
+        </p:nvSpPr>
+        <p:spPr>
+          <a:xfrm>
+            <a:off x="685800" y="4400550"/>
+            <a:ext cx="5486400" cy="3600450"/>
+          </a:xfrm>
+          <a:prstGeom prst="rect">
+            <a:avLst/>
+          </a:prstGeom>
+        </p:spPr>
+        <p:txBody>
+          <a:bodyPr vert="horz" lIns="91440" tIns="45720" rIns="91440" bIns="45720" rtlCol="0"/>
+          <a:lstStyle/>
+          <a:p>
+            <a:pPr lvl="0"/>
+            <a:r>
+              <a:rPr kumimoji="1" lang="ja-JP" altLang="en-US"/>
+              <a:t>マスター テキストの書式設定</a:t>
+            </a:r>
+          </a:p>
+          <a:p>
+            <a:pPr lvl="1"/>
+            <a:r>
+              <a:rPr kumimoji="1" lang="ja-JP" altLang="en-US"/>
+              <a:t>第 </a:t>
+            </a:r>
+            <a:r>
+              <a:rPr kumimoji="1" lang="en-US" altLang="ja-JP"/>
+              <a:t>2 </a:t>
+            </a:r>
+            <a:r>
+              <a:rPr kumimoji="1" lang="ja-JP" altLang="en-US"/>
+              <a:t>レベル</a:t>
+            </a:r>
+          </a:p>
+          <a:p>
+            <a:pPr lvl="2"/>
+            <a:r>
+              <a:rPr kumimoji="1" lang="ja-JP" altLang="en-US"/>
+              <a:t>第 </a:t>
+            </a:r>
+            <a:r>
+              <a:rPr kumimoji="1" lang="en-US" altLang="ja-JP"/>
+              <a:t>3 </a:t>
+            </a:r>
+            <a:r>
+              <a:rPr kumimoji="1" lang="ja-JP" altLang="en-US"/>
+              <a:t>レベル</a:t>
+            </a:r>
+          </a:p>
+          <a:p>
+            <a:pPr lvl="3"/>
+            <a:r>
+              <a:rPr kumimoji="1" lang="ja-JP" altLang="en-US"/>
+              <a:t>第 </a:t>
+            </a:r>
+            <a:r>
+              <a:rPr kumimoji="1" lang="en-US" altLang="ja-JP"/>
+              <a:t>4 </a:t>
+            </a:r>
+            <a:r>
+              <a:rPr kumimoji="1" lang="ja-JP" altLang="en-US"/>
+              <a:t>レベル</a:t>
+            </a:r>
+          </a:p>
+          <a:p>
+            <a:pPr lvl="4"/>
+            <a:r>
+              <a:rPr kumimoji="1" lang="ja-JP" altLang="en-US"/>
+              <a:t>第 </a:t>
+            </a:r>
+            <a:r>
+              <a:rPr kumimoji="1" lang="en-US" altLang="ja-JP"/>
+              <a:t>5 </a:t>
+            </a:r>
+            <a:r>
+              <a:rPr kumimoji="1" lang="ja-JP" altLang="en-US"/>
+              <a:t>レベル</a:t>
+            </a:r>
+          </a:p>
+        </p:txBody>
+      </p:sp>
+      <p:sp>
+        <p:nvSpPr>
+          <p:cNvPr id="6" name="フッター プレースホルダー 5"/>
+          <p:cNvSpPr>
+            <a:spLocks noGrp="1"/>
+          </p:cNvSpPr>
+          <p:nvPr>
+            <p:ph type="ftr" sz="quarter" idx="4"/>
+          </p:nvPr>
+        </p:nvSpPr>
+        <p:spPr>
+          <a:xfrm>
+            <a:off x="0" y="8685213"/>
+            <a:ext cx="2971800" cy="458787"/>
+          </a:xfrm>
+          <a:prstGeom prst="rect">
+            <a:avLst/>
+          </a:prstGeom>
+        </p:spPr>
+        <p:txBody>
+          <a:bodyPr vert="horz" lIns="91440" tIns="45720" rIns="91440" bIns="45720" rtlCol="0" anchor="b"/>
+          <a:lstStyle>
+            <a:lvl1pPr algn="l">
+              <a:defRPr sz="1200"/>
+            </a:lvl1pPr>
+          </a:lstStyle>
+          <a:p>
+            <a:endParaRPr kumimoji="1" lang="ja-JP" altLang="en-US"/>
+          </a:p>
+        </p:txBody>
+      </p:sp>
+      <p:sp>
+        <p:nvSpPr>
+          <p:cNvPr id="7" name="スライド番号プレースホルダー 6"/>
+          <p:cNvSpPr>
+            <a:spLocks noGrp="1"/>
+          </p:cNvSpPr>
+          <p:nvPr>
+            <p:ph type="sldNum" sz="quarter" idx="5"/>
+          </p:nvPr>
+        </p:nvSpPr>
+        <p:spPr>
+          <a:xfrm>
+            <a:off x="3884613" y="8685213"/>
+            <a:ext cx="2971800" cy="458787"/>
+          </a:xfrm>
+          <a:prstGeom prst="rect">
+            <a:avLst/>
+          </a:prstGeom>
+        </p:spPr>
+        <p:txBody>
+          <a:bodyPr vert="horz" lIns="91440" tIns="45720" rIns="91440" bIns="45720" rtlCol="0" anchor="b"/>
+          <a:lstStyle>
+            <a:lvl1pPr algn="r">
+              <a:defRPr sz="1200"/>
+            </a:lvl1pPr>
+          </a:lstStyle>
+          <a:p>
+            <a:fld id="{AED1EBFA-2932-42CC-9658-6DA3B6E24C62}" type="slidenum">
+              <a:rPr kumimoji="1" lang="ja-JP" altLang="en-US" smtClean="0"/>
+              <a:t>‹#›</a:t>
+            </a:fld>
+            <a:endParaRPr kumimoji="1" lang="ja-JP" altLang="en-US"/>
+          </a:p>
+        </p:txBody>
+      </p:sp>
+    </p:spTree>
+    <p:extLst>
+      <p:ext uri="{BB962C8B-B14F-4D97-AF65-F5344CB8AC3E}">
+        <p14:creationId xmlns:p14="http://schemas.microsoft.com/office/powerpoint/2010/main" val="1702114365"/>
+      </p:ext>
+    </p:extLst>
+  </p:cSld>
+  <p:clrMap bg1="lt1" tx1="dk1" bg2="lt2" tx2="dk2" accent1="accent1" accent2="accent2" accent3="accent3" accent4="accent4" accent5="accent5" accent6="accent6" hlink="hlink" folHlink="folHlink"/>
+  <p:notesStyle>
+    <a:lvl1pPr marL="0" algn="l" defTabSz="914400" rtl="0" eaLnBrk="1" latinLnBrk="0" hangingPunct="1">
+      <a:defRPr kumimoji="1" sz="1200" kern="1200">
+        <a:solidFill>
+          <a:schemeClr val="tx1"/>
+        </a:solidFill>
+        <a:latin typeface="+mn-lt"/>
+        <a:ea typeface="+mn-ea"/>
+        <a:cs typeface="+mn-cs"/>
+      </a:defRPr>
+    </a:lvl1pPr>
+    <a:lvl2pPr marL="457200" algn="l" defTabSz="914400" rtl="0" eaLnBrk="1" latinLnBrk="0" hangingPunct="1">
+      <a:defRPr kumimoji="1" sz="1200" kern="1200">
+        <a:solidFill>
+          <a:schemeClr val="tx1"/>
+        </a:solidFill>
+        <a:latin typeface="+mn-lt"/>
+        <a:ea typeface="+mn-ea"/>
+        <a:cs typeface="+mn-cs"/>
+      </a:defRPr>
+    </a:lvl2pPr>
+    <a:lvl3pPr marL="914400" algn="l" defTabSz="914400" rtl="0" eaLnBrk="1" latinLnBrk="0" hangingPunct="1">
+      <a:defRPr kumimoji="1" sz="1200" kern="1200">
+        <a:solidFill>
+          <a:schemeClr val="tx1"/>
+        </a:solidFill>
+        <a:latin typeface="+mn-lt"/>
+        <a:ea typeface="+mn-ea"/>
+        <a:cs typeface="+mn-cs"/>
+      </a:defRPr>
+    </a:lvl3pPr>
+    <a:lvl4pPr marL="1371600" algn="l" defTabSz="914400" rtl="0" eaLnBrk="1" latinLnBrk="0" hangingPunct="1">
+      <a:defRPr kumimoji="1" sz="1200" kern="1200">
+        <a:solidFill>
+          <a:schemeClr val="tx1"/>
+        </a:solidFill>
+        <a:latin typeface="+mn-lt"/>
+        <a:ea typeface="+mn-ea"/>
+        <a:cs typeface="+mn-cs"/>
+      </a:defRPr>
+    </a:lvl4pPr>
+    <a:lvl5pPr marL="1828800" algn="l" defTabSz="914400" rtl="0" eaLnBrk="1" latinLnBrk="0" hangingPunct="1">
+      <a:defRPr kumimoji="1" sz="1200" kern="1200">
+        <a:solidFill>
+          <a:schemeClr val="tx1"/>
+        </a:solidFill>
+        <a:latin typeface="+mn-lt"/>
+        <a:ea typeface="+mn-ea"/>
+        <a:cs typeface="+mn-cs"/>
+      </a:defRPr>
+    </a:lvl5pPr>
+    <a:lvl6pPr marL="2286000" algn="l" defTabSz="914400" rtl="0" eaLnBrk="1" latinLnBrk="0" hangingPunct="1">
+      <a:defRPr kumimoji="1" sz="1200" kern="1200">
+        <a:solidFill>
+          <a:schemeClr val="tx1"/>
+        </a:solidFill>
+        <a:latin typeface="+mn-lt"/>
+        <a:ea typeface="+mn-ea"/>
+        <a:cs typeface="+mn-cs"/>
+      </a:defRPr>
+    </a:lvl6pPr>
+    <a:lvl7pPr marL="2743200" algn="l" defTabSz="914400" rtl="0" eaLnBrk="1" latinLnBrk="0" hangingPunct="1">
+      <a:defRPr kumimoji="1" sz="1200" kern="1200">
+        <a:solidFill>
+          <a:schemeClr val="tx1"/>
+        </a:solidFill>
+        <a:latin typeface="+mn-lt"/>
+        <a:ea typeface="+mn-ea"/>
+        <a:cs typeface="+mn-cs"/>
+      </a:defRPr>
+    </a:lvl7pPr>
+    <a:lvl8pPr marL="3200400" algn="l" defTabSz="914400" rtl="0" eaLnBrk="1" latinLnBrk="0" hangingPunct="1">
+      <a:defRPr kumimoji="1" sz="1200" kern="1200">
+        <a:solidFill>
+          <a:schemeClr val="tx1"/>
+        </a:solidFill>
+        <a:latin typeface="+mn-lt"/>
+        <a:ea typeface="+mn-ea"/>
+        <a:cs typeface="+mn-cs"/>
+      </a:defRPr>
+    </a:lvl8pPr>
+    <a:lvl9pPr marL="3657600" algn="l" defTabSz="914400" rtl="0" eaLnBrk="1" latinLnBrk="0" hangingPunct="1">
+      <a:defRPr kumimoji="1" sz="1200" kern="1200">
+        <a:solidFill>
+          <a:schemeClr val="tx1"/>
+        </a:solidFill>
+        <a:latin typeface="+mn-lt"/>
+        <a:ea typeface="+mn-ea"/>
+        <a:cs typeface="+mn-cs"/>
+      </a:defRPr>
+    </a:lvl9pPr>
+  </p:notesStyle>
+</p:notesMaster>
 </file>
 
 <file path=ppt/slideLayouts/slideLayout1.xml><?xml version="1.0" encoding="utf-8"?>
@@ -256,7 +738,7 @@
           <a:bodyPr/>
           <a:lstStyle/>
           <a:p>
-            <a:fld id="{2D4D7AC5-11A2-4CD2-8004-EF5138C28A56}" type="datetimeFigureOut">
+            <a:fld id="{51C00744-0B96-40C4-851C-83586B5ED643}" type="datetime1">
               <a:rPr kumimoji="1" lang="ja-JP" altLang="en-US" smtClean="0"/>
               <a:t>2023/7/12</a:t>
             </a:fld>
@@ -486,7 +968,7 @@
           <a:bodyPr/>
           <a:lstStyle/>
           <a:p>
-            <a:fld id="{2D4D7AC5-11A2-4CD2-8004-EF5138C28A56}" type="datetimeFigureOut">
+            <a:fld id="{EF7C8E09-3058-4716-AE5A-C5CA582A05F1}" type="datetime1">
               <a:rPr kumimoji="1" lang="ja-JP" altLang="en-US" smtClean="0"/>
               <a:t>2023/7/12</a:t>
             </a:fld>
@@ -726,7 +1208,7 @@
           <a:bodyPr/>
           <a:lstStyle/>
           <a:p>
-            <a:fld id="{2D4D7AC5-11A2-4CD2-8004-EF5138C28A56}" type="datetimeFigureOut">
+            <a:fld id="{4179C582-9FBB-4F37-BEA6-6B0A84724C2B}" type="datetime1">
               <a:rPr kumimoji="1" lang="ja-JP" altLang="en-US" smtClean="0"/>
               <a:t>2023/7/12</a:t>
             </a:fld>
@@ -956,7 +1438,7 @@
           <a:bodyPr/>
           <a:lstStyle/>
           <a:p>
-            <a:fld id="{2D4D7AC5-11A2-4CD2-8004-EF5138C28A56}" type="datetimeFigureOut">
+            <a:fld id="{B9710FC7-F292-464E-B04D-D382BBC5B6EA}" type="datetime1">
               <a:rPr kumimoji="1" lang="ja-JP" altLang="en-US" smtClean="0"/>
               <a:t>2023/7/12</a:t>
             </a:fld>
@@ -1231,7 +1713,7 @@
           <a:bodyPr/>
           <a:lstStyle/>
           <a:p>
-            <a:fld id="{2D4D7AC5-11A2-4CD2-8004-EF5138C28A56}" type="datetimeFigureOut">
+            <a:fld id="{B5564B36-BDCF-4E10-8FFE-CB21D40BC2DD}" type="datetime1">
               <a:rPr kumimoji="1" lang="ja-JP" altLang="en-US" smtClean="0"/>
               <a:t>2023/7/12</a:t>
             </a:fld>
@@ -1560,7 +2042,7 @@
           <a:bodyPr/>
           <a:lstStyle/>
           <a:p>
-            <a:fld id="{2D4D7AC5-11A2-4CD2-8004-EF5138C28A56}" type="datetimeFigureOut">
+            <a:fld id="{4BD5286A-916E-4B5B-84B6-DDE4DEB090B2}" type="datetime1">
               <a:rPr kumimoji="1" lang="ja-JP" altLang="en-US" smtClean="0"/>
               <a:t>2023/7/12</a:t>
             </a:fld>
@@ -2036,7 +2518,7 @@
           <a:bodyPr/>
           <a:lstStyle/>
           <a:p>
-            <a:fld id="{2D4D7AC5-11A2-4CD2-8004-EF5138C28A56}" type="datetimeFigureOut">
+            <a:fld id="{7567D527-BD0D-4C2A-B41E-CA79E11F4B63}" type="datetime1">
               <a:rPr kumimoji="1" lang="ja-JP" altLang="en-US" smtClean="0"/>
               <a:t>2023/7/12</a:t>
             </a:fld>
@@ -2177,7 +2659,7 @@
           <a:bodyPr/>
           <a:lstStyle/>
           <a:p>
-            <a:fld id="{2D4D7AC5-11A2-4CD2-8004-EF5138C28A56}" type="datetimeFigureOut">
+            <a:fld id="{02C36703-85BB-4D8D-8511-E9B4F426175F}" type="datetime1">
               <a:rPr kumimoji="1" lang="ja-JP" altLang="en-US" smtClean="0"/>
               <a:t>2023/7/12</a:t>
             </a:fld>
@@ -2290,7 +2772,7 @@
           <a:bodyPr/>
           <a:lstStyle/>
           <a:p>
-            <a:fld id="{2D4D7AC5-11A2-4CD2-8004-EF5138C28A56}" type="datetimeFigureOut">
+            <a:fld id="{A94F3F00-754A-4C95-A300-F53CA6E5E9A5}" type="datetime1">
               <a:rPr kumimoji="1" lang="ja-JP" altLang="en-US" smtClean="0"/>
               <a:t>2023/7/12</a:t>
             </a:fld>
@@ -2633,7 +3115,7 @@
           <a:bodyPr/>
           <a:lstStyle/>
           <a:p>
-            <a:fld id="{2D4D7AC5-11A2-4CD2-8004-EF5138C28A56}" type="datetimeFigureOut">
+            <a:fld id="{ABB84780-9747-432F-8DBF-1C07342C76D8}" type="datetime1">
               <a:rPr kumimoji="1" lang="ja-JP" altLang="en-US" smtClean="0"/>
               <a:t>2023/7/12</a:t>
             </a:fld>
@@ -2921,7 +3403,7 @@
           <a:bodyPr/>
           <a:lstStyle/>
           <a:p>
-            <a:fld id="{2D4D7AC5-11A2-4CD2-8004-EF5138C28A56}" type="datetimeFigureOut">
+            <a:fld id="{BB42EB3F-5154-43C6-ACD8-A692B0412506}" type="datetime1">
               <a:rPr kumimoji="1" lang="ja-JP" altLang="en-US" smtClean="0"/>
               <a:t>2023/7/12</a:t>
             </a:fld>
@@ -3194,7 +3676,7 @@
             </a:lvl1pPr>
           </a:lstStyle>
           <a:p>
-            <a:fld id="{2D4D7AC5-11A2-4CD2-8004-EF5138C28A56}" type="datetimeFigureOut">
+            <a:fld id="{3DE181C2-0CF6-41E9-B879-ED17C3A7EA86}" type="datetime1">
               <a:rPr kumimoji="1" lang="ja-JP" altLang="en-US" smtClean="0"/>
               <a:t>2023/7/12</a:t>
             </a:fld>
@@ -3313,6 +3795,7 @@
     <p:sldLayoutId id="2147483658" r:id="rId10"/>
     <p:sldLayoutId id="2147483659" r:id="rId11"/>
   </p:sldLayoutIdLst>
+  <p:hf hdr="0" ftr="0" dt="0"/>
   <p:txStyles>
     <p:titleStyle>
       <a:lvl1pPr algn="l" defTabSz="914400" rtl="0" eaLnBrk="1" latinLnBrk="0" hangingPunct="1">
@@ -3680,6 +4163,35 @@
           </a:p>
         </p:txBody>
       </p:sp>
+      <p:sp>
+        <p:nvSpPr>
+          <p:cNvPr id="4" name="スライド番号プレースホルダー 3">
+            <a:extLst>
+              <a:ext uri="{FF2B5EF4-FFF2-40B4-BE49-F238E27FC236}">
+                <a16:creationId xmlns:a16="http://schemas.microsoft.com/office/drawing/2014/main" id="{9EFF9F97-FD06-6201-C5F1-19342350496B}"/>
+              </a:ext>
+            </a:extLst>
+          </p:cNvPr>
+          <p:cNvSpPr>
+            <a:spLocks noGrp="1"/>
+          </p:cNvSpPr>
+          <p:nvPr>
+            <p:ph type="sldNum" sz="quarter" idx="12"/>
+          </p:nvPr>
+        </p:nvSpPr>
+        <p:spPr/>
+        <p:txBody>
+          <a:bodyPr/>
+          <a:lstStyle/>
+          <a:p>
+            <a:fld id="{85B6C27D-B957-4A92-99D3-4644DF81A59E}" type="slidenum">
+              <a:rPr kumimoji="1" lang="ja-JP" altLang="en-US" smtClean="0"/>
+              <a:t>1</a:t>
+            </a:fld>
+            <a:endParaRPr kumimoji="1" lang="ja-JP" altLang="en-US"/>
+          </a:p>
+        </p:txBody>
+      </p:sp>
     </p:spTree>
     <p:extLst>
       <p:ext uri="{BB962C8B-B14F-4D97-AF65-F5344CB8AC3E}">
@@ -3792,6 +4304,35 @@
               <a:rPr kumimoji="1" lang="ja-JP" altLang="en-US" sz="2400" dirty="0"/>
               <a:t>シミュレーションで従来型と比較する</a:t>
             </a:r>
+          </a:p>
+        </p:txBody>
+      </p:sp>
+      <p:sp>
+        <p:nvSpPr>
+          <p:cNvPr id="4" name="スライド番号プレースホルダー 3">
+            <a:extLst>
+              <a:ext uri="{FF2B5EF4-FFF2-40B4-BE49-F238E27FC236}">
+                <a16:creationId xmlns:a16="http://schemas.microsoft.com/office/drawing/2014/main" id="{83A94C19-E75A-0EAA-3ABD-E13472BEE1FA}"/>
+              </a:ext>
+            </a:extLst>
+          </p:cNvPr>
+          <p:cNvSpPr>
+            <a:spLocks noGrp="1"/>
+          </p:cNvSpPr>
+          <p:nvPr>
+            <p:ph type="sldNum" sz="quarter" idx="12"/>
+          </p:nvPr>
+        </p:nvSpPr>
+        <p:spPr/>
+        <p:txBody>
+          <a:bodyPr/>
+          <a:lstStyle/>
+          <a:p>
+            <a:fld id="{85B6C27D-B957-4A92-99D3-4644DF81A59E}" type="slidenum">
+              <a:rPr kumimoji="1" lang="ja-JP" altLang="en-US" smtClean="0"/>
+              <a:t>2</a:t>
+            </a:fld>
+            <a:endParaRPr kumimoji="1" lang="ja-JP" altLang="en-US"/>
           </a:p>
         </p:txBody>
       </p:sp>
@@ -3941,8 +4482,8 @@
           </a:p>
         </p:txBody>
       </p:sp>
-      <mc:AlternateContent xmlns:mc="http://schemas.openxmlformats.org/markup-compatibility/2006">
-        <mc:Choice xmlns:a14="http://schemas.microsoft.com/office/drawing/2010/main" Requires="a14">
+      <mc:AlternateContent xmlns:mc="http://schemas.openxmlformats.org/markup-compatibility/2006" xmlns:a14="http://schemas.microsoft.com/office/drawing/2010/main">
+        <mc:Choice Requires="a14">
           <p:sp>
             <p:nvSpPr>
               <p:cNvPr id="8" name="テキスト ボックス 7">
@@ -3988,6 +4529,7 @@
                 <a:endParaRPr lang="en-US" altLang="ja-JP" sz="2400" dirty="0"/>
               </a:p>
               <a:p>
+                <a:pPr/>
                 <a14:m>
                   <m:oMathPara xmlns:m="http://schemas.openxmlformats.org/officeDocument/2006/math">
                     <m:oMathParaPr>
@@ -4304,7 +4846,7 @@
             </p:txBody>
           </p:sp>
         </mc:Choice>
-        <mc:Fallback>
+        <mc:Fallback xmlns="">
           <p:sp>
             <p:nvSpPr>
               <p:cNvPr id="8" name="テキスト ボックス 7">
@@ -4349,8 +4891,8 @@
           </p:sp>
         </mc:Fallback>
       </mc:AlternateContent>
-      <mc:AlternateContent xmlns:mc="http://schemas.openxmlformats.org/markup-compatibility/2006">
-        <mc:Choice xmlns:a14="http://schemas.microsoft.com/office/drawing/2010/main" Requires="a14">
+      <mc:AlternateContent xmlns:mc="http://schemas.openxmlformats.org/markup-compatibility/2006" xmlns:a14="http://schemas.microsoft.com/office/drawing/2010/main">
+        <mc:Choice Requires="a14">
           <p:sp>
             <p:nvSpPr>
               <p:cNvPr id="10" name="テキスト ボックス 9">
@@ -4387,6 +4929,7 @@
                 <a:endParaRPr lang="en-US" altLang="ja-JP" sz="2400" dirty="0"/>
               </a:p>
               <a:p>
+                <a:pPr/>
                 <a14:m>
                   <m:oMathPara xmlns:m="http://schemas.openxmlformats.org/officeDocument/2006/math">
                     <m:oMathParaPr>
@@ -4577,6 +5120,7 @@
                 <a:endParaRPr lang="en-US" altLang="ja-JP" sz="2400" dirty="0"/>
               </a:p>
               <a:p>
+                <a:pPr/>
                 <a14:m>
                   <m:oMathPara xmlns:m="http://schemas.openxmlformats.org/officeDocument/2006/math">
                     <m:oMathParaPr>
@@ -4722,7 +5266,7 @@
             </p:txBody>
           </p:sp>
         </mc:Choice>
-        <mc:Fallback>
+        <mc:Fallback xmlns="">
           <p:sp>
             <p:nvSpPr>
               <p:cNvPr id="10" name="テキスト ボックス 9">
@@ -4767,6 +5311,35 @@
           </p:sp>
         </mc:Fallback>
       </mc:AlternateContent>
+      <p:sp>
+        <p:nvSpPr>
+          <p:cNvPr id="3" name="スライド番号プレースホルダー 2">
+            <a:extLst>
+              <a:ext uri="{FF2B5EF4-FFF2-40B4-BE49-F238E27FC236}">
+                <a16:creationId xmlns:a16="http://schemas.microsoft.com/office/drawing/2014/main" id="{5D338A56-D801-5BBA-13A9-B3A3DEDBFFC5}"/>
+              </a:ext>
+            </a:extLst>
+          </p:cNvPr>
+          <p:cNvSpPr>
+            <a:spLocks noGrp="1"/>
+          </p:cNvSpPr>
+          <p:nvPr>
+            <p:ph type="sldNum" sz="quarter" idx="12"/>
+          </p:nvPr>
+        </p:nvSpPr>
+        <p:spPr/>
+        <p:txBody>
+          <a:bodyPr/>
+          <a:lstStyle/>
+          <a:p>
+            <a:fld id="{85B6C27D-B957-4A92-99D3-4644DF81A59E}" type="slidenum">
+              <a:rPr kumimoji="1" lang="ja-JP" altLang="en-US" smtClean="0"/>
+              <a:t>3</a:t>
+            </a:fld>
+            <a:endParaRPr kumimoji="1" lang="ja-JP" altLang="en-US"/>
+          </a:p>
+        </p:txBody>
+      </p:sp>
     </p:spTree>
     <p:extLst>
       <p:ext uri="{BB962C8B-B14F-4D97-AF65-F5344CB8AC3E}">
@@ -4797,8 +5370,8 @@
           <a:chExt cx="0" cy="0"/>
         </a:xfrm>
       </p:grpSpPr>
-      <mc:AlternateContent xmlns:mc="http://schemas.openxmlformats.org/markup-compatibility/2006">
-        <mc:Choice xmlns:a14="http://schemas.microsoft.com/office/drawing/2010/main" Requires="a14">
+      <mc:AlternateContent xmlns:mc="http://schemas.openxmlformats.org/markup-compatibility/2006" xmlns:a14="http://schemas.microsoft.com/office/drawing/2010/main">
+        <mc:Choice Requires="a14">
           <p:sp>
             <p:nvSpPr>
               <p:cNvPr id="2" name="タイトル 1">
@@ -4858,7 +5431,7 @@
             </p:txBody>
           </p:sp>
         </mc:Choice>
-        <mc:Fallback>
+        <mc:Fallback xmlns="">
           <p:sp>
             <p:nvSpPr>
               <p:cNvPr id="2" name="タイトル 1">
@@ -4934,8 +5507,8 @@
           </a:prstGeom>
         </p:spPr>
       </p:pic>
-      <mc:AlternateContent xmlns:mc="http://schemas.openxmlformats.org/markup-compatibility/2006">
-        <mc:Choice xmlns:a14="http://schemas.microsoft.com/office/drawing/2010/main" Requires="a14">
+      <mc:AlternateContent xmlns:mc="http://schemas.openxmlformats.org/markup-compatibility/2006" xmlns:a14="http://schemas.microsoft.com/office/drawing/2010/main">
+        <mc:Choice Requires="a14">
           <p:sp>
             <p:nvSpPr>
               <p:cNvPr id="4" name="テキスト ボックス 3">
@@ -5068,7 +5641,7 @@
             </p:txBody>
           </p:sp>
         </mc:Choice>
-        <mc:Fallback>
+        <mc:Fallback xmlns="">
           <p:sp>
             <p:nvSpPr>
               <p:cNvPr id="4" name="テキスト ボックス 3">
@@ -5113,8 +5686,8 @@
           </p:sp>
         </mc:Fallback>
       </mc:AlternateContent>
-      <mc:AlternateContent xmlns:mc="http://schemas.openxmlformats.org/markup-compatibility/2006">
-        <mc:Choice xmlns:a14="http://schemas.microsoft.com/office/drawing/2010/main" Requires="a14">
+      <mc:AlternateContent xmlns:mc="http://schemas.openxmlformats.org/markup-compatibility/2006" xmlns:a14="http://schemas.microsoft.com/office/drawing/2010/main">
+        <mc:Choice Requires="a14">
           <p:sp>
             <p:nvSpPr>
               <p:cNvPr id="5" name="テキスト ボックス 4">
@@ -5349,7 +5922,7 @@
             </p:txBody>
           </p:sp>
         </mc:Choice>
-        <mc:Fallback>
+        <mc:Fallback xmlns="">
           <p:sp>
             <p:nvSpPr>
               <p:cNvPr id="5" name="テキスト ボックス 4">
@@ -5394,6 +5967,35 @@
           </p:sp>
         </mc:Fallback>
       </mc:AlternateContent>
+      <p:sp>
+        <p:nvSpPr>
+          <p:cNvPr id="6" name="スライド番号プレースホルダー 5">
+            <a:extLst>
+              <a:ext uri="{FF2B5EF4-FFF2-40B4-BE49-F238E27FC236}">
+                <a16:creationId xmlns:a16="http://schemas.microsoft.com/office/drawing/2014/main" id="{C8C1782C-312A-AD5D-29B2-1613F81F68C3}"/>
+              </a:ext>
+            </a:extLst>
+          </p:cNvPr>
+          <p:cNvSpPr>
+            <a:spLocks noGrp="1"/>
+          </p:cNvSpPr>
+          <p:nvPr>
+            <p:ph type="sldNum" sz="quarter" idx="12"/>
+          </p:nvPr>
+        </p:nvSpPr>
+        <p:spPr/>
+        <p:txBody>
+          <a:bodyPr/>
+          <a:lstStyle/>
+          <a:p>
+            <a:fld id="{85B6C27D-B957-4A92-99D3-4644DF81A59E}" type="slidenum">
+              <a:rPr kumimoji="1" lang="ja-JP" altLang="en-US" smtClean="0"/>
+              <a:t>4</a:t>
+            </a:fld>
+            <a:endParaRPr kumimoji="1" lang="ja-JP" altLang="en-US"/>
+          </a:p>
+        </p:txBody>
+      </p:sp>
     </p:spTree>
     <p:extLst>
       <p:ext uri="{BB962C8B-B14F-4D97-AF65-F5344CB8AC3E}">
@@ -5424,8 +6026,8 @@
           <a:chExt cx="0" cy="0"/>
         </a:xfrm>
       </p:grpSpPr>
-      <mc:AlternateContent xmlns:mc="http://schemas.openxmlformats.org/markup-compatibility/2006">
-        <mc:Choice xmlns:a14="http://schemas.microsoft.com/office/drawing/2010/main" Requires="a14">
+      <mc:AlternateContent xmlns:mc="http://schemas.openxmlformats.org/markup-compatibility/2006" xmlns:a14="http://schemas.microsoft.com/office/drawing/2010/main">
+        <mc:Choice Requires="a14">
           <p:sp>
             <p:nvSpPr>
               <p:cNvPr id="2" name="タイトル 1">
@@ -5485,7 +6087,7 @@
             </p:txBody>
           </p:sp>
         </mc:Choice>
-        <mc:Fallback>
+        <mc:Fallback xmlns="">
           <p:sp>
             <p:nvSpPr>
               <p:cNvPr id="2" name="タイトル 1">
@@ -5577,8 +6179,8 @@
             </p:nvSpPr>
             <p:spPr>
               <a:xfrm>
-                <a:off x="6712401" y="3830421"/>
-                <a:ext cx="4997246" cy="2308324"/>
+                <a:off x="6712401" y="3958157"/>
+                <a:ext cx="4997246" cy="2677656"/>
               </a:xfrm>
               <a:prstGeom prst="rect">
                 <a:avLst/>
@@ -5601,7 +6203,7 @@
                     <m:sSub>
                       <m:sSubPr>
                         <m:ctrlPr>
-                          <a:rPr kumimoji="1" lang="en-US" altLang="ja-JP" sz="2400" b="0" smtClean="0">
+                          <a:rPr kumimoji="1" lang="en-US" altLang="ja-JP" sz="2400" b="0" i="1" smtClean="0">
                             <a:latin typeface="Cambria Math" panose="02040503050406030204" pitchFamily="18" charset="0"/>
                           </a:rPr>
                         </m:ctrlPr>
@@ -5741,13 +6343,109 @@
               <a:p>
                 <a:pPr algn="l"/>
                 <a:r>
-                  <a:rPr lang="ja-JP" altLang="en-US" sz="2400"/>
+                  <a:rPr lang="ja-JP" altLang="en-US" sz="2400" dirty="0"/>
                   <a:t>従って</a:t>
                 </a:r>
                 <a:endParaRPr lang="en-US" altLang="ja-JP" sz="2400" dirty="0"/>
               </a:p>
               <a:p>
-                <a:pPr algn="l"/>
+                <a14:m>
+                  <m:oMathPara xmlns:m="http://schemas.openxmlformats.org/officeDocument/2006/math">
+                    <m:oMathParaPr>
+                      <m:jc m:val="centerGroup"/>
+                    </m:oMathParaPr>
+                    <m:oMath xmlns:m="http://schemas.openxmlformats.org/officeDocument/2006/math">
+                      <m:sSub>
+                        <m:sSubPr>
+                          <m:ctrlPr>
+                            <a:rPr kumimoji="1" lang="en-US" altLang="ja-JP" sz="2400" b="0" i="1" smtClean="0">
+                              <a:latin typeface="Cambria Math" panose="02040503050406030204" pitchFamily="18" charset="0"/>
+                            </a:rPr>
+                          </m:ctrlPr>
+                        </m:sSubPr>
+                        <m:e>
+                          <m:r>
+                            <a:rPr kumimoji="1" lang="en-US" altLang="ja-JP" sz="2400" b="0" i="1" smtClean="0">
+                              <a:latin typeface="Cambria Math" panose="02040503050406030204" pitchFamily="18" charset="0"/>
+                            </a:rPr>
+                            <m:t>𝑉</m:t>
+                          </m:r>
+                        </m:e>
+                        <m:sub>
+                          <m:r>
+                            <a:rPr kumimoji="1" lang="en-US" altLang="ja-JP" sz="2400" b="0" i="1" smtClean="0">
+                              <a:latin typeface="Cambria Math" panose="02040503050406030204" pitchFamily="18" charset="0"/>
+                            </a:rPr>
+                            <m:t>𝑡h𝐴</m:t>
+                          </m:r>
+                        </m:sub>
+                      </m:sSub>
+                      <m:r>
+                        <a:rPr kumimoji="1" lang="en-US" altLang="ja-JP" sz="2400" b="0" i="1" smtClean="0">
+                          <a:latin typeface="Cambria Math" panose="02040503050406030204" pitchFamily="18" charset="0"/>
+                        </a:rPr>
+                        <m:t>=</m:t>
+                      </m:r>
+                      <m:r>
+                        <a:rPr lang="en-US" altLang="ja-JP" sz="2400" i="1">
+                          <a:latin typeface="Cambria Math" panose="02040503050406030204" pitchFamily="18" charset="0"/>
+                        </a:rPr>
+                        <m:t>0.19127⋅</m:t>
+                      </m:r>
+                      <m:r>
+                        <a:rPr lang="en-US" altLang="ja-JP" sz="2400" b="0" i="1" smtClean="0">
+                          <a:latin typeface="Cambria Math" panose="02040503050406030204" pitchFamily="18" charset="0"/>
+                        </a:rPr>
+                        <m:t>0.6687</m:t>
+                      </m:r>
+                      <m:r>
+                        <a:rPr lang="en-US" altLang="ja-JP" sz="2400" i="1">
+                          <a:latin typeface="Cambria Math" panose="02040503050406030204" pitchFamily="18" charset="0"/>
+                        </a:rPr>
+                        <m:t>+</m:t>
+                      </m:r>
+                      <m:r>
+                        <a:rPr lang="en-US" altLang="ja-JP" sz="2400" i="1">
+                          <a:latin typeface="Cambria Math" panose="02040503050406030204" pitchFamily="18" charset="0"/>
+                        </a:rPr>
+                        <m:t>0.433516</m:t>
+                      </m:r>
+                    </m:oMath>
+                  </m:oMathPara>
+                </a14:m>
+                <a:endParaRPr kumimoji="1" lang="en-US" altLang="ja-JP" sz="2400" dirty="0"/>
+              </a:p>
+              <a:p>
+                <a14:m>
+                  <m:oMathPara xmlns:m="http://schemas.openxmlformats.org/officeDocument/2006/math">
+                    <m:oMathParaPr>
+                      <m:jc m:val="centerGroup"/>
+                    </m:oMathParaPr>
+                    <m:oMath xmlns:m="http://schemas.openxmlformats.org/officeDocument/2006/math">
+                      <m:r>
+                        <a:rPr lang="en-US" altLang="ja-JP" sz="2400" i="1">
+                          <a:latin typeface="Cambria Math" panose="02040503050406030204" pitchFamily="18" charset="0"/>
+                        </a:rPr>
+                        <m:t>=0.561418≈0.5614</m:t>
+                      </m:r>
+                      <m:r>
+                        <a:rPr lang="en-US" altLang="ja-JP" sz="2400" b="0" i="0" smtClean="0">
+                          <a:latin typeface="Cambria Math" panose="02040503050406030204" pitchFamily="18" charset="0"/>
+                        </a:rPr>
+                        <m:t> </m:t>
+                      </m:r>
+                      <m:r>
+                        <m:rPr>
+                          <m:sty m:val="p"/>
+                        </m:rPr>
+                        <a:rPr lang="en-US" altLang="ja-JP" sz="2400" b="0" i="0" smtClean="0">
+                          <a:latin typeface="Cambria Math" panose="02040503050406030204" pitchFamily="18" charset="0"/>
+                        </a:rPr>
+                        <m:t>V</m:t>
+                      </m:r>
+                    </m:oMath>
+                  </m:oMathPara>
+                </a14:m>
                 <a:endParaRPr kumimoji="1" lang="ja-JP" altLang="en-US" sz="2400" dirty="0"/>
               </a:p>
             </p:txBody>
@@ -5770,8 +6468,8 @@
             </p:nvSpPr>
             <p:spPr>
               <a:xfrm>
-                <a:off x="6712401" y="3830421"/>
-                <a:ext cx="4997246" cy="2308324"/>
+                <a:off x="6712401" y="3958157"/>
+                <a:ext cx="4997246" cy="2677656"/>
               </a:xfrm>
               <a:prstGeom prst="rect">
                 <a:avLst/>
@@ -5779,7 +6477,7 @@
               <a:blipFill>
                 <a:blip r:embed="rId4"/>
                 <a:stretch>
-                  <a:fillRect l="-1829" t="-2111"/>
+                  <a:fillRect l="-1829" t="-1818"/>
                 </a:stretch>
               </a:blipFill>
             </p:spPr>
@@ -5815,14 +6513,14 @@
               <p:nvPr>
                 <p:extLst>
                   <p:ext uri="{D42A27DB-BD31-4B8C-83A1-F6EECF244321}">
-                    <p14:modId xmlns:p14="http://schemas.microsoft.com/office/powerpoint/2010/main" val="2406113439"/>
+                    <p14:modId xmlns:p14="http://schemas.microsoft.com/office/powerpoint/2010/main" val="955170690"/>
                   </p:ext>
                 </p:extLst>
               </p:nvPr>
             </p:nvGraphicFramePr>
             <p:xfrm>
-              <a:off x="7065463" y="647446"/>
-              <a:ext cx="4478292" cy="2966720"/>
+              <a:off x="7061024" y="492861"/>
+              <a:ext cx="4478292" cy="3337560"/>
             </p:xfrm>
             <a:graphic>
               <a:graphicData uri="http://schemas.openxmlformats.org/drawingml/2006/table">
@@ -5949,7 +6647,7 @@
                                       <a:rPr kumimoji="1" lang="en-US" altLang="ja-JP" b="0" i="1" smtClean="0">
                                         <a:latin typeface="Cambria Math" panose="02040503050406030204" pitchFamily="18" charset="0"/>
                                       </a:rPr>
-                                      <m:t>𝑣</m:t>
+                                      <m:t>𝑉</m:t>
                                     </m:r>
                                   </m:e>
                                   <m:sub>
@@ -5957,7 +6655,7 @@
                                       <a:rPr kumimoji="1" lang="en-US" altLang="ja-JP" b="0" i="1" smtClean="0">
                                         <a:latin typeface="Cambria Math" panose="02040503050406030204" pitchFamily="18" charset="0"/>
                                       </a:rPr>
-                                      <m:t>𝑖𝑛</m:t>
+                                      <m:t>𝐴</m:t>
                                     </m:r>
                                   </m:sub>
                                 </m:sSub>
@@ -5974,7 +6672,7 @@
                         <a:bodyPr/>
                         <a:lstStyle/>
                         <a:p>
-                          <a:pPr algn="ctr"/>
+                          <a:pPr/>
                           <a14:m>
                             <m:oMathPara xmlns:m="http://schemas.openxmlformats.org/officeDocument/2006/math">
                               <m:oMathParaPr>
@@ -5993,10 +6691,10 @@
                                     <a:uLnTx/>
                                     <a:uFillTx/>
                                     <a:latin typeface="Cambria Math" panose="02040503050406030204" pitchFamily="18" charset="0"/>
-                                    <a:ea typeface="游ゴシック" panose="020B0400000000000000" pitchFamily="50" charset="-128"/>
+                                    <a:ea typeface="+mn-ea"/>
                                     <a:cs typeface="+mn-cs"/>
                                   </a:rPr>
-                                  <m:t>0</m:t>
+                                  <m:t>1.59</m:t>
                                 </m:r>
                               </m:oMath>
                             </m:oMathPara>
@@ -6028,58 +6726,25 @@
                                 <m:sSub>
                                   <m:sSubPr>
                                     <m:ctrlPr>
-                                      <a:rPr kumimoji="1" lang="en-US" altLang="ja-JP" sz="1800" b="0" i="1" u="none" strike="noStrike" kern="1200" cap="none" spc="0" normalizeH="0" baseline="0" noProof="0" smtClean="0">
-                                        <a:ln>
-                                          <a:noFill/>
-                                        </a:ln>
-                                        <a:solidFill>
-                                          <a:prstClr val="black"/>
-                                        </a:solidFill>
-                                        <a:effectLst/>
-                                        <a:uLnTx/>
-                                        <a:uFillTx/>
+                                      <a:rPr kumimoji="1" lang="en-US" altLang="ja-JP" b="0" i="1" smtClean="0">
                                         <a:latin typeface="Cambria Math" panose="02040503050406030204" pitchFamily="18" charset="0"/>
-                                        <a:ea typeface="游ゴシック" panose="020B0400000000000000" pitchFamily="50" charset="-128"/>
-                                        <a:cs typeface="+mn-cs"/>
                                       </a:rPr>
                                     </m:ctrlPr>
                                   </m:sSubPr>
                                   <m:e>
                                     <m:r>
-                                      <a:rPr kumimoji="1" lang="en-US" altLang="ja-JP" sz="1800" b="0" i="1" u="none" strike="noStrike" kern="1200" cap="none" spc="0" normalizeH="0" baseline="0" noProof="0" smtClean="0">
-                                        <a:ln>
-                                          <a:noFill/>
-                                        </a:ln>
-                                        <a:solidFill>
-                                          <a:prstClr val="black"/>
-                                        </a:solidFill>
-                                        <a:effectLst/>
-                                        <a:uLnTx/>
-                                        <a:uFillTx/>
+                                      <a:rPr kumimoji="1" lang="en-US" altLang="ja-JP" b="0" i="1" smtClean="0">
                                         <a:latin typeface="Cambria Math" panose="02040503050406030204" pitchFamily="18" charset="0"/>
-                                        <a:ea typeface="游ゴシック" panose="020B0400000000000000" pitchFamily="50" charset="-128"/>
-                                        <a:cs typeface="+mn-cs"/>
                                       </a:rPr>
-                                      <m:t>𝑉</m:t>
+                                      <m:t>𝑣</m:t>
                                     </m:r>
                                   </m:e>
                                   <m:sub>
                                     <m:r>
-                                      <a:rPr kumimoji="1" lang="en-US" altLang="ja-JP" sz="1800" b="0" i="1" u="none" strike="noStrike" kern="1200" cap="none" spc="0" normalizeH="0" baseline="0" noProof="0" smtClean="0">
-                                        <a:ln>
-                                          <a:noFill/>
-                                        </a:ln>
-                                        <a:solidFill>
-                                          <a:prstClr val="black"/>
-                                        </a:solidFill>
-                                        <a:effectLst/>
-                                        <a:uLnTx/>
-                                        <a:uFillTx/>
+                                      <a:rPr kumimoji="1" lang="en-US" altLang="ja-JP" b="0" i="1" smtClean="0">
                                         <a:latin typeface="Cambria Math" panose="02040503050406030204" pitchFamily="18" charset="0"/>
-                                        <a:ea typeface="游ゴシック" panose="020B0400000000000000" pitchFamily="50" charset="-128"/>
-                                        <a:cs typeface="+mn-cs"/>
                                       </a:rPr>
-                                      <m:t>𝐶𝑇𝑅𝐿</m:t>
+                                      <m:t>𝑖𝑛</m:t>
                                     </m:r>
                                   </m:sub>
                                 </m:sSub>
@@ -6096,7 +6761,7 @@
                         <a:bodyPr/>
                         <a:lstStyle/>
                         <a:p>
-                          <a:pPr algn="ctr"/>
+                          <a:pPr/>
                           <a14:m>
                             <m:oMathPara xmlns:m="http://schemas.openxmlformats.org/officeDocument/2006/math">
                               <m:oMathParaPr>
@@ -6120,6 +6785,84 @@
                     <a:extLst>
                       <a:ext uri="{0D108BD9-81ED-4DB2-BD59-A6C34878D82A}">
                         <a16:rowId xmlns:a16="http://schemas.microsoft.com/office/drawing/2014/main" val="3435956096"/>
+                      </a:ext>
+                    </a:extLst>
+                  </a:tr>
+                  <a:tr h="370840">
+                    <a:tc>
+                      <a:txBody>
+                        <a:bodyPr/>
+                        <a:lstStyle/>
+                        <a:p>
+                          <a:pPr algn="ctr"/>
+                          <a14:m>
+                            <m:oMathPara xmlns:m="http://schemas.openxmlformats.org/officeDocument/2006/math">
+                              <m:oMathParaPr>
+                                <m:jc m:val="centerGroup"/>
+                              </m:oMathParaPr>
+                              <m:oMath xmlns:m="http://schemas.openxmlformats.org/officeDocument/2006/math">
+                                <m:sSub>
+                                  <m:sSubPr>
+                                    <m:ctrlPr>
+                                      <a:rPr kumimoji="1" lang="en-US" altLang="ja-JP" b="0" i="1" smtClean="0">
+                                        <a:latin typeface="Cambria Math" panose="02040503050406030204" pitchFamily="18" charset="0"/>
+                                      </a:rPr>
+                                    </m:ctrlPr>
+                                  </m:sSubPr>
+                                  <m:e>
+                                    <m:r>
+                                      <a:rPr kumimoji="1" lang="en-US" altLang="ja-JP" b="0" i="1" smtClean="0">
+                                        <a:latin typeface="Cambria Math" panose="02040503050406030204" pitchFamily="18" charset="0"/>
+                                      </a:rPr>
+                                      <m:t>𝑉</m:t>
+                                    </m:r>
+                                  </m:e>
+                                  <m:sub>
+                                    <m:r>
+                                      <a:rPr kumimoji="1" lang="en-US" altLang="ja-JP" b="0" i="1" smtClean="0">
+                                        <a:latin typeface="Cambria Math" panose="02040503050406030204" pitchFamily="18" charset="0"/>
+                                      </a:rPr>
+                                      <m:t>𝐶𝑇𝑅𝐿</m:t>
+                                    </m:r>
+                                  </m:sub>
+                                </m:sSub>
+                              </m:oMath>
+                            </m:oMathPara>
+                          </a14:m>
+                          <a:endParaRPr kumimoji="1" lang="ja-JP" altLang="en-US" dirty="0"/>
+                        </a:p>
+                      </a:txBody>
+                      <a:tcPr/>
+                    </a:tc>
+                    <a:tc>
+                      <a:txBody>
+                        <a:bodyPr/>
+                        <a:lstStyle/>
+                        <a:p>
+                          <a:pPr/>
+                          <a14:m>
+                            <m:oMathPara xmlns:m="http://schemas.openxmlformats.org/officeDocument/2006/math">
+                              <m:oMathParaPr>
+                                <m:jc m:val="centerGroup"/>
+                              </m:oMathParaPr>
+                              <m:oMath xmlns:m="http://schemas.openxmlformats.org/officeDocument/2006/math">
+                                <m:r>
+                                  <a:rPr kumimoji="1" lang="en-US" altLang="ja-JP" b="0" i="1" smtClean="0">
+                                    <a:latin typeface="Cambria Math" panose="02040503050406030204" pitchFamily="18" charset="0"/>
+                                  </a:rPr>
+                                  <m:t>0</m:t>
+                                </m:r>
+                              </m:oMath>
+                            </m:oMathPara>
+                          </a14:m>
+                          <a:endParaRPr kumimoji="1" lang="ja-JP" altLang="en-US" dirty="0"/>
+                        </a:p>
+                      </a:txBody>
+                      <a:tcPr/>
+                    </a:tc>
+                    <a:extLst>
+                      <a:ext uri="{0D108BD9-81ED-4DB2-BD59-A6C34878D82A}">
+                        <a16:rowId xmlns:a16="http://schemas.microsoft.com/office/drawing/2014/main" val="1532471"/>
                       </a:ext>
                     </a:extLst>
                   </a:tr>
@@ -6677,14 +7420,14 @@
               <p:nvPr>
                 <p:extLst>
                   <p:ext uri="{D42A27DB-BD31-4B8C-83A1-F6EECF244321}">
-                    <p14:modId xmlns:p14="http://schemas.microsoft.com/office/powerpoint/2010/main" val="2406113439"/>
+                    <p14:modId xmlns:p14="http://schemas.microsoft.com/office/powerpoint/2010/main" val="955170690"/>
                   </p:ext>
                 </p:extLst>
               </p:nvPr>
             </p:nvGraphicFramePr>
             <p:xfrm>
-              <a:off x="7065463" y="647446"/>
-              <a:ext cx="4478292" cy="2966720"/>
+              <a:off x="7061024" y="492861"/>
+              <a:ext cx="4478292" cy="3337560"/>
             </p:xfrm>
             <a:graphic>
               <a:graphicData uri="http://schemas.openxmlformats.org/drawingml/2006/table">
@@ -6721,7 +7464,7 @@
                         <a:blipFill>
                           <a:blip r:embed="rId5"/>
                           <a:stretch>
-                            <a:fillRect l="-543" t="-1639" r="-100272" b="-701639"/>
+                            <a:fillRect l="-272" t="-1639" r="-100543" b="-803279"/>
                           </a:stretch>
                         </a:blipFill>
                       </a:tcPr>
@@ -6738,7 +7481,7 @@
                         <a:blipFill>
                           <a:blip r:embed="rId5"/>
                           <a:stretch>
-                            <a:fillRect l="-100817" t="-1639" r="-545" b="-701639"/>
+                            <a:fillRect l="-100545" t="-1639" r="-817" b="-803279"/>
                           </a:stretch>
                         </a:blipFill>
                       </a:tcPr>
@@ -6762,7 +7505,7 @@
                         <a:blipFill>
                           <a:blip r:embed="rId5"/>
                           <a:stretch>
-                            <a:fillRect l="-543" t="-101639" r="-100272" b="-601639"/>
+                            <a:fillRect l="-272" t="-101639" r="-100543" b="-703279"/>
                           </a:stretch>
                         </a:blipFill>
                       </a:tcPr>
@@ -6779,7 +7522,7 @@
                         <a:blipFill>
                           <a:blip r:embed="rId5"/>
                           <a:stretch>
-                            <a:fillRect l="-100817" t="-101639" r="-545" b="-601639"/>
+                            <a:fillRect l="-100545" t="-101639" r="-817" b="-703279"/>
                           </a:stretch>
                         </a:blipFill>
                       </a:tcPr>
@@ -6803,7 +7546,7 @@
                         <a:blipFill>
                           <a:blip r:embed="rId5"/>
                           <a:stretch>
-                            <a:fillRect l="-543" t="-201639" r="-100272" b="-501639"/>
+                            <a:fillRect l="-272" t="-201639" r="-100543" b="-603279"/>
                           </a:stretch>
                         </a:blipFill>
                       </a:tcPr>
@@ -6820,7 +7563,7 @@
                         <a:blipFill>
                           <a:blip r:embed="rId5"/>
                           <a:stretch>
-                            <a:fillRect l="-100817" t="-201639" r="-545" b="-501639"/>
+                            <a:fillRect l="-100545" t="-201639" r="-817" b="-603279"/>
                           </a:stretch>
                         </a:blipFill>
                       </a:tcPr>
@@ -6844,7 +7587,7 @@
                         <a:blipFill>
                           <a:blip r:embed="rId5"/>
                           <a:stretch>
-                            <a:fillRect l="-543" t="-301639" r="-100272" b="-401639"/>
+                            <a:fillRect l="-272" t="-301639" r="-100543" b="-503279"/>
                           </a:stretch>
                         </a:blipFill>
                       </a:tcPr>
@@ -6861,7 +7604,48 @@
                         <a:blipFill>
                           <a:blip r:embed="rId5"/>
                           <a:stretch>
-                            <a:fillRect l="-100817" t="-301639" r="-545" b="-401639"/>
+                            <a:fillRect l="-100545" t="-301639" r="-817" b="-503279"/>
+                          </a:stretch>
+                        </a:blipFill>
+                      </a:tcPr>
+                    </a:tc>
+                    <a:extLst>
+                      <a:ext uri="{0D108BD9-81ED-4DB2-BD59-A6C34878D82A}">
+                        <a16:rowId xmlns:a16="http://schemas.microsoft.com/office/drawing/2014/main" val="1532471"/>
+                      </a:ext>
+                    </a:extLst>
+                  </a:tr>
+                  <a:tr h="370840">
+                    <a:tc>
+                      <a:txBody>
+                        <a:bodyPr/>
+                        <a:lstStyle/>
+                        <a:p>
+                          <a:endParaRPr lang="ja-JP"/>
+                        </a:p>
+                      </a:txBody>
+                      <a:tcPr>
+                        <a:blipFill>
+                          <a:blip r:embed="rId5"/>
+                          <a:stretch>
+                            <a:fillRect l="-272" t="-401639" r="-100543" b="-403279"/>
+                          </a:stretch>
+                        </a:blipFill>
+                      </a:tcPr>
+                    </a:tc>
+                    <a:tc>
+                      <a:txBody>
+                        <a:bodyPr/>
+                        <a:lstStyle/>
+                        <a:p>
+                          <a:endParaRPr lang="ja-JP"/>
+                        </a:p>
+                      </a:txBody>
+                      <a:tcPr>
+                        <a:blipFill>
+                          <a:blip r:embed="rId5"/>
+                          <a:stretch>
+                            <a:fillRect l="-100545" t="-401639" r="-817" b="-403279"/>
                           </a:stretch>
                         </a:blipFill>
                       </a:tcPr>
@@ -6885,7 +7669,7 @@
                         <a:blipFill>
                           <a:blip r:embed="rId5"/>
                           <a:stretch>
-                            <a:fillRect l="-543" t="-408333" r="-100272" b="-308333"/>
+                            <a:fillRect l="-272" t="-501639" r="-100543" b="-303279"/>
                           </a:stretch>
                         </a:blipFill>
                       </a:tcPr>
@@ -6902,7 +7686,7 @@
                         <a:blipFill>
                           <a:blip r:embed="rId5"/>
                           <a:stretch>
-                            <a:fillRect l="-100817" t="-408333" r="-545" b="-308333"/>
+                            <a:fillRect l="-100545" t="-501639" r="-817" b="-303279"/>
                           </a:stretch>
                         </a:blipFill>
                       </a:tcPr>
@@ -6955,7 +7739,7 @@
                         <a:blipFill>
                           <a:blip r:embed="rId5"/>
                           <a:stretch>
-                            <a:fillRect l="-543" t="-600000" r="-100272" b="-103279"/>
+                            <a:fillRect l="-272" t="-701639" r="-100543" b="-103279"/>
                           </a:stretch>
                         </a:blipFill>
                       </a:tcPr>
@@ -6972,7 +7756,7 @@
                         <a:blipFill>
                           <a:blip r:embed="rId5"/>
                           <a:stretch>
-                            <a:fillRect l="-100817" t="-600000" r="-545" b="-103279"/>
+                            <a:fillRect l="-100545" t="-701639" r="-817" b="-103279"/>
                           </a:stretch>
                         </a:blipFill>
                       </a:tcPr>
@@ -6996,7 +7780,7 @@
                         <a:blipFill>
                           <a:blip r:embed="rId5"/>
                           <a:stretch>
-                            <a:fillRect l="-543" t="-700000" r="-100272" b="-3279"/>
+                            <a:fillRect l="-272" t="-801639" r="-100543" b="-3279"/>
                           </a:stretch>
                         </a:blipFill>
                       </a:tcPr>
@@ -7013,7 +7797,7 @@
                         <a:blipFill>
                           <a:blip r:embed="rId5"/>
                           <a:stretch>
-                            <a:fillRect l="-100817" t="-700000" r="-545" b="-3279"/>
+                            <a:fillRect l="-100545" t="-801639" r="-817" b="-3279"/>
                           </a:stretch>
                         </a:blipFill>
                       </a:tcPr>
@@ -7030,10 +7814,2067 @@
           </p:graphicFrame>
         </mc:Fallback>
       </mc:AlternateContent>
+      <p:sp>
+        <p:nvSpPr>
+          <p:cNvPr id="6" name="スライド番号プレースホルダー 5">
+            <a:extLst>
+              <a:ext uri="{FF2B5EF4-FFF2-40B4-BE49-F238E27FC236}">
+                <a16:creationId xmlns:a16="http://schemas.microsoft.com/office/drawing/2014/main" id="{E7F6AD0A-8268-DF9C-242C-DEF836379C7B}"/>
+              </a:ext>
+            </a:extLst>
+          </p:cNvPr>
+          <p:cNvSpPr>
+            <a:spLocks noGrp="1"/>
+          </p:cNvSpPr>
+          <p:nvPr>
+            <p:ph type="sldNum" sz="quarter" idx="12"/>
+          </p:nvPr>
+        </p:nvSpPr>
+        <p:spPr/>
+        <p:txBody>
+          <a:bodyPr/>
+          <a:lstStyle/>
+          <a:p>
+            <a:fld id="{85B6C27D-B957-4A92-99D3-4644DF81A59E}" type="slidenum">
+              <a:rPr kumimoji="1" lang="ja-JP" altLang="en-US" smtClean="0"/>
+              <a:t>5</a:t>
+            </a:fld>
+            <a:endParaRPr kumimoji="1" lang="ja-JP" altLang="en-US"/>
+          </a:p>
+        </p:txBody>
+      </p:sp>
     </p:spTree>
     <p:extLst>
       <p:ext uri="{BB962C8B-B14F-4D97-AF65-F5344CB8AC3E}">
         <p14:creationId xmlns:p14="http://schemas.microsoft.com/office/powerpoint/2010/main" val="1038625007"/>
+      </p:ext>
+    </p:extLst>
+  </p:cSld>
+  <p:clrMapOvr>
+    <a:masterClrMapping/>
+  </p:clrMapOvr>
+</p:sld>
+</file>
+
+<file path=ppt/slides/slide6.xml><?xml version="1.0" encoding="utf-8"?>
+<p:sld xmlns:a="http://schemas.openxmlformats.org/drawingml/2006/main" xmlns:r="http://schemas.openxmlformats.org/officeDocument/2006/relationships" xmlns:p="http://schemas.openxmlformats.org/presentationml/2006/main">
+  <p:cSld>
+    <p:spTree>
+      <p:nvGrpSpPr>
+        <p:cNvPr id="1" name=""/>
+        <p:cNvGrpSpPr/>
+        <p:nvPr/>
+      </p:nvGrpSpPr>
+      <p:grpSpPr>
+        <a:xfrm>
+          <a:off x="0" y="0"/>
+          <a:ext cx="0" cy="0"/>
+          <a:chOff x="0" y="0"/>
+          <a:chExt cx="0" cy="0"/>
+        </a:xfrm>
+      </p:grpSpPr>
+      <mc:AlternateContent xmlns:mc="http://schemas.openxmlformats.org/markup-compatibility/2006">
+        <mc:Choice xmlns:a14="http://schemas.microsoft.com/office/drawing/2010/main" Requires="a14">
+          <p:sp>
+            <p:nvSpPr>
+              <p:cNvPr id="2" name="タイトル 1">
+                <a:extLst>
+                  <a:ext uri="{FF2B5EF4-FFF2-40B4-BE49-F238E27FC236}">
+                    <a16:creationId xmlns:a16="http://schemas.microsoft.com/office/drawing/2014/main" id="{46E1DF16-6910-E833-A20D-0AE90AB1D9EE}"/>
+                  </a:ext>
+                </a:extLst>
+              </p:cNvPr>
+              <p:cNvSpPr>
+                <a:spLocks noGrp="1"/>
+              </p:cNvSpPr>
+              <p:nvPr>
+                <p:ph type="title"/>
+              </p:nvPr>
+            </p:nvSpPr>
+            <p:spPr/>
+            <p:txBody>
+              <a:bodyPr/>
+              <a:lstStyle/>
+              <a:p>
+                <a:r>
+                  <a:rPr kumimoji="1" lang="ja-JP" altLang="en-US" dirty="0"/>
+                  <a:t>従来型の</a:t>
+                </a:r>
+                <a14:m>
+                  <m:oMath xmlns:m="http://schemas.openxmlformats.org/officeDocument/2006/math">
+                    <m:sSub>
+                      <m:sSubPr>
+                        <m:ctrlPr>
+                          <a:rPr kumimoji="1" lang="en-US" altLang="ja-JP" b="0" i="1" smtClean="0">
+                            <a:latin typeface="Cambria Math" panose="02040503050406030204" pitchFamily="18" charset="0"/>
+                          </a:rPr>
+                        </m:ctrlPr>
+                      </m:sSubPr>
+                      <m:e>
+                        <m:r>
+                          <a:rPr kumimoji="1" lang="en-US" altLang="ja-JP" b="0" i="1" smtClean="0">
+                            <a:latin typeface="Cambria Math" panose="02040503050406030204" pitchFamily="18" charset="0"/>
+                          </a:rPr>
+                          <m:t>𝐾</m:t>
+                        </m:r>
+                      </m:e>
+                      <m:sub>
+                        <m:r>
+                          <a:rPr kumimoji="1" lang="en-US" altLang="ja-JP" b="0" i="1" smtClean="0">
+                            <a:latin typeface="Cambria Math" panose="02040503050406030204" pitchFamily="18" charset="0"/>
+                          </a:rPr>
+                          <m:t>𝐴</m:t>
+                        </m:r>
+                      </m:sub>
+                    </m:sSub>
+                  </m:oMath>
+                </a14:m>
+                <a:endParaRPr kumimoji="1" lang="ja-JP" altLang="en-US" dirty="0"/>
+              </a:p>
+            </p:txBody>
+          </p:sp>
+        </mc:Choice>
+        <mc:Fallback>
+          <p:sp>
+            <p:nvSpPr>
+              <p:cNvPr id="2" name="タイトル 1">
+                <a:extLst>
+                  <a:ext uri="{FF2B5EF4-FFF2-40B4-BE49-F238E27FC236}">
+                    <a16:creationId xmlns:a16="http://schemas.microsoft.com/office/drawing/2014/main" id="{46E1DF16-6910-E833-A20D-0AE90AB1D9EE}"/>
+                  </a:ext>
+                </a:extLst>
+              </p:cNvPr>
+              <p:cNvSpPr>
+                <a:spLocks noGrp="1" noRot="1" noChangeAspect="1" noMove="1" noResize="1" noEditPoints="1" noAdjustHandles="1" noChangeArrowheads="1" noChangeShapeType="1" noTextEdit="1"/>
+              </p:cNvSpPr>
+              <p:nvPr>
+                <p:ph type="title"/>
+              </p:nvPr>
+            </p:nvSpPr>
+            <p:spPr>
+              <a:blipFill>
+                <a:blip r:embed="rId2"/>
+                <a:stretch>
+                  <a:fillRect l="-2377"/>
+                </a:stretch>
+              </a:blipFill>
+            </p:spPr>
+            <p:txBody>
+              <a:bodyPr/>
+              <a:lstStyle/>
+              <a:p>
+                <a:r>
+                  <a:rPr lang="ja-JP" altLang="en-US">
+                    <a:noFill/>
+                  </a:rPr>
+                  <a:t> </a:t>
+                </a:r>
+              </a:p>
+            </p:txBody>
+          </p:sp>
+        </mc:Fallback>
+      </mc:AlternateContent>
+      <p:sp>
+        <p:nvSpPr>
+          <p:cNvPr id="3" name="スライド番号プレースホルダー 2">
+            <a:extLst>
+              <a:ext uri="{FF2B5EF4-FFF2-40B4-BE49-F238E27FC236}">
+                <a16:creationId xmlns:a16="http://schemas.microsoft.com/office/drawing/2014/main" id="{8C8197AB-44D5-80FD-530A-B5E19E3B98E0}"/>
+              </a:ext>
+            </a:extLst>
+          </p:cNvPr>
+          <p:cNvSpPr>
+            <a:spLocks noGrp="1"/>
+          </p:cNvSpPr>
+          <p:nvPr>
+            <p:ph type="sldNum" sz="quarter" idx="12"/>
+          </p:nvPr>
+        </p:nvSpPr>
+        <p:spPr/>
+        <p:txBody>
+          <a:bodyPr/>
+          <a:lstStyle/>
+          <a:p>
+            <a:fld id="{85B6C27D-B957-4A92-99D3-4644DF81A59E}" type="slidenum">
+              <a:rPr kumimoji="1" lang="ja-JP" altLang="en-US" smtClean="0"/>
+              <a:t>6</a:t>
+            </a:fld>
+            <a:endParaRPr kumimoji="1" lang="ja-JP" altLang="en-US"/>
+          </a:p>
+        </p:txBody>
+      </p:sp>
+      <mc:AlternateContent xmlns:mc="http://schemas.openxmlformats.org/markup-compatibility/2006">
+        <mc:Choice xmlns:a14="http://schemas.microsoft.com/office/drawing/2010/main" Requires="a14">
+          <p:graphicFrame>
+            <p:nvGraphicFramePr>
+              <p:cNvPr id="8" name="表 5">
+                <a:extLst>
+                  <a:ext uri="{FF2B5EF4-FFF2-40B4-BE49-F238E27FC236}">
+                    <a16:creationId xmlns:a16="http://schemas.microsoft.com/office/drawing/2014/main" id="{686D6557-A6FF-66BE-5FB9-1C139BD21E30}"/>
+                  </a:ext>
+                </a:extLst>
+              </p:cNvPr>
+              <p:cNvGraphicFramePr>
+                <a:graphicFrameLocks noGrp="1"/>
+              </p:cNvGraphicFramePr>
+              <p:nvPr>
+                <p:extLst>
+                  <p:ext uri="{D42A27DB-BD31-4B8C-83A1-F6EECF244321}">
+                    <p14:modId xmlns:p14="http://schemas.microsoft.com/office/powerpoint/2010/main" val="1447310240"/>
+                  </p:ext>
+                </p:extLst>
+              </p:nvPr>
+            </p:nvGraphicFramePr>
+            <p:xfrm>
+              <a:off x="7428572" y="2354739"/>
+              <a:ext cx="4478292" cy="3337560"/>
+            </p:xfrm>
+            <a:graphic>
+              <a:graphicData uri="http://schemas.openxmlformats.org/drawingml/2006/table">
+                <a:tbl>
+                  <a:tblPr bandRow="1">
+                    <a:tableStyleId>{5C22544A-7EE6-4342-B048-85BDC9FD1C3A}</a:tableStyleId>
+                  </a:tblPr>
+                  <a:tblGrid>
+                    <a:gridCol w="2239146">
+                      <a:extLst>
+                        <a:ext uri="{9D8B030D-6E8A-4147-A177-3AD203B41FA5}">
+                          <a16:colId xmlns:a16="http://schemas.microsoft.com/office/drawing/2014/main" val="3876103087"/>
+                        </a:ext>
+                      </a:extLst>
+                    </a:gridCol>
+                    <a:gridCol w="2239146">
+                      <a:extLst>
+                        <a:ext uri="{9D8B030D-6E8A-4147-A177-3AD203B41FA5}">
+                          <a16:colId xmlns:a16="http://schemas.microsoft.com/office/drawing/2014/main" val="1662711070"/>
+                        </a:ext>
+                      </a:extLst>
+                    </a:gridCol>
+                  </a:tblGrid>
+                  <a:tr h="370840">
+                    <a:tc>
+                      <a:txBody>
+                        <a:bodyPr/>
+                        <a:lstStyle/>
+                        <a:p>
+                          <a:pPr algn="ctr"/>
+                          <a14:m>
+                            <m:oMathPara xmlns:m="http://schemas.openxmlformats.org/officeDocument/2006/math">
+                              <m:oMathParaPr>
+                                <m:jc m:val="centerGroup"/>
+                              </m:oMathParaPr>
+                              <m:oMath xmlns:m="http://schemas.openxmlformats.org/officeDocument/2006/math">
+                                <m:r>
+                                  <m:rPr>
+                                    <m:sty m:val="p"/>
+                                  </m:rPr>
+                                  <a:rPr kumimoji="1" lang="en-US" altLang="ja-JP" b="0" i="0" smtClean="0">
+                                    <a:latin typeface="Cambria Math" panose="02040503050406030204" pitchFamily="18" charset="0"/>
+                                  </a:rPr>
+                                  <m:t>node</m:t>
+                                </m:r>
+                              </m:oMath>
+                            </m:oMathPara>
+                          </a14:m>
+                          <a:endParaRPr kumimoji="1" lang="ja-JP" altLang="en-US" i="0" dirty="0"/>
+                        </a:p>
+                      </a:txBody>
+                      <a:tcPr/>
+                    </a:tc>
+                    <a:tc>
+                      <a:txBody>
+                        <a:bodyPr/>
+                        <a:lstStyle/>
+                        <a:p>
+                          <a:pPr algn="ctr"/>
+                          <a14:m>
+                            <m:oMathPara xmlns:m="http://schemas.openxmlformats.org/officeDocument/2006/math">
+                              <m:oMathParaPr>
+                                <m:jc m:val="centerGroup"/>
+                              </m:oMathParaPr>
+                              <m:oMath xmlns:m="http://schemas.openxmlformats.org/officeDocument/2006/math">
+                                <m:r>
+                                  <a:rPr kumimoji="1" lang="en-US" altLang="ja-JP" b="0" i="0" smtClean="0">
+                                    <a:latin typeface="Cambria Math" panose="02040503050406030204" pitchFamily="18" charset="0"/>
+                                  </a:rPr>
+                                  <m:t>[</m:t>
+                                </m:r>
+                                <m:r>
+                                  <m:rPr>
+                                    <m:sty m:val="p"/>
+                                  </m:rPr>
+                                  <a:rPr kumimoji="1" lang="en-US" altLang="ja-JP" b="0" i="0" smtClean="0">
+                                    <a:latin typeface="Cambria Math" panose="02040503050406030204" pitchFamily="18" charset="0"/>
+                                  </a:rPr>
+                                  <m:t>V</m:t>
+                                </m:r>
+                                <m:r>
+                                  <a:rPr kumimoji="1" lang="en-US" altLang="ja-JP" b="0" i="0" smtClean="0">
+                                    <a:latin typeface="Cambria Math" panose="02040503050406030204" pitchFamily="18" charset="0"/>
+                                  </a:rPr>
+                                  <m:t>]</m:t>
+                                </m:r>
+                              </m:oMath>
+                            </m:oMathPara>
+                          </a14:m>
+                          <a:endParaRPr kumimoji="1" lang="ja-JP" altLang="en-US" i="0" dirty="0"/>
+                        </a:p>
+                      </a:txBody>
+                      <a:tcPr/>
+                    </a:tc>
+                    <a:extLst>
+                      <a:ext uri="{0D108BD9-81ED-4DB2-BD59-A6C34878D82A}">
+                        <a16:rowId xmlns:a16="http://schemas.microsoft.com/office/drawing/2014/main" val="1419202294"/>
+                      </a:ext>
+                    </a:extLst>
+                  </a:tr>
+                  <a:tr h="370840">
+                    <a:tc>
+                      <a:txBody>
+                        <a:bodyPr/>
+                        <a:lstStyle/>
+                        <a:p>
+                          <a:pPr algn="ctr"/>
+                          <a14:m>
+                            <m:oMathPara xmlns:m="http://schemas.openxmlformats.org/officeDocument/2006/math">
+                              <m:oMathParaPr>
+                                <m:jc m:val="centerGroup"/>
+                              </m:oMathParaPr>
+                              <m:oMath xmlns:m="http://schemas.openxmlformats.org/officeDocument/2006/math">
+                                <m:sSub>
+                                  <m:sSubPr>
+                                    <m:ctrlPr>
+                                      <a:rPr kumimoji="1" lang="en-US" altLang="ja-JP" b="0" i="1" smtClean="0">
+                                        <a:latin typeface="Cambria Math" panose="02040503050406030204" pitchFamily="18" charset="0"/>
+                                      </a:rPr>
+                                    </m:ctrlPr>
+                                  </m:sSubPr>
+                                  <m:e>
+                                    <m:r>
+                                      <a:rPr kumimoji="1" lang="en-US" altLang="ja-JP" b="0" i="1" smtClean="0">
+                                        <a:latin typeface="Cambria Math" panose="02040503050406030204" pitchFamily="18" charset="0"/>
+                                      </a:rPr>
+                                      <m:t>𝑉</m:t>
+                                    </m:r>
+                                  </m:e>
+                                  <m:sub>
+                                    <m:r>
+                                      <a:rPr kumimoji="1" lang="en-US" altLang="ja-JP" b="0" i="1" smtClean="0">
+                                        <a:latin typeface="Cambria Math" panose="02040503050406030204" pitchFamily="18" charset="0"/>
+                                      </a:rPr>
+                                      <m:t>𝐴</m:t>
+                                    </m:r>
+                                  </m:sub>
+                                </m:sSub>
+                              </m:oMath>
+                            </m:oMathPara>
+                          </a14:m>
+                          <a:endParaRPr kumimoji="1" lang="ja-JP" altLang="en-US" dirty="0"/>
+                        </a:p>
+                      </a:txBody>
+                      <a:tcPr/>
+                    </a:tc>
+                    <a:tc>
+                      <a:txBody>
+                        <a:bodyPr/>
+                        <a:lstStyle/>
+                        <a:p>
+                          <a:pPr/>
+                          <a14:m>
+                            <m:oMathPara xmlns:m="http://schemas.openxmlformats.org/officeDocument/2006/math">
+                              <m:oMathParaPr>
+                                <m:jc m:val="centerGroup"/>
+                              </m:oMathParaPr>
+                              <m:oMath xmlns:m="http://schemas.openxmlformats.org/officeDocument/2006/math">
+                                <m:r>
+                                  <a:rPr kumimoji="1" lang="en-US" altLang="ja-JP" sz="1800" b="0" i="1" u="none" strike="noStrike" kern="1200" cap="none" spc="0" normalizeH="0" baseline="0" noProof="0" smtClean="0">
+                                    <a:ln>
+                                      <a:noFill/>
+                                    </a:ln>
+                                    <a:solidFill>
+                                      <a:prstClr val="black"/>
+                                    </a:solidFill>
+                                    <a:effectLst/>
+                                    <a:uLnTx/>
+                                    <a:uFillTx/>
+                                    <a:latin typeface="Cambria Math" panose="02040503050406030204" pitchFamily="18" charset="0"/>
+                                    <a:ea typeface="+mn-ea"/>
+                                    <a:cs typeface="+mn-cs"/>
+                                  </a:rPr>
+                                  <m:t>1.59</m:t>
+                                </m:r>
+                              </m:oMath>
+                            </m:oMathPara>
+                          </a14:m>
+                          <a:endParaRPr kumimoji="1" lang="ja-JP" altLang="en-US" dirty="0"/>
+                        </a:p>
+                      </a:txBody>
+                      <a:tcPr/>
+                    </a:tc>
+                    <a:extLst>
+                      <a:ext uri="{0D108BD9-81ED-4DB2-BD59-A6C34878D82A}">
+                        <a16:rowId xmlns:a16="http://schemas.microsoft.com/office/drawing/2014/main" val="2095585407"/>
+                      </a:ext>
+                    </a:extLst>
+                  </a:tr>
+                  <a:tr h="370840">
+                    <a:tc>
+                      <a:txBody>
+                        <a:bodyPr/>
+                        <a:lstStyle/>
+                        <a:p>
+                          <a:pPr algn="ctr"/>
+                          <a14:m>
+                            <m:oMathPara xmlns:m="http://schemas.openxmlformats.org/officeDocument/2006/math">
+                              <m:oMathParaPr>
+                                <m:jc m:val="centerGroup"/>
+                              </m:oMathParaPr>
+                              <m:oMath xmlns:m="http://schemas.openxmlformats.org/officeDocument/2006/math">
+                                <m:sSub>
+                                  <m:sSubPr>
+                                    <m:ctrlPr>
+                                      <a:rPr kumimoji="1" lang="en-US" altLang="ja-JP" b="0" i="1" smtClean="0">
+                                        <a:latin typeface="Cambria Math" panose="02040503050406030204" pitchFamily="18" charset="0"/>
+                                      </a:rPr>
+                                    </m:ctrlPr>
+                                  </m:sSubPr>
+                                  <m:e>
+                                    <m:r>
+                                      <a:rPr kumimoji="1" lang="en-US" altLang="ja-JP" b="0" i="1" smtClean="0">
+                                        <a:latin typeface="Cambria Math" panose="02040503050406030204" pitchFamily="18" charset="0"/>
+                                      </a:rPr>
+                                      <m:t>𝑣</m:t>
+                                    </m:r>
+                                  </m:e>
+                                  <m:sub>
+                                    <m:r>
+                                      <a:rPr kumimoji="1" lang="en-US" altLang="ja-JP" b="0" i="1" smtClean="0">
+                                        <a:latin typeface="Cambria Math" panose="02040503050406030204" pitchFamily="18" charset="0"/>
+                                      </a:rPr>
+                                      <m:t>𝑖𝑛</m:t>
+                                    </m:r>
+                                  </m:sub>
+                                </m:sSub>
+                              </m:oMath>
+                            </m:oMathPara>
+                          </a14:m>
+                          <a:endParaRPr kumimoji="1" lang="ja-JP" altLang="en-US" dirty="0"/>
+                        </a:p>
+                      </a:txBody>
+                      <a:tcPr/>
+                    </a:tc>
+                    <a:tc>
+                      <a:txBody>
+                        <a:bodyPr/>
+                        <a:lstStyle/>
+                        <a:p>
+                          <a:pPr/>
+                          <a14:m>
+                            <m:oMathPara xmlns:m="http://schemas.openxmlformats.org/officeDocument/2006/math">
+                              <m:oMathParaPr>
+                                <m:jc m:val="centerGroup"/>
+                              </m:oMathParaPr>
+                              <m:oMath xmlns:m="http://schemas.openxmlformats.org/officeDocument/2006/math">
+                                <m:r>
+                                  <a:rPr kumimoji="1" lang="en-US" altLang="ja-JP" b="0" i="1" smtClean="0">
+                                    <a:latin typeface="Cambria Math" panose="02040503050406030204" pitchFamily="18" charset="0"/>
+                                  </a:rPr>
+                                  <m:t>0</m:t>
+                                </m:r>
+                              </m:oMath>
+                            </m:oMathPara>
+                          </a14:m>
+                          <a:endParaRPr kumimoji="1" lang="ja-JP" altLang="en-US" dirty="0"/>
+                        </a:p>
+                      </a:txBody>
+                      <a:tcPr/>
+                    </a:tc>
+                    <a:extLst>
+                      <a:ext uri="{0D108BD9-81ED-4DB2-BD59-A6C34878D82A}">
+                        <a16:rowId xmlns:a16="http://schemas.microsoft.com/office/drawing/2014/main" val="3435956096"/>
+                      </a:ext>
+                    </a:extLst>
+                  </a:tr>
+                  <a:tr h="370840">
+                    <a:tc>
+                      <a:txBody>
+                        <a:bodyPr/>
+                        <a:lstStyle/>
+                        <a:p>
+                          <a:pPr algn="ctr"/>
+                          <a14:m>
+                            <m:oMathPara xmlns:m="http://schemas.openxmlformats.org/officeDocument/2006/math">
+                              <m:oMathParaPr>
+                                <m:jc m:val="centerGroup"/>
+                              </m:oMathParaPr>
+                              <m:oMath xmlns:m="http://schemas.openxmlformats.org/officeDocument/2006/math">
+                                <m:sSub>
+                                  <m:sSubPr>
+                                    <m:ctrlPr>
+                                      <a:rPr kumimoji="1" lang="en-US" altLang="ja-JP" b="0" i="1" smtClean="0">
+                                        <a:latin typeface="Cambria Math" panose="02040503050406030204" pitchFamily="18" charset="0"/>
+                                      </a:rPr>
+                                    </m:ctrlPr>
+                                  </m:sSubPr>
+                                  <m:e>
+                                    <m:r>
+                                      <a:rPr kumimoji="1" lang="en-US" altLang="ja-JP" b="0" i="1" smtClean="0">
+                                        <a:latin typeface="Cambria Math" panose="02040503050406030204" pitchFamily="18" charset="0"/>
+                                      </a:rPr>
+                                      <m:t>𝑉</m:t>
+                                    </m:r>
+                                  </m:e>
+                                  <m:sub>
+                                    <m:r>
+                                      <a:rPr kumimoji="1" lang="en-US" altLang="ja-JP" b="0" i="1" smtClean="0">
+                                        <a:latin typeface="Cambria Math" panose="02040503050406030204" pitchFamily="18" charset="0"/>
+                                      </a:rPr>
+                                      <m:t>𝐶𝑇𝑅𝐿</m:t>
+                                    </m:r>
+                                  </m:sub>
+                                </m:sSub>
+                              </m:oMath>
+                            </m:oMathPara>
+                          </a14:m>
+                          <a:endParaRPr kumimoji="1" lang="ja-JP" altLang="en-US" dirty="0"/>
+                        </a:p>
+                      </a:txBody>
+                      <a:tcPr/>
+                    </a:tc>
+                    <a:tc>
+                      <a:txBody>
+                        <a:bodyPr/>
+                        <a:lstStyle/>
+                        <a:p>
+                          <a:pPr/>
+                          <a14:m>
+                            <m:oMathPara xmlns:m="http://schemas.openxmlformats.org/officeDocument/2006/math">
+                              <m:oMathParaPr>
+                                <m:jc m:val="centerGroup"/>
+                              </m:oMathParaPr>
+                              <m:oMath xmlns:m="http://schemas.openxmlformats.org/officeDocument/2006/math">
+                                <m:r>
+                                  <a:rPr kumimoji="1" lang="en-US" altLang="ja-JP" b="0" i="1" smtClean="0">
+                                    <a:latin typeface="Cambria Math" panose="02040503050406030204" pitchFamily="18" charset="0"/>
+                                  </a:rPr>
+                                  <m:t>0</m:t>
+                                </m:r>
+                              </m:oMath>
+                            </m:oMathPara>
+                          </a14:m>
+                          <a:endParaRPr kumimoji="1" lang="ja-JP" altLang="en-US" dirty="0"/>
+                        </a:p>
+                      </a:txBody>
+                      <a:tcPr/>
+                    </a:tc>
+                    <a:extLst>
+                      <a:ext uri="{0D108BD9-81ED-4DB2-BD59-A6C34878D82A}">
+                        <a16:rowId xmlns:a16="http://schemas.microsoft.com/office/drawing/2014/main" val="1532471"/>
+                      </a:ext>
+                    </a:extLst>
+                  </a:tr>
+                  <a:tr h="370840">
+                    <a:tc>
+                      <a:txBody>
+                        <a:bodyPr/>
+                        <a:lstStyle/>
+                        <a:p>
+                          <a:pPr algn="ctr"/>
+                          <a14:m>
+                            <m:oMathPara xmlns:m="http://schemas.openxmlformats.org/officeDocument/2006/math">
+                              <m:oMathParaPr>
+                                <m:jc m:val="centerGroup"/>
+                              </m:oMathParaPr>
+                              <m:oMath xmlns:m="http://schemas.openxmlformats.org/officeDocument/2006/math">
+                                <m:sSub>
+                                  <m:sSubPr>
+                                    <m:ctrlPr>
+                                      <a:rPr kumimoji="1" lang="en-US" altLang="ja-JP" sz="1800" b="0" i="1" u="none" strike="noStrike" kern="1200" cap="none" spc="0" normalizeH="0" baseline="0" noProof="0" smtClean="0">
+                                        <a:ln>
+                                          <a:noFill/>
+                                        </a:ln>
+                                        <a:solidFill>
+                                          <a:prstClr val="black"/>
+                                        </a:solidFill>
+                                        <a:effectLst/>
+                                        <a:uLnTx/>
+                                        <a:uFillTx/>
+                                        <a:latin typeface="Cambria Math" panose="02040503050406030204" pitchFamily="18" charset="0"/>
+                                        <a:ea typeface="游ゴシック" panose="020B0400000000000000" pitchFamily="50" charset="-128"/>
+                                        <a:cs typeface="+mn-cs"/>
+                                      </a:rPr>
+                                    </m:ctrlPr>
+                                  </m:sSubPr>
+                                  <m:e>
+                                    <m:r>
+                                      <a:rPr kumimoji="1" lang="en-US" altLang="ja-JP" sz="1800" b="0" i="1" u="none" strike="noStrike" kern="1200" cap="none" spc="0" normalizeH="0" baseline="0" noProof="0" smtClean="0">
+                                        <a:ln>
+                                          <a:noFill/>
+                                        </a:ln>
+                                        <a:solidFill>
+                                          <a:prstClr val="black"/>
+                                        </a:solidFill>
+                                        <a:effectLst/>
+                                        <a:uLnTx/>
+                                        <a:uFillTx/>
+                                        <a:latin typeface="Cambria Math" panose="02040503050406030204" pitchFamily="18" charset="0"/>
+                                        <a:ea typeface="游ゴシック" panose="020B0400000000000000" pitchFamily="50" charset="-128"/>
+                                        <a:cs typeface="+mn-cs"/>
+                                      </a:rPr>
+                                      <m:t>𝑉</m:t>
+                                    </m:r>
+                                  </m:e>
+                                  <m:sub>
+                                    <m:r>
+                                      <a:rPr kumimoji="1" lang="en-US" altLang="ja-JP" sz="1800" b="0" i="1" u="none" strike="noStrike" kern="1200" cap="none" spc="0" normalizeH="0" baseline="0" noProof="0" smtClean="0">
+                                        <a:ln>
+                                          <a:noFill/>
+                                        </a:ln>
+                                        <a:solidFill>
+                                          <a:prstClr val="black"/>
+                                        </a:solidFill>
+                                        <a:effectLst/>
+                                        <a:uLnTx/>
+                                        <a:uFillTx/>
+                                        <a:latin typeface="Cambria Math" panose="02040503050406030204" pitchFamily="18" charset="0"/>
+                                        <a:ea typeface="游ゴシック" panose="020B0400000000000000" pitchFamily="50" charset="-128"/>
+                                        <a:cs typeface="+mn-cs"/>
+                                      </a:rPr>
+                                      <m:t>𝑜𝑢𝑡</m:t>
+                                    </m:r>
+                                  </m:sub>
+                                </m:sSub>
+                              </m:oMath>
+                            </m:oMathPara>
+                          </a14:m>
+                          <a:endParaRPr kumimoji="1" lang="ja-JP" altLang="en-US" dirty="0"/>
+                        </a:p>
+                      </a:txBody>
+                      <a:tcPr/>
+                    </a:tc>
+                    <a:tc>
+                      <a:txBody>
+                        <a:bodyPr/>
+                        <a:lstStyle/>
+                        <a:p>
+                          <a:pPr algn="ctr"/>
+                          <a14:m>
+                            <m:oMathPara xmlns:m="http://schemas.openxmlformats.org/officeDocument/2006/math">
+                              <m:oMathParaPr>
+                                <m:jc m:val="centerGroup"/>
+                              </m:oMathParaPr>
+                              <m:oMath xmlns:m="http://schemas.openxmlformats.org/officeDocument/2006/math">
+                                <m:r>
+                                  <a:rPr kumimoji="1" lang="en-US" altLang="ja-JP" sz="1800" b="0" i="1" u="none" strike="noStrike" kern="1200" cap="none" spc="0" normalizeH="0" baseline="0" noProof="0" smtClean="0">
+                                    <a:ln>
+                                      <a:noFill/>
+                                    </a:ln>
+                                    <a:solidFill>
+                                      <a:prstClr val="black"/>
+                                    </a:solidFill>
+                                    <a:effectLst/>
+                                    <a:uLnTx/>
+                                    <a:uFillTx/>
+                                    <a:latin typeface="Cambria Math" panose="02040503050406030204" pitchFamily="18" charset="0"/>
+                                    <a:ea typeface="游ゴシック" panose="020B0400000000000000" pitchFamily="50" charset="-128"/>
+                                    <a:cs typeface="+mn-cs"/>
+                                  </a:rPr>
+                                  <m:t>1.206</m:t>
+                                </m:r>
+                              </m:oMath>
+                            </m:oMathPara>
+                          </a14:m>
+                          <a:endParaRPr kumimoji="1" lang="ja-JP" altLang="en-US" dirty="0"/>
+                        </a:p>
+                      </a:txBody>
+                      <a:tcPr/>
+                    </a:tc>
+                    <a:extLst>
+                      <a:ext uri="{0D108BD9-81ED-4DB2-BD59-A6C34878D82A}">
+                        <a16:rowId xmlns:a16="http://schemas.microsoft.com/office/drawing/2014/main" val="307558442"/>
+                      </a:ext>
+                    </a:extLst>
+                  </a:tr>
+                  <a:tr h="370840">
+                    <a:tc>
+                      <a:txBody>
+                        <a:bodyPr/>
+                        <a:lstStyle/>
+                        <a:p>
+                          <a:pPr algn="ctr"/>
+                          <a14:m>
+                            <m:oMathPara xmlns:m="http://schemas.openxmlformats.org/officeDocument/2006/math">
+                              <m:oMathParaPr>
+                                <m:jc m:val="centerGroup"/>
+                              </m:oMathParaPr>
+                              <m:oMath xmlns:m="http://schemas.openxmlformats.org/officeDocument/2006/math">
+                                <m:sSub>
+                                  <m:sSubPr>
+                                    <m:ctrlPr>
+                                      <a:rPr kumimoji="1" lang="en-US" altLang="ja-JP" sz="1800" b="0" i="1" u="none" strike="noStrike" kern="1200" cap="none" spc="0" normalizeH="0" baseline="0" noProof="0" smtClean="0">
+                                        <a:ln>
+                                          <a:noFill/>
+                                        </a:ln>
+                                        <a:solidFill>
+                                          <a:prstClr val="black"/>
+                                        </a:solidFill>
+                                        <a:effectLst/>
+                                        <a:uLnTx/>
+                                        <a:uFillTx/>
+                                        <a:latin typeface="Cambria Math" panose="02040503050406030204" pitchFamily="18" charset="0"/>
+                                        <a:ea typeface="游ゴシック" panose="020B0400000000000000" pitchFamily="50" charset="-128"/>
+                                        <a:cs typeface="+mn-cs"/>
+                                      </a:rPr>
+                                    </m:ctrlPr>
+                                  </m:sSubPr>
+                                  <m:e>
+                                    <m:r>
+                                      <a:rPr kumimoji="1" lang="en-US" altLang="ja-JP" sz="1800" b="0" i="1" u="none" strike="noStrike" kern="1200" cap="none" spc="0" normalizeH="0" baseline="0" noProof="0" smtClean="0">
+                                        <a:ln>
+                                          <a:noFill/>
+                                        </a:ln>
+                                        <a:solidFill>
+                                          <a:prstClr val="black"/>
+                                        </a:solidFill>
+                                        <a:effectLst/>
+                                        <a:uLnTx/>
+                                        <a:uFillTx/>
+                                        <a:latin typeface="Cambria Math" panose="02040503050406030204" pitchFamily="18" charset="0"/>
+                                        <a:ea typeface="游ゴシック" panose="020B0400000000000000" pitchFamily="50" charset="-128"/>
+                                        <a:cs typeface="+mn-cs"/>
+                                      </a:rPr>
+                                      <m:t>𝑉</m:t>
+                                    </m:r>
+                                  </m:e>
+                                  <m:sub>
+                                    <m:r>
+                                      <a:rPr kumimoji="1" lang="en-US" altLang="ja-JP" sz="1800" b="0" i="1" u="none" strike="noStrike" kern="1200" cap="none" spc="0" normalizeH="0" baseline="0" noProof="0" smtClean="0">
+                                        <a:ln>
+                                          <a:noFill/>
+                                        </a:ln>
+                                        <a:solidFill>
+                                          <a:prstClr val="black"/>
+                                        </a:solidFill>
+                                        <a:effectLst/>
+                                        <a:uLnTx/>
+                                        <a:uFillTx/>
+                                        <a:latin typeface="Cambria Math" panose="02040503050406030204" pitchFamily="18" charset="0"/>
+                                        <a:ea typeface="游ゴシック" panose="020B0400000000000000" pitchFamily="50" charset="-128"/>
+                                        <a:cs typeface="+mn-cs"/>
+                                      </a:rPr>
+                                      <m:t>𝐴𝐵</m:t>
+                                    </m:r>
+                                  </m:sub>
+                                </m:sSub>
+                              </m:oMath>
+                            </m:oMathPara>
+                          </a14:m>
+                          <a:endParaRPr kumimoji="1" lang="ja-JP" altLang="en-US" dirty="0"/>
+                        </a:p>
+                      </a:txBody>
+                      <a:tcPr/>
+                    </a:tc>
+                    <a:tc>
+                      <a:txBody>
+                        <a:bodyPr/>
+                        <a:lstStyle/>
+                        <a:p>
+                          <a:pPr algn="ctr"/>
+                          <a14:m>
+                            <m:oMathPara xmlns:m="http://schemas.openxmlformats.org/officeDocument/2006/math">
+                              <m:oMathParaPr>
+                                <m:jc m:val="centerGroup"/>
+                              </m:oMathParaPr>
+                              <m:oMath xmlns:m="http://schemas.openxmlformats.org/officeDocument/2006/math">
+                                <m:r>
+                                  <a:rPr kumimoji="1" lang="en-US" altLang="ja-JP" sz="1800" b="0" i="1" u="none" strike="noStrike" kern="1200" cap="none" spc="0" normalizeH="0" baseline="0" noProof="0" smtClean="0">
+                                    <a:ln>
+                                      <a:noFill/>
+                                    </a:ln>
+                                    <a:solidFill>
+                                      <a:prstClr val="black"/>
+                                    </a:solidFill>
+                                    <a:effectLst/>
+                                    <a:uLnTx/>
+                                    <a:uFillTx/>
+                                    <a:latin typeface="Cambria Math" panose="02040503050406030204" pitchFamily="18" charset="0"/>
+                                    <a:ea typeface="游ゴシック" panose="020B0400000000000000" pitchFamily="50" charset="-128"/>
+                                    <a:cs typeface="+mn-cs"/>
+                                  </a:rPr>
+                                  <m:t>0.6687</m:t>
+                                </m:r>
+                              </m:oMath>
+                            </m:oMathPara>
+                          </a14:m>
+                          <a:endParaRPr kumimoji="1" lang="ja-JP" altLang="en-US" dirty="0"/>
+                        </a:p>
+                      </a:txBody>
+                      <a:tcPr/>
+                    </a:tc>
+                    <a:extLst>
+                      <a:ext uri="{0D108BD9-81ED-4DB2-BD59-A6C34878D82A}">
+                        <a16:rowId xmlns:a16="http://schemas.microsoft.com/office/drawing/2014/main" val="4111179192"/>
+                      </a:ext>
+                    </a:extLst>
+                  </a:tr>
+                  <a:tr h="370840">
+                    <a:tc>
+                      <a:txBody>
+                        <a:bodyPr/>
+                        <a:lstStyle/>
+                        <a:p>
+                          <a:pPr algn="ctr"/>
+                          <a:endParaRPr kumimoji="1" lang="ja-JP" altLang="en-US" dirty="0"/>
+                        </a:p>
+                      </a:txBody>
+                      <a:tcPr/>
+                    </a:tc>
+                    <a:tc>
+                      <a:txBody>
+                        <a:bodyPr/>
+                        <a:lstStyle/>
+                        <a:p>
+                          <a:pPr algn="ctr"/>
+                          <a:endParaRPr kumimoji="1" lang="ja-JP" altLang="en-US" dirty="0"/>
+                        </a:p>
+                      </a:txBody>
+                      <a:tcPr/>
+                    </a:tc>
+                    <a:extLst>
+                      <a:ext uri="{0D108BD9-81ED-4DB2-BD59-A6C34878D82A}">
+                        <a16:rowId xmlns:a16="http://schemas.microsoft.com/office/drawing/2014/main" val="512577662"/>
+                      </a:ext>
+                    </a:extLst>
+                  </a:tr>
+                  <a:tr h="370840">
+                    <a:tc>
+                      <a:txBody>
+                        <a:bodyPr/>
+                        <a:lstStyle/>
+                        <a:p>
+                          <a:pPr algn="ctr"/>
+                          <a14:m>
+                            <m:oMathPara xmlns:m="http://schemas.openxmlformats.org/officeDocument/2006/math">
+                              <m:oMathParaPr>
+                                <m:jc m:val="centerGroup"/>
+                              </m:oMathParaPr>
+                              <m:oMath xmlns:m="http://schemas.openxmlformats.org/officeDocument/2006/math">
+                                <m:r>
+                                  <m:rPr>
+                                    <m:sty m:val="p"/>
+                                  </m:rPr>
+                                  <a:rPr kumimoji="1" lang="en-US" altLang="ja-JP" sz="1800" b="0" i="0" u="none" strike="noStrike" kern="1200" cap="none" spc="0" normalizeH="0" baseline="0" noProof="0" smtClean="0">
+                                    <a:ln>
+                                      <a:noFill/>
+                                    </a:ln>
+                                    <a:solidFill>
+                                      <a:prstClr val="black"/>
+                                    </a:solidFill>
+                                    <a:effectLst/>
+                                    <a:uLnTx/>
+                                    <a:uFillTx/>
+                                    <a:latin typeface="Cambria Math" panose="02040503050406030204" pitchFamily="18" charset="0"/>
+                                    <a:ea typeface="游ゴシック" panose="020B0400000000000000" pitchFamily="50" charset="-128"/>
+                                    <a:cs typeface="+mn-cs"/>
+                                  </a:rPr>
+                                  <m:t>current</m:t>
+                                </m:r>
+                              </m:oMath>
+                            </m:oMathPara>
+                          </a14:m>
+                          <a:endParaRPr kumimoji="1" lang="ja-JP" altLang="en-US" i="0" dirty="0"/>
+                        </a:p>
+                      </a:txBody>
+                      <a:tcPr/>
+                    </a:tc>
+                    <a:tc>
+                      <a:txBody>
+                        <a:bodyPr/>
+                        <a:lstStyle/>
+                        <a:p>
+                          <a:pPr algn="ctr"/>
+                          <a14:m>
+                            <m:oMathPara xmlns:m="http://schemas.openxmlformats.org/officeDocument/2006/math">
+                              <m:oMathParaPr>
+                                <m:jc m:val="centerGroup"/>
+                              </m:oMathParaPr>
+                              <m:oMath xmlns:m="http://schemas.openxmlformats.org/officeDocument/2006/math">
+                                <m:r>
+                                  <a:rPr kumimoji="1" lang="en-US" altLang="ja-JP" sz="1800" b="0" i="0" u="none" strike="noStrike" kern="1200" cap="none" spc="0" normalizeH="0" baseline="0" noProof="0" smtClean="0">
+                                    <a:ln>
+                                      <a:noFill/>
+                                    </a:ln>
+                                    <a:solidFill>
+                                      <a:prstClr val="black"/>
+                                    </a:solidFill>
+                                    <a:effectLst/>
+                                    <a:uLnTx/>
+                                    <a:uFillTx/>
+                                    <a:latin typeface="Cambria Math" panose="02040503050406030204" pitchFamily="18" charset="0"/>
+                                    <a:ea typeface="游ゴシック" panose="020B0400000000000000" pitchFamily="50" charset="-128"/>
+                                    <a:cs typeface="+mn-cs"/>
+                                  </a:rPr>
+                                  <m:t>[</m:t>
+                                </m:r>
+                                <m:r>
+                                  <m:rPr>
+                                    <m:sty m:val="p"/>
+                                  </m:rPr>
+                                  <a:rPr kumimoji="1" lang="en-US" altLang="ja-JP" sz="1800" b="0" i="0" u="none" strike="noStrike" kern="1200" cap="none" spc="0" normalizeH="0" baseline="0" noProof="0" smtClean="0">
+                                    <a:ln>
+                                      <a:noFill/>
+                                    </a:ln>
+                                    <a:solidFill>
+                                      <a:prstClr val="black"/>
+                                    </a:solidFill>
+                                    <a:effectLst/>
+                                    <a:uLnTx/>
+                                    <a:uFillTx/>
+                                    <a:latin typeface="Cambria Math" panose="02040503050406030204" pitchFamily="18" charset="0"/>
+                                    <a:ea typeface="游ゴシック" panose="020B0400000000000000" pitchFamily="50" charset="-128"/>
+                                    <a:cs typeface="+mn-cs"/>
+                                  </a:rPr>
+                                  <m:t>μA</m:t>
+                                </m:r>
+                                <m:r>
+                                  <a:rPr kumimoji="1" lang="en-US" altLang="ja-JP" sz="1800" b="0" i="0" u="none" strike="noStrike" kern="1200" cap="none" spc="0" normalizeH="0" baseline="0" noProof="0" smtClean="0">
+                                    <a:ln>
+                                      <a:noFill/>
+                                    </a:ln>
+                                    <a:solidFill>
+                                      <a:prstClr val="black"/>
+                                    </a:solidFill>
+                                    <a:effectLst/>
+                                    <a:uLnTx/>
+                                    <a:uFillTx/>
+                                    <a:latin typeface="Cambria Math" panose="02040503050406030204" pitchFamily="18" charset="0"/>
+                                    <a:ea typeface="游ゴシック" panose="020B0400000000000000" pitchFamily="50" charset="-128"/>
+                                    <a:cs typeface="+mn-cs"/>
+                                  </a:rPr>
+                                  <m:t>]</m:t>
+                                </m:r>
+                              </m:oMath>
+                            </m:oMathPara>
+                          </a14:m>
+                          <a:endParaRPr kumimoji="1" lang="ja-JP" altLang="en-US" i="0" dirty="0"/>
+                        </a:p>
+                      </a:txBody>
+                      <a:tcPr/>
+                    </a:tc>
+                    <a:extLst>
+                      <a:ext uri="{0D108BD9-81ED-4DB2-BD59-A6C34878D82A}">
+                        <a16:rowId xmlns:a16="http://schemas.microsoft.com/office/drawing/2014/main" val="1358309396"/>
+                      </a:ext>
+                    </a:extLst>
+                  </a:tr>
+                  <a:tr h="370840">
+                    <a:tc>
+                      <a:txBody>
+                        <a:bodyPr/>
+                        <a:lstStyle/>
+                        <a:p>
+                          <a:pPr algn="ctr"/>
+                          <a14:m>
+                            <m:oMathPara xmlns:m="http://schemas.openxmlformats.org/officeDocument/2006/math">
+                              <m:oMathParaPr>
+                                <m:jc m:val="centerGroup"/>
+                              </m:oMathParaPr>
+                              <m:oMath xmlns:m="http://schemas.openxmlformats.org/officeDocument/2006/math">
+                                <m:sSub>
+                                  <m:sSubPr>
+                                    <m:ctrlPr>
+                                      <a:rPr kumimoji="1" lang="en-US" altLang="ja-JP" sz="1800" b="0" i="1" u="none" strike="noStrike" kern="1200" cap="none" spc="0" normalizeH="0" baseline="0" noProof="0" smtClean="0">
+                                        <a:ln>
+                                          <a:noFill/>
+                                        </a:ln>
+                                        <a:solidFill>
+                                          <a:prstClr val="black"/>
+                                        </a:solidFill>
+                                        <a:effectLst/>
+                                        <a:uLnTx/>
+                                        <a:uFillTx/>
+                                        <a:latin typeface="Cambria Math" panose="02040503050406030204" pitchFamily="18" charset="0"/>
+                                        <a:ea typeface="游ゴシック" panose="020B0400000000000000" pitchFamily="50" charset="-128"/>
+                                        <a:cs typeface="+mn-cs"/>
+                                      </a:rPr>
+                                    </m:ctrlPr>
+                                  </m:sSubPr>
+                                  <m:e>
+                                    <m:r>
+                                      <a:rPr kumimoji="1" lang="en-US" altLang="ja-JP" sz="1800" b="0" i="1" u="none" strike="noStrike" kern="1200" cap="none" spc="0" normalizeH="0" baseline="0" noProof="0" smtClean="0">
+                                        <a:ln>
+                                          <a:noFill/>
+                                        </a:ln>
+                                        <a:solidFill>
+                                          <a:prstClr val="black"/>
+                                        </a:solidFill>
+                                        <a:effectLst/>
+                                        <a:uLnTx/>
+                                        <a:uFillTx/>
+                                        <a:latin typeface="Cambria Math" panose="02040503050406030204" pitchFamily="18" charset="0"/>
+                                        <a:ea typeface="游ゴシック" panose="020B0400000000000000" pitchFamily="50" charset="-128"/>
+                                        <a:cs typeface="+mn-cs"/>
+                                      </a:rPr>
+                                      <m:t>𝐼</m:t>
+                                    </m:r>
+                                  </m:e>
+                                  <m:sub>
+                                    <m:r>
+                                      <a:rPr kumimoji="1" lang="en-US" altLang="ja-JP" sz="1800" b="0" i="1" u="none" strike="noStrike" kern="1200" cap="none" spc="0" normalizeH="0" baseline="0" noProof="0" smtClean="0">
+                                        <a:ln>
+                                          <a:noFill/>
+                                        </a:ln>
+                                        <a:solidFill>
+                                          <a:prstClr val="black"/>
+                                        </a:solidFill>
+                                        <a:effectLst/>
+                                        <a:uLnTx/>
+                                        <a:uFillTx/>
+                                        <a:latin typeface="Cambria Math" panose="02040503050406030204" pitchFamily="18" charset="0"/>
+                                        <a:ea typeface="游ゴシック" panose="020B0400000000000000" pitchFamily="50" charset="-128"/>
+                                        <a:cs typeface="+mn-cs"/>
+                                      </a:rPr>
+                                      <m:t>𝐷𝐴</m:t>
+                                    </m:r>
+                                    <m:r>
+                                      <a:rPr kumimoji="1" lang="en-US" altLang="ja-JP" sz="1800" b="0" i="1" u="none" strike="noStrike" kern="1200" cap="none" spc="0" normalizeH="0" baseline="0" noProof="0" smtClean="0">
+                                        <a:ln>
+                                          <a:noFill/>
+                                        </a:ln>
+                                        <a:solidFill>
+                                          <a:prstClr val="black"/>
+                                        </a:solidFill>
+                                        <a:effectLst/>
+                                        <a:uLnTx/>
+                                        <a:uFillTx/>
+                                        <a:latin typeface="Cambria Math" panose="02040503050406030204" pitchFamily="18" charset="0"/>
+                                        <a:ea typeface="游ゴシック" panose="020B0400000000000000" pitchFamily="50" charset="-128"/>
+                                        <a:cs typeface="+mn-cs"/>
+                                      </a:rPr>
+                                      <m:t>1</m:t>
+                                    </m:r>
+                                  </m:sub>
+                                </m:sSub>
+                              </m:oMath>
+                            </m:oMathPara>
+                          </a14:m>
+                          <a:endParaRPr kumimoji="1" lang="ja-JP" altLang="en-US" dirty="0"/>
+                        </a:p>
+                      </a:txBody>
+                      <a:tcPr/>
+                    </a:tc>
+                    <a:tc>
+                      <a:txBody>
+                        <a:bodyPr/>
+                        <a:lstStyle/>
+                        <a:p>
+                          <a:pPr algn="ctr"/>
+                          <a14:m>
+                            <m:oMathPara xmlns:m="http://schemas.openxmlformats.org/officeDocument/2006/math">
+                              <m:oMathParaPr>
+                                <m:jc m:val="centerGroup"/>
+                              </m:oMathParaPr>
+                              <m:oMath xmlns:m="http://schemas.openxmlformats.org/officeDocument/2006/math">
+                                <m:r>
+                                  <a:rPr kumimoji="1" lang="en-US" altLang="ja-JP" sz="1800" b="0" i="1" u="none" strike="noStrike" kern="1200" cap="none" spc="0" normalizeH="0" baseline="0" noProof="0" smtClean="0">
+                                    <a:ln>
+                                      <a:noFill/>
+                                    </a:ln>
+                                    <a:solidFill>
+                                      <a:prstClr val="black"/>
+                                    </a:solidFill>
+                                    <a:effectLst/>
+                                    <a:uLnTx/>
+                                    <a:uFillTx/>
+                                    <a:latin typeface="Cambria Math" panose="02040503050406030204" pitchFamily="18" charset="0"/>
+                                    <a:ea typeface="游ゴシック" panose="020B0400000000000000" pitchFamily="50" charset="-128"/>
+                                    <a:cs typeface="+mn-cs"/>
+                                  </a:rPr>
+                                  <m:t>990.8</m:t>
+                                </m:r>
+                              </m:oMath>
+                            </m:oMathPara>
+                          </a14:m>
+                          <a:endParaRPr kumimoji="1" lang="ja-JP" altLang="en-US" dirty="0"/>
+                        </a:p>
+                      </a:txBody>
+                      <a:tcPr/>
+                    </a:tc>
+                    <a:extLst>
+                      <a:ext uri="{0D108BD9-81ED-4DB2-BD59-A6C34878D82A}">
+                        <a16:rowId xmlns:a16="http://schemas.microsoft.com/office/drawing/2014/main" val="1237250867"/>
+                      </a:ext>
+                    </a:extLst>
+                  </a:tr>
+                </a:tbl>
+              </a:graphicData>
+            </a:graphic>
+          </p:graphicFrame>
+        </mc:Choice>
+        <mc:Fallback>
+          <p:graphicFrame>
+            <p:nvGraphicFramePr>
+              <p:cNvPr id="8" name="表 5">
+                <a:extLst>
+                  <a:ext uri="{FF2B5EF4-FFF2-40B4-BE49-F238E27FC236}">
+                    <a16:creationId xmlns:a16="http://schemas.microsoft.com/office/drawing/2014/main" id="{686D6557-A6FF-66BE-5FB9-1C139BD21E30}"/>
+                  </a:ext>
+                </a:extLst>
+              </p:cNvPr>
+              <p:cNvGraphicFramePr>
+                <a:graphicFrameLocks noGrp="1"/>
+              </p:cNvGraphicFramePr>
+              <p:nvPr>
+                <p:extLst>
+                  <p:ext uri="{D42A27DB-BD31-4B8C-83A1-F6EECF244321}">
+                    <p14:modId xmlns:p14="http://schemas.microsoft.com/office/powerpoint/2010/main" val="1447310240"/>
+                  </p:ext>
+                </p:extLst>
+              </p:nvPr>
+            </p:nvGraphicFramePr>
+            <p:xfrm>
+              <a:off x="7428572" y="2354739"/>
+              <a:ext cx="4478292" cy="3337560"/>
+            </p:xfrm>
+            <a:graphic>
+              <a:graphicData uri="http://schemas.openxmlformats.org/drawingml/2006/table">
+                <a:tbl>
+                  <a:tblPr bandRow="1">
+                    <a:tableStyleId>{5C22544A-7EE6-4342-B048-85BDC9FD1C3A}</a:tableStyleId>
+                  </a:tblPr>
+                  <a:tblGrid>
+                    <a:gridCol w="2239146">
+                      <a:extLst>
+                        <a:ext uri="{9D8B030D-6E8A-4147-A177-3AD203B41FA5}">
+                          <a16:colId xmlns:a16="http://schemas.microsoft.com/office/drawing/2014/main" val="3876103087"/>
+                        </a:ext>
+                      </a:extLst>
+                    </a:gridCol>
+                    <a:gridCol w="2239146">
+                      <a:extLst>
+                        <a:ext uri="{9D8B030D-6E8A-4147-A177-3AD203B41FA5}">
+                          <a16:colId xmlns:a16="http://schemas.microsoft.com/office/drawing/2014/main" val="1662711070"/>
+                        </a:ext>
+                      </a:extLst>
+                    </a:gridCol>
+                  </a:tblGrid>
+                  <a:tr h="370840">
+                    <a:tc>
+                      <a:txBody>
+                        <a:bodyPr/>
+                        <a:lstStyle/>
+                        <a:p>
+                          <a:endParaRPr lang="ja-JP"/>
+                        </a:p>
+                      </a:txBody>
+                      <a:tcPr>
+                        <a:blipFill>
+                          <a:blip r:embed="rId3"/>
+                          <a:stretch>
+                            <a:fillRect l="-272" t="-1639" r="-100543" b="-801639"/>
+                          </a:stretch>
+                        </a:blipFill>
+                      </a:tcPr>
+                    </a:tc>
+                    <a:tc>
+                      <a:txBody>
+                        <a:bodyPr/>
+                        <a:lstStyle/>
+                        <a:p>
+                          <a:endParaRPr lang="ja-JP"/>
+                        </a:p>
+                      </a:txBody>
+                      <a:tcPr>
+                        <a:blipFill>
+                          <a:blip r:embed="rId3"/>
+                          <a:stretch>
+                            <a:fillRect l="-100272" t="-1639" r="-543" b="-801639"/>
+                          </a:stretch>
+                        </a:blipFill>
+                      </a:tcPr>
+                    </a:tc>
+                    <a:extLst>
+                      <a:ext uri="{0D108BD9-81ED-4DB2-BD59-A6C34878D82A}">
+                        <a16:rowId xmlns:a16="http://schemas.microsoft.com/office/drawing/2014/main" val="1419202294"/>
+                      </a:ext>
+                    </a:extLst>
+                  </a:tr>
+                  <a:tr h="370840">
+                    <a:tc>
+                      <a:txBody>
+                        <a:bodyPr/>
+                        <a:lstStyle/>
+                        <a:p>
+                          <a:endParaRPr lang="ja-JP"/>
+                        </a:p>
+                      </a:txBody>
+                      <a:tcPr>
+                        <a:blipFill>
+                          <a:blip r:embed="rId3"/>
+                          <a:stretch>
+                            <a:fillRect l="-272" t="-101639" r="-100543" b="-701639"/>
+                          </a:stretch>
+                        </a:blipFill>
+                      </a:tcPr>
+                    </a:tc>
+                    <a:tc>
+                      <a:txBody>
+                        <a:bodyPr/>
+                        <a:lstStyle/>
+                        <a:p>
+                          <a:endParaRPr lang="ja-JP"/>
+                        </a:p>
+                      </a:txBody>
+                      <a:tcPr>
+                        <a:blipFill>
+                          <a:blip r:embed="rId3"/>
+                          <a:stretch>
+                            <a:fillRect l="-100272" t="-101639" r="-543" b="-701639"/>
+                          </a:stretch>
+                        </a:blipFill>
+                      </a:tcPr>
+                    </a:tc>
+                    <a:extLst>
+                      <a:ext uri="{0D108BD9-81ED-4DB2-BD59-A6C34878D82A}">
+                        <a16:rowId xmlns:a16="http://schemas.microsoft.com/office/drawing/2014/main" val="2095585407"/>
+                      </a:ext>
+                    </a:extLst>
+                  </a:tr>
+                  <a:tr h="370840">
+                    <a:tc>
+                      <a:txBody>
+                        <a:bodyPr/>
+                        <a:lstStyle/>
+                        <a:p>
+                          <a:endParaRPr lang="ja-JP"/>
+                        </a:p>
+                      </a:txBody>
+                      <a:tcPr>
+                        <a:blipFill>
+                          <a:blip r:embed="rId3"/>
+                          <a:stretch>
+                            <a:fillRect l="-272" t="-201639" r="-100543" b="-601639"/>
+                          </a:stretch>
+                        </a:blipFill>
+                      </a:tcPr>
+                    </a:tc>
+                    <a:tc>
+                      <a:txBody>
+                        <a:bodyPr/>
+                        <a:lstStyle/>
+                        <a:p>
+                          <a:endParaRPr lang="ja-JP"/>
+                        </a:p>
+                      </a:txBody>
+                      <a:tcPr>
+                        <a:blipFill>
+                          <a:blip r:embed="rId3"/>
+                          <a:stretch>
+                            <a:fillRect l="-100272" t="-201639" r="-543" b="-601639"/>
+                          </a:stretch>
+                        </a:blipFill>
+                      </a:tcPr>
+                    </a:tc>
+                    <a:extLst>
+                      <a:ext uri="{0D108BD9-81ED-4DB2-BD59-A6C34878D82A}">
+                        <a16:rowId xmlns:a16="http://schemas.microsoft.com/office/drawing/2014/main" val="3435956096"/>
+                      </a:ext>
+                    </a:extLst>
+                  </a:tr>
+                  <a:tr h="370840">
+                    <a:tc>
+                      <a:txBody>
+                        <a:bodyPr/>
+                        <a:lstStyle/>
+                        <a:p>
+                          <a:endParaRPr lang="ja-JP"/>
+                        </a:p>
+                      </a:txBody>
+                      <a:tcPr>
+                        <a:blipFill>
+                          <a:blip r:embed="rId3"/>
+                          <a:stretch>
+                            <a:fillRect l="-272" t="-301639" r="-100543" b="-501639"/>
+                          </a:stretch>
+                        </a:blipFill>
+                      </a:tcPr>
+                    </a:tc>
+                    <a:tc>
+                      <a:txBody>
+                        <a:bodyPr/>
+                        <a:lstStyle/>
+                        <a:p>
+                          <a:endParaRPr lang="ja-JP"/>
+                        </a:p>
+                      </a:txBody>
+                      <a:tcPr>
+                        <a:blipFill>
+                          <a:blip r:embed="rId3"/>
+                          <a:stretch>
+                            <a:fillRect l="-100272" t="-301639" r="-543" b="-501639"/>
+                          </a:stretch>
+                        </a:blipFill>
+                      </a:tcPr>
+                    </a:tc>
+                    <a:extLst>
+                      <a:ext uri="{0D108BD9-81ED-4DB2-BD59-A6C34878D82A}">
+                        <a16:rowId xmlns:a16="http://schemas.microsoft.com/office/drawing/2014/main" val="1532471"/>
+                      </a:ext>
+                    </a:extLst>
+                  </a:tr>
+                  <a:tr h="370840">
+                    <a:tc>
+                      <a:txBody>
+                        <a:bodyPr/>
+                        <a:lstStyle/>
+                        <a:p>
+                          <a:endParaRPr lang="ja-JP"/>
+                        </a:p>
+                      </a:txBody>
+                      <a:tcPr>
+                        <a:blipFill>
+                          <a:blip r:embed="rId3"/>
+                          <a:stretch>
+                            <a:fillRect l="-272" t="-408333" r="-100543" b="-410000"/>
+                          </a:stretch>
+                        </a:blipFill>
+                      </a:tcPr>
+                    </a:tc>
+                    <a:tc>
+                      <a:txBody>
+                        <a:bodyPr/>
+                        <a:lstStyle/>
+                        <a:p>
+                          <a:endParaRPr lang="ja-JP"/>
+                        </a:p>
+                      </a:txBody>
+                      <a:tcPr>
+                        <a:blipFill>
+                          <a:blip r:embed="rId3"/>
+                          <a:stretch>
+                            <a:fillRect l="-100272" t="-408333" r="-543" b="-410000"/>
+                          </a:stretch>
+                        </a:blipFill>
+                      </a:tcPr>
+                    </a:tc>
+                    <a:extLst>
+                      <a:ext uri="{0D108BD9-81ED-4DB2-BD59-A6C34878D82A}">
+                        <a16:rowId xmlns:a16="http://schemas.microsoft.com/office/drawing/2014/main" val="307558442"/>
+                      </a:ext>
+                    </a:extLst>
+                  </a:tr>
+                  <a:tr h="370840">
+                    <a:tc>
+                      <a:txBody>
+                        <a:bodyPr/>
+                        <a:lstStyle/>
+                        <a:p>
+                          <a:endParaRPr lang="ja-JP"/>
+                        </a:p>
+                      </a:txBody>
+                      <a:tcPr>
+                        <a:blipFill>
+                          <a:blip r:embed="rId3"/>
+                          <a:stretch>
+                            <a:fillRect l="-272" t="-500000" r="-100543" b="-303279"/>
+                          </a:stretch>
+                        </a:blipFill>
+                      </a:tcPr>
+                    </a:tc>
+                    <a:tc>
+                      <a:txBody>
+                        <a:bodyPr/>
+                        <a:lstStyle/>
+                        <a:p>
+                          <a:endParaRPr lang="ja-JP"/>
+                        </a:p>
+                      </a:txBody>
+                      <a:tcPr>
+                        <a:blipFill>
+                          <a:blip r:embed="rId3"/>
+                          <a:stretch>
+                            <a:fillRect l="-100272" t="-500000" r="-543" b="-303279"/>
+                          </a:stretch>
+                        </a:blipFill>
+                      </a:tcPr>
+                    </a:tc>
+                    <a:extLst>
+                      <a:ext uri="{0D108BD9-81ED-4DB2-BD59-A6C34878D82A}">
+                        <a16:rowId xmlns:a16="http://schemas.microsoft.com/office/drawing/2014/main" val="4111179192"/>
+                      </a:ext>
+                    </a:extLst>
+                  </a:tr>
+                  <a:tr h="370840">
+                    <a:tc>
+                      <a:txBody>
+                        <a:bodyPr/>
+                        <a:lstStyle/>
+                        <a:p>
+                          <a:pPr algn="ctr"/>
+                          <a:endParaRPr kumimoji="1" lang="ja-JP" altLang="en-US" dirty="0"/>
+                        </a:p>
+                      </a:txBody>
+                      <a:tcPr/>
+                    </a:tc>
+                    <a:tc>
+                      <a:txBody>
+                        <a:bodyPr/>
+                        <a:lstStyle/>
+                        <a:p>
+                          <a:pPr algn="ctr"/>
+                          <a:endParaRPr kumimoji="1" lang="ja-JP" altLang="en-US" dirty="0"/>
+                        </a:p>
+                      </a:txBody>
+                      <a:tcPr/>
+                    </a:tc>
+                    <a:extLst>
+                      <a:ext uri="{0D108BD9-81ED-4DB2-BD59-A6C34878D82A}">
+                        <a16:rowId xmlns:a16="http://schemas.microsoft.com/office/drawing/2014/main" val="512577662"/>
+                      </a:ext>
+                    </a:extLst>
+                  </a:tr>
+                  <a:tr h="370840">
+                    <a:tc>
+                      <a:txBody>
+                        <a:bodyPr/>
+                        <a:lstStyle/>
+                        <a:p>
+                          <a:endParaRPr lang="ja-JP"/>
+                        </a:p>
+                      </a:txBody>
+                      <a:tcPr>
+                        <a:blipFill>
+                          <a:blip r:embed="rId3"/>
+                          <a:stretch>
+                            <a:fillRect l="-272" t="-700000" r="-100543" b="-103279"/>
+                          </a:stretch>
+                        </a:blipFill>
+                      </a:tcPr>
+                    </a:tc>
+                    <a:tc>
+                      <a:txBody>
+                        <a:bodyPr/>
+                        <a:lstStyle/>
+                        <a:p>
+                          <a:endParaRPr lang="ja-JP"/>
+                        </a:p>
+                      </a:txBody>
+                      <a:tcPr>
+                        <a:blipFill>
+                          <a:blip r:embed="rId3"/>
+                          <a:stretch>
+                            <a:fillRect l="-100272" t="-700000" r="-543" b="-103279"/>
+                          </a:stretch>
+                        </a:blipFill>
+                      </a:tcPr>
+                    </a:tc>
+                    <a:extLst>
+                      <a:ext uri="{0D108BD9-81ED-4DB2-BD59-A6C34878D82A}">
+                        <a16:rowId xmlns:a16="http://schemas.microsoft.com/office/drawing/2014/main" val="1358309396"/>
+                      </a:ext>
+                    </a:extLst>
+                  </a:tr>
+                  <a:tr h="370840">
+                    <a:tc>
+                      <a:txBody>
+                        <a:bodyPr/>
+                        <a:lstStyle/>
+                        <a:p>
+                          <a:endParaRPr lang="ja-JP"/>
+                        </a:p>
+                      </a:txBody>
+                      <a:tcPr>
+                        <a:blipFill>
+                          <a:blip r:embed="rId3"/>
+                          <a:stretch>
+                            <a:fillRect l="-272" t="-800000" r="-100543" b="-3279"/>
+                          </a:stretch>
+                        </a:blipFill>
+                      </a:tcPr>
+                    </a:tc>
+                    <a:tc>
+                      <a:txBody>
+                        <a:bodyPr/>
+                        <a:lstStyle/>
+                        <a:p>
+                          <a:endParaRPr lang="ja-JP"/>
+                        </a:p>
+                      </a:txBody>
+                      <a:tcPr>
+                        <a:blipFill>
+                          <a:blip r:embed="rId3"/>
+                          <a:stretch>
+                            <a:fillRect l="-100272" t="-800000" r="-543" b="-3279"/>
+                          </a:stretch>
+                        </a:blipFill>
+                      </a:tcPr>
+                    </a:tc>
+                    <a:extLst>
+                      <a:ext uri="{0D108BD9-81ED-4DB2-BD59-A6C34878D82A}">
+                        <a16:rowId xmlns:a16="http://schemas.microsoft.com/office/drawing/2014/main" val="1237250867"/>
+                      </a:ext>
+                    </a:extLst>
+                  </a:tr>
+                </a:tbl>
+              </a:graphicData>
+            </a:graphic>
+          </p:graphicFrame>
+        </mc:Fallback>
+      </mc:AlternateContent>
+      <mc:AlternateContent xmlns:mc="http://schemas.openxmlformats.org/markup-compatibility/2006">
+        <mc:Choice xmlns:a14="http://schemas.microsoft.com/office/drawing/2010/main" Requires="a14">
+          <p:sp>
+            <p:nvSpPr>
+              <p:cNvPr id="9" name="テキスト ボックス 8">
+                <a:extLst>
+                  <a:ext uri="{FF2B5EF4-FFF2-40B4-BE49-F238E27FC236}">
+                    <a16:creationId xmlns:a16="http://schemas.microsoft.com/office/drawing/2014/main" id="{C4E00861-7606-60D1-4793-5FD9BF1A1E2E}"/>
+                  </a:ext>
+                </a:extLst>
+              </p:cNvPr>
+              <p:cNvSpPr txBox="1"/>
+              <p:nvPr/>
+            </p:nvSpPr>
+            <p:spPr>
+              <a:xfrm>
+                <a:off x="393290" y="2354739"/>
+                <a:ext cx="6685935" cy="3054811"/>
+              </a:xfrm>
+              <a:prstGeom prst="rect">
+                <a:avLst/>
+              </a:prstGeom>
+              <a:noFill/>
+            </p:spPr>
+            <p:txBody>
+              <a:bodyPr wrap="square" rtlCol="0">
+                <a:spAutoFit/>
+              </a:bodyPr>
+              <a:lstStyle/>
+              <a:p>
+                <a:pPr algn="l"/>
+                <a:r>
+                  <a:rPr kumimoji="1" lang="ja-JP" altLang="en-US" sz="2400" dirty="0"/>
+                  <a:t>したがって</a:t>
+                </a:r>
+                <a14:m>
+                  <m:oMath xmlns:m="http://schemas.openxmlformats.org/officeDocument/2006/math">
+                    <m:sSub>
+                      <m:sSubPr>
+                        <m:ctrlPr>
+                          <a:rPr kumimoji="1" lang="en-US" altLang="ja-JP" sz="2400" b="0" i="1" smtClean="0">
+                            <a:latin typeface="Cambria Math" panose="02040503050406030204" pitchFamily="18" charset="0"/>
+                          </a:rPr>
+                        </m:ctrlPr>
+                      </m:sSubPr>
+                      <m:e>
+                        <m:r>
+                          <a:rPr kumimoji="1" lang="en-US" altLang="ja-JP" sz="2400" b="0" i="1" smtClean="0">
+                            <a:latin typeface="Cambria Math" panose="02040503050406030204" pitchFamily="18" charset="0"/>
+                          </a:rPr>
+                          <m:t>𝐾</m:t>
+                        </m:r>
+                      </m:e>
+                      <m:sub>
+                        <m:r>
+                          <a:rPr kumimoji="1" lang="en-US" altLang="ja-JP" sz="2400" b="0" i="1" smtClean="0">
+                            <a:latin typeface="Cambria Math" panose="02040503050406030204" pitchFamily="18" charset="0"/>
+                          </a:rPr>
+                          <m:t>𝐴</m:t>
+                        </m:r>
+                      </m:sub>
+                    </m:sSub>
+                  </m:oMath>
+                </a14:m>
+                <a:r>
+                  <a:rPr kumimoji="1" lang="ja-JP" altLang="en-US" sz="2400" dirty="0"/>
+                  <a:t>は</a:t>
+                </a:r>
+                <a:endParaRPr kumimoji="1" lang="en-US" altLang="ja-JP" sz="2400" dirty="0"/>
+              </a:p>
+              <a:p>
+                <a:pPr algn="l"/>
+                <a14:m>
+                  <m:oMathPara xmlns:m="http://schemas.openxmlformats.org/officeDocument/2006/math">
+                    <m:oMathParaPr>
+                      <m:jc m:val="centerGroup"/>
+                    </m:oMathParaPr>
+                    <m:oMath xmlns:m="http://schemas.openxmlformats.org/officeDocument/2006/math">
+                      <m:sSub>
+                        <m:sSubPr>
+                          <m:ctrlPr>
+                            <a:rPr kumimoji="1" lang="en-US" altLang="ja-JP" sz="2400" b="0" i="1" smtClean="0">
+                              <a:latin typeface="Cambria Math" panose="02040503050406030204" pitchFamily="18" charset="0"/>
+                            </a:rPr>
+                          </m:ctrlPr>
+                        </m:sSubPr>
+                        <m:e>
+                          <m:r>
+                            <a:rPr kumimoji="1" lang="en-US" altLang="ja-JP" sz="2400" b="0" i="1" smtClean="0">
+                              <a:latin typeface="Cambria Math" panose="02040503050406030204" pitchFamily="18" charset="0"/>
+                            </a:rPr>
+                            <m:t>𝐾</m:t>
+                          </m:r>
+                        </m:e>
+                        <m:sub>
+                          <m:r>
+                            <a:rPr kumimoji="1" lang="en-US" altLang="ja-JP" sz="2400" b="0" i="1" smtClean="0">
+                              <a:latin typeface="Cambria Math" panose="02040503050406030204" pitchFamily="18" charset="0"/>
+                            </a:rPr>
+                            <m:t>𝐴</m:t>
+                          </m:r>
+                        </m:sub>
+                      </m:sSub>
+                      <m:r>
+                        <a:rPr kumimoji="1" lang="en-US" altLang="ja-JP" sz="2400" b="0" i="1" smtClean="0">
+                          <a:latin typeface="Cambria Math" panose="02040503050406030204" pitchFamily="18" charset="0"/>
+                        </a:rPr>
+                        <m:t>=</m:t>
+                      </m:r>
+                      <m:f>
+                        <m:fPr>
+                          <m:ctrlPr>
+                            <a:rPr kumimoji="1" lang="en-US" altLang="ja-JP" sz="2400" b="0" i="1" smtClean="0">
+                              <a:latin typeface="Cambria Math" panose="02040503050406030204" pitchFamily="18" charset="0"/>
+                            </a:rPr>
+                          </m:ctrlPr>
+                        </m:fPr>
+                        <m:num>
+                          <m:r>
+                            <a:rPr kumimoji="1" lang="en-US" altLang="ja-JP" sz="2400" b="0" i="1" smtClean="0">
+                              <a:latin typeface="Cambria Math" panose="02040503050406030204" pitchFamily="18" charset="0"/>
+                            </a:rPr>
+                            <m:t>2</m:t>
+                          </m:r>
+                          <m:r>
+                            <a:rPr kumimoji="1" lang="en-US" altLang="ja-JP" sz="2400" b="0" i="1" smtClean="0">
+                              <a:latin typeface="Cambria Math" panose="02040503050406030204" pitchFamily="18" charset="0"/>
+                            </a:rPr>
+                            <m:t>⋅990.8×</m:t>
+                          </m:r>
+                          <m:sSup>
+                            <m:sSupPr>
+                              <m:ctrlPr>
+                                <a:rPr kumimoji="1" lang="en-US" altLang="ja-JP" sz="2400" b="0" i="1" smtClean="0">
+                                  <a:latin typeface="Cambria Math" panose="02040503050406030204" pitchFamily="18" charset="0"/>
+                                </a:rPr>
+                              </m:ctrlPr>
+                            </m:sSupPr>
+                            <m:e>
+                              <m:r>
+                                <a:rPr kumimoji="1" lang="en-US" altLang="ja-JP" sz="2400" b="0" i="1" smtClean="0">
+                                  <a:latin typeface="Cambria Math" panose="02040503050406030204" pitchFamily="18" charset="0"/>
+                                </a:rPr>
+                                <m:t>10</m:t>
+                              </m:r>
+                            </m:e>
+                            <m:sup>
+                              <m:r>
+                                <a:rPr kumimoji="1" lang="en-US" altLang="ja-JP" sz="2400" b="0" i="1" smtClean="0">
+                                  <a:latin typeface="Cambria Math" panose="02040503050406030204" pitchFamily="18" charset="0"/>
+                                </a:rPr>
+                                <m:t>−6</m:t>
+                              </m:r>
+                            </m:sup>
+                          </m:sSup>
+                        </m:num>
+                        <m:den>
+                          <m:sSup>
+                            <m:sSupPr>
+                              <m:ctrlPr>
+                                <a:rPr kumimoji="1" lang="en-US" altLang="ja-JP" sz="2400" b="0" i="1" smtClean="0">
+                                  <a:latin typeface="Cambria Math" panose="02040503050406030204" pitchFamily="18" charset="0"/>
+                                </a:rPr>
+                              </m:ctrlPr>
+                            </m:sSupPr>
+                            <m:e>
+                              <m:d>
+                                <m:dPr>
+                                  <m:begChr m:val=""/>
+                                  <m:endChr m:val="}"/>
+                                  <m:ctrlPr>
+                                    <a:rPr kumimoji="1" lang="en-US" altLang="ja-JP" sz="2400" b="0" i="1" smtClean="0">
+                                      <a:latin typeface="Cambria Math" panose="02040503050406030204" pitchFamily="18" charset="0"/>
+                                    </a:rPr>
+                                  </m:ctrlPr>
+                                </m:dPr>
+                                <m:e>
+                                  <m:d>
+                                    <m:dPr>
+                                      <m:begChr m:val="{"/>
+                                      <m:endChr m:val=""/>
+                                      <m:ctrlPr>
+                                        <a:rPr kumimoji="1" lang="en-US" altLang="ja-JP" sz="2400" b="0" i="1" smtClean="0">
+                                          <a:latin typeface="Cambria Math" panose="02040503050406030204" pitchFamily="18" charset="0"/>
+                                        </a:rPr>
+                                      </m:ctrlPr>
+                                    </m:dPr>
+                                    <m:e>
+                                      <m:d>
+                                        <m:dPr>
+                                          <m:ctrlPr>
+                                            <a:rPr kumimoji="1" lang="en-US" altLang="ja-JP" sz="2400" b="0" i="1" smtClean="0">
+                                              <a:latin typeface="Cambria Math" panose="02040503050406030204" pitchFamily="18" charset="0"/>
+                                            </a:rPr>
+                                          </m:ctrlPr>
+                                        </m:dPr>
+                                        <m:e>
+                                          <m:r>
+                                            <a:rPr kumimoji="1" lang="en-US" altLang="ja-JP" sz="2400" b="0" i="1" smtClean="0">
+                                              <a:latin typeface="Cambria Math" panose="02040503050406030204" pitchFamily="18" charset="0"/>
+                                            </a:rPr>
+                                            <m:t>1.59−0.6687</m:t>
+                                          </m:r>
+                                        </m:e>
+                                      </m:d>
+                                      <m:r>
+                                        <a:rPr kumimoji="1" lang="en-US" altLang="ja-JP" sz="2400" b="0" i="1" smtClean="0">
+                                          <a:latin typeface="Cambria Math" panose="02040503050406030204" pitchFamily="18" charset="0"/>
+                                        </a:rPr>
+                                        <m:t>−0.5614</m:t>
+                                      </m:r>
+                                    </m:e>
+                                  </m:d>
+                                </m:e>
+                              </m:d>
+                            </m:e>
+                            <m:sup>
+                              <m:r>
+                                <a:rPr kumimoji="1" lang="en-US" altLang="ja-JP" sz="2400" b="0" i="1" smtClean="0">
+                                  <a:latin typeface="Cambria Math" panose="02040503050406030204" pitchFamily="18" charset="0"/>
+                                </a:rPr>
+                                <m:t>2</m:t>
+                              </m:r>
+                            </m:sup>
+                          </m:sSup>
+                        </m:den>
+                      </m:f>
+                    </m:oMath>
+                  </m:oMathPara>
+                </a14:m>
+                <a:endParaRPr kumimoji="1" lang="en-US" altLang="ja-JP" sz="2400" b="0" dirty="0"/>
+              </a:p>
+              <a:p>
+                <a14:m>
+                  <m:oMathPara xmlns:m="http://schemas.openxmlformats.org/officeDocument/2006/math">
+                    <m:oMathParaPr>
+                      <m:jc m:val="centerGroup"/>
+                    </m:oMathParaPr>
+                    <m:oMath xmlns:m="http://schemas.openxmlformats.org/officeDocument/2006/math">
+                      <m:r>
+                        <a:rPr lang="en-US" altLang="ja-JP" sz="2400" i="1">
+                          <a:latin typeface="Cambria Math" panose="02040503050406030204" pitchFamily="18" charset="0"/>
+                        </a:rPr>
+                        <m:t>=0.01529</m:t>
+                      </m:r>
+                      <m:r>
+                        <a:rPr lang="en-US" altLang="ja-JP" sz="2400" b="0" i="1" smtClean="0">
+                          <a:latin typeface="Cambria Math" panose="02040503050406030204" pitchFamily="18" charset="0"/>
+                        </a:rPr>
+                        <m:t>⋯≈0.0153</m:t>
+                      </m:r>
+                    </m:oMath>
+                  </m:oMathPara>
+                </a14:m>
+                <a:endParaRPr lang="en-US" altLang="ja-JP" sz="2400" b="0" dirty="0"/>
+              </a:p>
+              <a:p>
+                <a:r>
+                  <a:rPr kumimoji="1" lang="ja-JP" altLang="en-US" sz="2400" dirty="0"/>
+                  <a:t>ちなみに、</a:t>
+                </a:r>
+                <a14:m>
+                  <m:oMath xmlns:m="http://schemas.openxmlformats.org/officeDocument/2006/math">
+                    <m:r>
+                      <m:rPr>
+                        <m:sty m:val="p"/>
+                      </m:rPr>
+                      <a:rPr kumimoji="1" lang="en-US" altLang="ja-JP" sz="2400" b="0" i="0" smtClean="0">
+                        <a:latin typeface="Cambria Math" panose="02040503050406030204" pitchFamily="18" charset="0"/>
+                      </a:rPr>
+                      <m:t>L</m:t>
+                    </m:r>
+                    <m:r>
+                      <a:rPr kumimoji="1" lang="en-US" altLang="ja-JP" sz="2400" b="0" i="0" smtClean="0">
+                        <a:latin typeface="Cambria Math" panose="02040503050406030204" pitchFamily="18" charset="0"/>
+                      </a:rPr>
+                      <m:t>=0.72 </m:t>
+                    </m:r>
+                    <m:r>
+                      <m:rPr>
+                        <m:sty m:val="p"/>
+                      </m:rPr>
+                      <a:rPr kumimoji="1" lang="en-US" altLang="ja-JP" sz="2400" b="0" i="0" smtClean="0">
+                        <a:latin typeface="Cambria Math" panose="02040503050406030204" pitchFamily="18" charset="0"/>
+                      </a:rPr>
+                      <m:t>μm</m:t>
+                    </m:r>
+                    <m:r>
+                      <a:rPr kumimoji="1" lang="en-US" altLang="ja-JP" sz="2400" b="0" i="0" smtClean="0">
+                        <a:latin typeface="Cambria Math" panose="02040503050406030204" pitchFamily="18" charset="0"/>
+                      </a:rPr>
+                      <m:t>,</m:t>
+                    </m:r>
+                    <m:r>
+                      <m:rPr>
+                        <m:sty m:val="p"/>
+                      </m:rPr>
+                      <a:rPr kumimoji="1" lang="en-US" altLang="ja-JP" sz="2400" b="0" i="0" smtClean="0">
+                        <a:latin typeface="Cambria Math" panose="02040503050406030204" pitchFamily="18" charset="0"/>
+                      </a:rPr>
+                      <m:t>W</m:t>
+                    </m:r>
+                    <m:r>
+                      <a:rPr kumimoji="1" lang="en-US" altLang="ja-JP" sz="2400" b="0" i="0" smtClean="0">
+                        <a:latin typeface="Cambria Math" panose="02040503050406030204" pitchFamily="18" charset="0"/>
+                      </a:rPr>
+                      <m:t>=4.27 </m:t>
+                    </m:r>
+                    <m:r>
+                      <m:rPr>
+                        <m:sty m:val="p"/>
+                      </m:rPr>
+                      <a:rPr kumimoji="1" lang="en-US" altLang="ja-JP" sz="2400" b="0" i="0" smtClean="0">
+                        <a:latin typeface="Cambria Math" panose="02040503050406030204" pitchFamily="18" charset="0"/>
+                      </a:rPr>
+                      <m:t>μm</m:t>
+                    </m:r>
+                    <m:r>
+                      <a:rPr kumimoji="1" lang="en-US" altLang="ja-JP" sz="2400" b="0" i="0" smtClean="0">
+                        <a:latin typeface="Cambria Math" panose="02040503050406030204" pitchFamily="18" charset="0"/>
+                      </a:rPr>
+                      <m:t>,</m:t>
+                    </m:r>
+                    <m:r>
+                      <m:rPr>
+                        <m:sty m:val="p"/>
+                      </m:rPr>
+                      <a:rPr kumimoji="1" lang="en-US" altLang="ja-JP" sz="2400" b="0" i="0" smtClean="0">
+                        <a:latin typeface="Cambria Math" panose="02040503050406030204" pitchFamily="18" charset="0"/>
+                      </a:rPr>
+                      <m:t>M</m:t>
+                    </m:r>
+                    <m:r>
+                      <a:rPr kumimoji="1" lang="en-US" altLang="ja-JP" sz="2400" b="0" i="0" smtClean="0">
+                        <a:latin typeface="Cambria Math" panose="02040503050406030204" pitchFamily="18" charset="0"/>
+                      </a:rPr>
+                      <m:t>=10</m:t>
+                    </m:r>
+                  </m:oMath>
+                </a14:m>
+                <a:endParaRPr kumimoji="1" lang="en-US" altLang="ja-JP" sz="2400" dirty="0"/>
+              </a:p>
+              <a:p>
+                <a:r>
+                  <a:rPr lang="ja-JP" altLang="en-US" sz="2400" dirty="0"/>
+                  <a:t>だったので、</a:t>
+                </a:r>
+                <a:endParaRPr lang="en-US" altLang="ja-JP" sz="2400" dirty="0"/>
+              </a:p>
+              <a:p>
+                <a14:m>
+                  <m:oMathPara xmlns:m="http://schemas.openxmlformats.org/officeDocument/2006/math">
+                    <m:oMathParaPr>
+                      <m:jc m:val="centerGroup"/>
+                    </m:oMathParaPr>
+                    <m:oMath xmlns:m="http://schemas.openxmlformats.org/officeDocument/2006/math">
+                      <m:sSub>
+                        <m:sSubPr>
+                          <m:ctrlPr>
+                            <a:rPr kumimoji="1" lang="en-US" altLang="ja-JP" sz="2400" b="0" i="1" smtClean="0">
+                              <a:latin typeface="Cambria Math" panose="02040503050406030204" pitchFamily="18" charset="0"/>
+                            </a:rPr>
+                          </m:ctrlPr>
+                        </m:sSubPr>
+                        <m:e>
+                          <m:r>
+                            <a:rPr kumimoji="1" lang="en-US" altLang="ja-JP" sz="2400" b="0" i="1" smtClean="0">
+                              <a:latin typeface="Cambria Math" panose="02040503050406030204" pitchFamily="18" charset="0"/>
+                            </a:rPr>
+                            <m:t>𝐾</m:t>
+                          </m:r>
+                        </m:e>
+                        <m:sub>
+                          <m:r>
+                            <a:rPr kumimoji="1" lang="en-US" altLang="ja-JP" sz="2400" b="0" i="1" smtClean="0">
+                              <a:latin typeface="Cambria Math" panose="02040503050406030204" pitchFamily="18" charset="0"/>
+                            </a:rPr>
+                            <m:t>0</m:t>
+                          </m:r>
+                        </m:sub>
+                      </m:sSub>
+                      <m:r>
+                        <a:rPr kumimoji="1" lang="en-US" altLang="ja-JP" sz="2400" b="0" i="1" smtClean="0">
+                          <a:latin typeface="Cambria Math" panose="02040503050406030204" pitchFamily="18" charset="0"/>
+                        </a:rPr>
+                        <m:t>=</m:t>
+                      </m:r>
+                      <m:sSub>
+                        <m:sSubPr>
+                          <m:ctrlPr>
+                            <a:rPr kumimoji="1" lang="en-US" altLang="ja-JP" sz="2400" b="0" i="1" smtClean="0">
+                              <a:latin typeface="Cambria Math" panose="02040503050406030204" pitchFamily="18" charset="0"/>
+                            </a:rPr>
+                          </m:ctrlPr>
+                        </m:sSubPr>
+                        <m:e>
+                          <m:r>
+                            <a:rPr kumimoji="1" lang="en-US" altLang="ja-JP" sz="2400" b="0" i="1" smtClean="0">
+                              <a:latin typeface="Cambria Math" panose="02040503050406030204" pitchFamily="18" charset="0"/>
+                            </a:rPr>
+                            <m:t>𝐾</m:t>
+                          </m:r>
+                        </m:e>
+                        <m:sub>
+                          <m:r>
+                            <a:rPr kumimoji="1" lang="en-US" altLang="ja-JP" sz="2400" b="0" i="1" smtClean="0">
+                              <a:latin typeface="Cambria Math" panose="02040503050406030204" pitchFamily="18" charset="0"/>
+                            </a:rPr>
+                            <m:t>𝐴</m:t>
+                          </m:r>
+                        </m:sub>
+                      </m:sSub>
+                      <m:r>
+                        <a:rPr kumimoji="1" lang="en-US" altLang="ja-JP" sz="2400" b="0" i="1" smtClean="0">
+                          <a:latin typeface="Cambria Math" panose="02040503050406030204" pitchFamily="18" charset="0"/>
+                        </a:rPr>
+                        <m:t>⋅</m:t>
+                      </m:r>
+                      <m:f>
+                        <m:fPr>
+                          <m:ctrlPr>
+                            <a:rPr kumimoji="1" lang="en-US" altLang="ja-JP" sz="2400" b="0" i="1" smtClean="0">
+                              <a:latin typeface="Cambria Math" panose="02040503050406030204" pitchFamily="18" charset="0"/>
+                            </a:rPr>
+                          </m:ctrlPr>
+                        </m:fPr>
+                        <m:num>
+                          <m:r>
+                            <a:rPr kumimoji="1" lang="en-US" altLang="ja-JP" sz="2400" b="0" i="1" smtClean="0">
+                              <a:latin typeface="Cambria Math" panose="02040503050406030204" pitchFamily="18" charset="0"/>
+                            </a:rPr>
+                            <m:t>𝐿</m:t>
+                          </m:r>
+                        </m:num>
+                        <m:den>
+                          <m:r>
+                            <a:rPr kumimoji="1" lang="en-US" altLang="ja-JP" sz="2400" b="0" i="1" smtClean="0">
+                              <a:latin typeface="Cambria Math" panose="02040503050406030204" pitchFamily="18" charset="0"/>
+                            </a:rPr>
+                            <m:t>2⋅</m:t>
+                          </m:r>
+                          <m:r>
+                            <a:rPr kumimoji="1" lang="en-US" altLang="ja-JP" sz="2400" b="0" i="1" smtClean="0">
+                              <a:latin typeface="Cambria Math" panose="02040503050406030204" pitchFamily="18" charset="0"/>
+                            </a:rPr>
+                            <m:t>𝑊</m:t>
+                          </m:r>
+                          <m:r>
+                            <a:rPr kumimoji="1" lang="en-US" altLang="ja-JP" sz="2400" b="0" i="1" smtClean="0">
+                              <a:latin typeface="Cambria Math" panose="02040503050406030204" pitchFamily="18" charset="0"/>
+                            </a:rPr>
+                            <m:t>⋅</m:t>
+                          </m:r>
+                          <m:r>
+                            <a:rPr kumimoji="1" lang="en-US" altLang="ja-JP" sz="2400" b="0" i="1" smtClean="0">
+                              <a:latin typeface="Cambria Math" panose="02040503050406030204" pitchFamily="18" charset="0"/>
+                            </a:rPr>
+                            <m:t>𝑀</m:t>
+                          </m:r>
+                        </m:den>
+                      </m:f>
+                      <m:r>
+                        <a:rPr lang="en-US" altLang="ja-JP" sz="2400" i="1">
+                          <a:latin typeface="Cambria Math" panose="02040503050406030204" pitchFamily="18" charset="0"/>
+                        </a:rPr>
+                        <m:t>=0.0001289</m:t>
+                      </m:r>
+                      <m:r>
+                        <a:rPr lang="en-US" altLang="ja-JP" sz="2400" b="0" i="1" smtClean="0">
+                          <a:latin typeface="Cambria Math" panose="02040503050406030204" pitchFamily="18" charset="0"/>
+                        </a:rPr>
+                        <m:t>⋯≈129 </m:t>
+                      </m:r>
+                      <m:r>
+                        <m:rPr>
+                          <m:sty m:val="p"/>
+                        </m:rPr>
+                        <a:rPr lang="en-US" altLang="ja-JP" sz="2400" b="0" i="0" smtClean="0">
+                          <a:latin typeface="Cambria Math" panose="02040503050406030204" pitchFamily="18" charset="0"/>
+                        </a:rPr>
+                        <m:t>μS</m:t>
+                      </m:r>
+                      <m:r>
+                        <a:rPr lang="en-US" altLang="ja-JP" sz="2400" b="0" i="0" smtClean="0">
+                          <a:latin typeface="Cambria Math" panose="02040503050406030204" pitchFamily="18" charset="0"/>
+                        </a:rPr>
+                        <m:t>/</m:t>
+                      </m:r>
+                      <m:r>
+                        <m:rPr>
+                          <m:sty m:val="p"/>
+                        </m:rPr>
+                        <a:rPr lang="en-US" altLang="ja-JP" sz="2400" b="0" i="0" smtClean="0">
+                          <a:latin typeface="Cambria Math" panose="02040503050406030204" pitchFamily="18" charset="0"/>
+                        </a:rPr>
+                        <m:t>V</m:t>
+                      </m:r>
+                    </m:oMath>
+                  </m:oMathPara>
+                </a14:m>
+                <a:endParaRPr kumimoji="1" lang="ja-JP" altLang="en-US" sz="2400" dirty="0"/>
+              </a:p>
+            </p:txBody>
+          </p:sp>
+        </mc:Choice>
+        <mc:Fallback>
+          <p:sp>
+            <p:nvSpPr>
+              <p:cNvPr id="9" name="テキスト ボックス 8">
+                <a:extLst>
+                  <a:ext uri="{FF2B5EF4-FFF2-40B4-BE49-F238E27FC236}">
+                    <a16:creationId xmlns:a16="http://schemas.microsoft.com/office/drawing/2014/main" id="{C4E00861-7606-60D1-4793-5FD9BF1A1E2E}"/>
+                  </a:ext>
+                </a:extLst>
+              </p:cNvPr>
+              <p:cNvSpPr txBox="1">
+                <a:spLocks noRot="1" noChangeAspect="1" noMove="1" noResize="1" noEditPoints="1" noAdjustHandles="1" noChangeArrowheads="1" noChangeShapeType="1" noTextEdit="1"/>
+              </p:cNvSpPr>
+              <p:nvPr/>
+            </p:nvSpPr>
+            <p:spPr>
+              <a:xfrm>
+                <a:off x="393290" y="2354739"/>
+                <a:ext cx="6685935" cy="3054811"/>
+              </a:xfrm>
+              <a:prstGeom prst="rect">
+                <a:avLst/>
+              </a:prstGeom>
+              <a:blipFill>
+                <a:blip r:embed="rId4"/>
+                <a:stretch>
+                  <a:fillRect l="-1460" t="-1597"/>
+                </a:stretch>
+              </a:blipFill>
+            </p:spPr>
+            <p:txBody>
+              <a:bodyPr/>
+              <a:lstStyle/>
+              <a:p>
+                <a:r>
+                  <a:rPr lang="ja-JP" altLang="en-US">
+                    <a:noFill/>
+                  </a:rPr>
+                  <a:t> </a:t>
+                </a:r>
+              </a:p>
+            </p:txBody>
+          </p:sp>
+        </mc:Fallback>
+      </mc:AlternateContent>
+    </p:spTree>
+    <p:extLst>
+      <p:ext uri="{BB962C8B-B14F-4D97-AF65-F5344CB8AC3E}">
+        <p14:creationId xmlns:p14="http://schemas.microsoft.com/office/powerpoint/2010/main" val="3758820632"/>
       </p:ext>
     </p:extLst>
   </p:cSld>
@@ -7350,4 +10191,299 @@
     </a:ext>
   </a:extLst>
 </a:theme>
+</file>
+
+<file path=ppt/theme/theme2.xml><?xml version="1.0" encoding="utf-8"?>
+<a:theme xmlns:a="http://schemas.openxmlformats.org/drawingml/2006/main" name="Office テーマ">
+  <a:themeElements>
+    <a:clrScheme name="Office">
+      <a:dk1>
+        <a:sysClr val="windowText" lastClr="000000"/>
+      </a:dk1>
+      <a:lt1>
+        <a:sysClr val="window" lastClr="FFFFFF"/>
+      </a:lt1>
+      <a:dk2>
+        <a:srgbClr val="44546A"/>
+      </a:dk2>
+      <a:lt2>
+        <a:srgbClr val="E7E6E6"/>
+      </a:lt2>
+      <a:accent1>
+        <a:srgbClr val="4472C4"/>
+      </a:accent1>
+      <a:accent2>
+        <a:srgbClr val="ED7D31"/>
+      </a:accent2>
+      <a:accent3>
+        <a:srgbClr val="A5A5A5"/>
+      </a:accent3>
+      <a:accent4>
+        <a:srgbClr val="FFC000"/>
+      </a:accent4>
+      <a:accent5>
+        <a:srgbClr val="5B9BD5"/>
+      </a:accent5>
+      <a:accent6>
+        <a:srgbClr val="70AD47"/>
+      </a:accent6>
+      <a:hlink>
+        <a:srgbClr val="0563C1"/>
+      </a:hlink>
+      <a:folHlink>
+        <a:srgbClr val="954F72"/>
+      </a:folHlink>
+    </a:clrScheme>
+    <a:fontScheme name="Office">
+      <a:majorFont>
+        <a:latin typeface="游ゴシック Light" panose="020F0302020204030204"/>
+        <a:ea typeface=""/>
+        <a:cs typeface=""/>
+        <a:font script="Jpan" typeface="游ゴシック Light"/>
+        <a:font script="Hang" typeface="맑은 고딕"/>
+        <a:font script="Hans" typeface="等线 Light"/>
+        <a:font script="Hant" typeface="新細明體"/>
+        <a:font script="Arab" typeface="Times New Roman"/>
+        <a:font script="Hebr" typeface="Times New Roman"/>
+        <a:font script="Thai" typeface="Angsana New"/>
+        <a:font script="Ethi" typeface="Nyala"/>
+        <a:font script="Beng" typeface="Vrinda"/>
+        <a:font script="Gujr" typeface="Shruti"/>
+        <a:font script="Khmr" typeface="MoolBoran"/>
+        <a:font script="Knda" typeface="Tunga"/>
+        <a:font script="Guru" typeface="Raavi"/>
+        <a:font script="Cans" typeface="Euphemia"/>
+        <a:font script="Cher" typeface="Plantagenet Cherokee"/>
+        <a:font script="Yiii" typeface="Microsoft Yi Baiti"/>
+        <a:font script="Tibt" typeface="Microsoft Himalaya"/>
+        <a:font script="Thaa" typeface="MV Boli"/>
+        <a:font script="Deva" typeface="Mangal"/>
+        <a:font script="Telu" typeface="Gautami"/>
+        <a:font script="Taml" typeface="Latha"/>
+        <a:font script="Syrc" typeface="Estrangelo Edessa"/>
+        <a:font script="Orya" typeface="Kalinga"/>
+        <a:font script="Mlym" typeface="Kartika"/>
+        <a:font script="Laoo" typeface="DokChampa"/>
+        <a:font script="Sinh" typeface="Iskoola Pota"/>
+        <a:font script="Mong" typeface="Mongolian Baiti"/>
+        <a:font script="Viet" typeface="Times New Roman"/>
+        <a:font script="Uigh" typeface="Microsoft Uighur"/>
+        <a:font script="Geor" typeface="Sylfaen"/>
+        <a:font script="Armn" typeface="Arial"/>
+        <a:font script="Bugi" typeface="Leelawadee UI"/>
+        <a:font script="Bopo" typeface="Microsoft JhengHei"/>
+        <a:font script="Java" typeface="Javanese Text"/>
+        <a:font script="Lisu" typeface="Segoe UI"/>
+        <a:font script="Mymr" typeface="Myanmar Text"/>
+        <a:font script="Nkoo" typeface="Ebrima"/>
+        <a:font script="Olck" typeface="Nirmala UI"/>
+        <a:font script="Osma" typeface="Ebrima"/>
+        <a:font script="Phag" typeface="Phagspa"/>
+        <a:font script="Syrn" typeface="Estrangelo Edessa"/>
+        <a:font script="Syrj" typeface="Estrangelo Edessa"/>
+        <a:font script="Syre" typeface="Estrangelo Edessa"/>
+        <a:font script="Sora" typeface="Nirmala UI"/>
+        <a:font script="Tale" typeface="Microsoft Tai Le"/>
+        <a:font script="Talu" typeface="Microsoft New Tai Lue"/>
+        <a:font script="Tfng" typeface="Ebrima"/>
+      </a:majorFont>
+      <a:minorFont>
+        <a:latin typeface="游ゴシック" panose="020F0502020204030204"/>
+        <a:ea typeface=""/>
+        <a:cs typeface=""/>
+        <a:font script="Jpan" typeface="游ゴシック"/>
+        <a:font script="Hang" typeface="맑은 고딕"/>
+        <a:font script="Hans" typeface="等线"/>
+        <a:font script="Hant" typeface="新細明體"/>
+        <a:font script="Arab" typeface="Arial"/>
+        <a:font script="Hebr" typeface="Arial"/>
+        <a:font script="Thai" typeface="Cordia New"/>
+        <a:font script="Ethi" typeface="Nyala"/>
+        <a:font script="Beng" typeface="Vrinda"/>
+        <a:font script="Gujr" typeface="Shruti"/>
+        <a:font script="Khmr" typeface="DaunPenh"/>
+        <a:font script="Knda" typeface="Tunga"/>
+        <a:font script="Guru" typeface="Raavi"/>
+        <a:font script="Cans" typeface="Euphemia"/>
+        <a:font script="Cher" typeface="Plantagenet Cherokee"/>
+        <a:font script="Yiii" typeface="Microsoft Yi Baiti"/>
+        <a:font script="Tibt" typeface="Microsoft Himalaya"/>
+        <a:font script="Thaa" typeface="MV Boli"/>
+        <a:font script="Deva" typeface="Mangal"/>
+        <a:font script="Telu" typeface="Gautami"/>
+        <a:font script="Taml" typeface="Latha"/>
+        <a:font script="Syrc" typeface="Estrangelo Edessa"/>
+        <a:font script="Orya" typeface="Kalinga"/>
+        <a:font script="Mlym" typeface="Kartika"/>
+        <a:font script="Laoo" typeface="DokChampa"/>
+        <a:font script="Sinh" typeface="Iskoola Pota"/>
+        <a:font script="Mong" typeface="Mongolian Baiti"/>
+        <a:font script="Viet" typeface="Arial"/>
+        <a:font script="Uigh" typeface="Microsoft Uighur"/>
+        <a:font script="Geor" typeface="Sylfaen"/>
+        <a:font script="Armn" typeface="Arial"/>
+        <a:font script="Bugi" typeface="Leelawadee UI"/>
+        <a:font script="Bopo" typeface="Microsoft JhengHei"/>
+        <a:font script="Java" typeface="Javanese Text"/>
+        <a:font script="Lisu" typeface="Segoe UI"/>
+        <a:font script="Mymr" typeface="Myanmar Text"/>
+        <a:font script="Nkoo" typeface="Ebrima"/>
+        <a:font script="Olck" typeface="Nirmala UI"/>
+        <a:font script="Osma" typeface="Ebrima"/>
+        <a:font script="Phag" typeface="Phagspa"/>
+        <a:font script="Syrn" typeface="Estrangelo Edessa"/>
+        <a:font script="Syrj" typeface="Estrangelo Edessa"/>
+        <a:font script="Syre" typeface="Estrangelo Edessa"/>
+        <a:font script="Sora" typeface="Nirmala UI"/>
+        <a:font script="Tale" typeface="Microsoft Tai Le"/>
+        <a:font script="Talu" typeface="Microsoft New Tai Lue"/>
+        <a:font script="Tfng" typeface="Ebrima"/>
+      </a:minorFont>
+    </a:fontScheme>
+    <a:fmtScheme name="Office">
+      <a:fillStyleLst>
+        <a:solidFill>
+          <a:schemeClr val="phClr"/>
+        </a:solidFill>
+        <a:gradFill rotWithShape="1">
+          <a:gsLst>
+            <a:gs pos="0">
+              <a:schemeClr val="phClr">
+                <a:lumMod val="110000"/>
+                <a:satMod val="105000"/>
+                <a:tint val="67000"/>
+              </a:schemeClr>
+            </a:gs>
+            <a:gs pos="50000">
+              <a:schemeClr val="phClr">
+                <a:lumMod val="105000"/>
+                <a:satMod val="103000"/>
+                <a:tint val="73000"/>
+              </a:schemeClr>
+            </a:gs>
+            <a:gs pos="100000">
+              <a:schemeClr val="phClr">
+                <a:lumMod val="105000"/>
+                <a:satMod val="109000"/>
+                <a:tint val="81000"/>
+              </a:schemeClr>
+            </a:gs>
+          </a:gsLst>
+          <a:lin ang="5400000" scaled="0"/>
+        </a:gradFill>
+        <a:gradFill rotWithShape="1">
+          <a:gsLst>
+            <a:gs pos="0">
+              <a:schemeClr val="phClr">
+                <a:satMod val="103000"/>
+                <a:lumMod val="102000"/>
+                <a:tint val="94000"/>
+              </a:schemeClr>
+            </a:gs>
+            <a:gs pos="50000">
+              <a:schemeClr val="phClr">
+                <a:satMod val="110000"/>
+                <a:lumMod val="100000"/>
+                <a:shade val="100000"/>
+              </a:schemeClr>
+            </a:gs>
+            <a:gs pos="100000">
+              <a:schemeClr val="phClr">
+                <a:lumMod val="99000"/>
+                <a:satMod val="120000"/>
+                <a:shade val="78000"/>
+              </a:schemeClr>
+            </a:gs>
+          </a:gsLst>
+          <a:lin ang="5400000" scaled="0"/>
+        </a:gradFill>
+      </a:fillStyleLst>
+      <a:lnStyleLst>
+        <a:ln w="6350" cap="flat" cmpd="sng" algn="ctr">
+          <a:solidFill>
+            <a:schemeClr val="phClr"/>
+          </a:solidFill>
+          <a:prstDash val="solid"/>
+          <a:miter lim="800000"/>
+        </a:ln>
+        <a:ln w="12700" cap="flat" cmpd="sng" algn="ctr">
+          <a:solidFill>
+            <a:schemeClr val="phClr"/>
+          </a:solidFill>
+          <a:prstDash val="solid"/>
+          <a:miter lim="800000"/>
+        </a:ln>
+        <a:ln w="19050" cap="flat" cmpd="sng" algn="ctr">
+          <a:solidFill>
+            <a:schemeClr val="phClr"/>
+          </a:solidFill>
+          <a:prstDash val="solid"/>
+          <a:miter lim="800000"/>
+        </a:ln>
+      </a:lnStyleLst>
+      <a:effectStyleLst>
+        <a:effectStyle>
+          <a:effectLst/>
+        </a:effectStyle>
+        <a:effectStyle>
+          <a:effectLst/>
+        </a:effectStyle>
+        <a:effectStyle>
+          <a:effectLst>
+            <a:outerShdw blurRad="57150" dist="19050" dir="5400000" algn="ctr" rotWithShape="0">
+              <a:srgbClr val="000000">
+                <a:alpha val="63000"/>
+              </a:srgbClr>
+            </a:outerShdw>
+          </a:effectLst>
+        </a:effectStyle>
+      </a:effectStyleLst>
+      <a:bgFillStyleLst>
+        <a:solidFill>
+          <a:schemeClr val="phClr"/>
+        </a:solidFill>
+        <a:solidFill>
+          <a:schemeClr val="phClr">
+            <a:tint val="95000"/>
+            <a:satMod val="170000"/>
+          </a:schemeClr>
+        </a:solidFill>
+        <a:gradFill rotWithShape="1">
+          <a:gsLst>
+            <a:gs pos="0">
+              <a:schemeClr val="phClr">
+                <a:tint val="93000"/>
+                <a:satMod val="150000"/>
+                <a:shade val="98000"/>
+                <a:lumMod val="102000"/>
+              </a:schemeClr>
+            </a:gs>
+            <a:gs pos="50000">
+              <a:schemeClr val="phClr">
+                <a:tint val="98000"/>
+                <a:satMod val="130000"/>
+                <a:shade val="90000"/>
+                <a:lumMod val="103000"/>
+              </a:schemeClr>
+            </a:gs>
+            <a:gs pos="100000">
+              <a:schemeClr val="phClr">
+                <a:shade val="63000"/>
+                <a:satMod val="120000"/>
+              </a:schemeClr>
+            </a:gs>
+          </a:gsLst>
+          <a:lin ang="5400000" scaled="0"/>
+        </a:gradFill>
+      </a:bgFillStyleLst>
+    </a:fmtScheme>
+  </a:themeElements>
+  <a:objectDefaults/>
+  <a:extraClrSchemeLst/>
+  <a:extLst>
+    <a:ext uri="{05A4C25C-085E-4340-85A3-A5531E510DB2}">
+      <thm15:themeFamily xmlns:thm15="http://schemas.microsoft.com/office/thememl/2012/main" name="Office Theme" id="{62F939B6-93AF-4DB8-9C6B-D6C7DFDC589F}" vid="{4A3C46E8-61CC-4603-A589-7422A47A8E4A}"/>
+    </a:ext>
+  </a:extLst>
+</a:theme>
 </file>
--- a/folded_gilbert/20230717/折り返し型の電圧範囲.pptx
+++ b/folded_gilbert/20230717/折り返し型の電圧範囲.pptx
@@ -7943,8 +7943,8 @@
           </a:p>
         </p:txBody>
       </p:sp>
-      <mc:AlternateContent xmlns:mc="http://schemas.openxmlformats.org/markup-compatibility/2006">
-        <mc:Choice xmlns:a14="http://schemas.microsoft.com/office/drawing/2010/main" Requires="a14">
+      <mc:AlternateContent xmlns:mc="http://schemas.openxmlformats.org/markup-compatibility/2006" xmlns:a14="http://schemas.microsoft.com/office/drawing/2010/main">
+        <mc:Choice Requires="a14">
           <p:sp>
             <p:nvSpPr>
               <p:cNvPr id="7" name="テキスト ボックス 6">
@@ -8032,7 +8032,7 @@
             </p:txBody>
           </p:sp>
         </mc:Choice>
-        <mc:Fallback>
+        <mc:Fallback xmlns="">
           <p:sp>
             <p:nvSpPr>
               <p:cNvPr id="7" name="テキスト ボックス 6">
@@ -9560,8 +9560,8 @@
           </p:graphicFrame>
         </mc:Fallback>
       </mc:AlternateContent>
-      <mc:AlternateContent xmlns:mc="http://schemas.openxmlformats.org/markup-compatibility/2006">
-        <mc:Choice xmlns:a14="http://schemas.microsoft.com/office/drawing/2010/main" Requires="a14">
+      <mc:AlternateContent xmlns:mc="http://schemas.openxmlformats.org/markup-compatibility/2006" xmlns:a14="http://schemas.microsoft.com/office/drawing/2010/main">
+        <mc:Choice Requires="a14">
           <p:sp>
             <p:nvSpPr>
               <p:cNvPr id="9" name="テキスト ボックス 8">
@@ -9804,25 +9804,7 @@
                         <a:rPr lang="en-US" altLang="ja-JP" sz="2400" b="0" i="1" smtClean="0">
                           <a:latin typeface="Cambria Math" panose="02040503050406030204" pitchFamily="18" charset="0"/>
                         </a:rPr>
-                        <m:t>⋯≈15</m:t>
-                      </m:r>
-                      <m:r>
-                        <a:rPr lang="en-US" altLang="ja-JP" sz="2400" b="0" i="1" smtClean="0">
-                          <a:latin typeface="Cambria Math" panose="02040503050406030204" pitchFamily="18" charset="0"/>
-                        </a:rPr>
-                        <m:t>.</m:t>
-                      </m:r>
-                      <m:r>
-                        <a:rPr lang="en-US" altLang="ja-JP" sz="2400" b="0" i="1" smtClean="0">
-                          <a:latin typeface="Cambria Math" panose="02040503050406030204" pitchFamily="18" charset="0"/>
-                        </a:rPr>
-                        <m:t>3</m:t>
-                      </m:r>
-                      <m:r>
-                        <a:rPr lang="en-US" altLang="ja-JP" sz="2400" b="0" i="1" smtClean="0">
-                          <a:latin typeface="Cambria Math" panose="02040503050406030204" pitchFamily="18" charset="0"/>
-                        </a:rPr>
-                        <m:t> [</m:t>
+                        <m:t>⋯≈15.3 [</m:t>
                       </m:r>
                       <m:r>
                         <m:rPr>
@@ -10109,7 +10091,7 @@
             </p:txBody>
           </p:sp>
         </mc:Choice>
-        <mc:Fallback>
+        <mc:Fallback xmlns="">
           <p:sp>
             <p:nvSpPr>
               <p:cNvPr id="9" name="テキスト ボックス 8">
@@ -10184,8 +10166,8 @@
           <a:chExt cx="0" cy="0"/>
         </a:xfrm>
       </p:grpSpPr>
-      <mc:AlternateContent xmlns:mc="http://schemas.openxmlformats.org/markup-compatibility/2006">
-        <mc:Choice xmlns:a14="http://schemas.microsoft.com/office/drawing/2010/main" Requires="a14">
+      <mc:AlternateContent xmlns:mc="http://schemas.openxmlformats.org/markup-compatibility/2006" xmlns:a14="http://schemas.microsoft.com/office/drawing/2010/main">
+        <mc:Choice Requires="a14">
           <p:sp>
             <p:nvSpPr>
               <p:cNvPr id="2" name="タイトル 1">
@@ -10228,7 +10210,7 @@
             </p:txBody>
           </p:sp>
         </mc:Choice>
-        <mc:Fallback>
+        <mc:Fallback xmlns="">
           <p:sp>
             <p:nvSpPr>
               <p:cNvPr id="2" name="タイトル 1">
@@ -10369,8 +10351,8 @@
           </a:prstGeom>
         </p:spPr>
       </p:pic>
-      <mc:AlternateContent xmlns:mc="http://schemas.openxmlformats.org/markup-compatibility/2006">
-        <mc:Choice xmlns:a14="http://schemas.microsoft.com/office/drawing/2010/main" Requires="a14">
+      <mc:AlternateContent xmlns:mc="http://schemas.openxmlformats.org/markup-compatibility/2006" xmlns:a14="http://schemas.microsoft.com/office/drawing/2010/main">
+        <mc:Choice Requires="a14">
           <p:sp>
             <p:nvSpPr>
               <p:cNvPr id="8" name="テキスト ボックス 7">
@@ -10520,7 +10502,7 @@
             </p:txBody>
           </p:sp>
         </mc:Choice>
-        <mc:Fallback>
+        <mc:Fallback xmlns="">
           <p:sp>
             <p:nvSpPr>
               <p:cNvPr id="8" name="テキスト ボックス 7">
@@ -10595,8 +10577,8 @@
           <a:chExt cx="0" cy="0"/>
         </a:xfrm>
       </p:grpSpPr>
-      <mc:AlternateContent xmlns:mc="http://schemas.openxmlformats.org/markup-compatibility/2006">
-        <mc:Choice xmlns:a14="http://schemas.microsoft.com/office/drawing/2010/main" Requires="a14">
+      <mc:AlternateContent xmlns:mc="http://schemas.openxmlformats.org/markup-compatibility/2006" xmlns:a14="http://schemas.microsoft.com/office/drawing/2010/main">
+        <mc:Choice Requires="a14">
           <p:sp>
             <p:nvSpPr>
               <p:cNvPr id="2" name="タイトル 1">
@@ -10639,7 +10621,7 @@
             </p:txBody>
           </p:sp>
         </mc:Choice>
-        <mc:Fallback>
+        <mc:Fallback xmlns="">
           <p:sp>
             <p:nvSpPr>
               <p:cNvPr id="2" name="タイトル 1">
@@ -10744,8 +10726,8 @@
           </a:prstGeom>
         </p:spPr>
       </p:pic>
-      <mc:AlternateContent xmlns:mc="http://schemas.openxmlformats.org/markup-compatibility/2006">
-        <mc:Choice xmlns:a14="http://schemas.microsoft.com/office/drawing/2010/main" Requires="a14">
+      <mc:AlternateContent xmlns:mc="http://schemas.openxmlformats.org/markup-compatibility/2006" xmlns:a14="http://schemas.microsoft.com/office/drawing/2010/main">
+        <mc:Choice Requires="a14">
           <p:sp>
             <p:nvSpPr>
               <p:cNvPr id="8" name="テキスト ボックス 7">
@@ -10852,7 +10834,7 @@
                     <m:sSub>
                       <m:sSubPr>
                         <m:ctrlPr>
-                          <a:rPr kumimoji="1" lang="en-US" altLang="ja-JP" sz="2400" b="0" i="0" smtClean="0">
+                          <a:rPr kumimoji="1" lang="en-US" altLang="ja-JP" sz="2400" b="0" i="1" smtClean="0">
                             <a:latin typeface="Cambria Math" panose="02040503050406030204" pitchFamily="18" charset="0"/>
                           </a:rPr>
                         </m:ctrlPr>
@@ -11046,13 +11028,7 @@
                             <a:rPr kumimoji="1" lang="en-US" altLang="ja-JP" sz="2400" b="0" i="1" smtClean="0">
                               <a:latin typeface="Cambria Math" panose="02040503050406030204" pitchFamily="18" charset="0"/>
                             </a:rPr>
-                            <m:t>15.3</m:t>
-                          </m:r>
-                          <m:r>
-                            <a:rPr kumimoji="1" lang="en-US" altLang="ja-JP" sz="2400" b="0" i="1" smtClean="0">
-                              <a:latin typeface="Cambria Math" panose="02040503050406030204" pitchFamily="18" charset="0"/>
-                            </a:rPr>
-                            <m:t>×</m:t>
+                            <m:t>15.3×</m:t>
                           </m:r>
                           <m:sSup>
                             <m:sSupPr>
@@ -11161,7 +11137,7 @@
             </p:txBody>
           </p:sp>
         </mc:Choice>
-        <mc:Fallback>
+        <mc:Fallback xmlns="">
           <p:sp>
             <p:nvSpPr>
               <p:cNvPr id="8" name="テキスト ボックス 7">
@@ -11236,8 +11212,8 @@
           <a:chExt cx="0" cy="0"/>
         </a:xfrm>
       </p:grpSpPr>
-      <mc:AlternateContent xmlns:mc="http://schemas.openxmlformats.org/markup-compatibility/2006">
-        <mc:Choice xmlns:a14="http://schemas.microsoft.com/office/drawing/2010/main" Requires="a14">
+      <mc:AlternateContent xmlns:mc="http://schemas.openxmlformats.org/markup-compatibility/2006" xmlns:a14="http://schemas.microsoft.com/office/drawing/2010/main">
+        <mc:Choice Requires="a14">
           <p:sp>
             <p:nvSpPr>
               <p:cNvPr id="2" name="タイトル 1">
@@ -11280,7 +11256,7 @@
             </p:txBody>
           </p:sp>
         </mc:Choice>
-        <mc:Fallback>
+        <mc:Fallback xmlns="">
           <p:sp>
             <p:nvSpPr>
               <p:cNvPr id="2" name="タイトル 1">

--- a/folded_gilbert/20230717/折り返し型の電圧範囲.pptx
+++ b/folded_gilbert/20230717/折り返し型の電圧範囲.pptx
@@ -398,7 +398,7 @@
           <a:p>
             <a:fld id="{DE382154-419C-409D-B617-0B89EFE1CE79}" type="datetimeFigureOut">
               <a:rPr kumimoji="1" lang="ja-JP" altLang="en-US" smtClean="0"/>
-              <a:t>2023/7/13</a:t>
+              <a:t>2023/7/14</a:t>
             </a:fld>
             <a:endParaRPr kumimoji="1" lang="ja-JP" altLang="en-US"/>
           </a:p>
@@ -844,7 +844,7 @@
           <a:p>
             <a:fld id="{51C00744-0B96-40C4-851C-83586B5ED643}" type="datetime1">
               <a:rPr kumimoji="1" lang="ja-JP" altLang="en-US" smtClean="0"/>
-              <a:t>2023/7/13</a:t>
+              <a:t>2023/7/14</a:t>
             </a:fld>
             <a:endParaRPr kumimoji="1" lang="ja-JP" altLang="en-US"/>
           </a:p>
@@ -1074,7 +1074,7 @@
           <a:p>
             <a:fld id="{EF7C8E09-3058-4716-AE5A-C5CA582A05F1}" type="datetime1">
               <a:rPr kumimoji="1" lang="ja-JP" altLang="en-US" smtClean="0"/>
-              <a:t>2023/7/13</a:t>
+              <a:t>2023/7/14</a:t>
             </a:fld>
             <a:endParaRPr kumimoji="1" lang="ja-JP" altLang="en-US"/>
           </a:p>
@@ -1314,7 +1314,7 @@
           <a:p>
             <a:fld id="{4179C582-9FBB-4F37-BEA6-6B0A84724C2B}" type="datetime1">
               <a:rPr kumimoji="1" lang="ja-JP" altLang="en-US" smtClean="0"/>
-              <a:t>2023/7/13</a:t>
+              <a:t>2023/7/14</a:t>
             </a:fld>
             <a:endParaRPr kumimoji="1" lang="ja-JP" altLang="en-US"/>
           </a:p>
@@ -1544,7 +1544,7 @@
           <a:p>
             <a:fld id="{B9710FC7-F292-464E-B04D-D382BBC5B6EA}" type="datetime1">
               <a:rPr kumimoji="1" lang="ja-JP" altLang="en-US" smtClean="0"/>
-              <a:t>2023/7/13</a:t>
+              <a:t>2023/7/14</a:t>
             </a:fld>
             <a:endParaRPr kumimoji="1" lang="ja-JP" altLang="en-US"/>
           </a:p>
@@ -1819,7 +1819,7 @@
           <a:p>
             <a:fld id="{B5564B36-BDCF-4E10-8FFE-CB21D40BC2DD}" type="datetime1">
               <a:rPr kumimoji="1" lang="ja-JP" altLang="en-US" smtClean="0"/>
-              <a:t>2023/7/13</a:t>
+              <a:t>2023/7/14</a:t>
             </a:fld>
             <a:endParaRPr kumimoji="1" lang="ja-JP" altLang="en-US"/>
           </a:p>
@@ -2148,7 +2148,7 @@
           <a:p>
             <a:fld id="{4BD5286A-916E-4B5B-84B6-DDE4DEB090B2}" type="datetime1">
               <a:rPr kumimoji="1" lang="ja-JP" altLang="en-US" smtClean="0"/>
-              <a:t>2023/7/13</a:t>
+              <a:t>2023/7/14</a:t>
             </a:fld>
             <a:endParaRPr kumimoji="1" lang="ja-JP" altLang="en-US"/>
           </a:p>
@@ -2624,7 +2624,7 @@
           <a:p>
             <a:fld id="{7567D527-BD0D-4C2A-B41E-CA79E11F4B63}" type="datetime1">
               <a:rPr kumimoji="1" lang="ja-JP" altLang="en-US" smtClean="0"/>
-              <a:t>2023/7/13</a:t>
+              <a:t>2023/7/14</a:t>
             </a:fld>
             <a:endParaRPr kumimoji="1" lang="ja-JP" altLang="en-US"/>
           </a:p>
@@ -2765,7 +2765,7 @@
           <a:p>
             <a:fld id="{02C36703-85BB-4D8D-8511-E9B4F426175F}" type="datetime1">
               <a:rPr kumimoji="1" lang="ja-JP" altLang="en-US" smtClean="0"/>
-              <a:t>2023/7/13</a:t>
+              <a:t>2023/7/14</a:t>
             </a:fld>
             <a:endParaRPr kumimoji="1" lang="ja-JP" altLang="en-US"/>
           </a:p>
@@ -2878,7 +2878,7 @@
           <a:p>
             <a:fld id="{A94F3F00-754A-4C95-A300-F53CA6E5E9A5}" type="datetime1">
               <a:rPr kumimoji="1" lang="ja-JP" altLang="en-US" smtClean="0"/>
-              <a:t>2023/7/13</a:t>
+              <a:t>2023/7/14</a:t>
             </a:fld>
             <a:endParaRPr kumimoji="1" lang="ja-JP" altLang="en-US"/>
           </a:p>
@@ -3221,7 +3221,7 @@
           <a:p>
             <a:fld id="{ABB84780-9747-432F-8DBF-1C07342C76D8}" type="datetime1">
               <a:rPr kumimoji="1" lang="ja-JP" altLang="en-US" smtClean="0"/>
-              <a:t>2023/7/13</a:t>
+              <a:t>2023/7/14</a:t>
             </a:fld>
             <a:endParaRPr kumimoji="1" lang="ja-JP" altLang="en-US"/>
           </a:p>
@@ -3509,7 +3509,7 @@
           <a:p>
             <a:fld id="{BB42EB3F-5154-43C6-ACD8-A692B0412506}" type="datetime1">
               <a:rPr kumimoji="1" lang="ja-JP" altLang="en-US" smtClean="0"/>
-              <a:t>2023/7/13</a:t>
+              <a:t>2023/7/14</a:t>
             </a:fld>
             <a:endParaRPr kumimoji="1" lang="ja-JP" altLang="en-US"/>
           </a:p>
@@ -3782,7 +3782,7 @@
           <a:p>
             <a:fld id="{3DE181C2-0CF6-41E9-B879-ED17C3A7EA86}" type="datetime1">
               <a:rPr kumimoji="1" lang="ja-JP" altLang="en-US" smtClean="0"/>
-              <a:t>2023/7/13</a:t>
+              <a:t>2023/7/14</a:t>
             </a:fld>
             <a:endParaRPr kumimoji="1" lang="ja-JP" altLang="en-US"/>
           </a:p>

--- a/folded_gilbert/20230717/折り返し型の電圧範囲.pptx
+++ b/folded_gilbert/20230717/折り返し型の電圧範囲.pptx
@@ -5,18 +5,21 @@
     <p:sldMasterId id="2147483648" r:id="rId1"/>
   </p:sldMasterIdLst>
   <p:notesMasterIdLst>
-    <p:notesMasterId r:id="rId11"/>
+    <p:notesMasterId r:id="rId14"/>
   </p:notesMasterIdLst>
   <p:sldIdLst>
     <p:sldId id="256" r:id="rId2"/>
     <p:sldId id="259" r:id="rId3"/>
     <p:sldId id="257" r:id="rId4"/>
-    <p:sldId id="260" r:id="rId5"/>
-    <p:sldId id="261" r:id="rId6"/>
+    <p:sldId id="261" r:id="rId5"/>
+    <p:sldId id="260" r:id="rId6"/>
     <p:sldId id="262" r:id="rId7"/>
     <p:sldId id="263" r:id="rId8"/>
     <p:sldId id="264" r:id="rId9"/>
     <p:sldId id="265" r:id="rId10"/>
+    <p:sldId id="266" r:id="rId11"/>
+    <p:sldId id="268" r:id="rId12"/>
+    <p:sldId id="267" r:id="rId13"/>
   </p:sldIdLst>
   <p:sldSz cx="12192000" cy="6858000"/>
   <p:notesSz cx="6858000" cy="9144000"/>
@@ -398,7 +401,7 @@
           <a:p>
             <a:fld id="{DE382154-419C-409D-B617-0B89EFE1CE79}" type="datetimeFigureOut">
               <a:rPr kumimoji="1" lang="ja-JP" altLang="en-US" smtClean="0"/>
-              <a:t>2023/7/14</a:t>
+              <a:t>2023/7/16</a:t>
             </a:fld>
             <a:endParaRPr kumimoji="1" lang="ja-JP" altLang="en-US"/>
           </a:p>
@@ -844,7 +847,7 @@
           <a:p>
             <a:fld id="{51C00744-0B96-40C4-851C-83586B5ED643}" type="datetime1">
               <a:rPr kumimoji="1" lang="ja-JP" altLang="en-US" smtClean="0"/>
-              <a:t>2023/7/14</a:t>
+              <a:t>2023/7/16</a:t>
             </a:fld>
             <a:endParaRPr kumimoji="1" lang="ja-JP" altLang="en-US"/>
           </a:p>
@@ -1074,7 +1077,7 @@
           <a:p>
             <a:fld id="{EF7C8E09-3058-4716-AE5A-C5CA582A05F1}" type="datetime1">
               <a:rPr kumimoji="1" lang="ja-JP" altLang="en-US" smtClean="0"/>
-              <a:t>2023/7/14</a:t>
+              <a:t>2023/7/16</a:t>
             </a:fld>
             <a:endParaRPr kumimoji="1" lang="ja-JP" altLang="en-US"/>
           </a:p>
@@ -1314,7 +1317,7 @@
           <a:p>
             <a:fld id="{4179C582-9FBB-4F37-BEA6-6B0A84724C2B}" type="datetime1">
               <a:rPr kumimoji="1" lang="ja-JP" altLang="en-US" smtClean="0"/>
-              <a:t>2023/7/14</a:t>
+              <a:t>2023/7/16</a:t>
             </a:fld>
             <a:endParaRPr kumimoji="1" lang="ja-JP" altLang="en-US"/>
           </a:p>
@@ -1544,7 +1547,7 @@
           <a:p>
             <a:fld id="{B9710FC7-F292-464E-B04D-D382BBC5B6EA}" type="datetime1">
               <a:rPr kumimoji="1" lang="ja-JP" altLang="en-US" smtClean="0"/>
-              <a:t>2023/7/14</a:t>
+              <a:t>2023/7/16</a:t>
             </a:fld>
             <a:endParaRPr kumimoji="1" lang="ja-JP" altLang="en-US"/>
           </a:p>
@@ -1819,7 +1822,7 @@
           <a:p>
             <a:fld id="{B5564B36-BDCF-4E10-8FFE-CB21D40BC2DD}" type="datetime1">
               <a:rPr kumimoji="1" lang="ja-JP" altLang="en-US" smtClean="0"/>
-              <a:t>2023/7/14</a:t>
+              <a:t>2023/7/16</a:t>
             </a:fld>
             <a:endParaRPr kumimoji="1" lang="ja-JP" altLang="en-US"/>
           </a:p>
@@ -2148,7 +2151,7 @@
           <a:p>
             <a:fld id="{4BD5286A-916E-4B5B-84B6-DDE4DEB090B2}" type="datetime1">
               <a:rPr kumimoji="1" lang="ja-JP" altLang="en-US" smtClean="0"/>
-              <a:t>2023/7/14</a:t>
+              <a:t>2023/7/16</a:t>
             </a:fld>
             <a:endParaRPr kumimoji="1" lang="ja-JP" altLang="en-US"/>
           </a:p>
@@ -2624,7 +2627,7 @@
           <a:p>
             <a:fld id="{7567D527-BD0D-4C2A-B41E-CA79E11F4B63}" type="datetime1">
               <a:rPr kumimoji="1" lang="ja-JP" altLang="en-US" smtClean="0"/>
-              <a:t>2023/7/14</a:t>
+              <a:t>2023/7/16</a:t>
             </a:fld>
             <a:endParaRPr kumimoji="1" lang="ja-JP" altLang="en-US"/>
           </a:p>
@@ -2765,7 +2768,7 @@
           <a:p>
             <a:fld id="{02C36703-85BB-4D8D-8511-E9B4F426175F}" type="datetime1">
               <a:rPr kumimoji="1" lang="ja-JP" altLang="en-US" smtClean="0"/>
-              <a:t>2023/7/14</a:t>
+              <a:t>2023/7/16</a:t>
             </a:fld>
             <a:endParaRPr kumimoji="1" lang="ja-JP" altLang="en-US"/>
           </a:p>
@@ -2878,7 +2881,7 @@
           <a:p>
             <a:fld id="{A94F3F00-754A-4C95-A300-F53CA6E5E9A5}" type="datetime1">
               <a:rPr kumimoji="1" lang="ja-JP" altLang="en-US" smtClean="0"/>
-              <a:t>2023/7/14</a:t>
+              <a:t>2023/7/16</a:t>
             </a:fld>
             <a:endParaRPr kumimoji="1" lang="ja-JP" altLang="en-US"/>
           </a:p>
@@ -3221,7 +3224,7 @@
           <a:p>
             <a:fld id="{ABB84780-9747-432F-8DBF-1C07342C76D8}" type="datetime1">
               <a:rPr kumimoji="1" lang="ja-JP" altLang="en-US" smtClean="0"/>
-              <a:t>2023/7/14</a:t>
+              <a:t>2023/7/16</a:t>
             </a:fld>
             <a:endParaRPr kumimoji="1" lang="ja-JP" altLang="en-US"/>
           </a:p>
@@ -3509,7 +3512,7 @@
           <a:p>
             <a:fld id="{BB42EB3F-5154-43C6-ACD8-A692B0412506}" type="datetime1">
               <a:rPr kumimoji="1" lang="ja-JP" altLang="en-US" smtClean="0"/>
-              <a:t>2023/7/14</a:t>
+              <a:t>2023/7/16</a:t>
             </a:fld>
             <a:endParaRPr kumimoji="1" lang="ja-JP" altLang="en-US"/>
           </a:p>
@@ -3782,7 +3785,7 @@
           <a:p>
             <a:fld id="{3DE181C2-0CF6-41E9-B879-ED17C3A7EA86}" type="datetime1">
               <a:rPr kumimoji="1" lang="ja-JP" altLang="en-US" smtClean="0"/>
-              <a:t>2023/7/14</a:t>
+              <a:t>2023/7/16</a:t>
             </a:fld>
             <a:endParaRPr kumimoji="1" lang="ja-JP" altLang="en-US"/>
           </a:p>
@@ -4309,6 +4312,639 @@
 </p:sld>
 </file>
 
+<file path=ppt/slides/slide10.xml><?xml version="1.0" encoding="utf-8"?>
+<p:sld xmlns:a="http://schemas.openxmlformats.org/drawingml/2006/main" xmlns:r="http://schemas.openxmlformats.org/officeDocument/2006/relationships" xmlns:p="http://schemas.openxmlformats.org/presentationml/2006/main">
+  <p:cSld>
+    <p:spTree>
+      <p:nvGrpSpPr>
+        <p:cNvPr id="1" name=""/>
+        <p:cNvGrpSpPr/>
+        <p:nvPr/>
+      </p:nvGrpSpPr>
+      <p:grpSpPr>
+        <a:xfrm>
+          <a:off x="0" y="0"/>
+          <a:ext cx="0" cy="0"/>
+          <a:chOff x="0" y="0"/>
+          <a:chExt cx="0" cy="0"/>
+        </a:xfrm>
+      </p:grpSpPr>
+      <p:sp>
+        <p:nvSpPr>
+          <p:cNvPr id="2" name="タイトル 1">
+            <a:extLst>
+              <a:ext uri="{FF2B5EF4-FFF2-40B4-BE49-F238E27FC236}">
+                <a16:creationId xmlns:a16="http://schemas.microsoft.com/office/drawing/2014/main" id="{EAC27E28-9C7C-5F12-8457-554153DDCD54}"/>
+              </a:ext>
+            </a:extLst>
+          </p:cNvPr>
+          <p:cNvSpPr>
+            <a:spLocks noGrp="1"/>
+          </p:cNvSpPr>
+          <p:nvPr>
+            <p:ph type="title"/>
+          </p:nvPr>
+        </p:nvSpPr>
+        <p:spPr/>
+        <p:txBody>
+          <a:bodyPr/>
+          <a:lstStyle/>
+          <a:p>
+            <a:r>
+              <a:rPr kumimoji="1" lang="en-US" altLang="ja-JP" dirty="0"/>
+              <a:t>AC</a:t>
+            </a:r>
+            <a:r>
+              <a:rPr kumimoji="1" lang="ja-JP" altLang="en-US" dirty="0"/>
+              <a:t>解析</a:t>
+            </a:r>
+          </a:p>
+        </p:txBody>
+      </p:sp>
+      <p:sp>
+        <p:nvSpPr>
+          <p:cNvPr id="3" name="スライド番号プレースホルダー 2">
+            <a:extLst>
+              <a:ext uri="{FF2B5EF4-FFF2-40B4-BE49-F238E27FC236}">
+                <a16:creationId xmlns:a16="http://schemas.microsoft.com/office/drawing/2014/main" id="{DEAE09E8-CDA1-9F2C-D11E-6A51E914D081}"/>
+              </a:ext>
+            </a:extLst>
+          </p:cNvPr>
+          <p:cNvSpPr>
+            <a:spLocks noGrp="1"/>
+          </p:cNvSpPr>
+          <p:nvPr>
+            <p:ph type="sldNum" sz="quarter" idx="12"/>
+          </p:nvPr>
+        </p:nvSpPr>
+        <p:spPr/>
+        <p:txBody>
+          <a:bodyPr/>
+          <a:lstStyle/>
+          <a:p>
+            <a:fld id="{85B6C27D-B957-4A92-99D3-4644DF81A59E}" type="slidenum">
+              <a:rPr kumimoji="1" lang="ja-JP" altLang="en-US" smtClean="0"/>
+              <a:t>10</a:t>
+            </a:fld>
+            <a:endParaRPr kumimoji="1" lang="ja-JP" altLang="en-US"/>
+          </a:p>
+        </p:txBody>
+      </p:sp>
+      <p:pic>
+        <p:nvPicPr>
+          <p:cNvPr id="10" name="図 9" descr="グラフ&#10;&#10;自動的に生成された説明">
+            <a:extLst>
+              <a:ext uri="{FF2B5EF4-FFF2-40B4-BE49-F238E27FC236}">
+                <a16:creationId xmlns:a16="http://schemas.microsoft.com/office/drawing/2014/main" id="{5E911C62-E1EE-FA6B-C1F3-28FF73DA38ED}"/>
+              </a:ext>
+            </a:extLst>
+          </p:cNvPr>
+          <p:cNvPicPr>
+            <a:picLocks noChangeAspect="1"/>
+          </p:cNvPicPr>
+          <p:nvPr/>
+        </p:nvPicPr>
+        <p:blipFill rotWithShape="1">
+          <a:blip r:embed="rId2">
+            <a:extLst>
+              <a:ext uri="{28A0092B-C50C-407E-A947-70E740481C1C}">
+                <a14:useLocalDpi xmlns:a14="http://schemas.microsoft.com/office/drawing/2010/main" val="0"/>
+              </a:ext>
+            </a:extLst>
+          </a:blip>
+          <a:srcRect r="6901"/>
+          <a:stretch/>
+        </p:blipFill>
+        <p:spPr>
+          <a:xfrm>
+            <a:off x="6096000" y="1577788"/>
+            <a:ext cx="5639598" cy="4240305"/>
+          </a:xfrm>
+          <a:prstGeom prst="rect">
+            <a:avLst/>
+          </a:prstGeom>
+        </p:spPr>
+      </p:pic>
+      <p:pic>
+        <p:nvPicPr>
+          <p:cNvPr id="12" name="図 11" descr="グラフ&#10;&#10;自動的に生成された説明">
+            <a:extLst>
+              <a:ext uri="{FF2B5EF4-FFF2-40B4-BE49-F238E27FC236}">
+                <a16:creationId xmlns:a16="http://schemas.microsoft.com/office/drawing/2014/main" id="{7A5F472F-7E04-C5DD-8404-2604FE0D5B99}"/>
+              </a:ext>
+            </a:extLst>
+          </p:cNvPr>
+          <p:cNvPicPr>
+            <a:picLocks noChangeAspect="1"/>
+          </p:cNvPicPr>
+          <p:nvPr/>
+        </p:nvPicPr>
+        <p:blipFill rotWithShape="1">
+          <a:blip r:embed="rId3">
+            <a:extLst>
+              <a:ext uri="{28A0092B-C50C-407E-A947-70E740481C1C}">
+                <a14:useLocalDpi xmlns:a14="http://schemas.microsoft.com/office/drawing/2010/main" val="0"/>
+              </a:ext>
+            </a:extLst>
+          </a:blip>
+          <a:srcRect r="6901"/>
+          <a:stretch/>
+        </p:blipFill>
+        <p:spPr>
+          <a:xfrm>
+            <a:off x="367554" y="1577788"/>
+            <a:ext cx="5639598" cy="4240305"/>
+          </a:xfrm>
+          <a:prstGeom prst="rect">
+            <a:avLst/>
+          </a:prstGeom>
+        </p:spPr>
+      </p:pic>
+      <p:sp>
+        <p:nvSpPr>
+          <p:cNvPr id="13" name="テキスト ボックス 12">
+            <a:extLst>
+              <a:ext uri="{FF2B5EF4-FFF2-40B4-BE49-F238E27FC236}">
+                <a16:creationId xmlns:a16="http://schemas.microsoft.com/office/drawing/2014/main" id="{894756A3-31D0-C90F-368D-FFCF4B0BF4FA}"/>
+              </a:ext>
+            </a:extLst>
+          </p:cNvPr>
+          <p:cNvSpPr txBox="1"/>
+          <p:nvPr/>
+        </p:nvSpPr>
+        <p:spPr>
+          <a:xfrm>
+            <a:off x="5437093" y="1039907"/>
+            <a:ext cx="3263154" cy="430887"/>
+          </a:xfrm>
+          <a:prstGeom prst="rect">
+            <a:avLst/>
+          </a:prstGeom>
+          <a:noFill/>
+        </p:spPr>
+        <p:txBody>
+          <a:bodyPr wrap="square" rtlCol="0">
+            <a:spAutoFit/>
+          </a:bodyPr>
+          <a:lstStyle/>
+          <a:p>
+            <a:pPr algn="l"/>
+            <a:r>
+              <a:rPr kumimoji="1" lang="ja-JP" altLang="en-US" sz="2200" dirty="0"/>
+              <a:t>折り返し型の周波数特性</a:t>
+            </a:r>
+          </a:p>
+        </p:txBody>
+      </p:sp>
+    </p:spTree>
+    <p:extLst>
+      <p:ext uri="{BB962C8B-B14F-4D97-AF65-F5344CB8AC3E}">
+        <p14:creationId xmlns:p14="http://schemas.microsoft.com/office/powerpoint/2010/main" val="1145240485"/>
+      </p:ext>
+    </p:extLst>
+  </p:cSld>
+  <p:clrMapOvr>
+    <a:masterClrMapping/>
+  </p:clrMapOvr>
+</p:sld>
+</file>
+
+<file path=ppt/slides/slide11.xml><?xml version="1.0" encoding="utf-8"?>
+<p:sld xmlns:a="http://schemas.openxmlformats.org/drawingml/2006/main" xmlns:r="http://schemas.openxmlformats.org/officeDocument/2006/relationships" xmlns:p="http://schemas.openxmlformats.org/presentationml/2006/main">
+  <p:cSld>
+    <p:spTree>
+      <p:nvGrpSpPr>
+        <p:cNvPr id="1" name=""/>
+        <p:cNvGrpSpPr/>
+        <p:nvPr/>
+      </p:nvGrpSpPr>
+      <p:grpSpPr>
+        <a:xfrm>
+          <a:off x="0" y="0"/>
+          <a:ext cx="0" cy="0"/>
+          <a:chOff x="0" y="0"/>
+          <a:chExt cx="0" cy="0"/>
+        </a:xfrm>
+      </p:grpSpPr>
+      <p:sp>
+        <p:nvSpPr>
+          <p:cNvPr id="2" name="タイトル 1">
+            <a:extLst>
+              <a:ext uri="{FF2B5EF4-FFF2-40B4-BE49-F238E27FC236}">
+                <a16:creationId xmlns:a16="http://schemas.microsoft.com/office/drawing/2014/main" id="{66507766-8464-F86C-E3BD-DD979EBBCA5C}"/>
+              </a:ext>
+            </a:extLst>
+          </p:cNvPr>
+          <p:cNvSpPr>
+            <a:spLocks noGrp="1"/>
+          </p:cNvSpPr>
+          <p:nvPr>
+            <p:ph type="title"/>
+          </p:nvPr>
+        </p:nvSpPr>
+        <p:spPr/>
+        <p:txBody>
+          <a:bodyPr/>
+          <a:lstStyle/>
+          <a:p>
+            <a:r>
+              <a:rPr kumimoji="1" lang="en-US" altLang="ja-JP" dirty="0"/>
+              <a:t>AC</a:t>
+            </a:r>
+            <a:r>
+              <a:rPr kumimoji="1" lang="ja-JP" altLang="en-US" dirty="0"/>
+              <a:t>解析</a:t>
+            </a:r>
+          </a:p>
+        </p:txBody>
+      </p:sp>
+      <p:sp>
+        <p:nvSpPr>
+          <p:cNvPr id="3" name="スライド番号プレースホルダー 2">
+            <a:extLst>
+              <a:ext uri="{FF2B5EF4-FFF2-40B4-BE49-F238E27FC236}">
+                <a16:creationId xmlns:a16="http://schemas.microsoft.com/office/drawing/2014/main" id="{1BDD8450-2D38-BCB8-C6E5-55D050311043}"/>
+              </a:ext>
+            </a:extLst>
+          </p:cNvPr>
+          <p:cNvSpPr>
+            <a:spLocks noGrp="1"/>
+          </p:cNvSpPr>
+          <p:nvPr>
+            <p:ph type="sldNum" sz="quarter" idx="12"/>
+          </p:nvPr>
+        </p:nvSpPr>
+        <p:spPr/>
+        <p:txBody>
+          <a:bodyPr/>
+          <a:lstStyle/>
+          <a:p>
+            <a:fld id="{85B6C27D-B957-4A92-99D3-4644DF81A59E}" type="slidenum">
+              <a:rPr kumimoji="1" lang="ja-JP" altLang="en-US" smtClean="0"/>
+              <a:t>11</a:t>
+            </a:fld>
+            <a:endParaRPr kumimoji="1" lang="ja-JP" altLang="en-US"/>
+          </a:p>
+        </p:txBody>
+      </p:sp>
+      <p:pic>
+        <p:nvPicPr>
+          <p:cNvPr id="4" name="図 3" descr="グラフ&#10;&#10;自動的に生成された説明">
+            <a:extLst>
+              <a:ext uri="{FF2B5EF4-FFF2-40B4-BE49-F238E27FC236}">
+                <a16:creationId xmlns:a16="http://schemas.microsoft.com/office/drawing/2014/main" id="{B9D50948-1082-94DB-842B-A8190013DBAF}"/>
+              </a:ext>
+            </a:extLst>
+          </p:cNvPr>
+          <p:cNvPicPr>
+            <a:picLocks noChangeAspect="1"/>
+          </p:cNvPicPr>
+          <p:nvPr/>
+        </p:nvPicPr>
+        <p:blipFill rotWithShape="1">
+          <a:blip r:embed="rId2">
+            <a:extLst>
+              <a:ext uri="{28A0092B-C50C-407E-A947-70E740481C1C}">
+                <a14:useLocalDpi xmlns:a14="http://schemas.microsoft.com/office/drawing/2010/main" val="0"/>
+              </a:ext>
+            </a:extLst>
+          </a:blip>
+          <a:srcRect r="6901"/>
+          <a:stretch/>
+        </p:blipFill>
+        <p:spPr>
+          <a:xfrm>
+            <a:off x="322730" y="1308846"/>
+            <a:ext cx="5639598" cy="4240305"/>
+          </a:xfrm>
+          <a:prstGeom prst="rect">
+            <a:avLst/>
+          </a:prstGeom>
+        </p:spPr>
+      </p:pic>
+      <p:pic>
+        <p:nvPicPr>
+          <p:cNvPr id="6" name="図 5" descr="グラフ&#10;&#10;自動的に生成された説明">
+            <a:extLst>
+              <a:ext uri="{FF2B5EF4-FFF2-40B4-BE49-F238E27FC236}">
+                <a16:creationId xmlns:a16="http://schemas.microsoft.com/office/drawing/2014/main" id="{D66E7919-39FA-C46F-E82A-1D50A95C6507}"/>
+              </a:ext>
+            </a:extLst>
+          </p:cNvPr>
+          <p:cNvPicPr>
+            <a:picLocks noChangeAspect="1"/>
+          </p:cNvPicPr>
+          <p:nvPr/>
+        </p:nvPicPr>
+        <p:blipFill rotWithShape="1">
+          <a:blip r:embed="rId3">
+            <a:extLst>
+              <a:ext uri="{28A0092B-C50C-407E-A947-70E740481C1C}">
+                <a14:useLocalDpi xmlns:a14="http://schemas.microsoft.com/office/drawing/2010/main" val="0"/>
+              </a:ext>
+            </a:extLst>
+          </a:blip>
+          <a:srcRect r="7558"/>
+          <a:stretch/>
+        </p:blipFill>
+        <p:spPr>
+          <a:xfrm>
+            <a:off x="6096000" y="1308847"/>
+            <a:ext cx="5599694" cy="4240305"/>
+          </a:xfrm>
+          <a:prstGeom prst="rect">
+            <a:avLst/>
+          </a:prstGeom>
+        </p:spPr>
+      </p:pic>
+      <p:sp>
+        <p:nvSpPr>
+          <p:cNvPr id="7" name="テキスト ボックス 6">
+            <a:extLst>
+              <a:ext uri="{FF2B5EF4-FFF2-40B4-BE49-F238E27FC236}">
+                <a16:creationId xmlns:a16="http://schemas.microsoft.com/office/drawing/2014/main" id="{F17A7939-DE22-C787-963A-ED382C2E87C8}"/>
+              </a:ext>
+            </a:extLst>
+          </p:cNvPr>
+          <p:cNvSpPr txBox="1"/>
+          <p:nvPr/>
+        </p:nvSpPr>
+        <p:spPr>
+          <a:xfrm>
+            <a:off x="1864658" y="5730341"/>
+            <a:ext cx="9108142" cy="769441"/>
+          </a:xfrm>
+          <a:prstGeom prst="rect">
+            <a:avLst/>
+          </a:prstGeom>
+          <a:noFill/>
+        </p:spPr>
+        <p:txBody>
+          <a:bodyPr wrap="square" rtlCol="0">
+            <a:spAutoFit/>
+          </a:bodyPr>
+          <a:lstStyle/>
+          <a:p>
+            <a:pPr algn="l"/>
+            <a:r>
+              <a:rPr kumimoji="1" lang="ja-JP" altLang="en-US" sz="2200" dirty="0"/>
+              <a:t>左は折り返し型、右は従来型の周波数特性である。</a:t>
+            </a:r>
+            <a:r>
+              <a:rPr lang="ja-JP" altLang="en-US" sz="2200" dirty="0"/>
+              <a:t>ゲインは大きいが周波数特性が折り返し型では劣化していることが確認できた。</a:t>
+            </a:r>
+            <a:endParaRPr kumimoji="1" lang="ja-JP" altLang="en-US" sz="2200" dirty="0"/>
+          </a:p>
+        </p:txBody>
+      </p:sp>
+    </p:spTree>
+    <p:extLst>
+      <p:ext uri="{BB962C8B-B14F-4D97-AF65-F5344CB8AC3E}">
+        <p14:creationId xmlns:p14="http://schemas.microsoft.com/office/powerpoint/2010/main" val="1988702104"/>
+      </p:ext>
+    </p:extLst>
+  </p:cSld>
+  <p:clrMapOvr>
+    <a:masterClrMapping/>
+  </p:clrMapOvr>
+</p:sld>
+</file>
+
+<file path=ppt/slides/slide12.xml><?xml version="1.0" encoding="utf-8"?>
+<p:sld xmlns:a="http://schemas.openxmlformats.org/drawingml/2006/main" xmlns:r="http://schemas.openxmlformats.org/officeDocument/2006/relationships" xmlns:p="http://schemas.openxmlformats.org/presentationml/2006/main">
+  <p:cSld>
+    <p:spTree>
+      <p:nvGrpSpPr>
+        <p:cNvPr id="1" name=""/>
+        <p:cNvGrpSpPr/>
+        <p:nvPr/>
+      </p:nvGrpSpPr>
+      <p:grpSpPr>
+        <a:xfrm>
+          <a:off x="0" y="0"/>
+          <a:ext cx="0" cy="0"/>
+          <a:chOff x="0" y="0"/>
+          <a:chExt cx="0" cy="0"/>
+        </a:xfrm>
+      </p:grpSpPr>
+      <p:sp>
+        <p:nvSpPr>
+          <p:cNvPr id="2" name="タイトル 1">
+            <a:extLst>
+              <a:ext uri="{FF2B5EF4-FFF2-40B4-BE49-F238E27FC236}">
+                <a16:creationId xmlns:a16="http://schemas.microsoft.com/office/drawing/2014/main" id="{72B4F834-2F99-EE53-C4DF-28A5048E51A1}"/>
+              </a:ext>
+            </a:extLst>
+          </p:cNvPr>
+          <p:cNvSpPr>
+            <a:spLocks noGrp="1"/>
+          </p:cNvSpPr>
+          <p:nvPr>
+            <p:ph type="title"/>
+          </p:nvPr>
+        </p:nvSpPr>
+        <p:spPr/>
+        <p:txBody>
+          <a:bodyPr/>
+          <a:lstStyle/>
+          <a:p>
+            <a:r>
+              <a:rPr kumimoji="1" lang="ja-JP" altLang="en-US" dirty="0"/>
+              <a:t>まとめ</a:t>
+            </a:r>
+          </a:p>
+        </p:txBody>
+      </p:sp>
+      <p:sp>
+        <p:nvSpPr>
+          <p:cNvPr id="3" name="スライド番号プレースホルダー 2">
+            <a:extLst>
+              <a:ext uri="{FF2B5EF4-FFF2-40B4-BE49-F238E27FC236}">
+                <a16:creationId xmlns:a16="http://schemas.microsoft.com/office/drawing/2014/main" id="{A5C10EEC-8545-64CB-4BC5-256AA8985084}"/>
+              </a:ext>
+            </a:extLst>
+          </p:cNvPr>
+          <p:cNvSpPr>
+            <a:spLocks noGrp="1"/>
+          </p:cNvSpPr>
+          <p:nvPr>
+            <p:ph type="sldNum" sz="quarter" idx="12"/>
+          </p:nvPr>
+        </p:nvSpPr>
+        <p:spPr/>
+        <p:txBody>
+          <a:bodyPr/>
+          <a:lstStyle/>
+          <a:p>
+            <a:fld id="{85B6C27D-B957-4A92-99D3-4644DF81A59E}" type="slidenum">
+              <a:rPr kumimoji="1" lang="ja-JP" altLang="en-US" smtClean="0"/>
+              <a:t>12</a:t>
+            </a:fld>
+            <a:endParaRPr kumimoji="1" lang="ja-JP" altLang="en-US"/>
+          </a:p>
+        </p:txBody>
+      </p:sp>
+      <mc:AlternateContent xmlns:mc="http://schemas.openxmlformats.org/markup-compatibility/2006">
+        <mc:Choice xmlns:a14="http://schemas.microsoft.com/office/drawing/2010/main" Requires="a14">
+          <p:sp>
+            <p:nvSpPr>
+              <p:cNvPr id="4" name="テキスト ボックス 3">
+                <a:extLst>
+                  <a:ext uri="{FF2B5EF4-FFF2-40B4-BE49-F238E27FC236}">
+                    <a16:creationId xmlns:a16="http://schemas.microsoft.com/office/drawing/2014/main" id="{1BA23DC7-8391-CF3A-1AA5-3116096D510B}"/>
+                  </a:ext>
+                </a:extLst>
+              </p:cNvPr>
+              <p:cNvSpPr txBox="1"/>
+              <p:nvPr/>
+            </p:nvSpPr>
+            <p:spPr>
+              <a:xfrm>
+                <a:off x="1837765" y="2540769"/>
+                <a:ext cx="8615082" cy="2123658"/>
+              </a:xfrm>
+              <a:prstGeom prst="rect">
+                <a:avLst/>
+              </a:prstGeom>
+              <a:noFill/>
+            </p:spPr>
+            <p:txBody>
+              <a:bodyPr wrap="square" rtlCol="0">
+                <a:spAutoFit/>
+              </a:bodyPr>
+              <a:lstStyle/>
+              <a:p>
+                <a:pPr marL="457200" indent="-457200" algn="l">
+                  <a:buFont typeface="Arial" panose="020B0604020202020204" pitchFamily="34" charset="0"/>
+                  <a:buChar char="•"/>
+                </a:pPr>
+                <a:r>
+                  <a:rPr kumimoji="1" lang="ja-JP" altLang="en-US" sz="2200" dirty="0"/>
+                  <a:t>折り返し型の設計ができた。</a:t>
+                </a:r>
+                <a:endParaRPr kumimoji="1" lang="en-US" altLang="ja-JP" sz="2200" dirty="0"/>
+              </a:p>
+              <a:p>
+                <a:pPr marL="457200" indent="-457200" algn="l">
+                  <a:buFont typeface="Arial" panose="020B0604020202020204" pitchFamily="34" charset="0"/>
+                  <a:buChar char="•"/>
+                </a:pPr>
+                <a:r>
+                  <a:rPr lang="ja-JP" altLang="en-US" sz="2200" dirty="0"/>
+                  <a:t>シミュレーションでおおよそ予測通りの結果が得らえた。</a:t>
+                </a:r>
+                <a:endParaRPr lang="en-US" altLang="ja-JP" sz="2200" dirty="0"/>
+              </a:p>
+              <a:p>
+                <a:pPr marL="457200" indent="-457200" algn="l">
+                  <a:buFont typeface="Arial" panose="020B0604020202020204" pitchFamily="34" charset="0"/>
+                  <a:buChar char="•"/>
+                </a:pPr>
+                <a:endParaRPr kumimoji="1" lang="en-US" altLang="ja-JP" sz="2200" dirty="0"/>
+              </a:p>
+              <a:p>
+                <a:pPr marL="457200" indent="-457200" algn="l">
+                  <a:buFont typeface="Arial" panose="020B0604020202020204" pitchFamily="34" charset="0"/>
+                  <a:buChar char="•"/>
+                </a:pPr>
+                <a14:m>
+                  <m:oMath xmlns:m="http://schemas.openxmlformats.org/officeDocument/2006/math">
+                    <m:r>
+                      <m:rPr>
+                        <m:sty m:val="p"/>
+                      </m:rPr>
+                      <a:rPr lang="en-US" altLang="ja-JP" sz="2200" i="0" dirty="0" smtClean="0">
+                        <a:latin typeface="Cambria Math" panose="02040503050406030204" pitchFamily="18" charset="0"/>
+                      </a:rPr>
+                      <m:t>pmos</m:t>
+                    </m:r>
+                  </m:oMath>
+                </a14:m>
+                <a:r>
+                  <a:rPr lang="ja-JP" altLang="en-US" sz="2200" dirty="0"/>
+                  <a:t>の特性が変わる点を見つけた</a:t>
+                </a:r>
+                <a:endParaRPr lang="en-US" altLang="ja-JP" sz="2200" dirty="0"/>
+              </a:p>
+              <a:p>
+                <a:pPr marL="457200" indent="-457200" algn="l">
+                  <a:buFont typeface="Arial" panose="020B0604020202020204" pitchFamily="34" charset="0"/>
+                  <a:buChar char="•"/>
+                </a:pPr>
+                <a:endParaRPr lang="en-US" altLang="ja-JP" sz="2200" dirty="0"/>
+              </a:p>
+              <a:p>
+                <a:pPr marL="457200" indent="-457200" algn="l">
+                  <a:buFont typeface="Arial" panose="020B0604020202020204" pitchFamily="34" charset="0"/>
+                  <a:buChar char="•"/>
+                </a:pPr>
+                <a:r>
+                  <a:rPr kumimoji="1" lang="ja-JP" altLang="en-US" sz="2200" dirty="0"/>
+                  <a:t>特性の変わる点を避けて再度設計を見直す</a:t>
+                </a:r>
+              </a:p>
+            </p:txBody>
+          </p:sp>
+        </mc:Choice>
+        <mc:Fallback>
+          <p:sp>
+            <p:nvSpPr>
+              <p:cNvPr id="4" name="テキスト ボックス 3">
+                <a:extLst>
+                  <a:ext uri="{FF2B5EF4-FFF2-40B4-BE49-F238E27FC236}">
+                    <a16:creationId xmlns:a16="http://schemas.microsoft.com/office/drawing/2014/main" id="{1BA23DC7-8391-CF3A-1AA5-3116096D510B}"/>
+                  </a:ext>
+                </a:extLst>
+              </p:cNvPr>
+              <p:cNvSpPr txBox="1">
+                <a:spLocks noRot="1" noChangeAspect="1" noMove="1" noResize="1" noEditPoints="1" noAdjustHandles="1" noChangeArrowheads="1" noChangeShapeType="1" noTextEdit="1"/>
+              </p:cNvSpPr>
+              <p:nvPr/>
+            </p:nvSpPr>
+            <p:spPr>
+              <a:xfrm>
+                <a:off x="1837765" y="2540769"/>
+                <a:ext cx="8615082" cy="2123658"/>
+              </a:xfrm>
+              <a:prstGeom prst="rect">
+                <a:avLst/>
+              </a:prstGeom>
+              <a:blipFill>
+                <a:blip r:embed="rId2"/>
+                <a:stretch>
+                  <a:fillRect l="-778" t="-2011" b="-4885"/>
+                </a:stretch>
+              </a:blipFill>
+            </p:spPr>
+            <p:txBody>
+              <a:bodyPr/>
+              <a:lstStyle/>
+              <a:p>
+                <a:r>
+                  <a:rPr lang="ja-JP" altLang="en-US">
+                    <a:noFill/>
+                  </a:rPr>
+                  <a:t> </a:t>
+                </a:r>
+              </a:p>
+            </p:txBody>
+          </p:sp>
+        </mc:Fallback>
+      </mc:AlternateContent>
+    </p:spTree>
+    <p:extLst>
+      <p:ext uri="{BB962C8B-B14F-4D97-AF65-F5344CB8AC3E}">
+        <p14:creationId xmlns:p14="http://schemas.microsoft.com/office/powerpoint/2010/main" val="3317402947"/>
+      </p:ext>
+    </p:extLst>
+  </p:cSld>
+  <p:clrMapOvr>
+    <a:masterClrMapping/>
+  </p:clrMapOvr>
+</p:sld>
+</file>
+
 <file path=ppt/slides/slide2.xml><?xml version="1.0" encoding="utf-8"?>
 <p:sld xmlns:a="http://schemas.openxmlformats.org/drawingml/2006/main" xmlns:r="http://schemas.openxmlformats.org/officeDocument/2006/relationships" xmlns:p="http://schemas.openxmlformats.org/presentationml/2006/main">
   <p:cSld>
@@ -4498,42 +5134,6 @@
           </a:p>
         </p:txBody>
       </p:sp>
-      <p:pic>
-        <p:nvPicPr>
-          <p:cNvPr id="6" name="図 5" descr="背景パターン が含まれている画像&#10;&#10;自動的に生成された説明">
-            <a:extLst>
-              <a:ext uri="{FF2B5EF4-FFF2-40B4-BE49-F238E27FC236}">
-                <a16:creationId xmlns:a16="http://schemas.microsoft.com/office/drawing/2014/main" id="{87461AA6-6066-95DA-57DD-1784E6472EF5}"/>
-              </a:ext>
-            </a:extLst>
-          </p:cNvPr>
-          <p:cNvPicPr>
-            <a:picLocks noChangeAspect="1"/>
-          </p:cNvPicPr>
-          <p:nvPr/>
-        </p:nvPicPr>
-        <p:blipFill>
-          <a:blip r:embed="rId2">
-            <a:extLst>
-              <a:ext uri="{28A0092B-C50C-407E-A947-70E740481C1C}">
-                <a14:useLocalDpi xmlns:a14="http://schemas.microsoft.com/office/drawing/2010/main" val="0"/>
-              </a:ext>
-            </a:extLst>
-          </a:blip>
-          <a:stretch>
-            <a:fillRect/>
-          </a:stretch>
-        </p:blipFill>
-        <p:spPr>
-          <a:xfrm>
-            <a:off x="0" y="1978579"/>
-            <a:ext cx="7831506" cy="4283476"/>
-          </a:xfrm>
-          <a:prstGeom prst="rect">
-            <a:avLst/>
-          </a:prstGeom>
-        </p:spPr>
-      </p:pic>
       <p:sp>
         <p:nvSpPr>
           <p:cNvPr id="7" name="四角形: 角を丸くする 6">
@@ -4586,835 +5186,52 @@
           </a:p>
         </p:txBody>
       </p:sp>
-      <mc:AlternateContent xmlns:mc="http://schemas.openxmlformats.org/markup-compatibility/2006" xmlns:a14="http://schemas.microsoft.com/office/drawing/2010/main">
-        <mc:Choice Requires="a14">
-          <p:sp>
-            <p:nvSpPr>
-              <p:cNvPr id="8" name="テキスト ボックス 7">
-                <a:extLst>
-                  <a:ext uri="{FF2B5EF4-FFF2-40B4-BE49-F238E27FC236}">
-                    <a16:creationId xmlns:a16="http://schemas.microsoft.com/office/drawing/2014/main" id="{E7CD3165-2124-C38C-3A97-870FACCE8AA6}"/>
-                  </a:ext>
-                </a:extLst>
-              </p:cNvPr>
-              <p:cNvSpPr txBox="1"/>
-              <p:nvPr/>
-            </p:nvSpPr>
-            <p:spPr>
-              <a:xfrm>
-                <a:off x="7306322" y="739073"/>
-                <a:ext cx="4974455" cy="2479012"/>
-              </a:xfrm>
-              <a:prstGeom prst="rect">
-                <a:avLst/>
-              </a:prstGeom>
-              <a:noFill/>
-            </p:spPr>
-            <p:txBody>
-              <a:bodyPr wrap="square" rtlCol="0">
-                <a:spAutoFit/>
-              </a:bodyPr>
-              <a:lstStyle/>
-              <a:p>
-                <a:r>
-                  <a:rPr kumimoji="1" lang="ja-JP" altLang="en-US" sz="2400" dirty="0"/>
-                  <a:t>赤枠内と負荷抵抗はとりあえず従来型と同様の設計</a:t>
-                </a:r>
-                <a:endParaRPr kumimoji="1" lang="en-US" altLang="ja-JP" sz="2400" dirty="0"/>
-              </a:p>
-              <a:p>
-                <a:endParaRPr kumimoji="1" lang="en-US" altLang="ja-JP" sz="2400" dirty="0"/>
-              </a:p>
-              <a:p>
-                <a:r>
-                  <a:rPr lang="ja-JP" altLang="en-US" sz="2400" dirty="0"/>
-                  <a:t>利得は前回の結果から</a:t>
-                </a:r>
-                <a:endParaRPr lang="en-US" altLang="ja-JP" sz="2400" dirty="0"/>
-              </a:p>
-              <a:p>
-                <a:pPr/>
-                <a14:m>
-                  <m:oMathPara xmlns:m="http://schemas.openxmlformats.org/officeDocument/2006/math">
-                    <m:oMathParaPr>
-                      <m:jc m:val="centerGroup"/>
-                    </m:oMathParaPr>
-                    <m:oMath xmlns:m="http://schemas.openxmlformats.org/officeDocument/2006/math">
-                      <m:r>
-                        <m:rPr>
-                          <m:lit/>
-                        </m:rPr>
-                        <a:rPr kumimoji="1" lang="en-US" altLang="ja-JP" sz="2000" b="0" i="1" smtClean="0">
-                          <a:latin typeface="Cambria Math" panose="02040503050406030204" pitchFamily="18" charset="0"/>
-                        </a:rPr>
-                        <m:t>|</m:t>
-                      </m:r>
-                      <m:sSub>
-                        <m:sSubPr>
-                          <m:ctrlPr>
-                            <a:rPr kumimoji="1" lang="en-US" altLang="ja-JP" sz="2000" b="0" i="1" smtClean="0">
-                              <a:latin typeface="Cambria Math" panose="02040503050406030204" pitchFamily="18" charset="0"/>
-                            </a:rPr>
-                          </m:ctrlPr>
-                        </m:sSubPr>
-                        <m:e>
-                          <m:r>
-                            <a:rPr kumimoji="1" lang="en-US" altLang="ja-JP" sz="2000" b="0" i="1" smtClean="0">
-                              <a:latin typeface="Cambria Math" panose="02040503050406030204" pitchFamily="18" charset="0"/>
-                            </a:rPr>
-                            <m:t>𝑣</m:t>
-                          </m:r>
-                        </m:e>
-                        <m:sub>
-                          <m:r>
-                            <a:rPr kumimoji="1" lang="en-US" altLang="ja-JP" sz="2000" b="0" i="1" smtClean="0">
-                              <a:latin typeface="Cambria Math" panose="02040503050406030204" pitchFamily="18" charset="0"/>
-                            </a:rPr>
-                            <m:t>𝑜𝑢𝑡</m:t>
-                          </m:r>
-                        </m:sub>
-                      </m:sSub>
-                      <m:r>
-                        <a:rPr kumimoji="1" lang="en-US" altLang="ja-JP" sz="2000" b="0" i="1" smtClean="0">
-                          <a:latin typeface="Cambria Math" panose="02040503050406030204" pitchFamily="18" charset="0"/>
-                        </a:rPr>
-                        <m:t>|=</m:t>
-                      </m:r>
-                      <m:r>
-                        <a:rPr lang="en-US" altLang="ja-JP" sz="2000" i="1" smtClean="0">
-                          <a:latin typeface="Cambria Math" panose="02040503050406030204" pitchFamily="18" charset="0"/>
-                        </a:rPr>
-                        <m:t>4</m:t>
-                      </m:r>
-                      <m:sSub>
-                        <m:sSubPr>
-                          <m:ctrlPr>
-                            <a:rPr lang="en-US" altLang="ja-JP" sz="2000" b="0" i="1" smtClean="0">
-                              <a:latin typeface="Cambria Math" panose="02040503050406030204" pitchFamily="18" charset="0"/>
-                            </a:rPr>
-                          </m:ctrlPr>
-                        </m:sSubPr>
-                        <m:e>
-                          <m:r>
-                            <a:rPr lang="en-US" altLang="ja-JP" sz="2000" b="0" i="1" smtClean="0">
-                              <a:latin typeface="Cambria Math" panose="02040503050406030204" pitchFamily="18" charset="0"/>
-                            </a:rPr>
-                            <m:t>𝑅</m:t>
-                          </m:r>
-                        </m:e>
-                        <m:sub>
-                          <m:r>
-                            <a:rPr lang="en-US" altLang="ja-JP" sz="2000" b="0" i="1" smtClean="0">
-                              <a:latin typeface="Cambria Math" panose="02040503050406030204" pitchFamily="18" charset="0"/>
-                            </a:rPr>
-                            <m:t>𝐿</m:t>
-                          </m:r>
-                        </m:sub>
-                      </m:sSub>
-                      <m:rad>
-                        <m:radPr>
-                          <m:degHide m:val="on"/>
-                          <m:ctrlPr>
-                            <a:rPr lang="en-US" altLang="ja-JP" sz="2000" i="1">
-                              <a:latin typeface="Cambria Math" panose="02040503050406030204" pitchFamily="18" charset="0"/>
-                            </a:rPr>
-                          </m:ctrlPr>
-                        </m:radPr>
-                        <m:deg/>
-                        <m:e>
-                          <m:f>
-                            <m:fPr>
-                              <m:ctrlPr>
-                                <a:rPr lang="en-US" altLang="ja-JP" sz="2000" i="1">
-                                  <a:latin typeface="Cambria Math" panose="02040503050406030204" pitchFamily="18" charset="0"/>
-                                </a:rPr>
-                              </m:ctrlPr>
-                            </m:fPr>
-                            <m:num>
-                              <m:r>
-                                <a:rPr lang="en-US" altLang="ja-JP" sz="2000" i="1">
-                                  <a:latin typeface="Cambria Math" panose="02040503050406030204" pitchFamily="18" charset="0"/>
-                                </a:rPr>
-                                <m:t>2</m:t>
-                              </m:r>
-                              <m:sSub>
-                                <m:sSubPr>
-                                  <m:ctrlPr>
-                                    <a:rPr lang="en-US" altLang="ja-JP" sz="2000" i="1">
-                                      <a:latin typeface="Cambria Math" panose="02040503050406030204" pitchFamily="18" charset="0"/>
-                                    </a:rPr>
-                                  </m:ctrlPr>
-                                </m:sSubPr>
-                                <m:e>
-                                  <m:r>
-                                    <a:rPr lang="en-US" altLang="ja-JP" sz="2000" i="1">
-                                      <a:latin typeface="Cambria Math" panose="02040503050406030204" pitchFamily="18" charset="0"/>
-                                    </a:rPr>
-                                    <m:t>𝐾</m:t>
-                                  </m:r>
-                                </m:e>
-                                <m:sub>
-                                  <m:r>
-                                    <a:rPr lang="en-US" altLang="ja-JP" sz="2000" i="1">
-                                      <a:latin typeface="Cambria Math" panose="02040503050406030204" pitchFamily="18" charset="0"/>
-                                    </a:rPr>
-                                    <m:t>𝑝</m:t>
-                                  </m:r>
-                                </m:sub>
-                              </m:sSub>
-                              <m:sSub>
-                                <m:sSubPr>
-                                  <m:ctrlPr>
-                                    <a:rPr lang="en-US" altLang="ja-JP" sz="2000" i="1">
-                                      <a:latin typeface="Cambria Math" panose="02040503050406030204" pitchFamily="18" charset="0"/>
-                                    </a:rPr>
-                                  </m:ctrlPr>
-                                </m:sSubPr>
-                                <m:e>
-                                  <m:r>
-                                    <a:rPr lang="en-US" altLang="ja-JP" sz="2000" i="1">
-                                      <a:latin typeface="Cambria Math" panose="02040503050406030204" pitchFamily="18" charset="0"/>
-                                    </a:rPr>
-                                    <m:t>𝐾</m:t>
-                                  </m:r>
-                                </m:e>
-                                <m:sub>
-                                  <m:r>
-                                    <a:rPr lang="en-US" altLang="ja-JP" sz="2000" i="1">
-                                      <a:latin typeface="Cambria Math" panose="02040503050406030204" pitchFamily="18" charset="0"/>
-                                    </a:rPr>
-                                    <m:t>𝑛</m:t>
-                                  </m:r>
-                                </m:sub>
-                              </m:sSub>
-                              <m:sSub>
-                                <m:sSubPr>
-                                  <m:ctrlPr>
-                                    <a:rPr lang="en-US" altLang="ja-JP" sz="2000" i="1">
-                                      <a:latin typeface="Cambria Math" panose="02040503050406030204" pitchFamily="18" charset="0"/>
-                                    </a:rPr>
-                                  </m:ctrlPr>
-                                </m:sSubPr>
-                                <m:e>
-                                  <m:r>
-                                    <a:rPr lang="en-US" altLang="ja-JP" sz="2000" i="1">
-                                      <a:latin typeface="Cambria Math" panose="02040503050406030204" pitchFamily="18" charset="0"/>
-                                    </a:rPr>
-                                    <m:t>𝐼</m:t>
-                                  </m:r>
-                                </m:e>
-                                <m:sub>
-                                  <m:r>
-                                    <a:rPr lang="en-US" altLang="ja-JP" sz="2000" i="1">
-                                      <a:latin typeface="Cambria Math" panose="02040503050406030204" pitchFamily="18" charset="0"/>
-                                    </a:rPr>
-                                    <m:t>𝐶</m:t>
-                                  </m:r>
-                                </m:sub>
-                              </m:sSub>
-                            </m:num>
-                            <m:den>
-                              <m:r>
-                                <a:rPr lang="en-US" altLang="ja-JP" sz="2000" i="1">
-                                  <a:latin typeface="Cambria Math" panose="02040503050406030204" pitchFamily="18" charset="0"/>
-                                </a:rPr>
-                                <m:t>2</m:t>
-                              </m:r>
-                              <m:sSub>
-                                <m:sSubPr>
-                                  <m:ctrlPr>
-                                    <a:rPr lang="en-US" altLang="ja-JP" sz="2000" i="1">
-                                      <a:latin typeface="Cambria Math" panose="02040503050406030204" pitchFamily="18" charset="0"/>
-                                    </a:rPr>
-                                  </m:ctrlPr>
-                                </m:sSubPr>
-                                <m:e>
-                                  <m:r>
-                                    <a:rPr lang="en-US" altLang="ja-JP" sz="2000" i="1">
-                                      <a:latin typeface="Cambria Math" panose="02040503050406030204" pitchFamily="18" charset="0"/>
-                                    </a:rPr>
-                                    <m:t>𝐼</m:t>
-                                  </m:r>
-                                </m:e>
-                                <m:sub>
-                                  <m:r>
-                                    <a:rPr lang="en-US" altLang="ja-JP" sz="2000" i="1">
-                                      <a:latin typeface="Cambria Math" panose="02040503050406030204" pitchFamily="18" charset="0"/>
-                                    </a:rPr>
-                                    <m:t>𝑏𝑖𝑎𝑠</m:t>
-                                  </m:r>
-                                </m:sub>
-                              </m:sSub>
-                              <m:r>
-                                <a:rPr lang="en-US" altLang="ja-JP" sz="2000" i="1">
-                                  <a:latin typeface="Cambria Math" panose="02040503050406030204" pitchFamily="18" charset="0"/>
-                                </a:rPr>
-                                <m:t>−</m:t>
-                              </m:r>
-                              <m:sSub>
-                                <m:sSubPr>
-                                  <m:ctrlPr>
-                                    <a:rPr lang="en-US" altLang="ja-JP" sz="2000" i="1">
-                                      <a:latin typeface="Cambria Math" panose="02040503050406030204" pitchFamily="18" charset="0"/>
-                                    </a:rPr>
-                                  </m:ctrlPr>
-                                </m:sSubPr>
-                                <m:e>
-                                  <m:r>
-                                    <a:rPr lang="en-US" altLang="ja-JP" sz="2000" i="1">
-                                      <a:latin typeface="Cambria Math" panose="02040503050406030204" pitchFamily="18" charset="0"/>
-                                    </a:rPr>
-                                    <m:t>𝐼</m:t>
-                                  </m:r>
-                                </m:e>
-                                <m:sub>
-                                  <m:r>
-                                    <a:rPr lang="en-US" altLang="ja-JP" sz="2000" i="1">
-                                      <a:latin typeface="Cambria Math" panose="02040503050406030204" pitchFamily="18" charset="0"/>
-                                    </a:rPr>
-                                    <m:t>𝐶</m:t>
-                                  </m:r>
-                                </m:sub>
-                              </m:sSub>
-                            </m:den>
-                          </m:f>
-                        </m:e>
-                      </m:rad>
-                      <m:r>
-                        <a:rPr lang="en-US" altLang="ja-JP" sz="2000" i="1">
-                          <a:latin typeface="Cambria Math" panose="02040503050406030204" pitchFamily="18" charset="0"/>
-                        </a:rPr>
-                        <m:t>⋅</m:t>
-                      </m:r>
-                      <m:sSub>
-                        <m:sSubPr>
-                          <m:ctrlPr>
-                            <a:rPr lang="en-US" altLang="ja-JP" sz="2000" i="1">
-                              <a:latin typeface="Cambria Math" panose="02040503050406030204" pitchFamily="18" charset="0"/>
-                            </a:rPr>
-                          </m:ctrlPr>
-                        </m:sSubPr>
-                        <m:e>
-                          <m:r>
-                            <a:rPr lang="en-US" altLang="ja-JP" sz="2000" i="1">
-                              <a:latin typeface="Cambria Math" panose="02040503050406030204" pitchFamily="18" charset="0"/>
-                            </a:rPr>
-                            <m:t>𝑉</m:t>
-                          </m:r>
-                        </m:e>
-                        <m:sub>
-                          <m:r>
-                            <a:rPr lang="en-US" altLang="ja-JP" sz="2000" i="1">
-                              <a:latin typeface="Cambria Math" panose="02040503050406030204" pitchFamily="18" charset="0"/>
-                            </a:rPr>
-                            <m:t>𝐶𝑇𝑅𝐿</m:t>
-                          </m:r>
-                        </m:sub>
-                      </m:sSub>
-                      <m:r>
-                        <a:rPr lang="en-US" altLang="ja-JP" sz="2000" i="1">
-                          <a:latin typeface="Cambria Math" panose="02040503050406030204" pitchFamily="18" charset="0"/>
-                        </a:rPr>
-                        <m:t>⋅</m:t>
-                      </m:r>
-                      <m:sSub>
-                        <m:sSubPr>
-                          <m:ctrlPr>
-                            <a:rPr lang="en-US" altLang="ja-JP" sz="2000" i="1">
-                              <a:latin typeface="Cambria Math" panose="02040503050406030204" pitchFamily="18" charset="0"/>
-                            </a:rPr>
-                          </m:ctrlPr>
-                        </m:sSubPr>
-                        <m:e>
-                          <m:r>
-                            <a:rPr lang="en-US" altLang="ja-JP" sz="2000" i="1">
-                              <a:latin typeface="Cambria Math" panose="02040503050406030204" pitchFamily="18" charset="0"/>
-                            </a:rPr>
-                            <m:t>𝑣</m:t>
-                          </m:r>
-                        </m:e>
-                        <m:sub>
-                          <m:r>
-                            <a:rPr lang="en-US" altLang="ja-JP" sz="2000" i="1">
-                              <a:latin typeface="Cambria Math" panose="02040503050406030204" pitchFamily="18" charset="0"/>
-                            </a:rPr>
-                            <m:t>𝑖𝑛</m:t>
-                          </m:r>
-                        </m:sub>
-                      </m:sSub>
-                    </m:oMath>
-                  </m:oMathPara>
-                </a14:m>
-                <a:endParaRPr kumimoji="1" lang="ja-JP" altLang="en-US" sz="2000" dirty="0"/>
-              </a:p>
-            </p:txBody>
-          </p:sp>
-        </mc:Choice>
-        <mc:Fallback xmlns="">
-          <p:sp>
-            <p:nvSpPr>
-              <p:cNvPr id="8" name="テキスト ボックス 7">
-                <a:extLst>
-                  <a:ext uri="{FF2B5EF4-FFF2-40B4-BE49-F238E27FC236}">
-                    <a16:creationId xmlns:a16="http://schemas.microsoft.com/office/drawing/2014/main" id="{E7CD3165-2124-C38C-3A97-870FACCE8AA6}"/>
-                  </a:ext>
-                </a:extLst>
-              </p:cNvPr>
-              <p:cNvSpPr txBox="1">
-                <a:spLocks noRot="1" noChangeAspect="1" noMove="1" noResize="1" noEditPoints="1" noAdjustHandles="1" noChangeArrowheads="1" noChangeShapeType="1" noTextEdit="1"/>
-              </p:cNvSpPr>
-              <p:nvPr/>
-            </p:nvSpPr>
-            <p:spPr>
-              <a:xfrm>
-                <a:off x="7306322" y="739073"/>
-                <a:ext cx="4974455" cy="2479012"/>
-              </a:xfrm>
-              <a:prstGeom prst="rect">
-                <a:avLst/>
-              </a:prstGeom>
-              <a:blipFill>
-                <a:blip r:embed="rId3"/>
-                <a:stretch>
-                  <a:fillRect l="-1961" t="-1966"/>
-                </a:stretch>
-              </a:blipFill>
-            </p:spPr>
-            <p:txBody>
-              <a:bodyPr/>
-              <a:lstStyle/>
-              <a:p>
-                <a:r>
-                  <a:rPr lang="ja-JP" altLang="en-US">
-                    <a:noFill/>
-                  </a:rPr>
-                  <a:t> </a:t>
-                </a:r>
-              </a:p>
-            </p:txBody>
-          </p:sp>
-        </mc:Fallback>
-      </mc:AlternateContent>
-      <mc:AlternateContent xmlns:mc="http://schemas.openxmlformats.org/markup-compatibility/2006" xmlns:a14="http://schemas.microsoft.com/office/drawing/2010/main">
-        <mc:Choice Requires="a14">
-          <p:sp>
-            <p:nvSpPr>
-              <p:cNvPr id="10" name="テキスト ボックス 9">
-                <a:extLst>
-                  <a:ext uri="{FF2B5EF4-FFF2-40B4-BE49-F238E27FC236}">
-                    <a16:creationId xmlns:a16="http://schemas.microsoft.com/office/drawing/2014/main" id="{3D2157CB-F19D-A461-0E53-D57C8205162E}"/>
-                  </a:ext>
-                </a:extLst>
-              </p:cNvPr>
-              <p:cNvSpPr txBox="1"/>
-              <p:nvPr/>
-            </p:nvSpPr>
-            <p:spPr>
-              <a:xfrm>
-                <a:off x="7596325" y="4216623"/>
-                <a:ext cx="4394447" cy="2045432"/>
-              </a:xfrm>
-              <a:prstGeom prst="rect">
-                <a:avLst/>
-              </a:prstGeom>
-              <a:noFill/>
-            </p:spPr>
-            <p:txBody>
-              <a:bodyPr wrap="square" rtlCol="0">
-                <a:spAutoFit/>
-              </a:bodyPr>
-              <a:lstStyle/>
-              <a:p>
-                <a:pPr algn="l"/>
-                <a:r>
-                  <a:rPr lang="ja-JP" altLang="en-US" sz="2400" dirty="0"/>
-                  <a:t>従来型の利得は</a:t>
-                </a:r>
-                <a:endParaRPr lang="en-US" altLang="ja-JP" sz="2400" dirty="0"/>
-              </a:p>
-              <a:p>
-                <a:pPr/>
-                <a14:m>
-                  <m:oMathPara xmlns:m="http://schemas.openxmlformats.org/officeDocument/2006/math">
-                    <m:oMathParaPr>
-                      <m:jc m:val="centerGroup"/>
-                    </m:oMathParaPr>
-                    <m:oMath xmlns:m="http://schemas.openxmlformats.org/officeDocument/2006/math">
-                      <m:r>
-                        <m:rPr>
-                          <m:lit/>
-                        </m:rPr>
-                        <a:rPr lang="en-US" altLang="ja-JP" sz="2400" i="1">
-                          <a:latin typeface="Cambria Math" panose="02040503050406030204" pitchFamily="18" charset="0"/>
-                        </a:rPr>
-                        <m:t>|</m:t>
-                      </m:r>
-                      <m:sSub>
-                        <m:sSubPr>
-                          <m:ctrlPr>
-                            <a:rPr lang="en-US" altLang="ja-JP" sz="2400" i="1">
-                              <a:latin typeface="Cambria Math" panose="02040503050406030204" pitchFamily="18" charset="0"/>
-                            </a:rPr>
-                          </m:ctrlPr>
-                        </m:sSubPr>
-                        <m:e>
-                          <m:r>
-                            <a:rPr lang="en-US" altLang="ja-JP" sz="2400" i="1">
-                              <a:latin typeface="Cambria Math" panose="02040503050406030204" pitchFamily="18" charset="0"/>
-                            </a:rPr>
-                            <m:t>𝑣</m:t>
-                          </m:r>
-                        </m:e>
-                        <m:sub>
-                          <m:r>
-                            <a:rPr lang="en-US" altLang="ja-JP" sz="2400" i="1">
-                              <a:latin typeface="Cambria Math" panose="02040503050406030204" pitchFamily="18" charset="0"/>
-                            </a:rPr>
-                            <m:t>𝑜𝑢𝑡</m:t>
-                          </m:r>
-                        </m:sub>
-                      </m:sSub>
-                      <m:r>
-                        <a:rPr lang="en-US" altLang="ja-JP" sz="2400" i="1">
-                          <a:latin typeface="Cambria Math" panose="02040503050406030204" pitchFamily="18" charset="0"/>
-                        </a:rPr>
-                        <m:t>|=4</m:t>
-                      </m:r>
-                      <m:rad>
-                        <m:radPr>
-                          <m:degHide m:val="on"/>
-                          <m:ctrlPr>
-                            <a:rPr lang="en-US" altLang="ja-JP" sz="2400" i="1">
-                              <a:latin typeface="Cambria Math" panose="02040503050406030204" pitchFamily="18" charset="0"/>
-                            </a:rPr>
-                          </m:ctrlPr>
-                        </m:radPr>
-                        <m:deg/>
-                        <m:e>
-                          <m:r>
-                            <a:rPr lang="en-US" altLang="ja-JP" sz="2400" i="1">
-                              <a:latin typeface="Cambria Math" panose="02040503050406030204" pitchFamily="18" charset="0"/>
-                            </a:rPr>
-                            <m:t>2</m:t>
-                          </m:r>
-                          <m:sSub>
-                            <m:sSubPr>
-                              <m:ctrlPr>
-                                <a:rPr lang="en-US" altLang="ja-JP" sz="2400" i="1">
-                                  <a:latin typeface="Cambria Math" panose="02040503050406030204" pitchFamily="18" charset="0"/>
-                                </a:rPr>
-                              </m:ctrlPr>
-                            </m:sSubPr>
-                            <m:e>
-                              <m:r>
-                                <a:rPr lang="en-US" altLang="ja-JP" sz="2400" i="1">
-                                  <a:latin typeface="Cambria Math" panose="02040503050406030204" pitchFamily="18" charset="0"/>
-                                </a:rPr>
-                                <m:t>𝐾</m:t>
-                              </m:r>
-                            </m:e>
-                            <m:sub>
-                              <m:r>
-                                <a:rPr lang="en-US" altLang="ja-JP" sz="2400" i="1">
-                                  <a:latin typeface="Cambria Math" panose="02040503050406030204" pitchFamily="18" charset="0"/>
-                                </a:rPr>
-                                <m:t>𝐴</m:t>
-                              </m:r>
-                            </m:sub>
-                          </m:sSub>
-                          <m:sSub>
-                            <m:sSubPr>
-                              <m:ctrlPr>
-                                <a:rPr lang="en-US" altLang="ja-JP" sz="2400" i="1">
-                                  <a:latin typeface="Cambria Math" panose="02040503050406030204" pitchFamily="18" charset="0"/>
-                                </a:rPr>
-                              </m:ctrlPr>
-                            </m:sSubPr>
-                            <m:e>
-                              <m:r>
-                                <a:rPr lang="en-US" altLang="ja-JP" sz="2400" i="1">
-                                  <a:latin typeface="Cambria Math" panose="02040503050406030204" pitchFamily="18" charset="0"/>
-                                </a:rPr>
-                                <m:t>𝐾</m:t>
-                              </m:r>
-                            </m:e>
-                            <m:sub>
-                              <m:r>
-                                <a:rPr lang="en-US" altLang="ja-JP" sz="2400" i="1">
-                                  <a:latin typeface="Cambria Math" panose="02040503050406030204" pitchFamily="18" charset="0"/>
-                                </a:rPr>
-                                <m:t>𝐵</m:t>
-                              </m:r>
-                            </m:sub>
-                          </m:sSub>
-                        </m:e>
-                      </m:rad>
-                      <m:r>
-                        <a:rPr lang="en-US" altLang="ja-JP" sz="2400" i="1">
-                          <a:latin typeface="Cambria Math" panose="02040503050406030204" pitchFamily="18" charset="0"/>
-                        </a:rPr>
-                        <m:t>⋅</m:t>
-                      </m:r>
-                      <m:sSub>
-                        <m:sSubPr>
-                          <m:ctrlPr>
-                            <a:rPr lang="en-US" altLang="ja-JP" sz="2400" i="1">
-                              <a:latin typeface="Cambria Math" panose="02040503050406030204" pitchFamily="18" charset="0"/>
-                            </a:rPr>
-                          </m:ctrlPr>
-                        </m:sSubPr>
-                        <m:e>
-                          <m:r>
-                            <a:rPr lang="en-US" altLang="ja-JP" sz="2400" i="1">
-                              <a:latin typeface="Cambria Math" panose="02040503050406030204" pitchFamily="18" charset="0"/>
-                            </a:rPr>
-                            <m:t>𝑉</m:t>
-                          </m:r>
-                        </m:e>
-                        <m:sub>
-                          <m:r>
-                            <a:rPr lang="en-US" altLang="ja-JP" sz="2400" i="1">
-                              <a:latin typeface="Cambria Math" panose="02040503050406030204" pitchFamily="18" charset="0"/>
-                            </a:rPr>
-                            <m:t>𝐶𝑇𝑅𝐿</m:t>
-                          </m:r>
-                        </m:sub>
-                      </m:sSub>
-                      <m:r>
-                        <a:rPr lang="en-US" altLang="ja-JP" sz="2400" i="1">
-                          <a:latin typeface="Cambria Math" panose="02040503050406030204" pitchFamily="18" charset="0"/>
-                        </a:rPr>
-                        <m:t>⋅</m:t>
-                      </m:r>
-                      <m:sSub>
-                        <m:sSubPr>
-                          <m:ctrlPr>
-                            <a:rPr lang="en-US" altLang="ja-JP" sz="2400" i="1">
-                              <a:latin typeface="Cambria Math" panose="02040503050406030204" pitchFamily="18" charset="0"/>
-                            </a:rPr>
-                          </m:ctrlPr>
-                        </m:sSubPr>
-                        <m:e>
-                          <m:r>
-                            <a:rPr lang="en-US" altLang="ja-JP" sz="2400" i="1">
-                              <a:latin typeface="Cambria Math" panose="02040503050406030204" pitchFamily="18" charset="0"/>
-                            </a:rPr>
-                            <m:t>𝑣</m:t>
-                          </m:r>
-                        </m:e>
-                        <m:sub>
-                          <m:r>
-                            <a:rPr lang="en-US" altLang="ja-JP" sz="2400" i="1">
-                              <a:latin typeface="Cambria Math" panose="02040503050406030204" pitchFamily="18" charset="0"/>
-                            </a:rPr>
-                            <m:t>𝑖𝑛</m:t>
-                          </m:r>
-                        </m:sub>
-                      </m:sSub>
-                    </m:oMath>
-                  </m:oMathPara>
-                </a14:m>
-                <a:endParaRPr kumimoji="1" lang="en-US" altLang="ja-JP" sz="2400" dirty="0"/>
-              </a:p>
-              <a:p>
-                <a:r>
-                  <a:rPr lang="ja-JP" altLang="en-US" sz="2400" dirty="0"/>
-                  <a:t>まずは利得を揃える</a:t>
-                </a:r>
-                <a:endParaRPr lang="en-US" altLang="ja-JP" sz="2400" dirty="0"/>
-              </a:p>
-              <a:p>
-                <a:pPr/>
-                <a14:m>
-                  <m:oMathPara xmlns:m="http://schemas.openxmlformats.org/officeDocument/2006/math">
-                    <m:oMathParaPr>
-                      <m:jc m:val="centerGroup"/>
-                    </m:oMathParaPr>
-                    <m:oMath xmlns:m="http://schemas.openxmlformats.org/officeDocument/2006/math">
-                      <m:r>
-                        <a:rPr kumimoji="1" lang="en-US" altLang="ja-JP" sz="2400" b="0" i="1" smtClean="0">
-                          <a:latin typeface="Cambria Math" panose="02040503050406030204" pitchFamily="18" charset="0"/>
-                        </a:rPr>
-                        <m:t>∴</m:t>
-                      </m:r>
-                      <m:sSub>
-                        <m:sSubPr>
-                          <m:ctrlPr>
-                            <a:rPr kumimoji="1" lang="en-US" altLang="ja-JP" sz="2400" b="0" i="1" smtClean="0">
-                              <a:latin typeface="Cambria Math" panose="02040503050406030204" pitchFamily="18" charset="0"/>
-                            </a:rPr>
-                          </m:ctrlPr>
-                        </m:sSubPr>
-                        <m:e>
-                          <m:r>
-                            <a:rPr kumimoji="1" lang="en-US" altLang="ja-JP" sz="2400" b="0" i="1" smtClean="0">
-                              <a:latin typeface="Cambria Math" panose="02040503050406030204" pitchFamily="18" charset="0"/>
-                            </a:rPr>
-                            <m:t>𝐼</m:t>
-                          </m:r>
-                        </m:e>
-                        <m:sub>
-                          <m:r>
-                            <a:rPr kumimoji="1" lang="en-US" altLang="ja-JP" sz="2400" b="0" i="1" smtClean="0">
-                              <a:latin typeface="Cambria Math" panose="02040503050406030204" pitchFamily="18" charset="0"/>
-                            </a:rPr>
-                            <m:t>𝑏𝑖𝑎𝑠</m:t>
-                          </m:r>
-                        </m:sub>
-                      </m:sSub>
-                      <m:r>
-                        <a:rPr kumimoji="1" lang="en-US" altLang="ja-JP" sz="2400" b="0" i="1" smtClean="0">
-                          <a:latin typeface="Cambria Math" panose="02040503050406030204" pitchFamily="18" charset="0"/>
-                        </a:rPr>
-                        <m:t>=</m:t>
-                      </m:r>
-                      <m:sSub>
-                        <m:sSubPr>
-                          <m:ctrlPr>
-                            <a:rPr kumimoji="1" lang="en-US" altLang="ja-JP" sz="2400" b="0" i="1" smtClean="0">
-                              <a:latin typeface="Cambria Math" panose="02040503050406030204" pitchFamily="18" charset="0"/>
-                            </a:rPr>
-                          </m:ctrlPr>
-                        </m:sSubPr>
-                        <m:e>
-                          <m:r>
-                            <a:rPr kumimoji="1" lang="en-US" altLang="ja-JP" sz="2400" b="0" i="1" smtClean="0">
-                              <a:latin typeface="Cambria Math" panose="02040503050406030204" pitchFamily="18" charset="0"/>
-                            </a:rPr>
-                            <m:t>𝐼</m:t>
-                          </m:r>
-                        </m:e>
-                        <m:sub>
-                          <m:r>
-                            <a:rPr kumimoji="1" lang="en-US" altLang="ja-JP" sz="2400" b="0" i="1" smtClean="0">
-                              <a:latin typeface="Cambria Math" panose="02040503050406030204" pitchFamily="18" charset="0"/>
-                            </a:rPr>
-                            <m:t>𝐶</m:t>
-                          </m:r>
-                        </m:sub>
-                      </m:sSub>
-                      <m:r>
-                        <a:rPr kumimoji="1" lang="en-US" altLang="ja-JP" sz="2400" b="0" i="1" smtClean="0">
-                          <a:latin typeface="Cambria Math" panose="02040503050406030204" pitchFamily="18" charset="0"/>
-                        </a:rPr>
-                        <m:t>,</m:t>
-                      </m:r>
-                      <m:sSub>
-                        <m:sSubPr>
-                          <m:ctrlPr>
-                            <a:rPr kumimoji="1" lang="en-US" altLang="ja-JP" sz="2400" b="0" i="1" smtClean="0">
-                              <a:latin typeface="Cambria Math" panose="02040503050406030204" pitchFamily="18" charset="0"/>
-                            </a:rPr>
-                          </m:ctrlPr>
-                        </m:sSubPr>
-                        <m:e>
-                          <m:r>
-                            <a:rPr kumimoji="1" lang="en-US" altLang="ja-JP" sz="2400" b="0" i="1" smtClean="0">
-                              <a:latin typeface="Cambria Math" panose="02040503050406030204" pitchFamily="18" charset="0"/>
-                            </a:rPr>
-                            <m:t>𝐾</m:t>
-                          </m:r>
-                        </m:e>
-                        <m:sub>
-                          <m:r>
-                            <a:rPr kumimoji="1" lang="en-US" altLang="ja-JP" sz="2400" b="0" i="1" smtClean="0">
-                              <a:latin typeface="Cambria Math" panose="02040503050406030204" pitchFamily="18" charset="0"/>
-                            </a:rPr>
-                            <m:t>𝑝</m:t>
-                          </m:r>
-                        </m:sub>
-                      </m:sSub>
-                      <m:r>
-                        <a:rPr kumimoji="1" lang="en-US" altLang="ja-JP" sz="2400" b="0" i="1" smtClean="0">
-                          <a:latin typeface="Cambria Math" panose="02040503050406030204" pitchFamily="18" charset="0"/>
-                        </a:rPr>
-                        <m:t>=</m:t>
-                      </m:r>
-                      <m:sSub>
-                        <m:sSubPr>
-                          <m:ctrlPr>
-                            <a:rPr kumimoji="1" lang="en-US" altLang="ja-JP" sz="2400" b="0" i="1" smtClean="0">
-                              <a:latin typeface="Cambria Math" panose="02040503050406030204" pitchFamily="18" charset="0"/>
-                            </a:rPr>
-                          </m:ctrlPr>
-                        </m:sSubPr>
-                        <m:e>
-                          <m:r>
-                            <a:rPr kumimoji="1" lang="en-US" altLang="ja-JP" sz="2400" b="0" i="1" smtClean="0">
-                              <a:latin typeface="Cambria Math" panose="02040503050406030204" pitchFamily="18" charset="0"/>
-                            </a:rPr>
-                            <m:t>𝐾</m:t>
-                          </m:r>
-                        </m:e>
-                        <m:sub>
-                          <m:r>
-                            <a:rPr kumimoji="1" lang="en-US" altLang="ja-JP" sz="2400" b="0" i="1" smtClean="0">
-                              <a:latin typeface="Cambria Math" panose="02040503050406030204" pitchFamily="18" charset="0"/>
-                            </a:rPr>
-                            <m:t>𝐴</m:t>
-                          </m:r>
-                        </m:sub>
-                      </m:sSub>
-                    </m:oMath>
-                  </m:oMathPara>
-                </a14:m>
-                <a:endParaRPr kumimoji="1" lang="en-US" altLang="ja-JP" sz="2400" dirty="0"/>
-              </a:p>
-              <a:p>
-                <a:r>
-                  <a:rPr lang="ja-JP" altLang="en-US" sz="2400" dirty="0"/>
-                  <a:t>を目標にする</a:t>
-                </a:r>
-                <a:endParaRPr kumimoji="1" lang="ja-JP" altLang="en-US" sz="2400" dirty="0"/>
-              </a:p>
-            </p:txBody>
-          </p:sp>
-        </mc:Choice>
-        <mc:Fallback xmlns="">
-          <p:sp>
-            <p:nvSpPr>
-              <p:cNvPr id="10" name="テキスト ボックス 9">
-                <a:extLst>
-                  <a:ext uri="{FF2B5EF4-FFF2-40B4-BE49-F238E27FC236}">
-                    <a16:creationId xmlns:a16="http://schemas.microsoft.com/office/drawing/2014/main" id="{3D2157CB-F19D-A461-0E53-D57C8205162E}"/>
-                  </a:ext>
-                </a:extLst>
-              </p:cNvPr>
-              <p:cNvSpPr txBox="1">
-                <a:spLocks noRot="1" noChangeAspect="1" noMove="1" noResize="1" noEditPoints="1" noAdjustHandles="1" noChangeArrowheads="1" noChangeShapeType="1" noTextEdit="1"/>
-              </p:cNvSpPr>
-              <p:nvPr/>
-            </p:nvSpPr>
-            <p:spPr>
-              <a:xfrm>
-                <a:off x="7596325" y="4216623"/>
-                <a:ext cx="4394447" cy="2045432"/>
-              </a:xfrm>
-              <a:prstGeom prst="rect">
-                <a:avLst/>
-              </a:prstGeom>
-              <a:blipFill>
-                <a:blip r:embed="rId4"/>
-                <a:stretch>
-                  <a:fillRect l="-2080" t="-2388" b="-5970"/>
-                </a:stretch>
-              </a:blipFill>
-            </p:spPr>
-            <p:txBody>
-              <a:bodyPr/>
-              <a:lstStyle/>
-              <a:p>
-                <a:r>
-                  <a:rPr lang="ja-JP" altLang="en-US">
-                    <a:noFill/>
-                  </a:rPr>
-                  <a:t> </a:t>
-                </a:r>
-              </a:p>
-            </p:txBody>
-          </p:sp>
-        </mc:Fallback>
-      </mc:AlternateContent>
+      <p:sp>
+        <p:nvSpPr>
+          <p:cNvPr id="8" name="テキスト ボックス 7">
+            <a:extLst>
+              <a:ext uri="{FF2B5EF4-FFF2-40B4-BE49-F238E27FC236}">
+                <a16:creationId xmlns:a16="http://schemas.microsoft.com/office/drawing/2014/main" id="{E7CD3165-2124-C38C-3A97-870FACCE8AA6}"/>
+              </a:ext>
+            </a:extLst>
+          </p:cNvPr>
+          <p:cNvSpPr txBox="1"/>
+          <p:nvPr/>
+        </p:nvSpPr>
+        <p:spPr>
+          <a:xfrm>
+            <a:off x="6958352" y="1164794"/>
+            <a:ext cx="4974455" cy="1938992"/>
+          </a:xfrm>
+          <a:prstGeom prst="rect">
+            <a:avLst/>
+          </a:prstGeom>
+          <a:noFill/>
+        </p:spPr>
+        <p:txBody>
+          <a:bodyPr wrap="square" rtlCol="0">
+            <a:spAutoFit/>
+          </a:bodyPr>
+          <a:lstStyle/>
+          <a:p>
+            <a:r>
+              <a:rPr kumimoji="1" lang="ja-JP" altLang="en-US" sz="2400" dirty="0"/>
+              <a:t>赤枠内と負荷抵抗はとりあえず従来型と同様の設計値</a:t>
+            </a:r>
+            <a:endParaRPr kumimoji="1" lang="en-US" altLang="ja-JP" sz="2400" dirty="0"/>
+          </a:p>
+          <a:p>
+            <a:endParaRPr lang="en-US" altLang="ja-JP" sz="2400" dirty="0"/>
+          </a:p>
+          <a:p>
+            <a:r>
+              <a:rPr kumimoji="1" lang="ja-JP" altLang="en-US" sz="2400" dirty="0"/>
+              <a:t>まずは各トランジスタに流れる電流をそろえる。</a:t>
+            </a:r>
+            <a:endParaRPr kumimoji="1" lang="en-US" altLang="ja-JP" sz="2400" dirty="0"/>
+          </a:p>
+        </p:txBody>
+      </p:sp>
       <p:sp>
         <p:nvSpPr>
           <p:cNvPr id="3" name="スライド番号プレースホルダー 2">
@@ -5444,6 +5261,42 @@
           </a:p>
         </p:txBody>
       </p:sp>
+      <p:pic>
+        <p:nvPicPr>
+          <p:cNvPr id="5" name="図 4" descr="背景パターン が含まれている画像&#10;&#10;自動的に生成された説明">
+            <a:extLst>
+              <a:ext uri="{FF2B5EF4-FFF2-40B4-BE49-F238E27FC236}">
+                <a16:creationId xmlns:a16="http://schemas.microsoft.com/office/drawing/2014/main" id="{70F84C62-02FA-F092-D237-4E5575352C46}"/>
+              </a:ext>
+            </a:extLst>
+          </p:cNvPr>
+          <p:cNvPicPr>
+            <a:picLocks noChangeAspect="1"/>
+          </p:cNvPicPr>
+          <p:nvPr/>
+        </p:nvPicPr>
+        <p:blipFill>
+          <a:blip r:embed="rId2">
+            <a:extLst>
+              <a:ext uri="{28A0092B-C50C-407E-A947-70E740481C1C}">
+                <a14:useLocalDpi xmlns:a14="http://schemas.microsoft.com/office/drawing/2010/main" val="0"/>
+              </a:ext>
+            </a:extLst>
+          </a:blip>
+          <a:stretch>
+            <a:fillRect/>
+          </a:stretch>
+        </p:blipFill>
+        <p:spPr>
+          <a:xfrm>
+            <a:off x="-247075" y="2134290"/>
+            <a:ext cx="8656494" cy="4358585"/>
+          </a:xfrm>
+          <a:prstGeom prst="rect">
+            <a:avLst/>
+          </a:prstGeom>
+        </p:spPr>
+      </p:pic>
     </p:spTree>
     <p:extLst>
       <p:ext uri="{BB962C8B-B14F-4D97-AF65-F5344CB8AC3E}">
@@ -5474,113 +5327,69 @@
           <a:chExt cx="0" cy="0"/>
         </a:xfrm>
       </p:grpSpPr>
-      <mc:AlternateContent xmlns:mc="http://schemas.openxmlformats.org/markup-compatibility/2006" xmlns:a14="http://schemas.microsoft.com/office/drawing/2010/main">
-        <mc:Choice Requires="a14">
-          <p:sp>
-            <p:nvSpPr>
-              <p:cNvPr id="2" name="タイトル 1">
-                <a:extLst>
-                  <a:ext uri="{FF2B5EF4-FFF2-40B4-BE49-F238E27FC236}">
-                    <a16:creationId xmlns:a16="http://schemas.microsoft.com/office/drawing/2014/main" id="{C27DC87A-E73F-C5CC-214D-3CC601618416}"/>
-                  </a:ext>
-                </a:extLst>
-              </p:cNvPr>
-              <p:cNvSpPr>
-                <a:spLocks noGrp="1"/>
-              </p:cNvSpPr>
-              <p:nvPr>
-                <p:ph type="title"/>
-              </p:nvPr>
-            </p:nvSpPr>
-            <p:spPr/>
-            <p:txBody>
-              <a:bodyPr/>
-              <a:lstStyle/>
-              <a:p>
-                <a:r>
-                  <a:rPr kumimoji="1" lang="ja-JP" altLang="en-US" dirty="0"/>
-                  <a:t>従来型の</a:t>
-                </a:r>
-                <a14:m>
-                  <m:oMath xmlns:m="http://schemas.openxmlformats.org/officeDocument/2006/math">
-                    <m:sSub>
-                      <m:sSubPr>
-                        <m:ctrlPr>
-                          <a:rPr kumimoji="1" lang="en-US" altLang="ja-JP" b="0" i="1" smtClean="0">
-                            <a:latin typeface="Cambria Math" panose="02040503050406030204" pitchFamily="18" charset="0"/>
-                          </a:rPr>
-                        </m:ctrlPr>
-                      </m:sSubPr>
-                      <m:e>
-                        <m:r>
-                          <a:rPr kumimoji="1" lang="en-US" altLang="ja-JP" b="0" i="1" smtClean="0">
-                            <a:latin typeface="Cambria Math" panose="02040503050406030204" pitchFamily="18" charset="0"/>
-                          </a:rPr>
-                          <m:t>𝐾</m:t>
-                        </m:r>
-                      </m:e>
-                      <m:sub>
-                        <m:r>
-                          <a:rPr kumimoji="1" lang="en-US" altLang="ja-JP" b="0" i="1" smtClean="0">
-                            <a:latin typeface="Cambria Math" panose="02040503050406030204" pitchFamily="18" charset="0"/>
-                          </a:rPr>
-                          <m:t>𝐴</m:t>
-                        </m:r>
-                      </m:sub>
-                    </m:sSub>
-                  </m:oMath>
-                </a14:m>
-                <a:endParaRPr kumimoji="1" lang="ja-JP" altLang="en-US" dirty="0"/>
-              </a:p>
-            </p:txBody>
-          </p:sp>
-        </mc:Choice>
-        <mc:Fallback xmlns="">
-          <p:sp>
-            <p:nvSpPr>
-              <p:cNvPr id="2" name="タイトル 1">
-                <a:extLst>
-                  <a:ext uri="{FF2B5EF4-FFF2-40B4-BE49-F238E27FC236}">
-                    <a16:creationId xmlns:a16="http://schemas.microsoft.com/office/drawing/2014/main" id="{C27DC87A-E73F-C5CC-214D-3CC601618416}"/>
-                  </a:ext>
-                </a:extLst>
-              </p:cNvPr>
-              <p:cNvSpPr>
-                <a:spLocks noGrp="1" noRot="1" noChangeAspect="1" noMove="1" noResize="1" noEditPoints="1" noAdjustHandles="1" noChangeArrowheads="1" noChangeShapeType="1" noTextEdit="1"/>
-              </p:cNvSpPr>
-              <p:nvPr>
-                <p:ph type="title"/>
-              </p:nvPr>
-            </p:nvSpPr>
-            <p:spPr>
-              <a:blipFill>
-                <a:blip r:embed="rId2"/>
-                <a:stretch>
-                  <a:fillRect l="-2377"/>
-                </a:stretch>
-              </a:blipFill>
-            </p:spPr>
-            <p:txBody>
-              <a:bodyPr/>
-              <a:lstStyle/>
-              <a:p>
-                <a:r>
-                  <a:rPr lang="ja-JP" altLang="en-US">
-                    <a:noFill/>
-                  </a:rPr>
-                  <a:t> </a:t>
-                </a:r>
-              </a:p>
-            </p:txBody>
-          </p:sp>
-        </mc:Fallback>
-      </mc:AlternateContent>
+      <p:sp>
+        <p:nvSpPr>
+          <p:cNvPr id="2" name="タイトル 1">
+            <a:extLst>
+              <a:ext uri="{FF2B5EF4-FFF2-40B4-BE49-F238E27FC236}">
+                <a16:creationId xmlns:a16="http://schemas.microsoft.com/office/drawing/2014/main" id="{CF66BDE3-0F87-2776-57C4-71D7CD06287D}"/>
+              </a:ext>
+            </a:extLst>
+          </p:cNvPr>
+          <p:cNvSpPr>
+            <a:spLocks noGrp="1"/>
+          </p:cNvSpPr>
+          <p:nvPr>
+            <p:ph type="title"/>
+          </p:nvPr>
+        </p:nvSpPr>
+        <p:spPr/>
+        <p:txBody>
+          <a:bodyPr/>
+          <a:lstStyle/>
+          <a:p>
+            <a:r>
+              <a:rPr kumimoji="1" lang="ja-JP" altLang="en-US" dirty="0"/>
+              <a:t>従来型の設計値とシミュレーション結果</a:t>
+            </a:r>
+          </a:p>
+        </p:txBody>
+      </p:sp>
+      <p:sp>
+        <p:nvSpPr>
+          <p:cNvPr id="3" name="スライド番号プレースホルダー 2">
+            <a:extLst>
+              <a:ext uri="{FF2B5EF4-FFF2-40B4-BE49-F238E27FC236}">
+                <a16:creationId xmlns:a16="http://schemas.microsoft.com/office/drawing/2014/main" id="{ED1E1288-2479-B20E-92A1-2243612C93BF}"/>
+              </a:ext>
+            </a:extLst>
+          </p:cNvPr>
+          <p:cNvSpPr>
+            <a:spLocks noGrp="1"/>
+          </p:cNvSpPr>
+          <p:nvPr>
+            <p:ph type="sldNum" sz="quarter" idx="12"/>
+          </p:nvPr>
+        </p:nvSpPr>
+        <p:spPr/>
+        <p:txBody>
+          <a:bodyPr/>
+          <a:lstStyle/>
+          <a:p>
+            <a:fld id="{85B6C27D-B957-4A92-99D3-4644DF81A59E}" type="slidenum">
+              <a:rPr kumimoji="1" lang="ja-JP" altLang="en-US" smtClean="0"/>
+              <a:t>4</a:t>
+            </a:fld>
+            <a:endParaRPr kumimoji="1" lang="ja-JP" altLang="en-US"/>
+          </a:p>
+        </p:txBody>
+      </p:sp>
       <p:pic>
         <p:nvPicPr>
-          <p:cNvPr id="3" name="図 2" descr="星のマーク&#10;&#10;中程度の精度で自動的に生成された説明">
+          <p:cNvPr id="5" name="図 4" descr="星のマーク&#10;&#10;中程度の精度で自動的に生成された説明">
             <a:extLst>
               <a:ext uri="{FF2B5EF4-FFF2-40B4-BE49-F238E27FC236}">
-                <a16:creationId xmlns:a16="http://schemas.microsoft.com/office/drawing/2014/main" id="{255F3F7C-C0EB-DDFC-59D8-6488EF703707}"/>
+                <a16:creationId xmlns:a16="http://schemas.microsoft.com/office/drawing/2014/main" id="{3FE3C4C4-2B90-813D-9E14-02E36F11574B}"/>
               </a:ext>
             </a:extLst>
           </p:cNvPr>
@@ -5590,7 +5399,7 @@
           <p:nvPr/>
         </p:nvPicPr>
         <p:blipFill>
-          <a:blip r:embed="rId3">
+          <a:blip r:embed="rId2">
             <a:extLst>
               <a:ext uri="{28A0092B-C50C-407E-A947-70E740481C1C}">
                 <a14:useLocalDpi xmlns:a14="http://schemas.microsoft.com/office/drawing/2010/main" val="0"/>
@@ -5611,999 +5420,14 @@
           </a:prstGeom>
         </p:spPr>
       </p:pic>
-      <mc:AlternateContent xmlns:mc="http://schemas.openxmlformats.org/markup-compatibility/2006" xmlns:a14="http://schemas.microsoft.com/office/drawing/2010/main">
-        <mc:Choice Requires="a14">
-          <p:sp>
-            <p:nvSpPr>
-              <p:cNvPr id="4" name="テキスト ボックス 3">
+      <mc:AlternateContent xmlns:mc="http://schemas.openxmlformats.org/markup-compatibility/2006">
+        <mc:Choice xmlns:a14="http://schemas.microsoft.com/office/drawing/2010/main" Requires="a14">
+          <p:graphicFrame>
+            <p:nvGraphicFramePr>
+              <p:cNvPr id="7" name="表 5">
                 <a:extLst>
                   <a:ext uri="{FF2B5EF4-FFF2-40B4-BE49-F238E27FC236}">
-                    <a16:creationId xmlns:a16="http://schemas.microsoft.com/office/drawing/2014/main" id="{39D75D54-F2CA-B437-4DCE-2CC17362011C}"/>
-                  </a:ext>
-                </a:extLst>
-              </p:cNvPr>
-              <p:cNvSpPr txBox="1"/>
-              <p:nvPr/>
-            </p:nvSpPr>
-            <p:spPr>
-              <a:xfrm>
-                <a:off x="7164280" y="1690688"/>
-                <a:ext cx="4598633" cy="1569660"/>
-              </a:xfrm>
-              <a:prstGeom prst="rect">
-                <a:avLst/>
-              </a:prstGeom>
-              <a:noFill/>
-            </p:spPr>
-            <p:txBody>
-              <a:bodyPr wrap="square" rtlCol="0">
-                <a:spAutoFit/>
-              </a:bodyPr>
-              <a:lstStyle/>
-              <a:p>
-                <a:pPr algn="l"/>
-                <a:r>
-                  <a:rPr lang="ja-JP" altLang="en-US" sz="2400" dirty="0"/>
-                  <a:t>計算上では</a:t>
-                </a:r>
-                <a14:m>
-                  <m:oMath xmlns:m="http://schemas.openxmlformats.org/officeDocument/2006/math">
-                    <m:sSub>
-                      <m:sSubPr>
-                        <m:ctrlPr>
-                          <a:rPr lang="en-US" altLang="ja-JP" sz="2400" b="0" i="1" smtClean="0">
-                            <a:latin typeface="Cambria Math" panose="02040503050406030204" pitchFamily="18" charset="0"/>
-                          </a:rPr>
-                        </m:ctrlPr>
-                      </m:sSubPr>
-                      <m:e>
-                        <m:r>
-                          <a:rPr lang="en-US" altLang="ja-JP" sz="2400" b="0" i="1" smtClean="0">
-                            <a:latin typeface="Cambria Math" panose="02040503050406030204" pitchFamily="18" charset="0"/>
-                          </a:rPr>
-                          <m:t>𝐾</m:t>
-                        </m:r>
-                      </m:e>
-                      <m:sub>
-                        <m:r>
-                          <a:rPr lang="en-US" altLang="ja-JP" sz="2400" b="0" i="1" smtClean="0">
-                            <a:latin typeface="Cambria Math" panose="02040503050406030204" pitchFamily="18" charset="0"/>
-                          </a:rPr>
-                          <m:t>𝐴</m:t>
-                        </m:r>
-                      </m:sub>
-                    </m:sSub>
-                  </m:oMath>
-                </a14:m>
-                <a:r>
-                  <a:rPr kumimoji="1" lang="ja-JP" altLang="en-US" sz="2400" dirty="0"/>
-                  <a:t>は求められているが、設計通りの値ではなかった</a:t>
-                </a:r>
-                <a:endParaRPr kumimoji="1" lang="en-US" altLang="ja-JP" sz="2400" dirty="0"/>
-              </a:p>
-              <a:p>
-                <a:pPr algn="l"/>
-                <a:endParaRPr kumimoji="1" lang="en-US" altLang="ja-JP" sz="2400" dirty="0"/>
-              </a:p>
-              <a:p>
-                <a:pPr algn="l"/>
-                <a:r>
-                  <a:rPr lang="ja-JP" altLang="en-US" sz="2400" dirty="0">
-                    <a:solidFill>
-                      <a:schemeClr val="tx1"/>
-                    </a:solidFill>
-                  </a:rPr>
-                  <a:t>⇒まずは実際の</a:t>
-                </a:r>
-                <a14:m>
-                  <m:oMath xmlns:m="http://schemas.openxmlformats.org/officeDocument/2006/math">
-                    <m:sSub>
-                      <m:sSubPr>
-                        <m:ctrlPr>
-                          <a:rPr lang="en-US" altLang="ja-JP" sz="2400" b="0" i="1" smtClean="0">
-                            <a:solidFill>
-                              <a:schemeClr val="tx1"/>
-                            </a:solidFill>
-                            <a:latin typeface="Cambria Math" panose="02040503050406030204" pitchFamily="18" charset="0"/>
-                          </a:rPr>
-                        </m:ctrlPr>
-                      </m:sSubPr>
-                      <m:e>
-                        <m:r>
-                          <a:rPr lang="en-US" altLang="ja-JP" sz="2400" b="0" i="1" smtClean="0">
-                            <a:solidFill>
-                              <a:schemeClr val="tx1"/>
-                            </a:solidFill>
-                            <a:latin typeface="Cambria Math" panose="02040503050406030204" pitchFamily="18" charset="0"/>
-                          </a:rPr>
-                          <m:t>𝐾</m:t>
-                        </m:r>
-                      </m:e>
-                      <m:sub>
-                        <m:r>
-                          <a:rPr lang="en-US" altLang="ja-JP" sz="2400" b="0" i="1" smtClean="0">
-                            <a:solidFill>
-                              <a:schemeClr val="tx1"/>
-                            </a:solidFill>
-                            <a:latin typeface="Cambria Math" panose="02040503050406030204" pitchFamily="18" charset="0"/>
-                          </a:rPr>
-                          <m:t>𝐴</m:t>
-                        </m:r>
-                      </m:sub>
-                    </m:sSub>
-                  </m:oMath>
-                </a14:m>
-                <a:r>
-                  <a:rPr kumimoji="1" lang="ja-JP" altLang="en-US" sz="2400" dirty="0">
-                    <a:solidFill>
-                      <a:schemeClr val="tx1"/>
-                    </a:solidFill>
-                  </a:rPr>
-                  <a:t>を求めた</a:t>
-                </a:r>
-              </a:p>
-            </p:txBody>
-          </p:sp>
-        </mc:Choice>
-        <mc:Fallback xmlns="">
-          <p:sp>
-            <p:nvSpPr>
-              <p:cNvPr id="4" name="テキスト ボックス 3">
-                <a:extLst>
-                  <a:ext uri="{FF2B5EF4-FFF2-40B4-BE49-F238E27FC236}">
-                    <a16:creationId xmlns:a16="http://schemas.microsoft.com/office/drawing/2014/main" id="{39D75D54-F2CA-B437-4DCE-2CC17362011C}"/>
-                  </a:ext>
-                </a:extLst>
-              </p:cNvPr>
-              <p:cNvSpPr txBox="1">
-                <a:spLocks noRot="1" noChangeAspect="1" noMove="1" noResize="1" noEditPoints="1" noAdjustHandles="1" noChangeArrowheads="1" noChangeShapeType="1" noTextEdit="1"/>
-              </p:cNvSpPr>
-              <p:nvPr/>
-            </p:nvSpPr>
-            <p:spPr>
-              <a:xfrm>
-                <a:off x="7164280" y="1690688"/>
-                <a:ext cx="4598633" cy="1569660"/>
-              </a:xfrm>
-              <a:prstGeom prst="rect">
-                <a:avLst/>
-              </a:prstGeom>
-              <a:blipFill>
-                <a:blip r:embed="rId4"/>
-                <a:stretch>
-                  <a:fillRect l="-1987" t="-3101" b="-7752"/>
-                </a:stretch>
-              </a:blipFill>
-            </p:spPr>
-            <p:txBody>
-              <a:bodyPr/>
-              <a:lstStyle/>
-              <a:p>
-                <a:r>
-                  <a:rPr lang="ja-JP" altLang="en-US">
-                    <a:noFill/>
-                  </a:rPr>
-                  <a:t> </a:t>
-                </a:r>
-              </a:p>
-            </p:txBody>
-          </p:sp>
-        </mc:Fallback>
-      </mc:AlternateContent>
-      <mc:AlternateContent xmlns:mc="http://schemas.openxmlformats.org/markup-compatibility/2006" xmlns:a14="http://schemas.microsoft.com/office/drawing/2010/main">
-        <mc:Choice Requires="a14">
-          <p:sp>
-            <p:nvSpPr>
-              <p:cNvPr id="5" name="テキスト ボックス 4">
-                <a:extLst>
-                  <a:ext uri="{FF2B5EF4-FFF2-40B4-BE49-F238E27FC236}">
-                    <a16:creationId xmlns:a16="http://schemas.microsoft.com/office/drawing/2014/main" id="{B3BB2A82-DA19-74D2-DD9A-D85BB0F01FF0}"/>
-                  </a:ext>
-                </a:extLst>
-              </p:cNvPr>
-              <p:cNvSpPr txBox="1"/>
-              <p:nvPr/>
-            </p:nvSpPr>
-            <p:spPr>
-              <a:xfrm>
-                <a:off x="7057747" y="3701989"/>
-                <a:ext cx="4705165" cy="1587679"/>
-              </a:xfrm>
-              <a:prstGeom prst="rect">
-                <a:avLst/>
-              </a:prstGeom>
-              <a:noFill/>
-            </p:spPr>
-            <p:txBody>
-              <a:bodyPr wrap="square" rtlCol="0">
-                <a:spAutoFit/>
-              </a:bodyPr>
-              <a:lstStyle/>
-              <a:p>
-                <a:pPr algn="l"/>
-                <a14:m>
-                  <m:oMathPara xmlns:m="http://schemas.openxmlformats.org/officeDocument/2006/math">
-                    <m:oMathParaPr>
-                      <m:jc m:val="centerGroup"/>
-                    </m:oMathParaPr>
-                    <m:oMath xmlns:m="http://schemas.openxmlformats.org/officeDocument/2006/math">
-                      <m:r>
-                        <a:rPr kumimoji="1" lang="en-US" altLang="ja-JP" sz="2400" b="0" i="1" smtClean="0">
-                          <a:latin typeface="Cambria Math" panose="02040503050406030204" pitchFamily="18" charset="0"/>
-                        </a:rPr>
-                        <m:t>𝐾</m:t>
-                      </m:r>
-                      <m:r>
-                        <a:rPr kumimoji="1" lang="en-US" altLang="ja-JP" sz="2400" b="0" i="1" smtClean="0">
-                          <a:latin typeface="Cambria Math" panose="02040503050406030204" pitchFamily="18" charset="0"/>
-                        </a:rPr>
-                        <m:t>=</m:t>
-                      </m:r>
-                      <m:f>
-                        <m:fPr>
-                          <m:ctrlPr>
-                            <a:rPr kumimoji="1" lang="en-US" altLang="ja-JP" sz="2400" b="0" i="1" smtClean="0">
-                              <a:latin typeface="Cambria Math" panose="02040503050406030204" pitchFamily="18" charset="0"/>
-                            </a:rPr>
-                          </m:ctrlPr>
-                        </m:fPr>
-                        <m:num>
-                          <m:r>
-                            <a:rPr kumimoji="1" lang="en-US" altLang="ja-JP" sz="2400" b="0" i="1" smtClean="0">
-                              <a:latin typeface="Cambria Math" panose="02040503050406030204" pitchFamily="18" charset="0"/>
-                            </a:rPr>
-                            <m:t>2</m:t>
-                          </m:r>
-                          <m:sSub>
-                            <m:sSubPr>
-                              <m:ctrlPr>
-                                <a:rPr kumimoji="1" lang="en-US" altLang="ja-JP" sz="2400" b="0" i="1" smtClean="0">
-                                  <a:latin typeface="Cambria Math" panose="02040503050406030204" pitchFamily="18" charset="0"/>
-                                </a:rPr>
-                              </m:ctrlPr>
-                            </m:sSubPr>
-                            <m:e>
-                              <m:r>
-                                <a:rPr kumimoji="1" lang="en-US" altLang="ja-JP" sz="2400" b="0" i="1" smtClean="0">
-                                  <a:latin typeface="Cambria Math" panose="02040503050406030204" pitchFamily="18" charset="0"/>
-                                </a:rPr>
-                                <m:t>𝐼</m:t>
-                              </m:r>
-                            </m:e>
-                            <m:sub>
-                              <m:r>
-                                <a:rPr kumimoji="1" lang="en-US" altLang="ja-JP" sz="2400" b="0" i="1" smtClean="0">
-                                  <a:latin typeface="Cambria Math" panose="02040503050406030204" pitchFamily="18" charset="0"/>
-                                </a:rPr>
-                                <m:t>𝐷</m:t>
-                              </m:r>
-                            </m:sub>
-                          </m:sSub>
-                        </m:num>
-                        <m:den>
-                          <m:sSup>
-                            <m:sSupPr>
-                              <m:ctrlPr>
-                                <a:rPr kumimoji="1" lang="en-US" altLang="ja-JP" sz="2400" b="0" i="1" smtClean="0">
-                                  <a:latin typeface="Cambria Math" panose="02040503050406030204" pitchFamily="18" charset="0"/>
-                                </a:rPr>
-                              </m:ctrlPr>
-                            </m:sSupPr>
-                            <m:e>
-                              <m:d>
-                                <m:dPr>
-                                  <m:ctrlPr>
-                                    <a:rPr kumimoji="1" lang="en-US" altLang="ja-JP" sz="2400" b="0" i="1" smtClean="0">
-                                      <a:latin typeface="Cambria Math" panose="02040503050406030204" pitchFamily="18" charset="0"/>
-                                    </a:rPr>
-                                  </m:ctrlPr>
-                                </m:dPr>
-                                <m:e>
-                                  <m:sSub>
-                                    <m:sSubPr>
-                                      <m:ctrlPr>
-                                        <a:rPr kumimoji="1" lang="en-US" altLang="ja-JP" sz="2400" b="0" i="1" smtClean="0">
-                                          <a:latin typeface="Cambria Math" panose="02040503050406030204" pitchFamily="18" charset="0"/>
-                                        </a:rPr>
-                                      </m:ctrlPr>
-                                    </m:sSubPr>
-                                    <m:e>
-                                      <m:r>
-                                        <a:rPr kumimoji="1" lang="en-US" altLang="ja-JP" sz="2400" b="0" i="1" smtClean="0">
-                                          <a:latin typeface="Cambria Math" panose="02040503050406030204" pitchFamily="18" charset="0"/>
-                                        </a:rPr>
-                                        <m:t>𝑉</m:t>
-                                      </m:r>
-                                    </m:e>
-                                    <m:sub>
-                                      <m:r>
-                                        <a:rPr kumimoji="1" lang="en-US" altLang="ja-JP" sz="2400" b="0" i="1" smtClean="0">
-                                          <a:latin typeface="Cambria Math" panose="02040503050406030204" pitchFamily="18" charset="0"/>
-                                        </a:rPr>
-                                        <m:t>𝐺𝑆</m:t>
-                                      </m:r>
-                                    </m:sub>
-                                  </m:sSub>
-                                  <m:r>
-                                    <a:rPr kumimoji="1" lang="en-US" altLang="ja-JP" sz="2400" b="0" i="1" smtClean="0">
-                                      <a:latin typeface="Cambria Math" panose="02040503050406030204" pitchFamily="18" charset="0"/>
-                                    </a:rPr>
-                                    <m:t>−</m:t>
-                                  </m:r>
-                                  <m:sSub>
-                                    <m:sSubPr>
-                                      <m:ctrlPr>
-                                        <a:rPr kumimoji="1" lang="en-US" altLang="ja-JP" sz="2400" b="0" i="1" smtClean="0">
-                                          <a:latin typeface="Cambria Math" panose="02040503050406030204" pitchFamily="18" charset="0"/>
-                                        </a:rPr>
-                                      </m:ctrlPr>
-                                    </m:sSubPr>
-                                    <m:e>
-                                      <m:r>
-                                        <a:rPr kumimoji="1" lang="en-US" altLang="ja-JP" sz="2400" b="0" i="1" smtClean="0">
-                                          <a:latin typeface="Cambria Math" panose="02040503050406030204" pitchFamily="18" charset="0"/>
-                                        </a:rPr>
-                                        <m:t>𝑉</m:t>
-                                      </m:r>
-                                    </m:e>
-                                    <m:sub>
-                                      <m:r>
-                                        <a:rPr kumimoji="1" lang="en-US" altLang="ja-JP" sz="2400" b="0" i="1" smtClean="0">
-                                          <a:latin typeface="Cambria Math" panose="02040503050406030204" pitchFamily="18" charset="0"/>
-                                        </a:rPr>
-                                        <m:t>𝑡h</m:t>
-                                      </m:r>
-                                    </m:sub>
-                                  </m:sSub>
-                                </m:e>
-                              </m:d>
-                            </m:e>
-                            <m:sup>
-                              <m:r>
-                                <a:rPr kumimoji="1" lang="en-US" altLang="ja-JP" sz="2400" b="0" i="1" smtClean="0">
-                                  <a:latin typeface="Cambria Math" panose="02040503050406030204" pitchFamily="18" charset="0"/>
-                                </a:rPr>
-                                <m:t>2</m:t>
-                              </m:r>
-                            </m:sup>
-                          </m:sSup>
-                        </m:den>
-                      </m:f>
-                    </m:oMath>
-                  </m:oMathPara>
-                </a14:m>
-                <a:endParaRPr kumimoji="1" lang="en-US" altLang="ja-JP" sz="2400" b="0" dirty="0"/>
-              </a:p>
-              <a:p>
-                <a:pPr algn="l"/>
-                <a:r>
-                  <a:rPr lang="ja-JP" altLang="en-US" sz="2400" dirty="0"/>
-                  <a:t>なので、</a:t>
-                </a:r>
-                <a:r>
-                  <a:rPr lang="en-US" altLang="ja-JP" sz="2400" dirty="0"/>
-                  <a:t>.op</a:t>
-                </a:r>
-                <a:r>
-                  <a:rPr lang="ja-JP" altLang="en-US" sz="2400" dirty="0"/>
-                  <a:t>解析で電流、電位を求めることで</a:t>
-                </a:r>
-                <a14:m>
-                  <m:oMath xmlns:m="http://schemas.openxmlformats.org/officeDocument/2006/math">
-                    <m:sSub>
-                      <m:sSubPr>
-                        <m:ctrlPr>
-                          <a:rPr lang="en-US" altLang="ja-JP" sz="2400" b="0" i="1" smtClean="0">
-                            <a:latin typeface="Cambria Math" panose="02040503050406030204" pitchFamily="18" charset="0"/>
-                          </a:rPr>
-                        </m:ctrlPr>
-                      </m:sSubPr>
-                      <m:e>
-                        <m:r>
-                          <a:rPr lang="en-US" altLang="ja-JP" sz="2400" b="0" i="1" smtClean="0">
-                            <a:latin typeface="Cambria Math" panose="02040503050406030204" pitchFamily="18" charset="0"/>
-                          </a:rPr>
-                          <m:t>𝐾</m:t>
-                        </m:r>
-                      </m:e>
-                      <m:sub>
-                        <m:r>
-                          <a:rPr lang="en-US" altLang="ja-JP" sz="2400" b="0" i="1" smtClean="0">
-                            <a:latin typeface="Cambria Math" panose="02040503050406030204" pitchFamily="18" charset="0"/>
-                          </a:rPr>
-                          <m:t>𝐴</m:t>
-                        </m:r>
-                      </m:sub>
-                    </m:sSub>
-                  </m:oMath>
-                </a14:m>
-                <a:r>
-                  <a:rPr lang="ja-JP" altLang="en-US" sz="2400" dirty="0"/>
-                  <a:t>を推定した。</a:t>
-                </a:r>
-                <a:endParaRPr lang="en-US" altLang="ja-JP" sz="2400" dirty="0"/>
-              </a:p>
-            </p:txBody>
-          </p:sp>
-        </mc:Choice>
-        <mc:Fallback xmlns="">
-          <p:sp>
-            <p:nvSpPr>
-              <p:cNvPr id="5" name="テキスト ボックス 4">
-                <a:extLst>
-                  <a:ext uri="{FF2B5EF4-FFF2-40B4-BE49-F238E27FC236}">
-                    <a16:creationId xmlns:a16="http://schemas.microsoft.com/office/drawing/2014/main" id="{B3BB2A82-DA19-74D2-DD9A-D85BB0F01FF0}"/>
-                  </a:ext>
-                </a:extLst>
-              </p:cNvPr>
-              <p:cNvSpPr txBox="1">
-                <a:spLocks noRot="1" noChangeAspect="1" noMove="1" noResize="1" noEditPoints="1" noAdjustHandles="1" noChangeArrowheads="1" noChangeShapeType="1" noTextEdit="1"/>
-              </p:cNvSpPr>
-              <p:nvPr/>
-            </p:nvSpPr>
-            <p:spPr>
-              <a:xfrm>
-                <a:off x="7057747" y="3701989"/>
-                <a:ext cx="4705165" cy="1587679"/>
-              </a:xfrm>
-              <a:prstGeom prst="rect">
-                <a:avLst/>
-              </a:prstGeom>
-              <a:blipFill>
-                <a:blip r:embed="rId5"/>
-                <a:stretch>
-                  <a:fillRect l="-2073" b="-7663"/>
-                </a:stretch>
-              </a:blipFill>
-            </p:spPr>
-            <p:txBody>
-              <a:bodyPr/>
-              <a:lstStyle/>
-              <a:p>
-                <a:r>
-                  <a:rPr lang="ja-JP" altLang="en-US">
-                    <a:noFill/>
-                  </a:rPr>
-                  <a:t> </a:t>
-                </a:r>
-              </a:p>
-            </p:txBody>
-          </p:sp>
-        </mc:Fallback>
-      </mc:AlternateContent>
-      <p:sp>
-        <p:nvSpPr>
-          <p:cNvPr id="6" name="スライド番号プレースホルダー 5">
-            <a:extLst>
-              <a:ext uri="{FF2B5EF4-FFF2-40B4-BE49-F238E27FC236}">
-                <a16:creationId xmlns:a16="http://schemas.microsoft.com/office/drawing/2014/main" id="{C8C1782C-312A-AD5D-29B2-1613F81F68C3}"/>
-              </a:ext>
-            </a:extLst>
-          </p:cNvPr>
-          <p:cNvSpPr>
-            <a:spLocks noGrp="1"/>
-          </p:cNvSpPr>
-          <p:nvPr>
-            <p:ph type="sldNum" sz="quarter" idx="12"/>
-          </p:nvPr>
-        </p:nvSpPr>
-        <p:spPr/>
-        <p:txBody>
-          <a:bodyPr/>
-          <a:lstStyle/>
-          <a:p>
-            <a:fld id="{85B6C27D-B957-4A92-99D3-4644DF81A59E}" type="slidenum">
-              <a:rPr kumimoji="1" lang="ja-JP" altLang="en-US" smtClean="0"/>
-              <a:t>4</a:t>
-            </a:fld>
-            <a:endParaRPr kumimoji="1" lang="ja-JP" altLang="en-US"/>
-          </a:p>
-        </p:txBody>
-      </p:sp>
-    </p:spTree>
-    <p:extLst>
-      <p:ext uri="{BB962C8B-B14F-4D97-AF65-F5344CB8AC3E}">
-        <p14:creationId xmlns:p14="http://schemas.microsoft.com/office/powerpoint/2010/main" val="169683607"/>
-      </p:ext>
-    </p:extLst>
-  </p:cSld>
-  <p:clrMapOvr>
-    <a:masterClrMapping/>
-  </p:clrMapOvr>
-</p:sld>
-</file>
-
-<file path=ppt/slides/slide5.xml><?xml version="1.0" encoding="utf-8"?>
-<p:sld xmlns:a="http://schemas.openxmlformats.org/drawingml/2006/main" xmlns:r="http://schemas.openxmlformats.org/officeDocument/2006/relationships" xmlns:p="http://schemas.openxmlformats.org/presentationml/2006/main">
-  <p:cSld>
-    <p:spTree>
-      <p:nvGrpSpPr>
-        <p:cNvPr id="1" name=""/>
-        <p:cNvGrpSpPr/>
-        <p:nvPr/>
-      </p:nvGrpSpPr>
-      <p:grpSpPr>
-        <a:xfrm>
-          <a:off x="0" y="0"/>
-          <a:ext cx="0" cy="0"/>
-          <a:chOff x="0" y="0"/>
-          <a:chExt cx="0" cy="0"/>
-        </a:xfrm>
-      </p:grpSpPr>
-      <mc:AlternateContent xmlns:mc="http://schemas.openxmlformats.org/markup-compatibility/2006" xmlns:a14="http://schemas.microsoft.com/office/drawing/2010/main">
-        <mc:Choice Requires="a14">
-          <p:sp>
-            <p:nvSpPr>
-              <p:cNvPr id="2" name="タイトル 1">
-                <a:extLst>
-                  <a:ext uri="{FF2B5EF4-FFF2-40B4-BE49-F238E27FC236}">
-                    <a16:creationId xmlns:a16="http://schemas.microsoft.com/office/drawing/2014/main" id="{CADB21DA-A462-305A-1C87-60071C2E106E}"/>
-                  </a:ext>
-                </a:extLst>
-              </p:cNvPr>
-              <p:cNvSpPr>
-                <a:spLocks noGrp="1"/>
-              </p:cNvSpPr>
-              <p:nvPr>
-                <p:ph type="title"/>
-              </p:nvPr>
-            </p:nvSpPr>
-            <p:spPr/>
-            <p:txBody>
-              <a:bodyPr/>
-              <a:lstStyle/>
-              <a:p>
-                <a:r>
-                  <a:rPr kumimoji="1" lang="ja-JP" altLang="en-US" dirty="0"/>
-                  <a:t>従来型の</a:t>
-                </a:r>
-                <a14:m>
-                  <m:oMath xmlns:m="http://schemas.openxmlformats.org/officeDocument/2006/math">
-                    <m:sSub>
-                      <m:sSubPr>
-                        <m:ctrlPr>
-                          <a:rPr kumimoji="1" lang="en-US" altLang="ja-JP" b="0" i="1" smtClean="0">
-                            <a:latin typeface="Cambria Math" panose="02040503050406030204" pitchFamily="18" charset="0"/>
-                          </a:rPr>
-                        </m:ctrlPr>
-                      </m:sSubPr>
-                      <m:e>
-                        <m:r>
-                          <a:rPr kumimoji="1" lang="en-US" altLang="ja-JP" b="0" i="1" smtClean="0">
-                            <a:latin typeface="Cambria Math" panose="02040503050406030204" pitchFamily="18" charset="0"/>
-                          </a:rPr>
-                          <m:t>𝐾</m:t>
-                        </m:r>
-                      </m:e>
-                      <m:sub>
-                        <m:r>
-                          <a:rPr kumimoji="1" lang="en-US" altLang="ja-JP" b="0" i="1" smtClean="0">
-                            <a:latin typeface="Cambria Math" panose="02040503050406030204" pitchFamily="18" charset="0"/>
-                          </a:rPr>
-                          <m:t>𝐴</m:t>
-                        </m:r>
-                      </m:sub>
-                    </m:sSub>
-                  </m:oMath>
-                </a14:m>
-                <a:endParaRPr kumimoji="1" lang="ja-JP" altLang="en-US" dirty="0"/>
-              </a:p>
-            </p:txBody>
-          </p:sp>
-        </mc:Choice>
-        <mc:Fallback xmlns="">
-          <p:sp>
-            <p:nvSpPr>
-              <p:cNvPr id="2" name="タイトル 1">
-                <a:extLst>
-                  <a:ext uri="{FF2B5EF4-FFF2-40B4-BE49-F238E27FC236}">
-                    <a16:creationId xmlns:a16="http://schemas.microsoft.com/office/drawing/2014/main" id="{CADB21DA-A462-305A-1C87-60071C2E106E}"/>
-                  </a:ext>
-                </a:extLst>
-              </p:cNvPr>
-              <p:cNvSpPr>
-                <a:spLocks noGrp="1" noRot="1" noChangeAspect="1" noMove="1" noResize="1" noEditPoints="1" noAdjustHandles="1" noChangeArrowheads="1" noChangeShapeType="1" noTextEdit="1"/>
-              </p:cNvSpPr>
-              <p:nvPr>
-                <p:ph type="title"/>
-              </p:nvPr>
-            </p:nvSpPr>
-            <p:spPr>
-              <a:blipFill>
-                <a:blip r:embed="rId2"/>
-                <a:stretch>
-                  <a:fillRect l="-2377"/>
-                </a:stretch>
-              </a:blipFill>
-            </p:spPr>
-            <p:txBody>
-              <a:bodyPr/>
-              <a:lstStyle/>
-              <a:p>
-                <a:r>
-                  <a:rPr lang="ja-JP" altLang="en-US">
-                    <a:noFill/>
-                  </a:rPr>
-                  <a:t> </a:t>
-                </a:r>
-              </a:p>
-            </p:txBody>
-          </p:sp>
-        </mc:Fallback>
-      </mc:AlternateContent>
-      <p:pic>
-        <p:nvPicPr>
-          <p:cNvPr id="3" name="図 2" descr="星のマーク&#10;&#10;中程度の精度で自動的に生成された説明">
-            <a:extLst>
-              <a:ext uri="{FF2B5EF4-FFF2-40B4-BE49-F238E27FC236}">
-                <a16:creationId xmlns:a16="http://schemas.microsoft.com/office/drawing/2014/main" id="{A98E8D41-7BFA-9223-5567-CE1307370C35}"/>
-              </a:ext>
-            </a:extLst>
-          </p:cNvPr>
-          <p:cNvPicPr>
-            <a:picLocks noChangeAspect="1"/>
-          </p:cNvPicPr>
-          <p:nvPr/>
-        </p:nvPicPr>
-        <p:blipFill>
-          <a:blip r:embed="rId3">
-            <a:extLst>
-              <a:ext uri="{28A0092B-C50C-407E-A947-70E740481C1C}">
-                <a14:useLocalDpi xmlns:a14="http://schemas.microsoft.com/office/drawing/2010/main" val="0"/>
-              </a:ext>
-            </a:extLst>
-          </a:blip>
-          <a:stretch>
-            <a:fillRect/>
-          </a:stretch>
-        </p:blipFill>
-        <p:spPr>
-          <a:xfrm>
-            <a:off x="-397927" y="1281830"/>
-            <a:ext cx="7288621" cy="5576170"/>
-          </a:xfrm>
-          <a:prstGeom prst="rect">
-            <a:avLst/>
-          </a:prstGeom>
-        </p:spPr>
-      </p:pic>
-      <mc:AlternateContent xmlns:mc="http://schemas.openxmlformats.org/markup-compatibility/2006" xmlns:a14="http://schemas.microsoft.com/office/drawing/2010/main">
-        <mc:Choice Requires="a14">
-          <p:sp>
-            <p:nvSpPr>
-              <p:cNvPr id="4" name="テキスト ボックス 3">
-                <a:extLst>
-                  <a:ext uri="{FF2B5EF4-FFF2-40B4-BE49-F238E27FC236}">
-                    <a16:creationId xmlns:a16="http://schemas.microsoft.com/office/drawing/2014/main" id="{1C2801A2-19C5-C2C9-858F-706974E58519}"/>
-                  </a:ext>
-                </a:extLst>
-              </p:cNvPr>
-              <p:cNvSpPr txBox="1"/>
-              <p:nvPr/>
-            </p:nvSpPr>
-            <p:spPr>
-              <a:xfrm>
-                <a:off x="6712401" y="3958157"/>
-                <a:ext cx="4997246" cy="2677656"/>
-              </a:xfrm>
-              <a:prstGeom prst="rect">
-                <a:avLst/>
-              </a:prstGeom>
-              <a:noFill/>
-            </p:spPr>
-            <p:txBody>
-              <a:bodyPr wrap="square" rtlCol="0">
-                <a:spAutoFit/>
-              </a:bodyPr>
-              <a:lstStyle/>
-              <a:p>
-                <a:pPr algn="l"/>
-                <a:r>
-                  <a:rPr kumimoji="1" lang="ja-JP" altLang="en-US" sz="2400" dirty="0"/>
-                  <a:t>以前の研究から</a:t>
-                </a:r>
-                <a14:m>
-                  <m:oMath xmlns:m="http://schemas.openxmlformats.org/officeDocument/2006/math">
-                    <m:sSub>
-                      <m:sSubPr>
-                        <m:ctrlPr>
-                          <a:rPr kumimoji="1" lang="en-US" altLang="ja-JP" sz="2400" b="0" i="1" smtClean="0">
-                            <a:latin typeface="Cambria Math" panose="02040503050406030204" pitchFamily="18" charset="0"/>
-                          </a:rPr>
-                        </m:ctrlPr>
-                      </m:sSubPr>
-                      <m:e>
-                        <m:r>
-                          <m:rPr>
-                            <m:sty m:val="p"/>
-                          </m:rPr>
-                          <a:rPr kumimoji="1" lang="en-US" altLang="ja-JP" sz="2400" b="0" i="0" smtClean="0">
-                            <a:latin typeface="Cambria Math" panose="02040503050406030204" pitchFamily="18" charset="0"/>
-                          </a:rPr>
-                          <m:t>M</m:t>
-                        </m:r>
-                      </m:e>
-                      <m:sub>
-                        <m:r>
-                          <m:rPr>
-                            <m:sty m:val="p"/>
-                          </m:rPr>
-                          <a:rPr kumimoji="1" lang="en-US" altLang="ja-JP" sz="2400" b="0" i="0" smtClean="0">
-                            <a:latin typeface="Cambria Math" panose="02040503050406030204" pitchFamily="18" charset="0"/>
-                          </a:rPr>
-                          <m:t>A</m:t>
-                        </m:r>
-                      </m:sub>
-                    </m:sSub>
-                  </m:oMath>
-                </a14:m>
-                <a:r>
-                  <a:rPr kumimoji="1" lang="ja-JP" altLang="en-US" sz="2400" dirty="0"/>
-                  <a:t>のしきい電圧は</a:t>
-                </a:r>
-                <a:endParaRPr kumimoji="1" lang="en-US" altLang="ja-JP" sz="2400" dirty="0"/>
-              </a:p>
-              <a:p>
-                <a:pPr algn="l"/>
-                <a14:m>
-                  <m:oMathPara xmlns:m="http://schemas.openxmlformats.org/officeDocument/2006/math">
-                    <m:oMathParaPr>
-                      <m:jc m:val="centerGroup"/>
-                    </m:oMathParaPr>
-                    <m:oMath xmlns:m="http://schemas.openxmlformats.org/officeDocument/2006/math">
-                      <m:sSub>
-                        <m:sSubPr>
-                          <m:ctrlPr>
-                            <a:rPr lang="en-US" altLang="ja-JP" sz="2400" b="0" i="1" smtClean="0">
-                              <a:latin typeface="Cambria Math" panose="02040503050406030204" pitchFamily="18" charset="0"/>
-                            </a:rPr>
-                          </m:ctrlPr>
-                        </m:sSubPr>
-                        <m:e>
-                          <m:r>
-                            <a:rPr lang="en-US" altLang="ja-JP" sz="2400" b="0" i="1" smtClean="0">
-                              <a:latin typeface="Cambria Math" panose="02040503050406030204" pitchFamily="18" charset="0"/>
-                            </a:rPr>
-                            <m:t>𝑉</m:t>
-                          </m:r>
-                        </m:e>
-                        <m:sub>
-                          <m:r>
-                            <a:rPr lang="en-US" altLang="ja-JP" sz="2400" b="0" i="1" smtClean="0">
-                              <a:latin typeface="Cambria Math" panose="02040503050406030204" pitchFamily="18" charset="0"/>
-                            </a:rPr>
-                            <m:t>𝑡h𝐴</m:t>
-                          </m:r>
-                        </m:sub>
-                      </m:sSub>
-                      <m:r>
-                        <a:rPr lang="en-US" altLang="ja-JP" sz="2400" b="0" i="1" smtClean="0">
-                          <a:latin typeface="Cambria Math" panose="02040503050406030204" pitchFamily="18" charset="0"/>
-                        </a:rPr>
-                        <m:t>=</m:t>
-                      </m:r>
-                      <m:r>
-                        <a:rPr lang="en-US" altLang="ja-JP" sz="2400" i="1" smtClean="0">
-                          <a:latin typeface="Cambria Math" panose="02040503050406030204" pitchFamily="18" charset="0"/>
-                        </a:rPr>
-                        <m:t>0.19127</m:t>
-                      </m:r>
-                      <m:r>
-                        <a:rPr lang="en-US" altLang="ja-JP" sz="2400" b="0" i="1" smtClean="0">
-                          <a:latin typeface="Cambria Math" panose="02040503050406030204" pitchFamily="18" charset="0"/>
-                        </a:rPr>
-                        <m:t>⋅</m:t>
-                      </m:r>
-                      <m:sSub>
-                        <m:sSubPr>
-                          <m:ctrlPr>
-                            <a:rPr lang="en-US" altLang="ja-JP" sz="2400" b="0" i="1" smtClean="0">
-                              <a:latin typeface="Cambria Math" panose="02040503050406030204" pitchFamily="18" charset="0"/>
-                            </a:rPr>
-                          </m:ctrlPr>
-                        </m:sSubPr>
-                        <m:e>
-                          <m:r>
-                            <a:rPr lang="en-US" altLang="ja-JP" sz="2400" b="0" i="1" smtClean="0">
-                              <a:latin typeface="Cambria Math" panose="02040503050406030204" pitchFamily="18" charset="0"/>
-                            </a:rPr>
-                            <m:t>𝑉</m:t>
-                          </m:r>
-                        </m:e>
-                        <m:sub>
-                          <m:r>
-                            <a:rPr lang="en-US" altLang="ja-JP" sz="2400" b="0" i="1" smtClean="0">
-                              <a:latin typeface="Cambria Math" panose="02040503050406030204" pitchFamily="18" charset="0"/>
-                            </a:rPr>
-                            <m:t>𝑆𝐵</m:t>
-                          </m:r>
-                        </m:sub>
-                      </m:sSub>
-                      <m:r>
-                        <a:rPr lang="en-US" altLang="ja-JP" sz="2400" b="0" i="1" smtClean="0">
-                          <a:latin typeface="Cambria Math" panose="02040503050406030204" pitchFamily="18" charset="0"/>
-                        </a:rPr>
-                        <m:t>+</m:t>
-                      </m:r>
-                      <m:r>
-                        <a:rPr lang="en-US" altLang="ja-JP" sz="2400" i="1">
-                          <a:latin typeface="Cambria Math" panose="02040503050406030204" pitchFamily="18" charset="0"/>
-                        </a:rPr>
-                        <m:t>0.433516</m:t>
-                      </m:r>
-                    </m:oMath>
-                  </m:oMathPara>
-                </a14:m>
-                <a:endParaRPr kumimoji="1" lang="en-US" altLang="ja-JP" sz="2400" dirty="0"/>
-              </a:p>
-              <a:p>
-                <a:pPr algn="l"/>
-                <a:r>
-                  <a:rPr lang="ja-JP" altLang="en-US" sz="2400" dirty="0"/>
-                  <a:t>で計算できる。ただし、バルクはグランドにつないである。</a:t>
-                </a:r>
-                <a:endParaRPr lang="en-US" altLang="ja-JP" sz="2400" dirty="0"/>
-              </a:p>
-              <a:p>
-                <a:pPr algn="l"/>
-                <a:r>
-                  <a:rPr lang="ja-JP" altLang="en-US" sz="2400" dirty="0"/>
-                  <a:t>従って</a:t>
-                </a:r>
-                <a:endParaRPr lang="en-US" altLang="ja-JP" sz="2400" dirty="0"/>
-              </a:p>
-              <a:p>
-                <a:pPr/>
-                <a14:m>
-                  <m:oMathPara xmlns:m="http://schemas.openxmlformats.org/officeDocument/2006/math">
-                    <m:oMathParaPr>
-                      <m:jc m:val="centerGroup"/>
-                    </m:oMathParaPr>
-                    <m:oMath xmlns:m="http://schemas.openxmlformats.org/officeDocument/2006/math">
-                      <m:sSub>
-                        <m:sSubPr>
-                          <m:ctrlPr>
-                            <a:rPr kumimoji="1" lang="en-US" altLang="ja-JP" sz="2400" b="0" i="1" smtClean="0">
-                              <a:latin typeface="Cambria Math" panose="02040503050406030204" pitchFamily="18" charset="0"/>
-                            </a:rPr>
-                          </m:ctrlPr>
-                        </m:sSubPr>
-                        <m:e>
-                          <m:r>
-                            <a:rPr kumimoji="1" lang="en-US" altLang="ja-JP" sz="2400" b="0" i="1" smtClean="0">
-                              <a:latin typeface="Cambria Math" panose="02040503050406030204" pitchFamily="18" charset="0"/>
-                            </a:rPr>
-                            <m:t>𝑉</m:t>
-                          </m:r>
-                        </m:e>
-                        <m:sub>
-                          <m:r>
-                            <a:rPr kumimoji="1" lang="en-US" altLang="ja-JP" sz="2400" b="0" i="1" smtClean="0">
-                              <a:latin typeface="Cambria Math" panose="02040503050406030204" pitchFamily="18" charset="0"/>
-                            </a:rPr>
-                            <m:t>𝑡h𝐴</m:t>
-                          </m:r>
-                        </m:sub>
-                      </m:sSub>
-                      <m:r>
-                        <a:rPr kumimoji="1" lang="en-US" altLang="ja-JP" sz="2400" b="0" i="1" smtClean="0">
-                          <a:latin typeface="Cambria Math" panose="02040503050406030204" pitchFamily="18" charset="0"/>
-                        </a:rPr>
-                        <m:t>=</m:t>
-                      </m:r>
-                      <m:r>
-                        <a:rPr lang="en-US" altLang="ja-JP" sz="2400" i="1">
-                          <a:latin typeface="Cambria Math" panose="02040503050406030204" pitchFamily="18" charset="0"/>
-                        </a:rPr>
-                        <m:t>0.19127⋅</m:t>
-                      </m:r>
-                      <m:r>
-                        <a:rPr lang="en-US" altLang="ja-JP" sz="2400" b="0" i="1" smtClean="0">
-                          <a:latin typeface="Cambria Math" panose="02040503050406030204" pitchFamily="18" charset="0"/>
-                        </a:rPr>
-                        <m:t>0.6687</m:t>
-                      </m:r>
-                      <m:r>
-                        <a:rPr lang="en-US" altLang="ja-JP" sz="2400" i="1">
-                          <a:latin typeface="Cambria Math" panose="02040503050406030204" pitchFamily="18" charset="0"/>
-                        </a:rPr>
-                        <m:t>+0.433516</m:t>
-                      </m:r>
-                    </m:oMath>
-                  </m:oMathPara>
-                </a14:m>
-                <a:endParaRPr kumimoji="1" lang="en-US" altLang="ja-JP" sz="2400" dirty="0"/>
-              </a:p>
-              <a:p>
-                <a:pPr/>
-                <a14:m>
-                  <m:oMathPara xmlns:m="http://schemas.openxmlformats.org/officeDocument/2006/math">
-                    <m:oMathParaPr>
-                      <m:jc m:val="centerGroup"/>
-                    </m:oMathParaPr>
-                    <m:oMath xmlns:m="http://schemas.openxmlformats.org/officeDocument/2006/math">
-                      <m:r>
-                        <a:rPr lang="en-US" altLang="ja-JP" sz="2400" i="1">
-                          <a:latin typeface="Cambria Math" panose="02040503050406030204" pitchFamily="18" charset="0"/>
-                        </a:rPr>
-                        <m:t>=0.561418≈0.5614</m:t>
-                      </m:r>
-                      <m:r>
-                        <a:rPr lang="en-US" altLang="ja-JP" sz="2400" b="0" i="0" smtClean="0">
-                          <a:latin typeface="Cambria Math" panose="02040503050406030204" pitchFamily="18" charset="0"/>
-                        </a:rPr>
-                        <m:t> </m:t>
-                      </m:r>
-                      <m:r>
-                        <m:rPr>
-                          <m:sty m:val="p"/>
-                        </m:rPr>
-                        <a:rPr lang="en-US" altLang="ja-JP" sz="2400" b="0" i="0" smtClean="0">
-                          <a:latin typeface="Cambria Math" panose="02040503050406030204" pitchFamily="18" charset="0"/>
-                        </a:rPr>
-                        <m:t>V</m:t>
-                      </m:r>
-                    </m:oMath>
-                  </m:oMathPara>
-                </a14:m>
-                <a:endParaRPr kumimoji="1" lang="ja-JP" altLang="en-US" sz="2400" dirty="0"/>
-              </a:p>
-            </p:txBody>
-          </p:sp>
-        </mc:Choice>
-        <mc:Fallback xmlns="">
-          <p:sp>
-            <p:nvSpPr>
-              <p:cNvPr id="4" name="テキスト ボックス 3">
-                <a:extLst>
-                  <a:ext uri="{FF2B5EF4-FFF2-40B4-BE49-F238E27FC236}">
-                    <a16:creationId xmlns:a16="http://schemas.microsoft.com/office/drawing/2014/main" id="{1C2801A2-19C5-C2C9-858F-706974E58519}"/>
-                  </a:ext>
-                </a:extLst>
-              </p:cNvPr>
-              <p:cNvSpPr txBox="1">
-                <a:spLocks noRot="1" noChangeAspect="1" noMove="1" noResize="1" noEditPoints="1" noAdjustHandles="1" noChangeArrowheads="1" noChangeShapeType="1" noTextEdit="1"/>
-              </p:cNvSpPr>
-              <p:nvPr/>
-            </p:nvSpPr>
-            <p:spPr>
-              <a:xfrm>
-                <a:off x="6712401" y="3958157"/>
-                <a:ext cx="4997246" cy="2677656"/>
-              </a:xfrm>
-              <a:prstGeom prst="rect">
-                <a:avLst/>
-              </a:prstGeom>
-              <a:blipFill>
-                <a:blip r:embed="rId4"/>
-                <a:stretch>
-                  <a:fillRect l="-1829" t="-1818"/>
-                </a:stretch>
-              </a:blipFill>
-            </p:spPr>
-            <p:txBody>
-              <a:bodyPr/>
-              <a:lstStyle/>
-              <a:p>
-                <a:r>
-                  <a:rPr lang="ja-JP" altLang="en-US">
-                    <a:noFill/>
-                  </a:rPr>
-                  <a:t> </a:t>
-                </a:r>
-              </a:p>
-            </p:txBody>
-          </p:sp>
-        </mc:Fallback>
-      </mc:AlternateContent>
-      <mc:AlternateContent xmlns:mc="http://schemas.openxmlformats.org/markup-compatibility/2006" xmlns:a14="http://schemas.microsoft.com/office/drawing/2010/main">
-        <mc:Choice Requires="a14">
-          <p:graphicFrame>
-            <p:nvGraphicFramePr>
-              <p:cNvPr id="5" name="表 5">
-                <a:extLst>
-                  <a:ext uri="{FF2B5EF4-FFF2-40B4-BE49-F238E27FC236}">
-                    <a16:creationId xmlns:a16="http://schemas.microsoft.com/office/drawing/2014/main" id="{62FAF4FC-C014-F788-42D4-28AE10ED3F16}"/>
+                    <a16:creationId xmlns:a16="http://schemas.microsoft.com/office/drawing/2014/main" id="{6F6FF456-7B24-415B-0C39-45D3F6401AA9}"/>
                   </a:ext>
                 </a:extLst>
               </p:cNvPr>
@@ -6613,13 +5437,13 @@
               <p:nvPr>
                 <p:extLst>
                   <p:ext uri="{D42A27DB-BD31-4B8C-83A1-F6EECF244321}">
-                    <p14:modId xmlns:p14="http://schemas.microsoft.com/office/powerpoint/2010/main" val="955170690"/>
+                    <p14:modId xmlns:p14="http://schemas.microsoft.com/office/powerpoint/2010/main" val="2909373644"/>
                   </p:ext>
                 </p:extLst>
               </p:nvPr>
             </p:nvGraphicFramePr>
             <p:xfrm>
-              <a:off x="7061024" y="492861"/>
+              <a:off x="6895176" y="1389332"/>
               <a:ext cx="4478292" cy="3337560"/>
             </p:xfrm>
             <a:graphic>
@@ -7504,13 +6328,13 @@
             </a:graphic>
           </p:graphicFrame>
         </mc:Choice>
-        <mc:Fallback xmlns="">
+        <mc:Fallback>
           <p:graphicFrame>
             <p:nvGraphicFramePr>
-              <p:cNvPr id="5" name="表 5">
+              <p:cNvPr id="7" name="表 5">
                 <a:extLst>
                   <a:ext uri="{FF2B5EF4-FFF2-40B4-BE49-F238E27FC236}">
-                    <a16:creationId xmlns:a16="http://schemas.microsoft.com/office/drawing/2014/main" id="{62FAF4FC-C014-F788-42D4-28AE10ED3F16}"/>
+                    <a16:creationId xmlns:a16="http://schemas.microsoft.com/office/drawing/2014/main" id="{6F6FF456-7B24-415B-0C39-45D3F6401AA9}"/>
                   </a:ext>
                 </a:extLst>
               </p:cNvPr>
@@ -7520,13 +6344,13 @@
               <p:nvPr>
                 <p:extLst>
                   <p:ext uri="{D42A27DB-BD31-4B8C-83A1-F6EECF244321}">
-                    <p14:modId xmlns:p14="http://schemas.microsoft.com/office/powerpoint/2010/main" val="955170690"/>
+                    <p14:modId xmlns:p14="http://schemas.microsoft.com/office/powerpoint/2010/main" val="2909373644"/>
                   </p:ext>
                 </p:extLst>
               </p:nvPr>
             </p:nvGraphicFramePr>
             <p:xfrm>
-              <a:off x="7061024" y="492861"/>
+              <a:off x="6895176" y="1389332"/>
               <a:ext cx="4478292" cy="3337560"/>
             </p:xfrm>
             <a:graphic>
@@ -7562,9 +6386,9 @@
                       </a:txBody>
                       <a:tcPr>
                         <a:blipFill>
-                          <a:blip r:embed="rId5"/>
+                          <a:blip r:embed="rId3"/>
                           <a:stretch>
-                            <a:fillRect l="-272" t="-1639" r="-100543" b="-803279"/>
+                            <a:fillRect l="-272" t="-1639" r="-100272" b="-803279"/>
                           </a:stretch>
                         </a:blipFill>
                       </a:tcPr>
@@ -7579,9 +6403,9 @@
                       </a:txBody>
                       <a:tcPr>
                         <a:blipFill>
-                          <a:blip r:embed="rId5"/>
+                          <a:blip r:embed="rId3"/>
                           <a:stretch>
-                            <a:fillRect l="-100545" t="-1639" r="-817" b="-803279"/>
+                            <a:fillRect l="-100545" t="-1639" r="-545" b="-803279"/>
                           </a:stretch>
                         </a:blipFill>
                       </a:tcPr>
@@ -7603,9 +6427,9 @@
                       </a:txBody>
                       <a:tcPr>
                         <a:blipFill>
-                          <a:blip r:embed="rId5"/>
+                          <a:blip r:embed="rId3"/>
                           <a:stretch>
-                            <a:fillRect l="-272" t="-101639" r="-100543" b="-703279"/>
+                            <a:fillRect l="-272" t="-101639" r="-100272" b="-703279"/>
                           </a:stretch>
                         </a:blipFill>
                       </a:tcPr>
@@ -7620,9 +6444,9 @@
                       </a:txBody>
                       <a:tcPr>
                         <a:blipFill>
-                          <a:blip r:embed="rId5"/>
+                          <a:blip r:embed="rId3"/>
                           <a:stretch>
-                            <a:fillRect l="-100545" t="-101639" r="-817" b="-703279"/>
+                            <a:fillRect l="-100545" t="-101639" r="-545" b="-703279"/>
                           </a:stretch>
                         </a:blipFill>
                       </a:tcPr>
@@ -7644,9 +6468,9 @@
                       </a:txBody>
                       <a:tcPr>
                         <a:blipFill>
-                          <a:blip r:embed="rId5"/>
+                          <a:blip r:embed="rId3"/>
                           <a:stretch>
-                            <a:fillRect l="-272" t="-201639" r="-100543" b="-603279"/>
+                            <a:fillRect l="-272" t="-201639" r="-100272" b="-603279"/>
                           </a:stretch>
                         </a:blipFill>
                       </a:tcPr>
@@ -7661,9 +6485,9 @@
                       </a:txBody>
                       <a:tcPr>
                         <a:blipFill>
-                          <a:blip r:embed="rId5"/>
+                          <a:blip r:embed="rId3"/>
                           <a:stretch>
-                            <a:fillRect l="-100545" t="-201639" r="-817" b="-603279"/>
+                            <a:fillRect l="-100545" t="-201639" r="-545" b="-603279"/>
                           </a:stretch>
                         </a:blipFill>
                       </a:tcPr>
@@ -7685,9 +6509,9 @@
                       </a:txBody>
                       <a:tcPr>
                         <a:blipFill>
-                          <a:blip r:embed="rId5"/>
+                          <a:blip r:embed="rId3"/>
                           <a:stretch>
-                            <a:fillRect l="-272" t="-301639" r="-100543" b="-503279"/>
+                            <a:fillRect l="-272" t="-301639" r="-100272" b="-503279"/>
                           </a:stretch>
                         </a:blipFill>
                       </a:tcPr>
@@ -7702,9 +6526,9 @@
                       </a:txBody>
                       <a:tcPr>
                         <a:blipFill>
-                          <a:blip r:embed="rId5"/>
+                          <a:blip r:embed="rId3"/>
                           <a:stretch>
-                            <a:fillRect l="-100545" t="-301639" r="-817" b="-503279"/>
+                            <a:fillRect l="-100545" t="-301639" r="-545" b="-503279"/>
                           </a:stretch>
                         </a:blipFill>
                       </a:tcPr>
@@ -7726,9 +6550,9 @@
                       </a:txBody>
                       <a:tcPr>
                         <a:blipFill>
-                          <a:blip r:embed="rId5"/>
+                          <a:blip r:embed="rId3"/>
                           <a:stretch>
-                            <a:fillRect l="-272" t="-401639" r="-100543" b="-403279"/>
+                            <a:fillRect l="-272" t="-401639" r="-100272" b="-403279"/>
                           </a:stretch>
                         </a:blipFill>
                       </a:tcPr>
@@ -7743,9 +6567,9 @@
                       </a:txBody>
                       <a:tcPr>
                         <a:blipFill>
-                          <a:blip r:embed="rId5"/>
+                          <a:blip r:embed="rId3"/>
                           <a:stretch>
-                            <a:fillRect l="-100545" t="-401639" r="-817" b="-403279"/>
+                            <a:fillRect l="-100545" t="-401639" r="-545" b="-403279"/>
                           </a:stretch>
                         </a:blipFill>
                       </a:tcPr>
@@ -7767,9 +6591,9 @@
                       </a:txBody>
                       <a:tcPr>
                         <a:blipFill>
-                          <a:blip r:embed="rId5"/>
+                          <a:blip r:embed="rId3"/>
                           <a:stretch>
-                            <a:fillRect l="-272" t="-501639" r="-100543" b="-303279"/>
+                            <a:fillRect l="-272" t="-501639" r="-100272" b="-303279"/>
                           </a:stretch>
                         </a:blipFill>
                       </a:tcPr>
@@ -7784,9 +6608,9 @@
                       </a:txBody>
                       <a:tcPr>
                         <a:blipFill>
-                          <a:blip r:embed="rId5"/>
+                          <a:blip r:embed="rId3"/>
                           <a:stretch>
-                            <a:fillRect l="-100545" t="-501639" r="-817" b="-303279"/>
+                            <a:fillRect l="-100545" t="-501639" r="-545" b="-303279"/>
                           </a:stretch>
                         </a:blipFill>
                       </a:tcPr>
@@ -7837,9 +6661,9 @@
                       </a:txBody>
                       <a:tcPr>
                         <a:blipFill>
-                          <a:blip r:embed="rId5"/>
+                          <a:blip r:embed="rId3"/>
                           <a:stretch>
-                            <a:fillRect l="-272" t="-701639" r="-100543" b="-103279"/>
+                            <a:fillRect l="-272" t="-701639" r="-100272" b="-103279"/>
                           </a:stretch>
                         </a:blipFill>
                       </a:tcPr>
@@ -7854,9 +6678,9 @@
                       </a:txBody>
                       <a:tcPr>
                         <a:blipFill>
-                          <a:blip r:embed="rId5"/>
+                          <a:blip r:embed="rId3"/>
                           <a:stretch>
-                            <a:fillRect l="-100545" t="-701639" r="-817" b="-103279"/>
+                            <a:fillRect l="-100545" t="-701639" r="-545" b="-103279"/>
                           </a:stretch>
                         </a:blipFill>
                       </a:tcPr>
@@ -7878,9 +6702,9 @@
                       </a:txBody>
                       <a:tcPr>
                         <a:blipFill>
-                          <a:blip r:embed="rId5"/>
+                          <a:blip r:embed="rId3"/>
                           <a:stretch>
-                            <a:fillRect l="-272" t="-801639" r="-100543" b="-3279"/>
+                            <a:fillRect l="-272" t="-801639" r="-100272" b="-3279"/>
                           </a:stretch>
                         </a:blipFill>
                       </a:tcPr>
@@ -7895,9 +6719,9 @@
                       </a:txBody>
                       <a:tcPr>
                         <a:blipFill>
-                          <a:blip r:embed="rId5"/>
+                          <a:blip r:embed="rId3"/>
                           <a:stretch>
-                            <a:fillRect l="-100545" t="-801639" r="-817" b="-3279"/>
+                            <a:fillRect l="-100545" t="-801639" r="-545" b="-3279"/>
                           </a:stretch>
                         </a:blipFill>
                       </a:tcPr>
@@ -7916,41 +6740,144 @@
       </mc:AlternateContent>
       <p:sp>
         <p:nvSpPr>
-          <p:cNvPr id="6" name="スライド番号プレースホルダー 5">
+          <p:cNvPr id="8" name="スライド番号プレースホルダー 5">
             <a:extLst>
               <a:ext uri="{FF2B5EF4-FFF2-40B4-BE49-F238E27FC236}">
-                <a16:creationId xmlns:a16="http://schemas.microsoft.com/office/drawing/2014/main" id="{E7F6AD0A-8268-DF9C-242C-DEF836379C7B}"/>
+                <a16:creationId xmlns:a16="http://schemas.microsoft.com/office/drawing/2014/main" id="{0CAB8B8E-3AEB-0751-D8D0-A5E74B1C96D1}"/>
               </a:ext>
             </a:extLst>
           </p:cNvPr>
-          <p:cNvSpPr>
-            <a:spLocks noGrp="1"/>
+          <p:cNvSpPr txBox="1">
+            <a:spLocks/>
           </p:cNvSpPr>
-          <p:nvPr>
-            <p:ph type="sldNum" sz="quarter" idx="12"/>
-          </p:nvPr>
+          <p:nvPr/>
         </p:nvSpPr>
-        <p:spPr/>
+        <p:spPr>
+          <a:xfrm>
+            <a:off x="8610600" y="6356350"/>
+            <a:ext cx="2743200" cy="365125"/>
+          </a:xfrm>
+          <a:prstGeom prst="rect">
+            <a:avLst/>
+          </a:prstGeom>
+        </p:spPr>
         <p:txBody>
-          <a:bodyPr/>
-          <a:lstStyle/>
+          <a:bodyPr vert="horz" lIns="91440" tIns="45720" rIns="91440" bIns="45720" rtlCol="0" anchor="ctr"/>
+          <a:lstStyle>
+            <a:defPPr>
+              <a:defRPr lang="ja-JP"/>
+            </a:defPPr>
+            <a:lvl1pPr marL="0" algn="r" defTabSz="914400" rtl="0" eaLnBrk="1" latinLnBrk="0" hangingPunct="1">
+              <a:defRPr kumimoji="1" sz="1200" kern="1200">
+                <a:solidFill>
+                  <a:schemeClr val="tx1">
+                    <a:tint val="75000"/>
+                  </a:schemeClr>
+                </a:solidFill>
+                <a:latin typeface="+mn-lt"/>
+                <a:ea typeface="+mn-ea"/>
+                <a:cs typeface="+mn-cs"/>
+              </a:defRPr>
+            </a:lvl1pPr>
+            <a:lvl2pPr marL="457200" algn="l" defTabSz="914400" rtl="0" eaLnBrk="1" latinLnBrk="0" hangingPunct="1">
+              <a:defRPr kumimoji="1" sz="1800" kern="1200">
+                <a:solidFill>
+                  <a:schemeClr val="tx1"/>
+                </a:solidFill>
+                <a:latin typeface="+mn-lt"/>
+                <a:ea typeface="+mn-ea"/>
+                <a:cs typeface="+mn-cs"/>
+              </a:defRPr>
+            </a:lvl2pPr>
+            <a:lvl3pPr marL="914400" algn="l" defTabSz="914400" rtl="0" eaLnBrk="1" latinLnBrk="0" hangingPunct="1">
+              <a:defRPr kumimoji="1" sz="1800" kern="1200">
+                <a:solidFill>
+                  <a:schemeClr val="tx1"/>
+                </a:solidFill>
+                <a:latin typeface="+mn-lt"/>
+                <a:ea typeface="+mn-ea"/>
+                <a:cs typeface="+mn-cs"/>
+              </a:defRPr>
+            </a:lvl3pPr>
+            <a:lvl4pPr marL="1371600" algn="l" defTabSz="914400" rtl="0" eaLnBrk="1" latinLnBrk="0" hangingPunct="1">
+              <a:defRPr kumimoji="1" sz="1800" kern="1200">
+                <a:solidFill>
+                  <a:schemeClr val="tx1"/>
+                </a:solidFill>
+                <a:latin typeface="+mn-lt"/>
+                <a:ea typeface="+mn-ea"/>
+                <a:cs typeface="+mn-cs"/>
+              </a:defRPr>
+            </a:lvl4pPr>
+            <a:lvl5pPr marL="1828800" algn="l" defTabSz="914400" rtl="0" eaLnBrk="1" latinLnBrk="0" hangingPunct="1">
+              <a:defRPr kumimoji="1" sz="1800" kern="1200">
+                <a:solidFill>
+                  <a:schemeClr val="tx1"/>
+                </a:solidFill>
+                <a:latin typeface="+mn-lt"/>
+                <a:ea typeface="+mn-ea"/>
+                <a:cs typeface="+mn-cs"/>
+              </a:defRPr>
+            </a:lvl5pPr>
+            <a:lvl6pPr marL="2286000" algn="l" defTabSz="914400" rtl="0" eaLnBrk="1" latinLnBrk="0" hangingPunct="1">
+              <a:defRPr kumimoji="1" sz="1800" kern="1200">
+                <a:solidFill>
+                  <a:schemeClr val="tx1"/>
+                </a:solidFill>
+                <a:latin typeface="+mn-lt"/>
+                <a:ea typeface="+mn-ea"/>
+                <a:cs typeface="+mn-cs"/>
+              </a:defRPr>
+            </a:lvl6pPr>
+            <a:lvl7pPr marL="2743200" algn="l" defTabSz="914400" rtl="0" eaLnBrk="1" latinLnBrk="0" hangingPunct="1">
+              <a:defRPr kumimoji="1" sz="1800" kern="1200">
+                <a:solidFill>
+                  <a:schemeClr val="tx1"/>
+                </a:solidFill>
+                <a:latin typeface="+mn-lt"/>
+                <a:ea typeface="+mn-ea"/>
+                <a:cs typeface="+mn-cs"/>
+              </a:defRPr>
+            </a:lvl7pPr>
+            <a:lvl8pPr marL="3200400" algn="l" defTabSz="914400" rtl="0" eaLnBrk="1" latinLnBrk="0" hangingPunct="1">
+              <a:defRPr kumimoji="1" sz="1800" kern="1200">
+                <a:solidFill>
+                  <a:schemeClr val="tx1"/>
+                </a:solidFill>
+                <a:latin typeface="+mn-lt"/>
+                <a:ea typeface="+mn-ea"/>
+                <a:cs typeface="+mn-cs"/>
+              </a:defRPr>
+            </a:lvl8pPr>
+            <a:lvl9pPr marL="3657600" algn="l" defTabSz="914400" rtl="0" eaLnBrk="1" latinLnBrk="0" hangingPunct="1">
+              <a:defRPr kumimoji="1" sz="1800" kern="1200">
+                <a:solidFill>
+                  <a:schemeClr val="tx1"/>
+                </a:solidFill>
+                <a:latin typeface="+mn-lt"/>
+                <a:ea typeface="+mn-ea"/>
+                <a:cs typeface="+mn-cs"/>
+              </a:defRPr>
+            </a:lvl9pPr>
+          </a:lstStyle>
           <a:p>
             <a:fld id="{85B6C27D-B957-4A92-99D3-4644DF81A59E}" type="slidenum">
-              <a:rPr kumimoji="1" lang="ja-JP" altLang="en-US" smtClean="0"/>
-              <a:t>5</a:t>
+              <a:rPr lang="ja-JP" altLang="en-US" smtClean="0"/>
+              <a:pPr/>
+              <a:t>4</a:t>
             </a:fld>
-            <a:endParaRPr kumimoji="1" lang="ja-JP" altLang="en-US"/>
+            <a:endParaRPr lang="ja-JP" altLang="en-US"/>
           </a:p>
         </p:txBody>
       </p:sp>
-      <mc:AlternateContent xmlns:mc="http://schemas.openxmlformats.org/markup-compatibility/2006" xmlns:a14="http://schemas.microsoft.com/office/drawing/2010/main">
-        <mc:Choice Requires="a14">
+      <mc:AlternateContent xmlns:mc="http://schemas.openxmlformats.org/markup-compatibility/2006">
+        <mc:Choice xmlns:a14="http://schemas.microsoft.com/office/drawing/2010/main" Requires="a14">
           <p:sp>
             <p:nvSpPr>
-              <p:cNvPr id="7" name="テキスト ボックス 6">
+              <p:cNvPr id="9" name="テキスト ボックス 8">
                 <a:extLst>
                   <a:ext uri="{FF2B5EF4-FFF2-40B4-BE49-F238E27FC236}">
-                    <a16:creationId xmlns:a16="http://schemas.microsoft.com/office/drawing/2014/main" id="{AADC8AA8-BDF2-E069-95AA-8038A0362520}"/>
+                    <a16:creationId xmlns:a16="http://schemas.microsoft.com/office/drawing/2014/main" id="{5A1F5BD9-15FC-9EBA-3805-FC7D7CD1C70F}"/>
                   </a:ext>
                 </a:extLst>
               </p:cNvPr>
@@ -8032,13 +6959,13 @@
             </p:txBody>
           </p:sp>
         </mc:Choice>
-        <mc:Fallback xmlns="">
+        <mc:Fallback>
           <p:sp>
             <p:nvSpPr>
-              <p:cNvPr id="7" name="テキスト ボックス 6">
+              <p:cNvPr id="9" name="テキスト ボックス 8">
                 <a:extLst>
                   <a:ext uri="{FF2B5EF4-FFF2-40B4-BE49-F238E27FC236}">
-                    <a16:creationId xmlns:a16="http://schemas.microsoft.com/office/drawing/2014/main" id="{AADC8AA8-BDF2-E069-95AA-8038A0362520}"/>
+                    <a16:creationId xmlns:a16="http://schemas.microsoft.com/office/drawing/2014/main" id="{5A1F5BD9-15FC-9EBA-3805-FC7D7CD1C70F}"/>
                   </a:ext>
                 </a:extLst>
               </p:cNvPr>
@@ -8056,7 +6983,7 @@
                 <a:avLst/>
               </a:prstGeom>
               <a:blipFill>
-                <a:blip r:embed="rId6"/>
+                <a:blip r:embed="rId4"/>
                 <a:stretch>
                   <a:fillRect l="-398" r="-1193" b="-7792"/>
                 </a:stretch>
@@ -8082,10 +7009,756 @@
           </p:sp>
         </mc:Fallback>
       </mc:AlternateContent>
+      <mc:AlternateContent xmlns:mc="http://schemas.openxmlformats.org/markup-compatibility/2006">
+        <mc:Choice xmlns:a14="http://schemas.microsoft.com/office/drawing/2010/main" Requires="a14">
+          <p:sp>
+            <p:nvSpPr>
+              <p:cNvPr id="10" name="テキスト ボックス 9">
+                <a:extLst>
+                  <a:ext uri="{FF2B5EF4-FFF2-40B4-BE49-F238E27FC236}">
+                    <a16:creationId xmlns:a16="http://schemas.microsoft.com/office/drawing/2014/main" id="{3CA6934B-4D32-CB6A-0E6A-815E59062FE8}"/>
+                  </a:ext>
+                </a:extLst>
+              </p:cNvPr>
+              <p:cNvSpPr txBox="1"/>
+              <p:nvPr/>
+            </p:nvSpPr>
+            <p:spPr>
+              <a:xfrm>
+                <a:off x="6784258" y="5100918"/>
+                <a:ext cx="4412660" cy="769441"/>
+              </a:xfrm>
+              <a:prstGeom prst="rect">
+                <a:avLst/>
+              </a:prstGeom>
+              <a:noFill/>
+            </p:spPr>
+            <p:txBody>
+              <a:bodyPr wrap="square" rtlCol="0">
+                <a:spAutoFit/>
+              </a:bodyPr>
+              <a:lstStyle/>
+              <a:p>
+                <a:pPr algn="l"/>
+                <a14:m>
+                  <m:oMath xmlns:m="http://schemas.openxmlformats.org/officeDocument/2006/math">
+                    <m:sSub>
+                      <m:sSubPr>
+                        <m:ctrlPr>
+                          <a:rPr kumimoji="1" lang="en-US" altLang="ja-JP" sz="2200" b="0" i="1" smtClean="0">
+                            <a:latin typeface="Cambria Math" panose="02040503050406030204" pitchFamily="18" charset="0"/>
+                          </a:rPr>
+                        </m:ctrlPr>
+                      </m:sSubPr>
+                      <m:e>
+                        <m:r>
+                          <a:rPr kumimoji="1" lang="en-US" altLang="ja-JP" sz="2200" b="0" i="1" smtClean="0">
+                            <a:latin typeface="Cambria Math" panose="02040503050406030204" pitchFamily="18" charset="0"/>
+                          </a:rPr>
+                          <m:t>𝑀</m:t>
+                        </m:r>
+                      </m:e>
+                      <m:sub>
+                        <m:r>
+                          <a:rPr kumimoji="1" lang="en-US" altLang="ja-JP" sz="2200" b="0" i="1" smtClean="0">
+                            <a:latin typeface="Cambria Math" panose="02040503050406030204" pitchFamily="18" charset="0"/>
+                          </a:rPr>
+                          <m:t>𝐴</m:t>
+                        </m:r>
+                      </m:sub>
+                    </m:sSub>
+                  </m:oMath>
+                </a14:m>
+                <a:r>
+                  <a:rPr kumimoji="1" lang="ja-JP" altLang="en-US" sz="2200" dirty="0"/>
+                  <a:t>のゲートソース間電圧は</a:t>
+                </a:r>
+                <a:endParaRPr kumimoji="1" lang="en-US" altLang="ja-JP" sz="2200" b="0" i="1" dirty="0">
+                  <a:latin typeface="Cambria Math" panose="02040503050406030204" pitchFamily="18" charset="0"/>
+                </a:endParaRPr>
+              </a:p>
+              <a:p>
+                <a:pPr algn="l"/>
+                <a14:m>
+                  <m:oMathPara xmlns:m="http://schemas.openxmlformats.org/officeDocument/2006/math">
+                    <m:oMathParaPr>
+                      <m:jc m:val="centerGroup"/>
+                    </m:oMathParaPr>
+                    <m:oMath xmlns:m="http://schemas.openxmlformats.org/officeDocument/2006/math">
+                      <m:sSub>
+                        <m:sSubPr>
+                          <m:ctrlPr>
+                            <a:rPr kumimoji="1" lang="en-US" altLang="ja-JP" sz="2200" b="0" i="1" smtClean="0">
+                              <a:latin typeface="Cambria Math" panose="02040503050406030204" pitchFamily="18" charset="0"/>
+                            </a:rPr>
+                          </m:ctrlPr>
+                        </m:sSubPr>
+                        <m:e>
+                          <m:r>
+                            <a:rPr kumimoji="1" lang="en-US" altLang="ja-JP" sz="2200" b="0" i="1" smtClean="0">
+                              <a:latin typeface="Cambria Math" panose="02040503050406030204" pitchFamily="18" charset="0"/>
+                            </a:rPr>
+                            <m:t>𝑉</m:t>
+                          </m:r>
+                        </m:e>
+                        <m:sub>
+                          <m:r>
+                            <a:rPr kumimoji="1" lang="en-US" altLang="ja-JP" sz="2200" b="0" i="1" smtClean="0">
+                              <a:latin typeface="Cambria Math" panose="02040503050406030204" pitchFamily="18" charset="0"/>
+                            </a:rPr>
+                            <m:t>𝐴</m:t>
+                          </m:r>
+                        </m:sub>
+                      </m:sSub>
+                      <m:r>
+                        <a:rPr kumimoji="1" lang="en-US" altLang="ja-JP" sz="2200" b="0" i="1" smtClean="0">
+                          <a:latin typeface="Cambria Math" panose="02040503050406030204" pitchFamily="18" charset="0"/>
+                        </a:rPr>
+                        <m:t>−</m:t>
+                      </m:r>
+                      <m:sSub>
+                        <m:sSubPr>
+                          <m:ctrlPr>
+                            <a:rPr kumimoji="1" lang="en-US" altLang="ja-JP" sz="2200" b="0" i="1" smtClean="0">
+                              <a:latin typeface="Cambria Math" panose="02040503050406030204" pitchFamily="18" charset="0"/>
+                            </a:rPr>
+                          </m:ctrlPr>
+                        </m:sSubPr>
+                        <m:e>
+                          <m:r>
+                            <a:rPr kumimoji="1" lang="en-US" altLang="ja-JP" sz="2200" b="0" i="1" smtClean="0">
+                              <a:latin typeface="Cambria Math" panose="02040503050406030204" pitchFamily="18" charset="0"/>
+                            </a:rPr>
+                            <m:t>𝑉</m:t>
+                          </m:r>
+                        </m:e>
+                        <m:sub>
+                          <m:r>
+                            <a:rPr kumimoji="1" lang="en-US" altLang="ja-JP" sz="2200" b="0" i="1" smtClean="0">
+                              <a:latin typeface="Cambria Math" panose="02040503050406030204" pitchFamily="18" charset="0"/>
+                            </a:rPr>
+                            <m:t>𝐴𝐵</m:t>
+                          </m:r>
+                        </m:sub>
+                      </m:sSub>
+                      <m:r>
+                        <a:rPr kumimoji="1" lang="en-US" altLang="ja-JP" sz="2200" b="0" i="1" smtClean="0">
+                          <a:latin typeface="Cambria Math" panose="02040503050406030204" pitchFamily="18" charset="0"/>
+                        </a:rPr>
+                        <m:t>=0.9213 </m:t>
+                      </m:r>
+                      <m:r>
+                        <m:rPr>
+                          <m:sty m:val="p"/>
+                        </m:rPr>
+                        <a:rPr kumimoji="1" lang="en-US" altLang="ja-JP" sz="2200" b="0" i="0" smtClean="0">
+                          <a:latin typeface="Cambria Math" panose="02040503050406030204" pitchFamily="18" charset="0"/>
+                        </a:rPr>
+                        <m:t>V</m:t>
+                      </m:r>
+                    </m:oMath>
+                  </m:oMathPara>
+                </a14:m>
+                <a:endParaRPr kumimoji="1" lang="ja-JP" altLang="en-US" sz="2200" dirty="0"/>
+              </a:p>
+            </p:txBody>
+          </p:sp>
+        </mc:Choice>
+        <mc:Fallback>
+          <p:sp>
+            <p:nvSpPr>
+              <p:cNvPr id="10" name="テキスト ボックス 9">
+                <a:extLst>
+                  <a:ext uri="{FF2B5EF4-FFF2-40B4-BE49-F238E27FC236}">
+                    <a16:creationId xmlns:a16="http://schemas.microsoft.com/office/drawing/2014/main" id="{3CA6934B-4D32-CB6A-0E6A-815E59062FE8}"/>
+                  </a:ext>
+                </a:extLst>
+              </p:cNvPr>
+              <p:cNvSpPr txBox="1">
+                <a:spLocks noRot="1" noChangeAspect="1" noMove="1" noResize="1" noEditPoints="1" noAdjustHandles="1" noChangeArrowheads="1" noChangeShapeType="1" noTextEdit="1"/>
+              </p:cNvSpPr>
+              <p:nvPr/>
+            </p:nvSpPr>
+            <p:spPr>
+              <a:xfrm>
+                <a:off x="6784258" y="5100918"/>
+                <a:ext cx="4412660" cy="769441"/>
+              </a:xfrm>
+              <a:prstGeom prst="rect">
+                <a:avLst/>
+              </a:prstGeom>
+              <a:blipFill>
+                <a:blip r:embed="rId5"/>
+                <a:stretch>
+                  <a:fillRect l="-138" t="-4762"/>
+                </a:stretch>
+              </a:blipFill>
+            </p:spPr>
+            <p:txBody>
+              <a:bodyPr/>
+              <a:lstStyle/>
+              <a:p>
+                <a:r>
+                  <a:rPr lang="ja-JP" altLang="en-US">
+                    <a:noFill/>
+                  </a:rPr>
+                  <a:t> </a:t>
+                </a:r>
+              </a:p>
+            </p:txBody>
+          </p:sp>
+        </mc:Fallback>
+      </mc:AlternateContent>
     </p:spTree>
     <p:extLst>
       <p:ext uri="{BB962C8B-B14F-4D97-AF65-F5344CB8AC3E}">
-        <p14:creationId xmlns:p14="http://schemas.microsoft.com/office/powerpoint/2010/main" val="1038625007"/>
+        <p14:creationId xmlns:p14="http://schemas.microsoft.com/office/powerpoint/2010/main" val="1337775424"/>
+      </p:ext>
+    </p:extLst>
+  </p:cSld>
+  <p:clrMapOvr>
+    <a:masterClrMapping/>
+  </p:clrMapOvr>
+</p:sld>
+</file>
+
+<file path=ppt/slides/slide5.xml><?xml version="1.0" encoding="utf-8"?>
+<p:sld xmlns:a="http://schemas.openxmlformats.org/drawingml/2006/main" xmlns:r="http://schemas.openxmlformats.org/officeDocument/2006/relationships" xmlns:p="http://schemas.openxmlformats.org/presentationml/2006/main">
+  <p:cSld>
+    <p:spTree>
+      <p:nvGrpSpPr>
+        <p:cNvPr id="1" name=""/>
+        <p:cNvGrpSpPr/>
+        <p:nvPr/>
+      </p:nvGrpSpPr>
+      <p:grpSpPr>
+        <a:xfrm>
+          <a:off x="0" y="0"/>
+          <a:ext cx="0" cy="0"/>
+          <a:chOff x="0" y="0"/>
+          <a:chExt cx="0" cy="0"/>
+        </a:xfrm>
+      </p:grpSpPr>
+      <mc:AlternateContent xmlns:mc="http://schemas.openxmlformats.org/markup-compatibility/2006">
+        <mc:Choice xmlns:a14="http://schemas.microsoft.com/office/drawing/2010/main" Requires="a14">
+          <p:sp>
+            <p:nvSpPr>
+              <p:cNvPr id="2" name="タイトル 1">
+                <a:extLst>
+                  <a:ext uri="{FF2B5EF4-FFF2-40B4-BE49-F238E27FC236}">
+                    <a16:creationId xmlns:a16="http://schemas.microsoft.com/office/drawing/2014/main" id="{4DC3C970-74A7-A4AC-70E1-524F4F901B1B}"/>
+                  </a:ext>
+                </a:extLst>
+              </p:cNvPr>
+              <p:cNvSpPr>
+                <a:spLocks noGrp="1"/>
+              </p:cNvSpPr>
+              <p:nvPr>
+                <p:ph type="title"/>
+              </p:nvPr>
+            </p:nvSpPr>
+            <p:spPr/>
+            <p:txBody>
+              <a:bodyPr/>
+              <a:lstStyle/>
+              <a:p>
+                <a14:m>
+                  <m:oMath xmlns:m="http://schemas.openxmlformats.org/officeDocument/2006/math">
+                    <m:r>
+                      <m:rPr>
+                        <m:sty m:val="p"/>
+                      </m:rPr>
+                      <a:rPr kumimoji="1" lang="en-US" altLang="ja-JP" b="0" i="0" smtClean="0">
+                        <a:latin typeface="Cambria Math" panose="02040503050406030204" pitchFamily="18" charset="0"/>
+                      </a:rPr>
+                      <m:t>pmos</m:t>
+                    </m:r>
+                  </m:oMath>
+                </a14:m>
+                <a:r>
+                  <a:rPr kumimoji="1" lang="ja-JP" altLang="en-US" dirty="0"/>
+                  <a:t>のシミュレーション</a:t>
+                </a:r>
+              </a:p>
+            </p:txBody>
+          </p:sp>
+        </mc:Choice>
+        <mc:Fallback>
+          <p:sp>
+            <p:nvSpPr>
+              <p:cNvPr id="2" name="タイトル 1">
+                <a:extLst>
+                  <a:ext uri="{FF2B5EF4-FFF2-40B4-BE49-F238E27FC236}">
+                    <a16:creationId xmlns:a16="http://schemas.microsoft.com/office/drawing/2014/main" id="{4DC3C970-74A7-A4AC-70E1-524F4F901B1B}"/>
+                  </a:ext>
+                </a:extLst>
+              </p:cNvPr>
+              <p:cNvSpPr>
+                <a:spLocks noGrp="1" noRot="1" noChangeAspect="1" noMove="1" noResize="1" noEditPoints="1" noAdjustHandles="1" noChangeArrowheads="1" noChangeShapeType="1" noTextEdit="1"/>
+              </p:cNvSpPr>
+              <p:nvPr>
+                <p:ph type="title"/>
+              </p:nvPr>
+            </p:nvSpPr>
+            <p:spPr>
+              <a:blipFill>
+                <a:blip r:embed="rId2"/>
+                <a:stretch>
+                  <a:fillRect/>
+                </a:stretch>
+              </a:blipFill>
+            </p:spPr>
+            <p:txBody>
+              <a:bodyPr/>
+              <a:lstStyle/>
+              <a:p>
+                <a:r>
+                  <a:rPr lang="ja-JP" altLang="en-US">
+                    <a:noFill/>
+                  </a:rPr>
+                  <a:t> </a:t>
+                </a:r>
+              </a:p>
+            </p:txBody>
+          </p:sp>
+        </mc:Fallback>
+      </mc:AlternateContent>
+      <p:sp>
+        <p:nvSpPr>
+          <p:cNvPr id="3" name="スライド番号プレースホルダー 2">
+            <a:extLst>
+              <a:ext uri="{FF2B5EF4-FFF2-40B4-BE49-F238E27FC236}">
+                <a16:creationId xmlns:a16="http://schemas.microsoft.com/office/drawing/2014/main" id="{C6BDBF5D-05C5-B612-8303-8F61D332B2DB}"/>
+              </a:ext>
+            </a:extLst>
+          </p:cNvPr>
+          <p:cNvSpPr>
+            <a:spLocks noGrp="1"/>
+          </p:cNvSpPr>
+          <p:nvPr>
+            <p:ph type="sldNum" sz="quarter" idx="12"/>
+          </p:nvPr>
+        </p:nvSpPr>
+        <p:spPr/>
+        <p:txBody>
+          <a:bodyPr/>
+          <a:lstStyle/>
+          <a:p>
+            <a:fld id="{85B6C27D-B957-4A92-99D3-4644DF81A59E}" type="slidenum">
+              <a:rPr kumimoji="1" lang="ja-JP" altLang="en-US" smtClean="0"/>
+              <a:t>5</a:t>
+            </a:fld>
+            <a:endParaRPr kumimoji="1" lang="ja-JP" altLang="en-US"/>
+          </a:p>
+        </p:txBody>
+      </p:sp>
+      <p:pic>
+        <p:nvPicPr>
+          <p:cNvPr id="7" name="図 6">
+            <a:extLst>
+              <a:ext uri="{FF2B5EF4-FFF2-40B4-BE49-F238E27FC236}">
+                <a16:creationId xmlns:a16="http://schemas.microsoft.com/office/drawing/2014/main" id="{0913A16B-1568-BFF0-99A3-FB55B5AA0ECB}"/>
+              </a:ext>
+            </a:extLst>
+          </p:cNvPr>
+          <p:cNvPicPr>
+            <a:picLocks noChangeAspect="1"/>
+          </p:cNvPicPr>
+          <p:nvPr/>
+        </p:nvPicPr>
+        <p:blipFill rotWithShape="1">
+          <a:blip r:embed="rId3"/>
+          <a:srcRect r="11606"/>
+          <a:stretch/>
+        </p:blipFill>
+        <p:spPr>
+          <a:xfrm>
+            <a:off x="14729" y="1545571"/>
+            <a:ext cx="6305389" cy="4993341"/>
+          </a:xfrm>
+          <a:prstGeom prst="rect">
+            <a:avLst/>
+          </a:prstGeom>
+        </p:spPr>
+      </p:pic>
+      <p:pic>
+        <p:nvPicPr>
+          <p:cNvPr id="9" name="図 8" descr="黒い背景に白い文字がある&#10;&#10;低い精度で自動的に生成された説明">
+            <a:extLst>
+              <a:ext uri="{FF2B5EF4-FFF2-40B4-BE49-F238E27FC236}">
+                <a16:creationId xmlns:a16="http://schemas.microsoft.com/office/drawing/2014/main" id="{EB1B0BC6-4605-F8E7-D815-0E5FEB6DD63A}"/>
+              </a:ext>
+            </a:extLst>
+          </p:cNvPr>
+          <p:cNvPicPr>
+            <a:picLocks noChangeAspect="1"/>
+          </p:cNvPicPr>
+          <p:nvPr/>
+        </p:nvPicPr>
+        <p:blipFill>
+          <a:blip r:embed="rId4">
+            <a:extLst>
+              <a:ext uri="{28A0092B-C50C-407E-A947-70E740481C1C}">
+                <a14:useLocalDpi xmlns:a14="http://schemas.microsoft.com/office/drawing/2010/main" val="0"/>
+              </a:ext>
+            </a:extLst>
+          </a:blip>
+          <a:stretch>
+            <a:fillRect/>
+          </a:stretch>
+        </p:blipFill>
+        <p:spPr>
+          <a:xfrm>
+            <a:off x="8165585" y="193270"/>
+            <a:ext cx="3493015" cy="2212852"/>
+          </a:xfrm>
+          <a:prstGeom prst="rect">
+            <a:avLst/>
+          </a:prstGeom>
+        </p:spPr>
+      </p:pic>
+      <mc:AlternateContent xmlns:mc="http://schemas.openxmlformats.org/markup-compatibility/2006">
+        <mc:Choice xmlns:a14="http://schemas.microsoft.com/office/drawing/2010/main" Requires="a14">
+          <p:sp>
+            <p:nvSpPr>
+              <p:cNvPr id="10" name="テキスト ボックス 9">
+                <a:extLst>
+                  <a:ext uri="{FF2B5EF4-FFF2-40B4-BE49-F238E27FC236}">
+                    <a16:creationId xmlns:a16="http://schemas.microsoft.com/office/drawing/2014/main" id="{1F87A056-3A86-62A2-0121-9757453243E9}"/>
+                  </a:ext>
+                </a:extLst>
+              </p:cNvPr>
+              <p:cNvSpPr txBox="1"/>
+              <p:nvPr/>
+            </p:nvSpPr>
+            <p:spPr>
+              <a:xfrm>
+                <a:off x="6745941" y="2642298"/>
+                <a:ext cx="4594412" cy="3477875"/>
+              </a:xfrm>
+              <a:prstGeom prst="rect">
+                <a:avLst/>
+              </a:prstGeom>
+              <a:noFill/>
+            </p:spPr>
+            <p:txBody>
+              <a:bodyPr wrap="square" rtlCol="0">
+                <a:spAutoFit/>
+              </a:bodyPr>
+              <a:lstStyle/>
+              <a:p>
+                <a:pPr algn="l"/>
+                <a:r>
+                  <a:rPr kumimoji="1" lang="ja-JP" altLang="en-US" sz="2200" dirty="0"/>
+                  <a:t>上図のような</a:t>
+                </a:r>
+                <a14:m>
+                  <m:oMath xmlns:m="http://schemas.openxmlformats.org/officeDocument/2006/math">
+                    <m:r>
+                      <m:rPr>
+                        <m:sty m:val="p"/>
+                      </m:rPr>
+                      <a:rPr kumimoji="1" lang="en-US" altLang="ja-JP" sz="2200" b="0" i="0" smtClean="0">
+                        <a:latin typeface="Cambria Math" panose="02040503050406030204" pitchFamily="18" charset="0"/>
+                      </a:rPr>
+                      <m:t>pmos</m:t>
+                    </m:r>
+                  </m:oMath>
+                </a14:m>
+                <a:r>
+                  <a:rPr kumimoji="1" lang="ja-JP" altLang="en-US" sz="2200" dirty="0"/>
+                  <a:t>単体でシミュレーションを行った。</a:t>
+                </a:r>
+                <a:endParaRPr lang="en-US" altLang="ja-JP" sz="2200" dirty="0"/>
+              </a:p>
+              <a:p>
+                <a:pPr algn="l"/>
+                <a:r>
+                  <a:rPr kumimoji="1" lang="ja-JP" altLang="en-US" sz="2200" dirty="0"/>
+                  <a:t>チャネル長 </a:t>
+                </a:r>
+                <a:r>
+                  <a:rPr lang="en-US" altLang="ja-JP" sz="2200" dirty="0"/>
+                  <a:t>: </a:t>
+                </a:r>
+                <a14:m>
+                  <m:oMath xmlns:m="http://schemas.openxmlformats.org/officeDocument/2006/math">
+                    <m:r>
+                      <a:rPr lang="en-US" altLang="ja-JP" sz="2200" b="0" i="1" smtClean="0">
+                        <a:latin typeface="Cambria Math" panose="02040503050406030204" pitchFamily="18" charset="0"/>
+                      </a:rPr>
+                      <m:t>0.72 </m:t>
+                    </m:r>
+                    <m:r>
+                      <m:rPr>
+                        <m:sty m:val="p"/>
+                      </m:rPr>
+                      <a:rPr lang="en-US" altLang="ja-JP" sz="2200" b="0" i="0" smtClean="0">
+                        <a:latin typeface="Cambria Math" panose="02040503050406030204" pitchFamily="18" charset="0"/>
+                      </a:rPr>
+                      <m:t>μm</m:t>
+                    </m:r>
+                  </m:oMath>
+                </a14:m>
+                <a:endParaRPr lang="en-US" altLang="ja-JP" sz="2200" dirty="0"/>
+              </a:p>
+              <a:p>
+                <a:r>
+                  <a:rPr kumimoji="1" lang="ja-JP" altLang="en-US" sz="2200" dirty="0"/>
+                  <a:t>チャネル幅 </a:t>
+                </a:r>
+                <a:r>
+                  <a:rPr kumimoji="1" lang="en-US" altLang="ja-JP" sz="2200" dirty="0"/>
+                  <a:t>: </a:t>
+                </a:r>
+                <a14:m>
+                  <m:oMath xmlns:m="http://schemas.openxmlformats.org/officeDocument/2006/math">
+                    <m:r>
+                      <a:rPr kumimoji="1" lang="en-US" altLang="ja-JP" sz="2200" b="0" i="1" smtClean="0">
+                        <a:latin typeface="Cambria Math" panose="02040503050406030204" pitchFamily="18" charset="0"/>
+                      </a:rPr>
+                      <m:t>20</m:t>
+                    </m:r>
+                    <m:r>
+                      <m:rPr>
+                        <m:sty m:val="p"/>
+                      </m:rPr>
+                      <a:rPr lang="en-US" altLang="ja-JP" sz="2200">
+                        <a:latin typeface="Cambria Math" panose="02040503050406030204" pitchFamily="18" charset="0"/>
+                      </a:rPr>
+                      <m:t>μm</m:t>
+                    </m:r>
+                  </m:oMath>
+                </a14:m>
+                <a:endParaRPr kumimoji="1" lang="en-US" altLang="ja-JP" sz="2200" dirty="0"/>
+              </a:p>
+              <a:p>
+                <a:pPr algn="l"/>
+                <a:r>
+                  <a:rPr kumimoji="1" lang="ja-JP" altLang="en-US" sz="2200" dirty="0"/>
+                  <a:t>並列数 </a:t>
+                </a:r>
+                <a:r>
+                  <a:rPr kumimoji="1" lang="en-US" altLang="ja-JP" sz="2200" dirty="0"/>
+                  <a:t>: </a:t>
+                </a:r>
+                <a14:m>
+                  <m:oMath xmlns:m="http://schemas.openxmlformats.org/officeDocument/2006/math">
+                    <m:r>
+                      <a:rPr kumimoji="1" lang="en-US" altLang="ja-JP" sz="2200" b="0" i="1" smtClean="0">
+                        <a:latin typeface="Cambria Math" panose="02040503050406030204" pitchFamily="18" charset="0"/>
+                      </a:rPr>
+                      <m:t>1</m:t>
+                    </m:r>
+                  </m:oMath>
+                </a14:m>
+                <a:endParaRPr kumimoji="1" lang="en-US" altLang="ja-JP" sz="2200" dirty="0"/>
+              </a:p>
+              <a:p>
+                <a:pPr algn="l"/>
+                <a:r>
+                  <a:rPr kumimoji="1" lang="ja-JP" altLang="en-US" sz="2200" dirty="0"/>
+                  <a:t>ドレインソース間電圧 </a:t>
+                </a:r>
+                <a:r>
+                  <a:rPr kumimoji="1" lang="en-US" altLang="ja-JP" sz="2200" dirty="0"/>
+                  <a:t>: </a:t>
+                </a:r>
+                <a14:m>
+                  <m:oMath xmlns:m="http://schemas.openxmlformats.org/officeDocument/2006/math">
+                    <m:r>
+                      <a:rPr kumimoji="1" lang="en-US" altLang="ja-JP" sz="2200" b="0" i="1" smtClean="0">
+                        <a:latin typeface="Cambria Math" panose="02040503050406030204" pitchFamily="18" charset="0"/>
+                      </a:rPr>
+                      <m:t>1 </m:t>
+                    </m:r>
+                    <m:r>
+                      <m:rPr>
+                        <m:sty m:val="p"/>
+                      </m:rPr>
+                      <a:rPr kumimoji="1" lang="en-US" altLang="ja-JP" sz="2200" b="0" i="0" smtClean="0">
+                        <a:latin typeface="Cambria Math" panose="02040503050406030204" pitchFamily="18" charset="0"/>
+                      </a:rPr>
+                      <m:t>V</m:t>
+                    </m:r>
+                  </m:oMath>
+                </a14:m>
+                <a:endParaRPr kumimoji="1" lang="en-US" altLang="ja-JP" sz="2200" dirty="0"/>
+              </a:p>
+              <a:p>
+                <a:pPr algn="l"/>
+                <a:endParaRPr lang="en-US" altLang="ja-JP" sz="2200" dirty="0"/>
+              </a:p>
+              <a:p>
+                <a:r>
+                  <a:rPr lang="ja-JP" altLang="en-US" sz="2200" dirty="0"/>
+                  <a:t>グラフより、</a:t>
+                </a:r>
+                <a14:m>
+                  <m:oMath xmlns:m="http://schemas.openxmlformats.org/officeDocument/2006/math">
+                    <m:sSub>
+                      <m:sSubPr>
+                        <m:ctrlPr>
+                          <a:rPr lang="en-US" altLang="ja-JP" sz="2200" b="0" i="1" smtClean="0">
+                            <a:latin typeface="Cambria Math" panose="02040503050406030204" pitchFamily="18" charset="0"/>
+                          </a:rPr>
+                        </m:ctrlPr>
+                      </m:sSubPr>
+                      <m:e>
+                        <m:r>
+                          <a:rPr lang="en-US" altLang="ja-JP" sz="2200" b="0" i="1" smtClean="0">
+                            <a:latin typeface="Cambria Math" panose="02040503050406030204" pitchFamily="18" charset="0"/>
+                          </a:rPr>
+                          <m:t>𝑉</m:t>
+                        </m:r>
+                      </m:e>
+                      <m:sub>
+                        <m:r>
+                          <a:rPr lang="en-US" altLang="ja-JP" sz="2200" b="0" i="1" smtClean="0">
+                            <a:latin typeface="Cambria Math" panose="02040503050406030204" pitchFamily="18" charset="0"/>
+                          </a:rPr>
+                          <m:t>𝐺𝑆</m:t>
+                        </m:r>
+                      </m:sub>
+                    </m:sSub>
+                    <m:r>
+                      <a:rPr lang="en-US" altLang="ja-JP" sz="2200" b="0" i="1" smtClean="0">
+                        <a:latin typeface="Cambria Math" panose="02040503050406030204" pitchFamily="18" charset="0"/>
+                      </a:rPr>
+                      <m:t>=0. 79 </m:t>
+                    </m:r>
+                    <m:r>
+                      <m:rPr>
+                        <m:sty m:val="p"/>
+                      </m:rPr>
+                      <a:rPr lang="en-US" altLang="ja-JP" sz="2200" b="0" i="0" smtClean="0">
+                        <a:latin typeface="Cambria Math" panose="02040503050406030204" pitchFamily="18" charset="0"/>
+                      </a:rPr>
+                      <m:t>V</m:t>
+                    </m:r>
+                  </m:oMath>
+                </a14:m>
+                <a:r>
+                  <a:rPr kumimoji="1" lang="ja-JP" altLang="en-US" sz="2200" dirty="0"/>
+                  <a:t>では</a:t>
+                </a:r>
+                <a14:m>
+                  <m:oMath xmlns:m="http://schemas.openxmlformats.org/officeDocument/2006/math">
+                    <m:r>
+                      <a:rPr lang="en-US" altLang="ja-JP" sz="2200" b="0" i="0" dirty="0" smtClean="0">
+                        <a:latin typeface="Cambria Math" panose="02040503050406030204" pitchFamily="18" charset="0"/>
+                      </a:rPr>
+                      <m:t>97.4577</m:t>
+                    </m:r>
+                    <m:r>
+                      <a:rPr lang="en-US" altLang="ja-JP" sz="2200" b="0" i="1" dirty="0" smtClean="0">
+                        <a:latin typeface="Cambria Math" panose="02040503050406030204" pitchFamily="18" charset="0"/>
+                      </a:rPr>
+                      <m:t>⋯×</m:t>
+                    </m:r>
+                    <m:sSup>
+                      <m:sSupPr>
+                        <m:ctrlPr>
+                          <a:rPr lang="en-US" altLang="ja-JP" sz="2200" b="0" i="1" dirty="0" smtClean="0">
+                            <a:latin typeface="Cambria Math" panose="02040503050406030204" pitchFamily="18" charset="0"/>
+                          </a:rPr>
+                        </m:ctrlPr>
+                      </m:sSupPr>
+                      <m:e>
+                        <m:r>
+                          <a:rPr lang="en-US" altLang="ja-JP" sz="2200" b="0" i="1" dirty="0" smtClean="0">
+                            <a:latin typeface="Cambria Math" panose="02040503050406030204" pitchFamily="18" charset="0"/>
+                          </a:rPr>
+                          <m:t>10</m:t>
+                        </m:r>
+                      </m:e>
+                      <m:sup>
+                        <m:r>
+                          <a:rPr lang="en-US" altLang="ja-JP" sz="2200" b="0" i="1" dirty="0" smtClean="0">
+                            <a:latin typeface="Cambria Math" panose="02040503050406030204" pitchFamily="18" charset="0"/>
+                          </a:rPr>
+                          <m:t>−6</m:t>
+                        </m:r>
+                      </m:sup>
+                    </m:sSup>
+                    <m:r>
+                      <a:rPr lang="en-US" altLang="ja-JP" sz="2200" b="0" i="1" dirty="0" smtClean="0">
+                        <a:latin typeface="Cambria Math" panose="02040503050406030204" pitchFamily="18" charset="0"/>
+                      </a:rPr>
+                      <m:t>≈97.5 </m:t>
+                    </m:r>
+                    <m:r>
+                      <m:rPr>
+                        <m:sty m:val="p"/>
+                      </m:rPr>
+                      <a:rPr lang="en-US" altLang="ja-JP" sz="2200" b="0" i="0" dirty="0" smtClean="0">
+                        <a:latin typeface="Cambria Math" panose="02040503050406030204" pitchFamily="18" charset="0"/>
+                      </a:rPr>
+                      <m:t>μA</m:t>
+                    </m:r>
+                  </m:oMath>
+                </a14:m>
+                <a:endParaRPr kumimoji="1" lang="en-US" altLang="ja-JP" sz="2200" dirty="0"/>
+              </a:p>
+              <a:p>
+                <a:r>
+                  <a:rPr kumimoji="1" lang="ja-JP" altLang="en-US" sz="2200" dirty="0"/>
+                  <a:t>のドレイン電流が流れていた。</a:t>
+                </a:r>
+                <a:endParaRPr kumimoji="1" lang="en-US" altLang="ja-JP" sz="2200" dirty="0"/>
+              </a:p>
+            </p:txBody>
+          </p:sp>
+        </mc:Choice>
+        <mc:Fallback>
+          <p:sp>
+            <p:nvSpPr>
+              <p:cNvPr id="10" name="テキスト ボックス 9">
+                <a:extLst>
+                  <a:ext uri="{FF2B5EF4-FFF2-40B4-BE49-F238E27FC236}">
+                    <a16:creationId xmlns:a16="http://schemas.microsoft.com/office/drawing/2014/main" id="{1F87A056-3A86-62A2-0121-9757453243E9}"/>
+                  </a:ext>
+                </a:extLst>
+              </p:cNvPr>
+              <p:cNvSpPr txBox="1">
+                <a:spLocks noRot="1" noChangeAspect="1" noMove="1" noResize="1" noEditPoints="1" noAdjustHandles="1" noChangeArrowheads="1" noChangeShapeType="1" noTextEdit="1"/>
+              </p:cNvSpPr>
+              <p:nvPr/>
+            </p:nvSpPr>
+            <p:spPr>
+              <a:xfrm>
+                <a:off x="6745941" y="2642298"/>
+                <a:ext cx="4594412" cy="3477875"/>
+              </a:xfrm>
+              <a:prstGeom prst="rect">
+                <a:avLst/>
+              </a:prstGeom>
+              <a:blipFill>
+                <a:blip r:embed="rId5"/>
+                <a:stretch>
+                  <a:fillRect l="-1726" t="-1051" b="-2627"/>
+                </a:stretch>
+              </a:blipFill>
+            </p:spPr>
+            <p:txBody>
+              <a:bodyPr/>
+              <a:lstStyle/>
+              <a:p>
+                <a:r>
+                  <a:rPr lang="ja-JP" altLang="en-US">
+                    <a:noFill/>
+                  </a:rPr>
+                  <a:t> </a:t>
+                </a:r>
+              </a:p>
+            </p:txBody>
+          </p:sp>
+        </mc:Fallback>
+      </mc:AlternateContent>
+    </p:spTree>
+    <p:extLst>
+      <p:ext uri="{BB962C8B-B14F-4D97-AF65-F5344CB8AC3E}">
+        <p14:creationId xmlns:p14="http://schemas.microsoft.com/office/powerpoint/2010/main" val="1490615704"/>
       </p:ext>
     </p:extLst>
   </p:cSld>
@@ -8112,14 +7785,43 @@
           <a:chExt cx="0" cy="0"/>
         </a:xfrm>
       </p:grpSpPr>
-      <mc:AlternateContent xmlns:mc="http://schemas.openxmlformats.org/markup-compatibility/2006" xmlns:a14="http://schemas.microsoft.com/office/drawing/2010/main">
-        <mc:Choice Requires="a14">
+      <p:pic>
+        <p:nvPicPr>
+          <p:cNvPr id="11" name="図 10">
+            <a:extLst>
+              <a:ext uri="{FF2B5EF4-FFF2-40B4-BE49-F238E27FC236}">
+                <a16:creationId xmlns:a16="http://schemas.microsoft.com/office/drawing/2014/main" id="{2219ADB0-0291-638B-66D4-C1E7C6FBD615}"/>
+              </a:ext>
+            </a:extLst>
+          </p:cNvPr>
+          <p:cNvPicPr>
+            <a:picLocks noChangeAspect="1"/>
+          </p:cNvPicPr>
+          <p:nvPr/>
+        </p:nvPicPr>
+        <p:blipFill rotWithShape="1">
+          <a:blip r:embed="rId2"/>
+          <a:srcRect r="11218"/>
+          <a:stretch/>
+        </p:blipFill>
+        <p:spPr>
+          <a:xfrm>
+            <a:off x="143435" y="1403818"/>
+            <a:ext cx="6553725" cy="5167312"/>
+          </a:xfrm>
+          <a:prstGeom prst="rect">
+            <a:avLst/>
+          </a:prstGeom>
+        </p:spPr>
+      </p:pic>
+      <mc:AlternateContent xmlns:mc="http://schemas.openxmlformats.org/markup-compatibility/2006">
+        <mc:Choice xmlns:a14="http://schemas.microsoft.com/office/drawing/2010/main" Requires="a14">
           <p:sp>
             <p:nvSpPr>
               <p:cNvPr id="2" name="タイトル 1">
                 <a:extLst>
                   <a:ext uri="{FF2B5EF4-FFF2-40B4-BE49-F238E27FC236}">
-                    <a16:creationId xmlns:a16="http://schemas.microsoft.com/office/drawing/2014/main" id="{46E1DF16-6910-E833-A20D-0AE90AB1D9EE}"/>
+                    <a16:creationId xmlns:a16="http://schemas.microsoft.com/office/drawing/2014/main" id="{08970957-A704-BCB1-EC47-E4BAC97F3E69}"/>
                   </a:ext>
                 </a:extLst>
               </p:cNvPr>
@@ -8135,51 +7837,34 @@
               <a:bodyPr/>
               <a:lstStyle/>
               <a:p>
+                <a14:m>
+                  <m:oMath xmlns:m="http://schemas.openxmlformats.org/officeDocument/2006/math">
+                    <m:r>
+                      <m:rPr>
+                        <m:sty m:val="p"/>
+                      </m:rPr>
+                      <a:rPr kumimoji="1" lang="en-US" altLang="ja-JP" b="0" i="0" smtClean="0">
+                        <a:latin typeface="Cambria Math" panose="02040503050406030204" pitchFamily="18" charset="0"/>
+                      </a:rPr>
+                      <m:t>pmos</m:t>
+                    </m:r>
+                  </m:oMath>
+                </a14:m>
                 <a:r>
                   <a:rPr kumimoji="1" lang="ja-JP" altLang="en-US" dirty="0"/>
-                  <a:t>従来型の</a:t>
+                  <a:t>の設計</a:t>
                 </a:r>
-                <a14:m>
-                  <m:oMath xmlns:m="http://schemas.openxmlformats.org/officeDocument/2006/math">
-                    <m:sSub>
-                      <m:sSubPr>
-                        <m:ctrlPr>
-                          <a:rPr kumimoji="1" lang="en-US" altLang="ja-JP" b="0" i="1" smtClean="0">
-                            <a:latin typeface="Cambria Math" panose="02040503050406030204" pitchFamily="18" charset="0"/>
-                          </a:rPr>
-                        </m:ctrlPr>
-                      </m:sSubPr>
-                      <m:e>
-                        <m:r>
-                          <a:rPr kumimoji="1" lang="en-US" altLang="ja-JP" b="0" i="1" smtClean="0">
-                            <a:latin typeface="Cambria Math" panose="02040503050406030204" pitchFamily="18" charset="0"/>
-                          </a:rPr>
-                          <m:t>𝐾</m:t>
-                        </m:r>
-                      </m:e>
-                      <m:sub>
-                        <m:r>
-                          <a:rPr kumimoji="1" lang="en-US" altLang="ja-JP" b="0" i="1" smtClean="0">
-                            <a:latin typeface="Cambria Math" panose="02040503050406030204" pitchFamily="18" charset="0"/>
-                          </a:rPr>
-                          <m:t>𝐴</m:t>
-                        </m:r>
-                      </m:sub>
-                    </m:sSub>
-                  </m:oMath>
-                </a14:m>
-                <a:endParaRPr kumimoji="1" lang="ja-JP" altLang="en-US" dirty="0"/>
               </a:p>
             </p:txBody>
           </p:sp>
         </mc:Choice>
-        <mc:Fallback xmlns="">
+        <mc:Fallback>
           <p:sp>
             <p:nvSpPr>
               <p:cNvPr id="2" name="タイトル 1">
                 <a:extLst>
                   <a:ext uri="{FF2B5EF4-FFF2-40B4-BE49-F238E27FC236}">
-                    <a16:creationId xmlns:a16="http://schemas.microsoft.com/office/drawing/2014/main" id="{46E1DF16-6910-E833-A20D-0AE90AB1D9EE}"/>
+                    <a16:creationId xmlns:a16="http://schemas.microsoft.com/office/drawing/2014/main" id="{08970957-A704-BCB1-EC47-E4BAC97F3E69}"/>
                   </a:ext>
                 </a:extLst>
               </p:cNvPr>
@@ -8192,9 +7877,9 @@
             </p:nvSpPr>
             <p:spPr>
               <a:blipFill>
-                <a:blip r:embed="rId2"/>
+                <a:blip r:embed="rId3"/>
                 <a:stretch>
-                  <a:fillRect l="-2377"/>
+                  <a:fillRect/>
                 </a:stretch>
               </a:blipFill>
             </p:spPr>
@@ -8218,7 +7903,7 @@
           <p:cNvPr id="3" name="スライド番号プレースホルダー 2">
             <a:extLst>
               <a:ext uri="{FF2B5EF4-FFF2-40B4-BE49-F238E27FC236}">
-                <a16:creationId xmlns:a16="http://schemas.microsoft.com/office/drawing/2014/main" id="{8C8197AB-44D5-80FD-530A-B5E19E3B98E0}"/>
+                <a16:creationId xmlns:a16="http://schemas.microsoft.com/office/drawing/2014/main" id="{448462CB-D761-B5C2-E38A-C732DDAEF0AE}"/>
               </a:ext>
             </a:extLst>
           </p:cNvPr>
@@ -8242,14 +7927,1224 @@
           </a:p>
         </p:txBody>
       </p:sp>
-      <mc:AlternateContent xmlns:mc="http://schemas.openxmlformats.org/markup-compatibility/2006" xmlns:a14="http://schemas.microsoft.com/office/drawing/2010/main">
-        <mc:Choice Requires="a14">
+      <mc:AlternateContent xmlns:mc="http://schemas.openxmlformats.org/markup-compatibility/2006">
+        <mc:Choice xmlns:a14="http://schemas.microsoft.com/office/drawing/2010/main" Requires="a14">
+          <p:sp>
+            <p:nvSpPr>
+              <p:cNvPr id="9" name="テキスト ボックス 8">
+                <a:extLst>
+                  <a:ext uri="{FF2B5EF4-FFF2-40B4-BE49-F238E27FC236}">
+                    <a16:creationId xmlns:a16="http://schemas.microsoft.com/office/drawing/2014/main" id="{9697429F-1566-EE53-7859-A02F28D300B3}"/>
+                  </a:ext>
+                </a:extLst>
+              </p:cNvPr>
+              <p:cNvSpPr txBox="1"/>
+              <p:nvPr/>
+            </p:nvSpPr>
+            <p:spPr>
+              <a:xfrm>
+                <a:off x="6866964" y="1690688"/>
+                <a:ext cx="4774345" cy="4113947"/>
+              </a:xfrm>
+              <a:prstGeom prst="rect">
+                <a:avLst/>
+              </a:prstGeom>
+              <a:noFill/>
+            </p:spPr>
+            <p:txBody>
+              <a:bodyPr wrap="square" rtlCol="0">
+                <a:spAutoFit/>
+              </a:bodyPr>
+              <a:lstStyle/>
+              <a:p>
+                <a14:m>
+                  <m:oMathPara xmlns:m="http://schemas.openxmlformats.org/officeDocument/2006/math">
+                    <m:oMathParaPr>
+                      <m:jc m:val="centerGroup"/>
+                    </m:oMathParaPr>
+                    <m:oMath xmlns:m="http://schemas.openxmlformats.org/officeDocument/2006/math">
+                      <m:f>
+                        <m:fPr>
+                          <m:ctrlPr>
+                            <a:rPr lang="en-US" altLang="ja-JP" sz="2200" i="1" smtClean="0">
+                              <a:latin typeface="Cambria Math" panose="02040503050406030204" pitchFamily="18" charset="0"/>
+                            </a:rPr>
+                          </m:ctrlPr>
+                        </m:fPr>
+                        <m:num>
+                          <m:r>
+                            <a:rPr lang="en-US" altLang="ja-JP" sz="2200" i="1">
+                              <a:latin typeface="Cambria Math" panose="02040503050406030204" pitchFamily="18" charset="0"/>
+                            </a:rPr>
+                            <m:t>1</m:t>
+                          </m:r>
+                        </m:num>
+                        <m:den>
+                          <m:r>
+                            <a:rPr lang="en-US" altLang="ja-JP" sz="2200" b="0" i="1" smtClean="0">
+                              <a:latin typeface="Cambria Math" panose="02040503050406030204" pitchFamily="18" charset="0"/>
+                            </a:rPr>
+                            <m:t>97.45</m:t>
+                          </m:r>
+                        </m:den>
+                      </m:f>
+                      <m:r>
+                        <a:rPr lang="en-US" altLang="ja-JP" sz="2200" b="0" i="1" smtClean="0">
+                          <a:latin typeface="Cambria Math" panose="02040503050406030204" pitchFamily="18" charset="0"/>
+                        </a:rPr>
+                        <m:t>=10.26⋯</m:t>
+                      </m:r>
+                    </m:oMath>
+                  </m:oMathPara>
+                </a14:m>
+                <a:endParaRPr lang="en-US" altLang="ja-JP" sz="2200" b="0" dirty="0"/>
+              </a:p>
+              <a:p>
+                <a:r>
+                  <a:rPr kumimoji="1" lang="ja-JP" altLang="en-US" sz="2200" dirty="0"/>
+                  <a:t>したがって、今回は並列数を</a:t>
+                </a:r>
+                <a:r>
+                  <a:rPr lang="en-US" altLang="ja-JP" sz="2200" dirty="0"/>
+                  <a:t>10</a:t>
+                </a:r>
+                <a:r>
+                  <a:rPr kumimoji="1" lang="ja-JP" altLang="en-US" sz="2200" dirty="0"/>
+                  <a:t>に増やすことで調整した。そのシミュレーション結果が左のグラフであり、</a:t>
+                </a:r>
+                <a14:m>
+                  <m:oMath xmlns:m="http://schemas.openxmlformats.org/officeDocument/2006/math">
+                    <m:sSub>
+                      <m:sSubPr>
+                        <m:ctrlPr>
+                          <a:rPr kumimoji="1" lang="en-US" altLang="ja-JP" sz="2200" b="0" i="1" smtClean="0">
+                            <a:latin typeface="Cambria Math" panose="02040503050406030204" pitchFamily="18" charset="0"/>
+                          </a:rPr>
+                        </m:ctrlPr>
+                      </m:sSubPr>
+                      <m:e>
+                        <m:r>
+                          <a:rPr kumimoji="1" lang="en-US" altLang="ja-JP" sz="2200" b="0" i="1" smtClean="0">
+                            <a:latin typeface="Cambria Math" panose="02040503050406030204" pitchFamily="18" charset="0"/>
+                          </a:rPr>
+                          <m:t>𝑉</m:t>
+                        </m:r>
+                      </m:e>
+                      <m:sub>
+                        <m:r>
+                          <a:rPr kumimoji="1" lang="en-US" altLang="ja-JP" sz="2200" b="0" i="1" smtClean="0">
+                            <a:latin typeface="Cambria Math" panose="02040503050406030204" pitchFamily="18" charset="0"/>
+                          </a:rPr>
+                          <m:t>𝐺𝑆</m:t>
+                        </m:r>
+                      </m:sub>
+                    </m:sSub>
+                    <m:r>
+                      <a:rPr kumimoji="1" lang="en-US" altLang="ja-JP" sz="2200" b="0" i="1" smtClean="0">
+                        <a:latin typeface="Cambria Math" panose="02040503050406030204" pitchFamily="18" charset="0"/>
+                      </a:rPr>
+                      <m:t>=0.79 </m:t>
+                    </m:r>
+                    <m:r>
+                      <m:rPr>
+                        <m:sty m:val="p"/>
+                      </m:rPr>
+                      <a:rPr kumimoji="1" lang="en-US" altLang="ja-JP" sz="2200" b="0" i="0" smtClean="0">
+                        <a:latin typeface="Cambria Math" panose="02040503050406030204" pitchFamily="18" charset="0"/>
+                      </a:rPr>
+                      <m:t>V</m:t>
+                    </m:r>
+                  </m:oMath>
+                </a14:m>
+                <a:r>
+                  <a:rPr kumimoji="1" lang="ja-JP" altLang="en-US" sz="2200" dirty="0"/>
+                  <a:t>の時およそ</a:t>
+                </a:r>
+                <a14:m>
+                  <m:oMath xmlns:m="http://schemas.openxmlformats.org/officeDocument/2006/math">
+                    <m:r>
+                      <a:rPr kumimoji="1" lang="en-US" altLang="ja-JP" sz="2200" b="0" i="1" smtClean="0">
+                        <a:latin typeface="Cambria Math" panose="02040503050406030204" pitchFamily="18" charset="0"/>
+                      </a:rPr>
+                      <m:t>1 </m:t>
+                    </m:r>
+                    <m:r>
+                      <m:rPr>
+                        <m:sty m:val="p"/>
+                      </m:rPr>
+                      <a:rPr kumimoji="1" lang="en-US" altLang="ja-JP" sz="2200" b="0" i="0" smtClean="0">
+                        <a:latin typeface="Cambria Math" panose="02040503050406030204" pitchFamily="18" charset="0"/>
+                      </a:rPr>
+                      <m:t>mA</m:t>
+                    </m:r>
+                  </m:oMath>
+                </a14:m>
+                <a:r>
+                  <a:rPr kumimoji="1" lang="ja-JP" altLang="en-US" sz="2200" dirty="0"/>
+                  <a:t>流れていることが分かる。</a:t>
+                </a:r>
+                <a:endParaRPr kumimoji="1" lang="en-US" altLang="ja-JP" sz="2200" dirty="0"/>
+              </a:p>
+              <a:p>
+                <a:endParaRPr kumimoji="1" lang="en-US" altLang="ja-JP" sz="2200" dirty="0"/>
+              </a:p>
+              <a:p>
+                <a:r>
+                  <a:rPr lang="ja-JP" altLang="en-US" sz="2200" dirty="0"/>
+                  <a:t>上の電流源で</a:t>
+                </a:r>
+                <a14:m>
+                  <m:oMath xmlns:m="http://schemas.openxmlformats.org/officeDocument/2006/math">
+                    <m:r>
+                      <a:rPr lang="en-US" altLang="ja-JP" sz="2200" b="0" i="1" smtClean="0">
+                        <a:latin typeface="Cambria Math" panose="02040503050406030204" pitchFamily="18" charset="0"/>
+                      </a:rPr>
+                      <m:t>0.3 </m:t>
+                    </m:r>
+                    <m:r>
+                      <m:rPr>
+                        <m:sty m:val="p"/>
+                      </m:rPr>
+                      <a:rPr lang="en-US" altLang="ja-JP" sz="2200" b="0" i="0" smtClean="0">
+                        <a:latin typeface="Cambria Math" panose="02040503050406030204" pitchFamily="18" charset="0"/>
+                      </a:rPr>
+                      <m:t>V</m:t>
+                    </m:r>
+                    <m:r>
+                      <a:rPr lang="ja-JP" altLang="en-US" sz="2200" i="1">
+                        <a:latin typeface="Cambria Math" panose="02040503050406030204" pitchFamily="18" charset="0"/>
+                      </a:rPr>
+                      <m:t>の</m:t>
+                    </m:r>
+                  </m:oMath>
+                </a14:m>
+                <a:r>
+                  <a:rPr kumimoji="1" lang="ja-JP" altLang="en-US" sz="2200" dirty="0"/>
+                  <a:t>電位降下が起きるとすると、</a:t>
+                </a:r>
+                <a14:m>
+                  <m:oMath xmlns:m="http://schemas.openxmlformats.org/officeDocument/2006/math">
+                    <m:sSub>
+                      <m:sSubPr>
+                        <m:ctrlPr>
+                          <a:rPr kumimoji="1" lang="en-US" altLang="ja-JP" sz="2200" b="0" i="1" smtClean="0">
+                            <a:latin typeface="Cambria Math" panose="02040503050406030204" pitchFamily="18" charset="0"/>
+                          </a:rPr>
+                        </m:ctrlPr>
+                      </m:sSubPr>
+                      <m:e>
+                        <m:r>
+                          <a:rPr kumimoji="1" lang="en-US" altLang="ja-JP" sz="2200" b="0" i="1" smtClean="0">
+                            <a:latin typeface="Cambria Math" panose="02040503050406030204" pitchFamily="18" charset="0"/>
+                          </a:rPr>
+                          <m:t>𝑉</m:t>
+                        </m:r>
+                      </m:e>
+                      <m:sub>
+                        <m:r>
+                          <a:rPr kumimoji="1" lang="en-US" altLang="ja-JP" sz="2200" b="0" i="1" smtClean="0">
+                            <a:latin typeface="Cambria Math" panose="02040503050406030204" pitchFamily="18" charset="0"/>
+                          </a:rPr>
+                          <m:t>𝐴</m:t>
+                        </m:r>
+                      </m:sub>
+                    </m:sSub>
+                  </m:oMath>
+                </a14:m>
+                <a:r>
+                  <a:rPr kumimoji="1" lang="ja-JP" altLang="en-US" sz="2200" dirty="0"/>
+                  <a:t>の電位は</a:t>
+                </a:r>
+                <a:endParaRPr kumimoji="1" lang="en-US" altLang="ja-JP" sz="2200" dirty="0"/>
+              </a:p>
+              <a:p>
+                <a14:m>
+                  <m:oMathPara xmlns:m="http://schemas.openxmlformats.org/officeDocument/2006/math">
+                    <m:oMathParaPr>
+                      <m:jc m:val="centerGroup"/>
+                    </m:oMathParaPr>
+                    <m:oMath xmlns:m="http://schemas.openxmlformats.org/officeDocument/2006/math">
+                      <m:r>
+                        <a:rPr kumimoji="1" lang="en-US" altLang="ja-JP" sz="2200" b="0" i="1" smtClean="0">
+                          <a:latin typeface="Cambria Math" panose="02040503050406030204" pitchFamily="18" charset="0"/>
+                        </a:rPr>
+                        <m:t>1.8−0.3−0.79=0. 71</m:t>
+                      </m:r>
+                      <m:r>
+                        <m:rPr>
+                          <m:sty m:val="p"/>
+                        </m:rPr>
+                        <a:rPr kumimoji="1" lang="en-US" altLang="ja-JP" sz="2200" b="0" i="0" smtClean="0">
+                          <a:latin typeface="Cambria Math" panose="02040503050406030204" pitchFamily="18" charset="0"/>
+                        </a:rPr>
+                        <m:t>V</m:t>
+                      </m:r>
+                    </m:oMath>
+                  </m:oMathPara>
+                </a14:m>
+                <a:endParaRPr kumimoji="1" lang="en-US" altLang="ja-JP" sz="2200" dirty="0"/>
+              </a:p>
+              <a:p>
+                <a:r>
+                  <a:rPr lang="ja-JP" altLang="en-US" sz="2200" dirty="0"/>
+                  <a:t>とすればよい。</a:t>
+                </a:r>
+                <a:endParaRPr kumimoji="1" lang="ja-JP" altLang="en-US" sz="2200" dirty="0"/>
+              </a:p>
+            </p:txBody>
+          </p:sp>
+        </mc:Choice>
+        <mc:Fallback>
+          <p:sp>
+            <p:nvSpPr>
+              <p:cNvPr id="9" name="テキスト ボックス 8">
+                <a:extLst>
+                  <a:ext uri="{FF2B5EF4-FFF2-40B4-BE49-F238E27FC236}">
+                    <a16:creationId xmlns:a16="http://schemas.microsoft.com/office/drawing/2014/main" id="{9697429F-1566-EE53-7859-A02F28D300B3}"/>
+                  </a:ext>
+                </a:extLst>
+              </p:cNvPr>
+              <p:cNvSpPr txBox="1">
+                <a:spLocks noRot="1" noChangeAspect="1" noMove="1" noResize="1" noEditPoints="1" noAdjustHandles="1" noChangeArrowheads="1" noChangeShapeType="1" noTextEdit="1"/>
+              </p:cNvSpPr>
+              <p:nvPr/>
+            </p:nvSpPr>
+            <p:spPr>
+              <a:xfrm>
+                <a:off x="6866964" y="1690688"/>
+                <a:ext cx="4774345" cy="4113947"/>
+              </a:xfrm>
+              <a:prstGeom prst="rect">
+                <a:avLst/>
+              </a:prstGeom>
+              <a:blipFill>
+                <a:blip r:embed="rId4"/>
+                <a:stretch>
+                  <a:fillRect l="-1658" r="-4847" b="-2074"/>
+                </a:stretch>
+              </a:blipFill>
+            </p:spPr>
+            <p:txBody>
+              <a:bodyPr/>
+              <a:lstStyle/>
+              <a:p>
+                <a:r>
+                  <a:rPr lang="ja-JP" altLang="en-US">
+                    <a:noFill/>
+                  </a:rPr>
+                  <a:t> </a:t>
+                </a:r>
+              </a:p>
+            </p:txBody>
+          </p:sp>
+        </mc:Fallback>
+      </mc:AlternateContent>
+    </p:spTree>
+    <p:extLst>
+      <p:ext uri="{BB962C8B-B14F-4D97-AF65-F5344CB8AC3E}">
+        <p14:creationId xmlns:p14="http://schemas.microsoft.com/office/powerpoint/2010/main" val="2600822384"/>
+      </p:ext>
+    </p:extLst>
+  </p:cSld>
+  <p:clrMapOvr>
+    <a:masterClrMapping/>
+  </p:clrMapOvr>
+</p:sld>
+</file>
+
+<file path=ppt/slides/slide7.xml><?xml version="1.0" encoding="utf-8"?>
+<p:sld xmlns:a="http://schemas.openxmlformats.org/drawingml/2006/main" xmlns:r="http://schemas.openxmlformats.org/officeDocument/2006/relationships" xmlns:p="http://schemas.openxmlformats.org/presentationml/2006/main">
+  <p:cSld>
+    <p:spTree>
+      <p:nvGrpSpPr>
+        <p:cNvPr id="1" name=""/>
+        <p:cNvGrpSpPr/>
+        <p:nvPr/>
+      </p:nvGrpSpPr>
+      <p:grpSpPr>
+        <a:xfrm>
+          <a:off x="0" y="0"/>
+          <a:ext cx="0" cy="0"/>
+          <a:chOff x="0" y="0"/>
+          <a:chExt cx="0" cy="0"/>
+        </a:xfrm>
+      </p:grpSpPr>
+      <mc:AlternateContent xmlns:mc="http://schemas.openxmlformats.org/markup-compatibility/2006">
+        <mc:Choice xmlns:a14="http://schemas.microsoft.com/office/drawing/2010/main" Requires="a14">
+          <p:sp>
+            <p:nvSpPr>
+              <p:cNvPr id="2" name="タイトル 1">
+                <a:extLst>
+                  <a:ext uri="{FF2B5EF4-FFF2-40B4-BE49-F238E27FC236}">
+                    <a16:creationId xmlns:a16="http://schemas.microsoft.com/office/drawing/2014/main" id="{F15BDE1C-5281-FD04-582F-7B33B3F2A4E6}"/>
+                  </a:ext>
+                </a:extLst>
+              </p:cNvPr>
+              <p:cNvSpPr>
+                <a:spLocks noGrp="1"/>
+              </p:cNvSpPr>
+              <p:nvPr>
+                <p:ph type="title"/>
+              </p:nvPr>
+            </p:nvSpPr>
+            <p:spPr/>
+            <p:txBody>
+              <a:bodyPr/>
+              <a:lstStyle/>
+              <a:p>
+                <a14:m>
+                  <m:oMath xmlns:m="http://schemas.openxmlformats.org/officeDocument/2006/math">
+                    <m:r>
+                      <m:rPr>
+                        <m:sty m:val="p"/>
+                      </m:rPr>
+                      <a:rPr kumimoji="1" lang="en-US" altLang="ja-JP" b="0" i="0" smtClean="0">
+                        <a:latin typeface="Cambria Math" panose="02040503050406030204" pitchFamily="18" charset="0"/>
+                      </a:rPr>
+                      <m:t>pmos</m:t>
+                    </m:r>
+                  </m:oMath>
+                </a14:m>
+                <a:r>
+                  <a:rPr kumimoji="1" lang="ja-JP" altLang="en-US" dirty="0"/>
+                  <a:t>のしきい電圧</a:t>
+                </a:r>
+              </a:p>
+            </p:txBody>
+          </p:sp>
+        </mc:Choice>
+        <mc:Fallback>
+          <p:sp>
+            <p:nvSpPr>
+              <p:cNvPr id="2" name="タイトル 1">
+                <a:extLst>
+                  <a:ext uri="{FF2B5EF4-FFF2-40B4-BE49-F238E27FC236}">
+                    <a16:creationId xmlns:a16="http://schemas.microsoft.com/office/drawing/2014/main" id="{F15BDE1C-5281-FD04-582F-7B33B3F2A4E6}"/>
+                  </a:ext>
+                </a:extLst>
+              </p:cNvPr>
+              <p:cNvSpPr>
+                <a:spLocks noGrp="1" noRot="1" noChangeAspect="1" noMove="1" noResize="1" noEditPoints="1" noAdjustHandles="1" noChangeArrowheads="1" noChangeShapeType="1" noTextEdit="1"/>
+              </p:cNvSpPr>
+              <p:nvPr>
+                <p:ph type="title"/>
+              </p:nvPr>
+            </p:nvSpPr>
+            <p:spPr>
+              <a:blipFill>
+                <a:blip r:embed="rId2"/>
+                <a:stretch>
+                  <a:fillRect/>
+                </a:stretch>
+              </a:blipFill>
+            </p:spPr>
+            <p:txBody>
+              <a:bodyPr/>
+              <a:lstStyle/>
+              <a:p>
+                <a:r>
+                  <a:rPr lang="ja-JP" altLang="en-US">
+                    <a:noFill/>
+                  </a:rPr>
+                  <a:t> </a:t>
+                </a:r>
+              </a:p>
+            </p:txBody>
+          </p:sp>
+        </mc:Fallback>
+      </mc:AlternateContent>
+      <p:sp>
+        <p:nvSpPr>
+          <p:cNvPr id="3" name="スライド番号プレースホルダー 2">
+            <a:extLst>
+              <a:ext uri="{FF2B5EF4-FFF2-40B4-BE49-F238E27FC236}">
+                <a16:creationId xmlns:a16="http://schemas.microsoft.com/office/drawing/2014/main" id="{B2E7A817-D311-4380-33CD-59BBD773B914}"/>
+              </a:ext>
+            </a:extLst>
+          </p:cNvPr>
+          <p:cNvSpPr>
+            <a:spLocks noGrp="1"/>
+          </p:cNvSpPr>
+          <p:nvPr>
+            <p:ph type="sldNum" sz="quarter" idx="12"/>
+          </p:nvPr>
+        </p:nvSpPr>
+        <p:spPr/>
+        <p:txBody>
+          <a:bodyPr/>
+          <a:lstStyle/>
+          <a:p>
+            <a:fld id="{85B6C27D-B957-4A92-99D3-4644DF81A59E}" type="slidenum">
+              <a:rPr kumimoji="1" lang="ja-JP" altLang="en-US" smtClean="0"/>
+              <a:t>7</a:t>
+            </a:fld>
+            <a:endParaRPr kumimoji="1" lang="ja-JP" altLang="en-US"/>
+          </a:p>
+        </p:txBody>
+      </p:sp>
+      <p:pic>
+        <p:nvPicPr>
+          <p:cNvPr id="5" name="図 4">
+            <a:extLst>
+              <a:ext uri="{FF2B5EF4-FFF2-40B4-BE49-F238E27FC236}">
+                <a16:creationId xmlns:a16="http://schemas.microsoft.com/office/drawing/2014/main" id="{C47814A5-AC59-95C1-0A71-28E84550D3EA}"/>
+              </a:ext>
+            </a:extLst>
+          </p:cNvPr>
+          <p:cNvPicPr>
+            <a:picLocks noChangeAspect="1"/>
+          </p:cNvPicPr>
+          <p:nvPr/>
+        </p:nvPicPr>
+        <p:blipFill rotWithShape="1">
+          <a:blip r:embed="rId3"/>
+          <a:srcRect r="11801"/>
+          <a:stretch/>
+        </p:blipFill>
+        <p:spPr>
+          <a:xfrm>
+            <a:off x="0" y="1555131"/>
+            <a:ext cx="6221504" cy="4937744"/>
+          </a:xfrm>
+          <a:prstGeom prst="rect">
+            <a:avLst/>
+          </a:prstGeom>
+        </p:spPr>
+      </p:pic>
+      <mc:AlternateContent xmlns:mc="http://schemas.openxmlformats.org/markup-compatibility/2006">
+        <mc:Choice xmlns:a14="http://schemas.microsoft.com/office/drawing/2010/main" Requires="a14">
+          <p:sp>
+            <p:nvSpPr>
+              <p:cNvPr id="7" name="テキスト ボックス 6">
+                <a:extLst>
+                  <a:ext uri="{FF2B5EF4-FFF2-40B4-BE49-F238E27FC236}">
+                    <a16:creationId xmlns:a16="http://schemas.microsoft.com/office/drawing/2014/main" id="{A5FDF874-2C71-8D44-E073-A6D3F9182F99}"/>
+                  </a:ext>
+                </a:extLst>
+              </p:cNvPr>
+              <p:cNvSpPr txBox="1"/>
+              <p:nvPr/>
+            </p:nvSpPr>
+            <p:spPr>
+              <a:xfrm>
+                <a:off x="6822141" y="1304118"/>
+                <a:ext cx="4670612" cy="4832092"/>
+              </a:xfrm>
+              <a:prstGeom prst="rect">
+                <a:avLst/>
+              </a:prstGeom>
+              <a:noFill/>
+            </p:spPr>
+            <p:txBody>
+              <a:bodyPr wrap="square" rtlCol="0">
+                <a:spAutoFit/>
+              </a:bodyPr>
+              <a:lstStyle/>
+              <a:p>
+                <a:pPr algn="l"/>
+                <a:r>
+                  <a:rPr kumimoji="1" lang="ja-JP" altLang="en-US" sz="2200" dirty="0"/>
+                  <a:t>左のグラフは以下の条件での</a:t>
+                </a:r>
+                <a:endParaRPr kumimoji="1" lang="en-US" altLang="ja-JP" sz="2200" dirty="0"/>
+              </a:p>
+              <a:p>
+                <a:pPr algn="l"/>
+                <a14:m>
+                  <m:oMath xmlns:m="http://schemas.openxmlformats.org/officeDocument/2006/math">
+                    <m:sSub>
+                      <m:sSubPr>
+                        <m:ctrlPr>
+                          <a:rPr kumimoji="1" lang="en-US" altLang="ja-JP" sz="2200" b="0" i="1" smtClean="0">
+                            <a:latin typeface="Cambria Math" panose="02040503050406030204" pitchFamily="18" charset="0"/>
+                          </a:rPr>
+                        </m:ctrlPr>
+                      </m:sSubPr>
+                      <m:e>
+                        <m:r>
+                          <a:rPr kumimoji="1" lang="en-US" altLang="ja-JP" sz="2200" b="0" i="1" smtClean="0">
+                            <a:latin typeface="Cambria Math" panose="02040503050406030204" pitchFamily="18" charset="0"/>
+                          </a:rPr>
+                          <m:t>𝑔</m:t>
+                        </m:r>
+                      </m:e>
+                      <m:sub>
+                        <m:r>
+                          <a:rPr kumimoji="1" lang="en-US" altLang="ja-JP" sz="2200" b="0" i="1" smtClean="0">
+                            <a:latin typeface="Cambria Math" panose="02040503050406030204" pitchFamily="18" charset="0"/>
+                          </a:rPr>
+                          <m:t>𝑚</m:t>
+                        </m:r>
+                      </m:sub>
+                    </m:sSub>
+                    <m:r>
+                      <a:rPr kumimoji="1" lang="en-US" altLang="ja-JP" sz="2200" b="0" i="1" smtClean="0">
+                        <a:latin typeface="Cambria Math" panose="02040503050406030204" pitchFamily="18" charset="0"/>
+                      </a:rPr>
+                      <m:t>−</m:t>
+                    </m:r>
+                    <m:sSub>
+                      <m:sSubPr>
+                        <m:ctrlPr>
+                          <a:rPr kumimoji="1" lang="en-US" altLang="ja-JP" sz="2200" b="0" i="1" smtClean="0">
+                            <a:latin typeface="Cambria Math" panose="02040503050406030204" pitchFamily="18" charset="0"/>
+                          </a:rPr>
+                        </m:ctrlPr>
+                      </m:sSubPr>
+                      <m:e>
+                        <m:r>
+                          <a:rPr kumimoji="1" lang="en-US" altLang="ja-JP" sz="2200" b="0" i="1" smtClean="0">
+                            <a:latin typeface="Cambria Math" panose="02040503050406030204" pitchFamily="18" charset="0"/>
+                          </a:rPr>
+                          <m:t>𝑉</m:t>
+                        </m:r>
+                      </m:e>
+                      <m:sub>
+                        <m:r>
+                          <a:rPr kumimoji="1" lang="en-US" altLang="ja-JP" sz="2200" b="0" i="1" smtClean="0">
+                            <a:latin typeface="Cambria Math" panose="02040503050406030204" pitchFamily="18" charset="0"/>
+                          </a:rPr>
+                          <m:t>𝐺𝑆</m:t>
+                        </m:r>
+                      </m:sub>
+                    </m:sSub>
+                  </m:oMath>
+                </a14:m>
+                <a:r>
+                  <a:rPr kumimoji="1" lang="ja-JP" altLang="en-US" sz="2200" dirty="0"/>
+                  <a:t>特性である。</a:t>
+                </a:r>
+                <a:endParaRPr kumimoji="1" lang="en-US" altLang="ja-JP" sz="2200" dirty="0"/>
+              </a:p>
+              <a:p>
+                <a:pPr algn="l"/>
+                <a:r>
+                  <a:rPr kumimoji="1" lang="ja-JP" altLang="en-US" sz="2200" dirty="0"/>
+                  <a:t>チャネル長 </a:t>
+                </a:r>
+                <a:r>
+                  <a:rPr lang="en-US" altLang="ja-JP" sz="2200" dirty="0"/>
+                  <a:t>: </a:t>
+                </a:r>
+                <a14:m>
+                  <m:oMath xmlns:m="http://schemas.openxmlformats.org/officeDocument/2006/math">
+                    <m:r>
+                      <a:rPr lang="en-US" altLang="ja-JP" sz="2200" b="0" i="1" smtClean="0">
+                        <a:latin typeface="Cambria Math" panose="02040503050406030204" pitchFamily="18" charset="0"/>
+                      </a:rPr>
+                      <m:t>0.72 </m:t>
+                    </m:r>
+                    <m:r>
+                      <m:rPr>
+                        <m:sty m:val="p"/>
+                      </m:rPr>
+                      <a:rPr lang="en-US" altLang="ja-JP" sz="2200" b="0" i="0" smtClean="0">
+                        <a:latin typeface="Cambria Math" panose="02040503050406030204" pitchFamily="18" charset="0"/>
+                      </a:rPr>
+                      <m:t>μm</m:t>
+                    </m:r>
+                  </m:oMath>
+                </a14:m>
+                <a:endParaRPr lang="en-US" altLang="ja-JP" sz="2200" dirty="0"/>
+              </a:p>
+              <a:p>
+                <a:r>
+                  <a:rPr kumimoji="1" lang="ja-JP" altLang="en-US" sz="2200" dirty="0"/>
+                  <a:t>チャネル幅 </a:t>
+                </a:r>
+                <a:r>
+                  <a:rPr kumimoji="1" lang="en-US" altLang="ja-JP" sz="2200" dirty="0"/>
+                  <a:t>: </a:t>
+                </a:r>
+                <a14:m>
+                  <m:oMath xmlns:m="http://schemas.openxmlformats.org/officeDocument/2006/math">
+                    <m:r>
+                      <a:rPr kumimoji="1" lang="en-US" altLang="ja-JP" sz="2200" b="0" i="1" smtClean="0">
+                        <a:latin typeface="Cambria Math" panose="02040503050406030204" pitchFamily="18" charset="0"/>
+                      </a:rPr>
+                      <m:t>20</m:t>
+                    </m:r>
+                    <m:r>
+                      <m:rPr>
+                        <m:sty m:val="p"/>
+                      </m:rPr>
+                      <a:rPr lang="en-US" altLang="ja-JP" sz="2200">
+                        <a:latin typeface="Cambria Math" panose="02040503050406030204" pitchFamily="18" charset="0"/>
+                      </a:rPr>
+                      <m:t>μm</m:t>
+                    </m:r>
+                  </m:oMath>
+                </a14:m>
+                <a:endParaRPr kumimoji="1" lang="en-US" altLang="ja-JP" sz="2200" dirty="0"/>
+              </a:p>
+              <a:p>
+                <a:pPr algn="l"/>
+                <a:r>
+                  <a:rPr kumimoji="1" lang="ja-JP" altLang="en-US" sz="2200" dirty="0"/>
+                  <a:t>並列数 </a:t>
+                </a:r>
+                <a:r>
+                  <a:rPr kumimoji="1" lang="en-US" altLang="ja-JP" sz="2200" dirty="0"/>
+                  <a:t>: </a:t>
+                </a:r>
+                <a14:m>
+                  <m:oMath xmlns:m="http://schemas.openxmlformats.org/officeDocument/2006/math">
+                    <m:r>
+                      <a:rPr kumimoji="1" lang="en-US" altLang="ja-JP" sz="2200" b="0" i="1" smtClean="0">
+                        <a:latin typeface="Cambria Math" panose="02040503050406030204" pitchFamily="18" charset="0"/>
+                      </a:rPr>
+                      <m:t>1</m:t>
+                    </m:r>
+                    <m:r>
+                      <a:rPr kumimoji="1" lang="en-US" altLang="ja-JP" sz="2200" b="0" i="1" smtClean="0">
+                        <a:latin typeface="Cambria Math" panose="02040503050406030204" pitchFamily="18" charset="0"/>
+                      </a:rPr>
+                      <m:t>0</m:t>
+                    </m:r>
+                  </m:oMath>
+                </a14:m>
+                <a:endParaRPr kumimoji="1" lang="en-US" altLang="ja-JP" sz="2200" dirty="0"/>
+              </a:p>
+              <a:p>
+                <a:pPr algn="l"/>
+                <a:r>
+                  <a:rPr kumimoji="1" lang="ja-JP" altLang="en-US" sz="2200" dirty="0"/>
+                  <a:t>ドレインソース間電圧 </a:t>
+                </a:r>
+                <a:r>
+                  <a:rPr kumimoji="1" lang="en-US" altLang="ja-JP" sz="2200" dirty="0"/>
+                  <a:t>: </a:t>
+                </a:r>
+                <a14:m>
+                  <m:oMath xmlns:m="http://schemas.openxmlformats.org/officeDocument/2006/math">
+                    <m:r>
+                      <a:rPr kumimoji="1" lang="en-US" altLang="ja-JP" sz="2200" b="0" i="1" smtClean="0">
+                        <a:latin typeface="Cambria Math" panose="02040503050406030204" pitchFamily="18" charset="0"/>
+                      </a:rPr>
+                      <m:t>1 </m:t>
+                    </m:r>
+                    <m:r>
+                      <m:rPr>
+                        <m:sty m:val="p"/>
+                      </m:rPr>
+                      <a:rPr kumimoji="1" lang="en-US" altLang="ja-JP" sz="2200" b="0" i="0" smtClean="0">
+                        <a:latin typeface="Cambria Math" panose="02040503050406030204" pitchFamily="18" charset="0"/>
+                      </a:rPr>
+                      <m:t>V</m:t>
+                    </m:r>
+                  </m:oMath>
+                </a14:m>
+                <a:endParaRPr kumimoji="1" lang="en-US" altLang="ja-JP" sz="2200" dirty="0"/>
+              </a:p>
+              <a:p>
+                <a:pPr algn="l"/>
+                <a:endParaRPr kumimoji="1" lang="en-US" altLang="ja-JP" sz="2200" dirty="0"/>
+              </a:p>
+              <a:p>
+                <a:pPr algn="l"/>
+                <a14:m>
+                  <m:oMath xmlns:m="http://schemas.openxmlformats.org/officeDocument/2006/math">
+                    <m:r>
+                      <a:rPr kumimoji="1" lang="en-US" altLang="ja-JP" sz="2200" b="0" i="1" smtClean="0">
+                        <a:latin typeface="Cambria Math" panose="02040503050406030204" pitchFamily="18" charset="0"/>
+                      </a:rPr>
+                      <m:t>𝑥</m:t>
+                    </m:r>
+                  </m:oMath>
+                </a14:m>
+                <a:r>
+                  <a:rPr kumimoji="1" lang="ja-JP" altLang="en-US" sz="2200" dirty="0"/>
+                  <a:t>軸との交点は</a:t>
+                </a:r>
+                <a14:m>
+                  <m:oMath xmlns:m="http://schemas.openxmlformats.org/officeDocument/2006/math">
+                    <m:r>
+                      <a:rPr kumimoji="1" lang="en-US" altLang="ja-JP" sz="2200" b="0" i="1" smtClean="0">
+                        <a:latin typeface="Cambria Math" panose="02040503050406030204" pitchFamily="18" charset="0"/>
+                      </a:rPr>
+                      <m:t>0.39≈0.4 </m:t>
+                    </m:r>
+                    <m:r>
+                      <m:rPr>
+                        <m:sty m:val="p"/>
+                      </m:rPr>
+                      <a:rPr kumimoji="1" lang="en-US" altLang="ja-JP" sz="2200" b="0" i="0" smtClean="0">
+                        <a:latin typeface="Cambria Math" panose="02040503050406030204" pitchFamily="18" charset="0"/>
+                      </a:rPr>
+                      <m:t>V</m:t>
+                    </m:r>
+                  </m:oMath>
+                </a14:m>
+                <a:r>
+                  <a:rPr kumimoji="1" lang="ja-JP" altLang="en-US" sz="2200" dirty="0"/>
+                  <a:t>であった。</a:t>
+                </a:r>
+                <a:endParaRPr kumimoji="1" lang="en-US" altLang="ja-JP" sz="2200" dirty="0"/>
+              </a:p>
+              <a:p>
+                <a:pPr algn="l"/>
+                <a:r>
+                  <a:rPr lang="ja-JP" altLang="en-US" sz="2200" dirty="0"/>
+                  <a:t>したがって、</a:t>
+                </a:r>
+                <a14:m>
+                  <m:oMath xmlns:m="http://schemas.openxmlformats.org/officeDocument/2006/math">
+                    <m:r>
+                      <m:rPr>
+                        <m:sty m:val="p"/>
+                      </m:rPr>
+                      <a:rPr lang="en-US" altLang="ja-JP" sz="2200" b="0" i="0" smtClean="0">
+                        <a:latin typeface="Cambria Math" panose="02040503050406030204" pitchFamily="18" charset="0"/>
+                      </a:rPr>
+                      <m:t>pmos</m:t>
+                    </m:r>
+                  </m:oMath>
+                </a14:m>
+                <a:r>
+                  <a:rPr kumimoji="1" lang="ja-JP" altLang="en-US" sz="2200" dirty="0"/>
+                  <a:t>のドレイン電位は</a:t>
+                </a:r>
+                <a14:m>
+                  <m:oMath xmlns:m="http://schemas.openxmlformats.org/officeDocument/2006/math">
+                    <m:r>
+                      <a:rPr kumimoji="1" lang="en-US" altLang="ja-JP" sz="2200" b="0" i="1" smtClean="0">
+                        <a:latin typeface="Cambria Math" panose="02040503050406030204" pitchFamily="18" charset="0"/>
+                      </a:rPr>
+                      <m:t>0.71 </m:t>
+                    </m:r>
+                    <m:r>
+                      <m:rPr>
+                        <m:sty m:val="p"/>
+                      </m:rPr>
+                      <a:rPr kumimoji="1" lang="en-US" altLang="ja-JP" sz="2200" b="0" i="0" smtClean="0">
+                        <a:latin typeface="Cambria Math" panose="02040503050406030204" pitchFamily="18" charset="0"/>
+                      </a:rPr>
+                      <m:t>V</m:t>
+                    </m:r>
+                  </m:oMath>
+                </a14:m>
+                <a:r>
+                  <a:rPr kumimoji="1" lang="ja-JP" altLang="en-US" sz="2200" dirty="0"/>
+                  <a:t>よりも</a:t>
+                </a:r>
+                <a14:m>
+                  <m:oMath xmlns:m="http://schemas.openxmlformats.org/officeDocument/2006/math">
+                    <m:r>
+                      <a:rPr kumimoji="1" lang="en-US" altLang="ja-JP" sz="2200" b="0" i="1" smtClean="0">
+                        <a:latin typeface="Cambria Math" panose="02040503050406030204" pitchFamily="18" charset="0"/>
+                      </a:rPr>
+                      <m:t>0.4 </m:t>
+                    </m:r>
+                    <m:r>
+                      <m:rPr>
+                        <m:sty m:val="p"/>
+                      </m:rPr>
+                      <a:rPr kumimoji="1" lang="en-US" altLang="ja-JP" sz="2200" b="0" i="0" smtClean="0">
+                        <a:latin typeface="Cambria Math" panose="02040503050406030204" pitchFamily="18" charset="0"/>
+                      </a:rPr>
+                      <m:t>V</m:t>
+                    </m:r>
+                  </m:oMath>
+                </a14:m>
+                <a:r>
+                  <a:rPr kumimoji="1" lang="ja-JP" altLang="en-US" sz="2200" dirty="0"/>
+                  <a:t>高い</a:t>
+                </a:r>
+                <a14:m>
+                  <m:oMath xmlns:m="http://schemas.openxmlformats.org/officeDocument/2006/math">
+                    <m:r>
+                      <a:rPr kumimoji="1" lang="en-US" altLang="ja-JP" sz="2200" b="0" i="1" dirty="0" smtClean="0">
+                        <a:latin typeface="Cambria Math" panose="02040503050406030204" pitchFamily="18" charset="0"/>
+                      </a:rPr>
+                      <m:t>1.11 </m:t>
+                    </m:r>
+                    <m:r>
+                      <m:rPr>
+                        <m:sty m:val="p"/>
+                      </m:rPr>
+                      <a:rPr kumimoji="1" lang="en-US" altLang="ja-JP" sz="2200" b="0" i="0" dirty="0" smtClean="0">
+                        <a:latin typeface="Cambria Math" panose="02040503050406030204" pitchFamily="18" charset="0"/>
+                      </a:rPr>
+                      <m:t>V</m:t>
+                    </m:r>
+                  </m:oMath>
+                </a14:m>
+                <a:r>
+                  <a:rPr kumimoji="1" lang="ja-JP" altLang="en-US" sz="2200" dirty="0"/>
+                  <a:t>まで上昇しても飽和領域で動作できる。</a:t>
+                </a:r>
+                <a:endParaRPr kumimoji="1" lang="en-US" altLang="ja-JP" sz="2200" dirty="0"/>
+              </a:p>
+              <a:p>
+                <a:pPr algn="l"/>
+                <a:endParaRPr lang="en-US" altLang="ja-JP" sz="2200" dirty="0"/>
+              </a:p>
+              <a:p>
+                <a:pPr algn="l"/>
+                <a:r>
+                  <a:rPr kumimoji="1" lang="ja-JP" altLang="en-US" sz="2200" dirty="0"/>
+                  <a:t>したがって、出力振幅は</a:t>
+                </a:r>
+                <a14:m>
+                  <m:oMath xmlns:m="http://schemas.openxmlformats.org/officeDocument/2006/math">
+                    <m:r>
+                      <a:rPr kumimoji="1" lang="en-US" altLang="ja-JP" sz="2200" b="0" i="1" smtClean="0">
+                        <a:latin typeface="Cambria Math" panose="02040503050406030204" pitchFamily="18" charset="0"/>
+                      </a:rPr>
+                      <m:t>0.55 </m:t>
+                    </m:r>
+                    <m:r>
+                      <m:rPr>
+                        <m:sty m:val="p"/>
+                      </m:rPr>
+                      <a:rPr kumimoji="1" lang="en-US" altLang="ja-JP" sz="2200" b="0" i="0" smtClean="0">
+                        <a:latin typeface="Cambria Math" panose="02040503050406030204" pitchFamily="18" charset="0"/>
+                      </a:rPr>
+                      <m:t>V</m:t>
+                    </m:r>
+                  </m:oMath>
+                </a14:m>
+                <a:r>
+                  <a:rPr kumimoji="1" lang="ja-JP" altLang="en-US" sz="2200" dirty="0"/>
+                  <a:t>程度まで許容できる。</a:t>
+                </a:r>
+                <a:endParaRPr kumimoji="1" lang="en-US" altLang="ja-JP" sz="2200" dirty="0"/>
+              </a:p>
+            </p:txBody>
+          </p:sp>
+        </mc:Choice>
+        <mc:Fallback>
+          <p:sp>
+            <p:nvSpPr>
+              <p:cNvPr id="7" name="テキスト ボックス 6">
+                <a:extLst>
+                  <a:ext uri="{FF2B5EF4-FFF2-40B4-BE49-F238E27FC236}">
+                    <a16:creationId xmlns:a16="http://schemas.microsoft.com/office/drawing/2014/main" id="{A5FDF874-2C71-8D44-E073-A6D3F9182F99}"/>
+                  </a:ext>
+                </a:extLst>
+              </p:cNvPr>
+              <p:cNvSpPr txBox="1">
+                <a:spLocks noRot="1" noChangeAspect="1" noMove="1" noResize="1" noEditPoints="1" noAdjustHandles="1" noChangeArrowheads="1" noChangeShapeType="1" noTextEdit="1"/>
+              </p:cNvSpPr>
+              <p:nvPr/>
+            </p:nvSpPr>
+            <p:spPr>
+              <a:xfrm>
+                <a:off x="6822141" y="1304118"/>
+                <a:ext cx="4670612" cy="4832092"/>
+              </a:xfrm>
+              <a:prstGeom prst="rect">
+                <a:avLst/>
+              </a:prstGeom>
+              <a:blipFill>
+                <a:blip r:embed="rId4"/>
+                <a:stretch>
+                  <a:fillRect l="-1697" t="-883" r="-7572" b="-1513"/>
+                </a:stretch>
+              </a:blipFill>
+            </p:spPr>
+            <p:txBody>
+              <a:bodyPr/>
+              <a:lstStyle/>
+              <a:p>
+                <a:r>
+                  <a:rPr lang="ja-JP" altLang="en-US">
+                    <a:noFill/>
+                  </a:rPr>
+                  <a:t> </a:t>
+                </a:r>
+              </a:p>
+            </p:txBody>
+          </p:sp>
+        </mc:Fallback>
+      </mc:AlternateContent>
+      <p:sp>
+        <p:nvSpPr>
+          <p:cNvPr id="8" name="楕円 7">
+            <a:extLst>
+              <a:ext uri="{FF2B5EF4-FFF2-40B4-BE49-F238E27FC236}">
+                <a16:creationId xmlns:a16="http://schemas.microsoft.com/office/drawing/2014/main" id="{7ADA14E0-9D87-8057-E52D-D8F853AAF423}"/>
+              </a:ext>
+            </a:extLst>
+          </p:cNvPr>
+          <p:cNvSpPr/>
+          <p:nvPr/>
+        </p:nvSpPr>
+        <p:spPr>
+          <a:xfrm rot="1808364">
+            <a:off x="4155422" y="3362580"/>
+            <a:ext cx="729359" cy="1322846"/>
+          </a:xfrm>
+          <a:prstGeom prst="ellipse">
+            <a:avLst/>
+          </a:prstGeom>
+          <a:noFill/>
+          <a:ln w="19050">
+            <a:solidFill>
+              <a:srgbClr val="FF0000"/>
+            </a:solidFill>
+          </a:ln>
+        </p:spPr>
+        <p:style>
+          <a:lnRef idx="2">
+            <a:schemeClr val="accent1">
+              <a:shade val="50000"/>
+            </a:schemeClr>
+          </a:lnRef>
+          <a:fillRef idx="1">
+            <a:schemeClr val="accent1"/>
+          </a:fillRef>
+          <a:effectRef idx="0">
+            <a:schemeClr val="accent1"/>
+          </a:effectRef>
+          <a:fontRef idx="minor">
+            <a:schemeClr val="lt1"/>
+          </a:fontRef>
+        </p:style>
+        <p:txBody>
+          <a:bodyPr rtlCol="0" anchor="ctr"/>
+          <a:lstStyle/>
+          <a:p>
+            <a:pPr algn="ctr"/>
+            <a:endParaRPr kumimoji="1" lang="ja-JP" altLang="en-US"/>
+          </a:p>
+        </p:txBody>
+      </p:sp>
+      <p:sp>
+        <p:nvSpPr>
+          <p:cNvPr id="9" name="テキスト ボックス 8">
+            <a:extLst>
+              <a:ext uri="{FF2B5EF4-FFF2-40B4-BE49-F238E27FC236}">
+                <a16:creationId xmlns:a16="http://schemas.microsoft.com/office/drawing/2014/main" id="{EC582781-936B-E359-6859-B3A75892E06C}"/>
+              </a:ext>
+            </a:extLst>
+          </p:cNvPr>
+          <p:cNvSpPr txBox="1"/>
+          <p:nvPr/>
+        </p:nvSpPr>
+        <p:spPr>
+          <a:xfrm>
+            <a:off x="1152795" y="3429000"/>
+            <a:ext cx="2253794" cy="430887"/>
+          </a:xfrm>
+          <a:prstGeom prst="rect">
+            <a:avLst/>
+          </a:prstGeom>
+          <a:solidFill>
+            <a:schemeClr val="bg1"/>
+          </a:solidFill>
+          <a:ln>
+            <a:solidFill>
+              <a:schemeClr val="tx1"/>
+            </a:solidFill>
+          </a:ln>
+        </p:spPr>
+        <p:txBody>
+          <a:bodyPr wrap="square" rtlCol="0">
+            <a:spAutoFit/>
+          </a:bodyPr>
+          <a:lstStyle/>
+          <a:p>
+            <a:pPr algn="l"/>
+            <a:r>
+              <a:rPr kumimoji="1" lang="ja-JP" altLang="en-US" sz="2200" dirty="0"/>
+              <a:t>屈曲が見られる。</a:t>
+            </a:r>
+          </a:p>
+        </p:txBody>
+      </p:sp>
+      <p:sp>
+        <p:nvSpPr>
+          <p:cNvPr id="10" name="矢印: 右 9">
+            <a:extLst>
+              <a:ext uri="{FF2B5EF4-FFF2-40B4-BE49-F238E27FC236}">
+                <a16:creationId xmlns:a16="http://schemas.microsoft.com/office/drawing/2014/main" id="{121C8089-4ACF-BF1F-FAC0-9B0AC17B216E}"/>
+              </a:ext>
+            </a:extLst>
+          </p:cNvPr>
+          <p:cNvSpPr/>
+          <p:nvPr/>
+        </p:nvSpPr>
+        <p:spPr>
+          <a:xfrm rot="1068949">
+            <a:off x="3609517" y="3572728"/>
+            <a:ext cx="539277" cy="294873"/>
+          </a:xfrm>
+          <a:prstGeom prst="rightArrow">
+            <a:avLst/>
+          </a:prstGeom>
+          <a:solidFill>
+            <a:schemeClr val="accent6">
+              <a:lumMod val="60000"/>
+              <a:lumOff val="40000"/>
+            </a:schemeClr>
+          </a:solidFill>
+          <a:ln>
+            <a:solidFill>
+              <a:schemeClr val="tx1"/>
+            </a:solidFill>
+          </a:ln>
+        </p:spPr>
+        <p:style>
+          <a:lnRef idx="2">
+            <a:schemeClr val="accent1">
+              <a:shade val="50000"/>
+            </a:schemeClr>
+          </a:lnRef>
+          <a:fillRef idx="1">
+            <a:schemeClr val="accent1"/>
+          </a:fillRef>
+          <a:effectRef idx="0">
+            <a:schemeClr val="accent1"/>
+          </a:effectRef>
+          <a:fontRef idx="minor">
+            <a:schemeClr val="lt1"/>
+          </a:fontRef>
+        </p:style>
+        <p:txBody>
+          <a:bodyPr rtlCol="0" anchor="ctr"/>
+          <a:lstStyle/>
+          <a:p>
+            <a:pPr algn="ctr"/>
+            <a:endParaRPr kumimoji="1" lang="ja-JP" altLang="en-US"/>
+          </a:p>
+        </p:txBody>
+      </p:sp>
+    </p:spTree>
+    <p:extLst>
+      <p:ext uri="{BB962C8B-B14F-4D97-AF65-F5344CB8AC3E}">
+        <p14:creationId xmlns:p14="http://schemas.microsoft.com/office/powerpoint/2010/main" val="2888074849"/>
+      </p:ext>
+    </p:extLst>
+  </p:cSld>
+  <p:clrMapOvr>
+    <a:masterClrMapping/>
+  </p:clrMapOvr>
+</p:sld>
+</file>
+
+<file path=ppt/slides/slide8.xml><?xml version="1.0" encoding="utf-8"?>
+<p:sld xmlns:a="http://schemas.openxmlformats.org/drawingml/2006/main" xmlns:r="http://schemas.openxmlformats.org/officeDocument/2006/relationships" xmlns:p="http://schemas.openxmlformats.org/presentationml/2006/main">
+  <p:cSld>
+    <p:spTree>
+      <p:nvGrpSpPr>
+        <p:cNvPr id="1" name=""/>
+        <p:cNvGrpSpPr/>
+        <p:nvPr/>
+      </p:nvGrpSpPr>
+      <p:grpSpPr>
+        <a:xfrm>
+          <a:off x="0" y="0"/>
+          <a:ext cx="0" cy="0"/>
+          <a:chOff x="0" y="0"/>
+          <a:chExt cx="0" cy="0"/>
+        </a:xfrm>
+      </p:grpSpPr>
+      <p:sp>
+        <p:nvSpPr>
+          <p:cNvPr id="2" name="タイトル 1">
+            <a:extLst>
+              <a:ext uri="{FF2B5EF4-FFF2-40B4-BE49-F238E27FC236}">
+                <a16:creationId xmlns:a16="http://schemas.microsoft.com/office/drawing/2014/main" id="{B2A776A0-EBE5-0614-1E49-A52FFB1FF5E9}"/>
+              </a:ext>
+            </a:extLst>
+          </p:cNvPr>
+          <p:cNvSpPr>
+            <a:spLocks noGrp="1"/>
+          </p:cNvSpPr>
+          <p:nvPr>
+            <p:ph type="title"/>
+          </p:nvPr>
+        </p:nvSpPr>
+        <p:spPr/>
+        <p:txBody>
+          <a:bodyPr/>
+          <a:lstStyle/>
+          <a:p>
+            <a:r>
+              <a:rPr kumimoji="1" lang="en-US" altLang="ja-JP" dirty="0"/>
+              <a:t>op</a:t>
+            </a:r>
+            <a:r>
+              <a:rPr kumimoji="1" lang="ja-JP" altLang="en-US" dirty="0"/>
+              <a:t>解析</a:t>
+            </a:r>
+          </a:p>
+        </p:txBody>
+      </p:sp>
+      <p:sp>
+        <p:nvSpPr>
+          <p:cNvPr id="3" name="スライド番号プレースホルダー 2">
+            <a:extLst>
+              <a:ext uri="{FF2B5EF4-FFF2-40B4-BE49-F238E27FC236}">
+                <a16:creationId xmlns:a16="http://schemas.microsoft.com/office/drawing/2014/main" id="{26965953-6A51-802D-3D5E-2A1B0E93AC71}"/>
+              </a:ext>
+            </a:extLst>
+          </p:cNvPr>
+          <p:cNvSpPr>
+            <a:spLocks noGrp="1"/>
+          </p:cNvSpPr>
+          <p:nvPr>
+            <p:ph type="sldNum" sz="quarter" idx="12"/>
+          </p:nvPr>
+        </p:nvSpPr>
+        <p:spPr/>
+        <p:txBody>
+          <a:bodyPr/>
+          <a:lstStyle/>
+          <a:p>
+            <a:fld id="{85B6C27D-B957-4A92-99D3-4644DF81A59E}" type="slidenum">
+              <a:rPr kumimoji="1" lang="ja-JP" altLang="en-US" smtClean="0"/>
+              <a:t>8</a:t>
+            </a:fld>
+            <a:endParaRPr kumimoji="1" lang="ja-JP" altLang="en-US"/>
+          </a:p>
+        </p:txBody>
+      </p:sp>
+      <p:pic>
+        <p:nvPicPr>
+          <p:cNvPr id="4" name="図 3" descr="背景パターン が含まれている画像&#10;&#10;自動的に生成された説明">
+            <a:extLst>
+              <a:ext uri="{FF2B5EF4-FFF2-40B4-BE49-F238E27FC236}">
+                <a16:creationId xmlns:a16="http://schemas.microsoft.com/office/drawing/2014/main" id="{0E99D0F8-AE1F-9318-2A3F-6CA730B42766}"/>
+              </a:ext>
+            </a:extLst>
+          </p:cNvPr>
+          <p:cNvPicPr>
+            <a:picLocks noChangeAspect="1"/>
+          </p:cNvPicPr>
+          <p:nvPr/>
+        </p:nvPicPr>
+        <p:blipFill>
+          <a:blip r:embed="rId2">
+            <a:extLst>
+              <a:ext uri="{28A0092B-C50C-407E-A947-70E740481C1C}">
+                <a14:useLocalDpi xmlns:a14="http://schemas.microsoft.com/office/drawing/2010/main" val="0"/>
+              </a:ext>
+            </a:extLst>
+          </a:blip>
+          <a:stretch>
+            <a:fillRect/>
+          </a:stretch>
+        </p:blipFill>
+        <p:spPr>
+          <a:xfrm>
+            <a:off x="-247076" y="2115671"/>
+            <a:ext cx="7944602" cy="4000144"/>
+          </a:xfrm>
+          <a:prstGeom prst="rect">
+            <a:avLst/>
+          </a:prstGeom>
+        </p:spPr>
+      </p:pic>
+      <mc:AlternateContent xmlns:mc="http://schemas.openxmlformats.org/markup-compatibility/2006">
+        <mc:Choice xmlns:a14="http://schemas.microsoft.com/office/drawing/2010/main" Requires="a14">
           <p:graphicFrame>
             <p:nvGraphicFramePr>
-              <p:cNvPr id="8" name="表 5">
+              <p:cNvPr id="5" name="表 5">
                 <a:extLst>
                   <a:ext uri="{FF2B5EF4-FFF2-40B4-BE49-F238E27FC236}">
-                    <a16:creationId xmlns:a16="http://schemas.microsoft.com/office/drawing/2014/main" id="{686D6557-A6FF-66BE-5FB9-1C139BD21E30}"/>
+                    <a16:creationId xmlns:a16="http://schemas.microsoft.com/office/drawing/2014/main" id="{4CDDD51F-7552-2BBD-4BA8-F81D6C7A3F6A}"/>
                   </a:ext>
                 </a:extLst>
               </p:cNvPr>
@@ -8259,14 +9154,14 @@
               <p:nvPr>
                 <p:extLst>
                   <p:ext uri="{D42A27DB-BD31-4B8C-83A1-F6EECF244321}">
-                    <p14:modId xmlns:p14="http://schemas.microsoft.com/office/powerpoint/2010/main" val="1447310240"/>
+                    <p14:modId xmlns:p14="http://schemas.microsoft.com/office/powerpoint/2010/main" val="428449437"/>
                   </p:ext>
                 </p:extLst>
               </p:nvPr>
             </p:nvGraphicFramePr>
             <p:xfrm>
-              <a:off x="7428572" y="2354739"/>
-              <a:ext cx="4478292" cy="3337560"/>
+              <a:off x="7578080" y="960492"/>
+              <a:ext cx="4390182" cy="3724529"/>
             </p:xfrm>
             <a:graphic>
               <a:graphicData uri="http://schemas.openxmlformats.org/drawingml/2006/table">
@@ -8275,23 +9170,87 @@
                     <a:tableStyleId>{5C22544A-7EE6-4342-B048-85BDC9FD1C3A}</a:tableStyleId>
                   </a:tblPr>
                   <a:tblGrid>
-                    <a:gridCol w="2239146">
+                    <a:gridCol w="925387">
                       <a:extLst>
                         <a:ext uri="{9D8B030D-6E8A-4147-A177-3AD203B41FA5}">
-                          <a16:colId xmlns:a16="http://schemas.microsoft.com/office/drawing/2014/main" val="3876103087"/>
+                          <a16:colId xmlns:a16="http://schemas.microsoft.com/office/drawing/2014/main" val="552314133"/>
                         </a:ext>
                       </a:extLst>
                     </a:gridCol>
-                    <a:gridCol w="2239146">
+                    <a:gridCol w="1217177">
                       <a:extLst>
                         <a:ext uri="{9D8B030D-6E8A-4147-A177-3AD203B41FA5}">
-                          <a16:colId xmlns:a16="http://schemas.microsoft.com/office/drawing/2014/main" val="1662711070"/>
+                          <a16:colId xmlns:a16="http://schemas.microsoft.com/office/drawing/2014/main" val="4058355900"/>
+                        </a:ext>
+                      </a:extLst>
+                    </a:gridCol>
+                    <a:gridCol w="2247618">
+                      <a:extLst>
+                        <a:ext uri="{9D8B030D-6E8A-4147-A177-3AD203B41FA5}">
+                          <a16:colId xmlns:a16="http://schemas.microsoft.com/office/drawing/2014/main" val="1457556449"/>
                         </a:ext>
                       </a:extLst>
                     </a:gridCol>
                   </a:tblGrid>
                   <a:tr h="370840">
                     <a:tc>
+                      <a:txBody>
+                        <a:bodyPr/>
+                        <a:lstStyle/>
+                        <a:p>
+                          <a:pPr algn="ctr"/>
+                          <a:endParaRPr kumimoji="1" lang="ja-JP" altLang="en-US"/>
+                        </a:p>
+                      </a:txBody>
+                      <a:tcPr/>
+                    </a:tc>
+                    <a:tc>
+                      <a:txBody>
+                        <a:bodyPr/>
+                        <a:lstStyle/>
+                        <a:p>
+                          <a:pPr algn="ctr"/>
+                          <a:r>
+                            <a:rPr kumimoji="1" lang="ja-JP" altLang="en-US" dirty="0"/>
+                            <a:t>設計値</a:t>
+                          </a:r>
+                        </a:p>
+                      </a:txBody>
+                      <a:tcPr/>
+                    </a:tc>
+                    <a:tc>
+                      <a:txBody>
+                        <a:bodyPr/>
+                        <a:lstStyle/>
+                        <a:p>
+                          <a:pPr algn="ctr"/>
+                          <a:r>
+                            <a:rPr kumimoji="1" lang="ja-JP" altLang="en-US" dirty="0"/>
+                            <a:t>シミュレーション</a:t>
+                          </a:r>
+                        </a:p>
+                      </a:txBody>
+                      <a:tcPr/>
+                    </a:tc>
+                    <a:extLst>
+                      <a:ext uri="{0D108BD9-81ED-4DB2-BD59-A6C34878D82A}">
+                        <a16:rowId xmlns:a16="http://schemas.microsoft.com/office/drawing/2014/main" val="156977211"/>
+                      </a:ext>
+                    </a:extLst>
+                  </a:tr>
+                  <a:tr h="370840">
+                    <a:tc>
+                      <a:txBody>
+                        <a:bodyPr/>
+                        <a:lstStyle/>
+                        <a:p>
+                          <a:pPr algn="ctr"/>
+                          <a:endParaRPr kumimoji="1" lang="ja-JP" altLang="en-US" dirty="0"/>
+                        </a:p>
+                      </a:txBody>
+                      <a:tcPr/>
+                    </a:tc>
+                    <a:tc gridSpan="2">
                       <a:txBody>
                         <a:bodyPr/>
                         <a:lstStyle/>
@@ -8304,36 +9263,7 @@
                               </m:oMathParaPr>
                               <m:oMath xmlns:m="http://schemas.openxmlformats.org/officeDocument/2006/math">
                                 <m:r>
-                                  <m:rPr>
-                                    <m:sty m:val="p"/>
-                                  </m:rPr>
-                                  <a:rPr kumimoji="1" lang="en-US" altLang="ja-JP" b="0" i="0" smtClean="0">
-                                    <a:latin typeface="Cambria Math" panose="02040503050406030204" pitchFamily="18" charset="0"/>
-                                  </a:rPr>
-                                  <m:t>node</m:t>
-                                </m:r>
-                              </m:oMath>
-                            </m:oMathPara>
-                          </a14:m>
-                          <a:endParaRPr kumimoji="1" lang="ja-JP" altLang="en-US" i="0" dirty="0"/>
-                        </a:p>
-                      </a:txBody>
-                      <a:tcPr/>
-                    </a:tc>
-                    <a:tc>
-                      <a:txBody>
-                        <a:bodyPr/>
-                        <a:lstStyle/>
-                        <a:p>
-                          <a:pPr algn="ctr"/>
-                          <a14:m>
-                            <m:oMathPara xmlns:m="http://schemas.openxmlformats.org/officeDocument/2006/math">
-                              <m:oMathParaPr>
-                                <m:jc m:val="centerGroup"/>
-                              </m:oMathParaPr>
-                              <m:oMath xmlns:m="http://schemas.openxmlformats.org/officeDocument/2006/math">
-                                <m:r>
-                                  <a:rPr kumimoji="1" lang="en-US" altLang="ja-JP" b="0" i="0" smtClean="0">
+                                  <a:rPr kumimoji="1" lang="en-US" altLang="ja-JP" b="0" i="1" smtClean="0">
                                     <a:latin typeface="Cambria Math" panose="02040503050406030204" pitchFamily="18" charset="0"/>
                                   </a:rPr>
                                   <m:t>[</m:t>
@@ -8348,7 +9278,7 @@
                                   <m:t>V</m:t>
                                 </m:r>
                                 <m:r>
-                                  <a:rPr kumimoji="1" lang="en-US" altLang="ja-JP" b="0" i="0" smtClean="0">
+                                  <a:rPr kumimoji="1" lang="en-US" altLang="ja-JP" b="0" i="1" smtClean="0">
                                     <a:latin typeface="Cambria Math" panose="02040503050406030204" pitchFamily="18" charset="0"/>
                                   </a:rPr>
                                   <m:t>]</m:t>
@@ -8356,14 +9286,24 @@
                               </m:oMath>
                             </m:oMathPara>
                           </a14:m>
-                          <a:endParaRPr kumimoji="1" lang="ja-JP" altLang="en-US" i="0" dirty="0"/>
+                          <a:endParaRPr kumimoji="1" lang="ja-JP" altLang="en-US" dirty="0"/>
+                        </a:p>
+                      </a:txBody>
+                      <a:tcPr/>
+                    </a:tc>
+                    <a:tc hMerge="1">
+                      <a:txBody>
+                        <a:bodyPr/>
+                        <a:lstStyle/>
+                        <a:p>
+                          <a:endParaRPr kumimoji="1" lang="ja-JP" altLang="en-US"/>
                         </a:p>
                       </a:txBody>
                       <a:tcPr/>
                     </a:tc>
                     <a:extLst>
                       <a:ext uri="{0D108BD9-81ED-4DB2-BD59-A6C34878D82A}">
-                        <a16:rowId xmlns:a16="http://schemas.microsoft.com/office/drawing/2014/main" val="1419202294"/>
+                        <a16:rowId xmlns:a16="http://schemas.microsoft.com/office/drawing/2014/main" val="3874868801"/>
                       </a:ext>
                     </a:extLst>
                   </a:tr>
@@ -8383,25 +9323,58 @@
                                 <m:sSub>
                                   <m:sSubPr>
                                     <m:ctrlPr>
-                                      <a:rPr kumimoji="1" lang="en-US" altLang="ja-JP" b="0" i="1" smtClean="0">
+                                      <a:rPr kumimoji="1" lang="en-US" altLang="ja-JP" sz="1800" b="0" i="1" u="none" strike="noStrike" kern="1200" cap="none" spc="0" normalizeH="0" baseline="0" noProof="0" smtClean="0">
+                                        <a:ln>
+                                          <a:noFill/>
+                                        </a:ln>
+                                        <a:solidFill>
+                                          <a:prstClr val="black"/>
+                                        </a:solidFill>
+                                        <a:effectLst/>
+                                        <a:uLnTx/>
+                                        <a:uFillTx/>
                                         <a:latin typeface="Cambria Math" panose="02040503050406030204" pitchFamily="18" charset="0"/>
+                                        <a:ea typeface="游ゴシック" panose="020B0400000000000000" pitchFamily="50" charset="-128"/>
+                                        <a:cs typeface="+mn-cs"/>
                                       </a:rPr>
                                     </m:ctrlPr>
                                   </m:sSubPr>
                                   <m:e>
                                     <m:r>
-                                      <a:rPr kumimoji="1" lang="en-US" altLang="ja-JP" b="0" i="1" smtClean="0">
+                                      <a:rPr kumimoji="1" lang="en-US" altLang="ja-JP" sz="1800" b="0" i="1" u="none" strike="noStrike" kern="1200" cap="none" spc="0" normalizeH="0" baseline="0" noProof="0" smtClean="0">
+                                        <a:ln>
+                                          <a:noFill/>
+                                        </a:ln>
+                                        <a:solidFill>
+                                          <a:prstClr val="black"/>
+                                        </a:solidFill>
+                                        <a:effectLst/>
+                                        <a:uLnTx/>
+                                        <a:uFillTx/>
                                         <a:latin typeface="Cambria Math" panose="02040503050406030204" pitchFamily="18" charset="0"/>
+                                        <a:ea typeface="游ゴシック" panose="020B0400000000000000" pitchFamily="50" charset="-128"/>
+                                        <a:cs typeface="+mn-cs"/>
                                       </a:rPr>
                                       <m:t>𝑉</m:t>
                                     </m:r>
                                   </m:e>
                                   <m:sub>
                                     <m:r>
-                                      <a:rPr kumimoji="1" lang="en-US" altLang="ja-JP" b="0" i="1" smtClean="0">
+                                      <a:rPr kumimoji="1" lang="en-US" altLang="ja-JP" sz="1800" b="0" i="1" u="none" strike="noStrike" kern="1200" cap="none" spc="0" normalizeH="0" baseline="0" noProof="0" smtClean="0">
+                                        <a:ln>
+                                          <a:noFill/>
+                                        </a:ln>
+                                        <a:solidFill>
+                                          <a:prstClr val="black"/>
+                                        </a:solidFill>
+                                        <a:effectLst/>
+                                        <a:uLnTx/>
+                                        <a:uFillTx/>
                                         <a:latin typeface="Cambria Math" panose="02040503050406030204" pitchFamily="18" charset="0"/>
+                                        <a:ea typeface="游ゴシック" panose="020B0400000000000000" pitchFamily="50" charset="-128"/>
+                                        <a:cs typeface="+mn-cs"/>
                                       </a:rPr>
-                                      <m:t>𝐴</m:t>
+                                      <m:t>𝑛𝑆</m:t>
                                     </m:r>
                                   </m:sub>
                                 </m:sSub>
@@ -8418,7 +9391,7 @@
                         <a:bodyPr/>
                         <a:lstStyle/>
                         <a:p>
-                          <a:pPr/>
+                          <a:pPr algn="ctr"/>
                           <a14:m>
                             <m:oMathPara xmlns:m="http://schemas.openxmlformats.org/officeDocument/2006/math">
                               <m:oMathParaPr>
@@ -8437,10 +9410,47 @@
                                     <a:uLnTx/>
                                     <a:uFillTx/>
                                     <a:latin typeface="Cambria Math" panose="02040503050406030204" pitchFamily="18" charset="0"/>
-                                    <a:ea typeface="+mn-ea"/>
+                                    <a:ea typeface="游ゴシック" panose="020B0400000000000000" pitchFamily="50" charset="-128"/>
                                     <a:cs typeface="+mn-cs"/>
                                   </a:rPr>
-                                  <m:t>1.59</m:t>
+                                  <m:t>0.3 </m:t>
+                                </m:r>
+                              </m:oMath>
+                            </m:oMathPara>
+                          </a14:m>
+                          <a:endParaRPr kumimoji="1" lang="ja-JP" altLang="en-US" dirty="0"/>
+                        </a:p>
+                      </a:txBody>
+                      <a:tcPr/>
+                    </a:tc>
+                    <a:tc>
+                      <a:txBody>
+                        <a:bodyPr/>
+                        <a:lstStyle/>
+                        <a:p>
+                          <a:pPr algn="ctr"/>
+                          <a14:m>
+                            <m:oMathPara xmlns:m="http://schemas.openxmlformats.org/officeDocument/2006/math">
+                              <m:oMathParaPr>
+                                <m:jc m:val="centerGroup"/>
+                              </m:oMathParaPr>
+                              <m:oMath xmlns:m="http://schemas.openxmlformats.org/officeDocument/2006/math">
+                                <m:r>
+                                  <a:rPr kumimoji="1" lang="en-US" altLang="ja-JP" sz="1800" b="0" i="1" u="none" strike="noStrike" kern="1200" cap="none" spc="0" normalizeH="0" baseline="0" noProof="0" smtClean="0">
+                                    <a:ln>
+                                      <a:noFill/>
+                                    </a:ln>
+                                    <a:solidFill>
+                                      <a:prstClr val="black"/>
+                                    </a:solidFill>
+                                    <a:effectLst/>
+                                    <a:uLnTx/>
+                                    <a:uFillTx/>
+                                    <a:latin typeface="Cambria Math" panose="02040503050406030204" pitchFamily="18" charset="0"/>
+                                    <a:ea typeface="游ゴシック" panose="020B0400000000000000" pitchFamily="50" charset="-128"/>
+                                    <a:cs typeface="+mn-cs"/>
+                                  </a:rPr>
+                                  <m:t>0.252</m:t>
                                 </m:r>
                               </m:oMath>
                             </m:oMathPara>
@@ -8452,7 +9462,7 @@
                     </a:tc>
                     <a:extLst>
                       <a:ext uri="{0D108BD9-81ED-4DB2-BD59-A6C34878D82A}">
-                        <a16:rowId xmlns:a16="http://schemas.microsoft.com/office/drawing/2014/main" val="2095585407"/>
+                        <a16:rowId xmlns:a16="http://schemas.microsoft.com/office/drawing/2014/main" val="3847328756"/>
                       </a:ext>
                     </a:extLst>
                   </a:tr>
@@ -8472,25 +9482,58 @@
                                 <m:sSub>
                                   <m:sSubPr>
                                     <m:ctrlPr>
-                                      <a:rPr kumimoji="1" lang="en-US" altLang="ja-JP" b="0" i="1" smtClean="0">
+                                      <a:rPr kumimoji="1" lang="en-US" altLang="ja-JP" sz="1800" b="0" i="1" u="none" strike="noStrike" kern="1200" cap="none" spc="0" normalizeH="0" baseline="0" noProof="0" smtClean="0">
+                                        <a:ln>
+                                          <a:noFill/>
+                                        </a:ln>
+                                        <a:solidFill>
+                                          <a:prstClr val="black"/>
+                                        </a:solidFill>
+                                        <a:effectLst/>
+                                        <a:uLnTx/>
+                                        <a:uFillTx/>
                                         <a:latin typeface="Cambria Math" panose="02040503050406030204" pitchFamily="18" charset="0"/>
+                                        <a:ea typeface="游ゴシック" panose="020B0400000000000000" pitchFamily="50" charset="-128"/>
+                                        <a:cs typeface="+mn-cs"/>
                                       </a:rPr>
                                     </m:ctrlPr>
                                   </m:sSubPr>
                                   <m:e>
                                     <m:r>
-                                      <a:rPr kumimoji="1" lang="en-US" altLang="ja-JP" b="0" i="1" smtClean="0">
+                                      <a:rPr kumimoji="1" lang="en-US" altLang="ja-JP" sz="1800" b="0" i="1" u="none" strike="noStrike" kern="1200" cap="none" spc="0" normalizeH="0" baseline="0" noProof="0" smtClean="0">
+                                        <a:ln>
+                                          <a:noFill/>
+                                        </a:ln>
+                                        <a:solidFill>
+                                          <a:prstClr val="black"/>
+                                        </a:solidFill>
+                                        <a:effectLst/>
+                                        <a:uLnTx/>
+                                        <a:uFillTx/>
                                         <a:latin typeface="Cambria Math" panose="02040503050406030204" pitchFamily="18" charset="0"/>
+                                        <a:ea typeface="游ゴシック" panose="020B0400000000000000" pitchFamily="50" charset="-128"/>
+                                        <a:cs typeface="+mn-cs"/>
                                       </a:rPr>
-                                      <m:t>𝑣</m:t>
+                                      <m:t>𝑉</m:t>
                                     </m:r>
                                   </m:e>
                                   <m:sub>
                                     <m:r>
-                                      <a:rPr kumimoji="1" lang="en-US" altLang="ja-JP" b="0" i="1" smtClean="0">
+                                      <a:rPr kumimoji="1" lang="en-US" altLang="ja-JP" sz="1800" b="0" i="1" u="none" strike="noStrike" kern="1200" cap="none" spc="0" normalizeH="0" baseline="0" noProof="0" smtClean="0">
+                                        <a:ln>
+                                          <a:noFill/>
+                                        </a:ln>
+                                        <a:solidFill>
+                                          <a:prstClr val="black"/>
+                                        </a:solidFill>
+                                        <a:effectLst/>
+                                        <a:uLnTx/>
+                                        <a:uFillTx/>
                                         <a:latin typeface="Cambria Math" panose="02040503050406030204" pitchFamily="18" charset="0"/>
+                                        <a:ea typeface="游ゴシック" panose="020B0400000000000000" pitchFamily="50" charset="-128"/>
+                                        <a:cs typeface="+mn-cs"/>
                                       </a:rPr>
-                                      <m:t>𝑖𝑛</m:t>
+                                      <m:t>𝑝𝑆</m:t>
                                     </m:r>
                                   </m:sub>
                                 </m:sSub>
@@ -8507,7 +9550,7 @@
                         <a:bodyPr/>
                         <a:lstStyle/>
                         <a:p>
-                          <a:pPr/>
+                          <a:pPr algn="ctr"/>
                           <a14:m>
                             <m:oMathPara xmlns:m="http://schemas.openxmlformats.org/officeDocument/2006/math">
                               <m:oMathParaPr>
@@ -8518,60 +9561,8 @@
                                   <a:rPr kumimoji="1" lang="en-US" altLang="ja-JP" b="0" i="1" smtClean="0">
                                     <a:latin typeface="Cambria Math" panose="02040503050406030204" pitchFamily="18" charset="0"/>
                                   </a:rPr>
-                                  <m:t>0</m:t>
+                                  <m:t>1.5</m:t>
                                 </m:r>
-                              </m:oMath>
-                            </m:oMathPara>
-                          </a14:m>
-                          <a:endParaRPr kumimoji="1" lang="ja-JP" altLang="en-US" dirty="0"/>
-                        </a:p>
-                      </a:txBody>
-                      <a:tcPr/>
-                    </a:tc>
-                    <a:extLst>
-                      <a:ext uri="{0D108BD9-81ED-4DB2-BD59-A6C34878D82A}">
-                        <a16:rowId xmlns:a16="http://schemas.microsoft.com/office/drawing/2014/main" val="3435956096"/>
-                      </a:ext>
-                    </a:extLst>
-                  </a:tr>
-                  <a:tr h="370840">
-                    <a:tc>
-                      <a:txBody>
-                        <a:bodyPr/>
-                        <a:lstStyle/>
-                        <a:p>
-                          <a:pPr algn="ctr"/>
-                          <a14:m>
-                            <m:oMathPara xmlns:m="http://schemas.openxmlformats.org/officeDocument/2006/math">
-                              <m:oMathParaPr>
-                                <m:jc m:val="centerGroup"/>
-                              </m:oMathParaPr>
-                              <m:oMath xmlns:m="http://schemas.openxmlformats.org/officeDocument/2006/math">
-                                <m:sSub>
-                                  <m:sSubPr>
-                                    <m:ctrlPr>
-                                      <a:rPr kumimoji="1" lang="en-US" altLang="ja-JP" b="0" i="1" smtClean="0">
-                                        <a:latin typeface="Cambria Math" panose="02040503050406030204" pitchFamily="18" charset="0"/>
-                                      </a:rPr>
-                                    </m:ctrlPr>
-                                  </m:sSubPr>
-                                  <m:e>
-                                    <m:r>
-                                      <a:rPr kumimoji="1" lang="en-US" altLang="ja-JP" b="0" i="1" smtClean="0">
-                                        <a:latin typeface="Cambria Math" panose="02040503050406030204" pitchFamily="18" charset="0"/>
-                                      </a:rPr>
-                                      <m:t>𝑉</m:t>
-                                    </m:r>
-                                  </m:e>
-                                  <m:sub>
-                                    <m:r>
-                                      <a:rPr kumimoji="1" lang="en-US" altLang="ja-JP" b="0" i="1" smtClean="0">
-                                        <a:latin typeface="Cambria Math" panose="02040503050406030204" pitchFamily="18" charset="0"/>
-                                      </a:rPr>
-                                      <m:t>𝐶𝑇𝑅𝐿</m:t>
-                                    </m:r>
-                                  </m:sub>
-                                </m:sSub>
                               </m:oMath>
                             </m:oMathPara>
                           </a14:m>
@@ -8585,7 +9576,7 @@
                         <a:bodyPr/>
                         <a:lstStyle/>
                         <a:p>
-                          <a:pPr/>
+                          <a:pPr algn="ctr"/>
                           <a14:m>
                             <m:oMathPara xmlns:m="http://schemas.openxmlformats.org/officeDocument/2006/math">
                               <m:oMathParaPr>
@@ -8593,10 +9584,21 @@
                               </m:oMathParaPr>
                               <m:oMath xmlns:m="http://schemas.openxmlformats.org/officeDocument/2006/math">
                                 <m:r>
-                                  <a:rPr kumimoji="1" lang="en-US" altLang="ja-JP" b="0" i="1" smtClean="0">
+                                  <a:rPr kumimoji="1" lang="en-US" altLang="ja-JP" sz="1800" b="0" i="1" u="none" strike="noStrike" kern="1200" cap="none" spc="0" normalizeH="0" baseline="0" noProof="0" smtClean="0">
+                                    <a:ln>
+                                      <a:noFill/>
+                                    </a:ln>
+                                    <a:solidFill>
+                                      <a:prstClr val="black"/>
+                                    </a:solidFill>
+                                    <a:effectLst/>
+                                    <a:uLnTx/>
+                                    <a:uFillTx/>
                                     <a:latin typeface="Cambria Math" panose="02040503050406030204" pitchFamily="18" charset="0"/>
+                                    <a:ea typeface="游ゴシック" panose="020B0400000000000000" pitchFamily="50" charset="-128"/>
+                                    <a:cs typeface="+mn-cs"/>
                                   </a:rPr>
-                                  <m:t>0</m:t>
+                                  <m:t>1.507</m:t>
                                 </m:r>
                               </m:oMath>
                             </m:oMathPara>
@@ -8608,7 +9610,7 @@
                     </a:tc>
                     <a:extLst>
                       <a:ext uri="{0D108BD9-81ED-4DB2-BD59-A6C34878D82A}">
-                        <a16:rowId xmlns:a16="http://schemas.microsoft.com/office/drawing/2014/main" val="1532471"/>
+                        <a16:rowId xmlns:a16="http://schemas.microsoft.com/office/drawing/2014/main" val="1295486149"/>
                       </a:ext>
                     </a:extLst>
                   </a:tr>
@@ -8718,7 +9720,44 @@
                                     <a:ea typeface="游ゴシック" panose="020B0400000000000000" pitchFamily="50" charset="-128"/>
                                     <a:cs typeface="+mn-cs"/>
                                   </a:rPr>
-                                  <m:t>1.206</m:t>
+                                  <m:t>0.555</m:t>
+                                </m:r>
+                              </m:oMath>
+                            </m:oMathPara>
+                          </a14:m>
+                          <a:endParaRPr kumimoji="1" lang="ja-JP" altLang="en-US" dirty="0"/>
+                        </a:p>
+                      </a:txBody>
+                      <a:tcPr/>
+                    </a:tc>
+                    <a:tc>
+                      <a:txBody>
+                        <a:bodyPr/>
+                        <a:lstStyle/>
+                        <a:p>
+                          <a:pPr algn="ctr"/>
+                          <a14:m>
+                            <m:oMathPara xmlns:m="http://schemas.openxmlformats.org/officeDocument/2006/math">
+                              <m:oMathParaPr>
+                                <m:jc m:val="centerGroup"/>
+                              </m:oMathParaPr>
+                              <m:oMath xmlns:m="http://schemas.openxmlformats.org/officeDocument/2006/math">
+                                <m:r>
+                                  <a:rPr kumimoji="1" lang="en-US" altLang="ja-JP" sz="1800" b="0" i="1" u="none" strike="noStrike" kern="1200" cap="none" spc="0" normalizeH="0" baseline="0" noProof="0" smtClean="0">
+                                    <a:ln>
+                                      <a:noFill/>
+                                    </a:ln>
+                                    <a:solidFill>
+                                      <a:prstClr val="black"/>
+                                    </a:solidFill>
+                                    <a:effectLst/>
+                                    <a:uLnTx/>
+                                    <a:uFillTx/>
+                                    <a:latin typeface="Cambria Math" panose="02040503050406030204" pitchFamily="18" charset="0"/>
+                                    <a:ea typeface="游ゴシック" panose="020B0400000000000000" pitchFamily="50" charset="-128"/>
+                                    <a:cs typeface="+mn-cs"/>
+                                  </a:rPr>
+                                  <m:t>0.603</m:t>
                                 </m:r>
                               </m:oMath>
                             </m:oMathPara>
@@ -8730,7 +9769,116 @@
                     </a:tc>
                     <a:extLst>
                       <a:ext uri="{0D108BD9-81ED-4DB2-BD59-A6C34878D82A}">
-                        <a16:rowId xmlns:a16="http://schemas.microsoft.com/office/drawing/2014/main" val="307558442"/>
+                        <a16:rowId xmlns:a16="http://schemas.microsoft.com/office/drawing/2014/main" val="2902319756"/>
+                      </a:ext>
+                    </a:extLst>
+                  </a:tr>
+                  <a:tr h="370840">
+                    <a:tc>
+                      <a:txBody>
+                        <a:bodyPr/>
+                        <a:lstStyle/>
+                        <a:p>
+                          <a:pPr algn="ctr"/>
+                          <a:endParaRPr kumimoji="1" lang="ja-JP" altLang="en-US" dirty="0"/>
+                        </a:p>
+                      </a:txBody>
+                      <a:tcPr/>
+                    </a:tc>
+                    <a:tc>
+                      <a:txBody>
+                        <a:bodyPr/>
+                        <a:lstStyle/>
+                        <a:p>
+                          <a:pPr algn="ctr"/>
+                          <a:endParaRPr kumimoji="1" lang="ja-JP" altLang="en-US" dirty="0"/>
+                        </a:p>
+                      </a:txBody>
+                      <a:tcPr/>
+                    </a:tc>
+                    <a:tc>
+                      <a:txBody>
+                        <a:bodyPr/>
+                        <a:lstStyle/>
+                        <a:p>
+                          <a:pPr algn="ctr"/>
+                          <a:endParaRPr kumimoji="1" lang="ja-JP" altLang="en-US" dirty="0"/>
+                        </a:p>
+                      </a:txBody>
+                      <a:tcPr/>
+                    </a:tc>
+                    <a:extLst>
+                      <a:ext uri="{0D108BD9-81ED-4DB2-BD59-A6C34878D82A}">
+                        <a16:rowId xmlns:a16="http://schemas.microsoft.com/office/drawing/2014/main" val="1135960524"/>
+                      </a:ext>
+                    </a:extLst>
+                  </a:tr>
+                  <a:tr h="370840">
+                    <a:tc>
+                      <a:txBody>
+                        <a:bodyPr/>
+                        <a:lstStyle/>
+                        <a:p>
+                          <a:pPr algn="ctr"/>
+                          <a:endParaRPr kumimoji="1" lang="ja-JP" altLang="en-US" dirty="0"/>
+                        </a:p>
+                      </a:txBody>
+                      <a:tcPr/>
+                    </a:tc>
+                    <a:tc gridSpan="2">
+                      <a:txBody>
+                        <a:bodyPr/>
+                        <a:lstStyle/>
+                        <a:p>
+                          <a:pPr algn="ctr"/>
+                          <a14:m>
+                            <m:oMathPara xmlns:m="http://schemas.openxmlformats.org/officeDocument/2006/math">
+                              <m:oMathParaPr>
+                                <m:jc m:val="centerGroup"/>
+                              </m:oMathParaPr>
+                              <m:oMath xmlns:m="http://schemas.openxmlformats.org/officeDocument/2006/math">
+                                <m:r>
+                                  <a:rPr kumimoji="1" lang="en-US" altLang="ja-JP" b="0" i="1" smtClean="0">
+                                    <a:latin typeface="Cambria Math" panose="02040503050406030204" pitchFamily="18" charset="0"/>
+                                  </a:rPr>
+                                  <m:t>[</m:t>
+                                </m:r>
+                                <m:r>
+                                  <m:rPr>
+                                    <m:sty m:val="p"/>
+                                  </m:rPr>
+                                  <a:rPr kumimoji="1" lang="en-US" altLang="ja-JP" b="0" i="0" smtClean="0">
+                                    <a:latin typeface="Cambria Math" panose="02040503050406030204" pitchFamily="18" charset="0"/>
+                                  </a:rPr>
+                                  <m:t>mA</m:t>
+                                </m:r>
+                                <m:r>
+                                  <a:rPr kumimoji="1" lang="en-US" altLang="ja-JP" b="0" i="1" smtClean="0">
+                                    <a:latin typeface="Cambria Math" panose="02040503050406030204" pitchFamily="18" charset="0"/>
+                                  </a:rPr>
+                                  <m:t>]</m:t>
+                                </m:r>
+                              </m:oMath>
+                            </m:oMathPara>
+                          </a14:m>
+                          <a:endParaRPr kumimoji="1" lang="ja-JP" altLang="en-US" dirty="0"/>
+                        </a:p>
+                      </a:txBody>
+                      <a:tcPr/>
+                    </a:tc>
+                    <a:tc hMerge="1">
+                      <a:txBody>
+                        <a:bodyPr/>
+                        <a:lstStyle/>
+                        <a:p>
+                          <a:endParaRPr kumimoji="1" lang="ja-JP" altLang="en-US"/>
+                        </a:p>
+                      </a:txBody>
+                      <a:tcPr/>
+                    </a:tc>
+                    <a:extLst>
+                      <a:ext uri="{0D108BD9-81ED-4DB2-BD59-A6C34878D82A}">
+                        <a16:rowId xmlns:a16="http://schemas.microsoft.com/office/drawing/2014/main" val="2027561445"/>
                       </a:ext>
                     </a:extLst>
                   </a:tr>
@@ -8782,7 +9930,7 @@
                                         <a:ea typeface="游ゴシック" panose="020B0400000000000000" pitchFamily="50" charset="-128"/>
                                         <a:cs typeface="+mn-cs"/>
                                       </a:rPr>
-                                      <m:t>𝑉</m:t>
+                                      <m:t>𝑖</m:t>
                                     </m:r>
                                   </m:e>
                                   <m:sub>
@@ -8801,10 +9949,36 @@
                                         <a:ea typeface="游ゴシック" panose="020B0400000000000000" pitchFamily="50" charset="-128"/>
                                         <a:cs typeface="+mn-cs"/>
                                       </a:rPr>
-                                      <m:t>𝐴𝐵</m:t>
+                                      <m:t>𝐴</m:t>
                                     </m:r>
                                   </m:sub>
                                 </m:sSub>
+                              </m:oMath>
+                            </m:oMathPara>
+                          </a14:m>
+                          <a:endParaRPr kumimoji="1" lang="ja-JP" altLang="en-US" dirty="0"/>
+                        </a:p>
+                      </a:txBody>
+                      <a:tcPr/>
+                    </a:tc>
+                    <a:tc>
+                      <a:txBody>
+                        <a:bodyPr/>
+                        <a:lstStyle/>
+                        <a:p>
+                          <a:pPr algn="ctr"/>
+                          <a14:m>
+                            <m:oMathPara xmlns:m="http://schemas.openxmlformats.org/officeDocument/2006/math">
+                              <m:oMathParaPr>
+                                <m:jc m:val="centerGroup"/>
+                              </m:oMathParaPr>
+                              <m:oMath xmlns:m="http://schemas.openxmlformats.org/officeDocument/2006/math">
+                                <m:r>
+                                  <a:rPr kumimoji="1" lang="en-US" altLang="ja-JP" b="0" i="1" smtClean="0">
+                                    <a:latin typeface="Cambria Math" panose="02040503050406030204" pitchFamily="18" charset="0"/>
+                                  </a:rPr>
+                                  <m:t>1</m:t>
+                                </m:r>
                               </m:oMath>
                             </m:oMathPara>
                           </a14:m>
@@ -8840,7 +10014,7 @@
                                     <a:ea typeface="游ゴシック" panose="020B0400000000000000" pitchFamily="50" charset="-128"/>
                                     <a:cs typeface="+mn-cs"/>
                                   </a:rPr>
-                                  <m:t>0.6687</m:t>
+                                  <m:t>1.006</m:t>
                                 </m:r>
                               </m:oMath>
                             </m:oMathPara>
@@ -8852,157 +10026,7 @@
                     </a:tc>
                     <a:extLst>
                       <a:ext uri="{0D108BD9-81ED-4DB2-BD59-A6C34878D82A}">
-                        <a16:rowId xmlns:a16="http://schemas.microsoft.com/office/drawing/2014/main" val="4111179192"/>
-                      </a:ext>
-                    </a:extLst>
-                  </a:tr>
-                  <a:tr h="370840">
-                    <a:tc>
-                      <a:txBody>
-                        <a:bodyPr/>
-                        <a:lstStyle/>
-                        <a:p>
-                          <a:pPr algn="ctr"/>
-                          <a:endParaRPr kumimoji="1" lang="ja-JP" altLang="en-US" dirty="0"/>
-                        </a:p>
-                      </a:txBody>
-                      <a:tcPr/>
-                    </a:tc>
-                    <a:tc>
-                      <a:txBody>
-                        <a:bodyPr/>
-                        <a:lstStyle/>
-                        <a:p>
-                          <a:pPr algn="ctr"/>
-                          <a:endParaRPr kumimoji="1" lang="ja-JP" altLang="en-US" dirty="0"/>
-                        </a:p>
-                      </a:txBody>
-                      <a:tcPr/>
-                    </a:tc>
-                    <a:extLst>
-                      <a:ext uri="{0D108BD9-81ED-4DB2-BD59-A6C34878D82A}">
-                        <a16:rowId xmlns:a16="http://schemas.microsoft.com/office/drawing/2014/main" val="512577662"/>
-                      </a:ext>
-                    </a:extLst>
-                  </a:tr>
-                  <a:tr h="370840">
-                    <a:tc>
-                      <a:txBody>
-                        <a:bodyPr/>
-                        <a:lstStyle/>
-                        <a:p>
-                          <a:pPr algn="ctr"/>
-                          <a14:m>
-                            <m:oMathPara xmlns:m="http://schemas.openxmlformats.org/officeDocument/2006/math">
-                              <m:oMathParaPr>
-                                <m:jc m:val="centerGroup"/>
-                              </m:oMathParaPr>
-                              <m:oMath xmlns:m="http://schemas.openxmlformats.org/officeDocument/2006/math">
-                                <m:r>
-                                  <m:rPr>
-                                    <m:sty m:val="p"/>
-                                  </m:rPr>
-                                  <a:rPr kumimoji="1" lang="en-US" altLang="ja-JP" sz="1800" b="0" i="0" u="none" strike="noStrike" kern="1200" cap="none" spc="0" normalizeH="0" baseline="0" noProof="0" smtClean="0">
-                                    <a:ln>
-                                      <a:noFill/>
-                                    </a:ln>
-                                    <a:solidFill>
-                                      <a:prstClr val="black"/>
-                                    </a:solidFill>
-                                    <a:effectLst/>
-                                    <a:uLnTx/>
-                                    <a:uFillTx/>
-                                    <a:latin typeface="Cambria Math" panose="02040503050406030204" pitchFamily="18" charset="0"/>
-                                    <a:ea typeface="游ゴシック" panose="020B0400000000000000" pitchFamily="50" charset="-128"/>
-                                    <a:cs typeface="+mn-cs"/>
-                                  </a:rPr>
-                                  <m:t>current</m:t>
-                                </m:r>
-                              </m:oMath>
-                            </m:oMathPara>
-                          </a14:m>
-                          <a:endParaRPr kumimoji="1" lang="ja-JP" altLang="en-US" i="0" dirty="0"/>
-                        </a:p>
-                      </a:txBody>
-                      <a:tcPr/>
-                    </a:tc>
-                    <a:tc>
-                      <a:txBody>
-                        <a:bodyPr/>
-                        <a:lstStyle/>
-                        <a:p>
-                          <a:pPr algn="ctr"/>
-                          <a14:m>
-                            <m:oMathPara xmlns:m="http://schemas.openxmlformats.org/officeDocument/2006/math">
-                              <m:oMathParaPr>
-                                <m:jc m:val="centerGroup"/>
-                              </m:oMathParaPr>
-                              <m:oMath xmlns:m="http://schemas.openxmlformats.org/officeDocument/2006/math">
-                                <m:r>
-                                  <a:rPr kumimoji="1" lang="en-US" altLang="ja-JP" sz="1800" b="0" i="0" u="none" strike="noStrike" kern="1200" cap="none" spc="0" normalizeH="0" baseline="0" noProof="0" smtClean="0">
-                                    <a:ln>
-                                      <a:noFill/>
-                                    </a:ln>
-                                    <a:solidFill>
-                                      <a:prstClr val="black"/>
-                                    </a:solidFill>
-                                    <a:effectLst/>
-                                    <a:uLnTx/>
-                                    <a:uFillTx/>
-                                    <a:latin typeface="Cambria Math" panose="02040503050406030204" pitchFamily="18" charset="0"/>
-                                    <a:ea typeface="游ゴシック" panose="020B0400000000000000" pitchFamily="50" charset="-128"/>
-                                    <a:cs typeface="+mn-cs"/>
-                                  </a:rPr>
-                                  <m:t>[</m:t>
-                                </m:r>
-                                <m:r>
-                                  <m:rPr>
-                                    <m:sty m:val="p"/>
-                                  </m:rPr>
-                                  <a:rPr kumimoji="1" lang="en-US" altLang="ja-JP" sz="1800" b="0" i="0" u="none" strike="noStrike" kern="1200" cap="none" spc="0" normalizeH="0" baseline="0" noProof="0" smtClean="0">
-                                    <a:ln>
-                                      <a:noFill/>
-                                    </a:ln>
-                                    <a:solidFill>
-                                      <a:prstClr val="black"/>
-                                    </a:solidFill>
-                                    <a:effectLst/>
-                                    <a:uLnTx/>
-                                    <a:uFillTx/>
-                                    <a:latin typeface="Cambria Math" panose="02040503050406030204" pitchFamily="18" charset="0"/>
-                                    <a:ea typeface="游ゴシック" panose="020B0400000000000000" pitchFamily="50" charset="-128"/>
-                                    <a:cs typeface="+mn-cs"/>
-                                  </a:rPr>
-                                  <m:t>μA</m:t>
-                                </m:r>
-                                <m:r>
-                                  <a:rPr kumimoji="1" lang="en-US" altLang="ja-JP" sz="1800" b="0" i="0" u="none" strike="noStrike" kern="1200" cap="none" spc="0" normalizeH="0" baseline="0" noProof="0" smtClean="0">
-                                    <a:ln>
-                                      <a:noFill/>
-                                    </a:ln>
-                                    <a:solidFill>
-                                      <a:prstClr val="black"/>
-                                    </a:solidFill>
-                                    <a:effectLst/>
-                                    <a:uLnTx/>
-                                    <a:uFillTx/>
-                                    <a:latin typeface="Cambria Math" panose="02040503050406030204" pitchFamily="18" charset="0"/>
-                                    <a:ea typeface="游ゴシック" panose="020B0400000000000000" pitchFamily="50" charset="-128"/>
-                                    <a:cs typeface="+mn-cs"/>
-                                  </a:rPr>
-                                  <m:t>]</m:t>
-                                </m:r>
-                              </m:oMath>
-                            </m:oMathPara>
-                          </a14:m>
-                          <a:endParaRPr kumimoji="1" lang="ja-JP" altLang="en-US" i="0" dirty="0"/>
-                        </a:p>
-                      </a:txBody>
-                      <a:tcPr/>
-                    </a:tc>
-                    <a:extLst>
-                      <a:ext uri="{0D108BD9-81ED-4DB2-BD59-A6C34878D82A}">
-                        <a16:rowId xmlns:a16="http://schemas.microsoft.com/office/drawing/2014/main" val="1358309396"/>
+                        <a16:rowId xmlns:a16="http://schemas.microsoft.com/office/drawing/2014/main" val="1065121288"/>
                       </a:ext>
                     </a:extLst>
                   </a:tr>
@@ -9054,7 +10078,7 @@
                                         <a:ea typeface="游ゴシック" panose="020B0400000000000000" pitchFamily="50" charset="-128"/>
                                         <a:cs typeface="+mn-cs"/>
                                       </a:rPr>
-                                      <m:t>𝐼</m:t>
+                                      <m:t>𝑖</m:t>
                                     </m:r>
                                   </m:e>
                                   <m:sub>
@@ -9073,24 +10097,7 @@
                                         <a:ea typeface="游ゴシック" panose="020B0400000000000000" pitchFamily="50" charset="-128"/>
                                         <a:cs typeface="+mn-cs"/>
                                       </a:rPr>
-                                      <m:t>𝐷𝐴</m:t>
-                                    </m:r>
-                                    <m:r>
-                                      <a:rPr kumimoji="1" lang="en-US" altLang="ja-JP" sz="1800" b="0" i="1" u="none" strike="noStrike" kern="1200" cap="none" spc="0" normalizeH="0" baseline="0" noProof="0" smtClean="0">
-                                        <a:ln>
-                                          <a:noFill/>
-                                        </a:ln>
-                                        <a:solidFill>
-                                          <a:prstClr val="black"/>
-                                        </a:solidFill>
-                                        <a:effectLst/>
-                                        <a:uLnTx/>
-                                        <a:uFillTx/>
-                                        <a:latin typeface="Cambria Math" panose="02040503050406030204" pitchFamily="18" charset="0"/>
-                                        <a:ea typeface="游ゴシック" panose="020B0400000000000000" pitchFamily="50" charset="-128"/>
-                                        <a:cs typeface="+mn-cs"/>
-                                      </a:rPr>
-                                      <m:t>1</m:t>
+                                      <m:t>𝐵</m:t>
                                     </m:r>
                                   </m:sub>
                                 </m:sSub>
@@ -9129,7 +10136,44 @@
                                     <a:ea typeface="游ゴシック" panose="020B0400000000000000" pitchFamily="50" charset="-128"/>
                                     <a:cs typeface="+mn-cs"/>
                                   </a:rPr>
-                                  <m:t>990.8</m:t>
+                                  <m:t>2</m:t>
+                                </m:r>
+                              </m:oMath>
+                            </m:oMathPara>
+                          </a14:m>
+                          <a:endParaRPr kumimoji="1" lang="ja-JP" altLang="en-US" dirty="0"/>
+                        </a:p>
+                      </a:txBody>
+                      <a:tcPr/>
+                    </a:tc>
+                    <a:tc>
+                      <a:txBody>
+                        <a:bodyPr/>
+                        <a:lstStyle/>
+                        <a:p>
+                          <a:pPr algn="ctr"/>
+                          <a14:m>
+                            <m:oMathPara xmlns:m="http://schemas.openxmlformats.org/officeDocument/2006/math">
+                              <m:oMathParaPr>
+                                <m:jc m:val="centerGroup"/>
+                              </m:oMathParaPr>
+                              <m:oMath xmlns:m="http://schemas.openxmlformats.org/officeDocument/2006/math">
+                                <m:r>
+                                  <a:rPr kumimoji="1" lang="en-US" altLang="ja-JP" sz="1800" b="0" i="1" u="none" strike="noStrike" kern="1200" cap="none" spc="0" normalizeH="0" baseline="0" noProof="0" smtClean="0">
+                                    <a:ln>
+                                      <a:noFill/>
+                                    </a:ln>
+                                    <a:solidFill>
+                                      <a:prstClr val="black"/>
+                                    </a:solidFill>
+                                    <a:effectLst/>
+                                    <a:uLnTx/>
+                                    <a:uFillTx/>
+                                    <a:latin typeface="Cambria Math" panose="02040503050406030204" pitchFamily="18" charset="0"/>
+                                    <a:ea typeface="游ゴシック" panose="020B0400000000000000" pitchFamily="50" charset="-128"/>
+                                    <a:cs typeface="+mn-cs"/>
+                                  </a:rPr>
+                                  <m:t>1.988</m:t>
                                 </m:r>
                               </m:oMath>
                             </m:oMathPara>
@@ -9141,7 +10185,155 @@
                     </a:tc>
                     <a:extLst>
                       <a:ext uri="{0D108BD9-81ED-4DB2-BD59-A6C34878D82A}">
-                        <a16:rowId xmlns:a16="http://schemas.microsoft.com/office/drawing/2014/main" val="1237250867"/>
+                        <a16:rowId xmlns:a16="http://schemas.microsoft.com/office/drawing/2014/main" val="3675479137"/>
+                      </a:ext>
+                    </a:extLst>
+                  </a:tr>
+                  <a:tr h="370840">
+                    <a:tc>
+                      <a:txBody>
+                        <a:bodyPr/>
+                        <a:lstStyle/>
+                        <a:p>
+                          <a:pPr algn="ctr"/>
+                          <a14:m>
+                            <m:oMathPara xmlns:m="http://schemas.openxmlformats.org/officeDocument/2006/math">
+                              <m:oMathParaPr>
+                                <m:jc m:val="centerGroup"/>
+                              </m:oMathParaPr>
+                              <m:oMath xmlns:m="http://schemas.openxmlformats.org/officeDocument/2006/math">
+                                <m:sSub>
+                                  <m:sSubPr>
+                                    <m:ctrlPr>
+                                      <a:rPr kumimoji="1" lang="en-US" altLang="ja-JP" sz="1800" b="0" i="1" u="none" strike="noStrike" kern="1200" cap="none" spc="0" normalizeH="0" baseline="0" noProof="0" smtClean="0">
+                                        <a:ln>
+                                          <a:noFill/>
+                                        </a:ln>
+                                        <a:solidFill>
+                                          <a:prstClr val="black"/>
+                                        </a:solidFill>
+                                        <a:effectLst/>
+                                        <a:uLnTx/>
+                                        <a:uFillTx/>
+                                        <a:latin typeface="Cambria Math" panose="02040503050406030204" pitchFamily="18" charset="0"/>
+                                        <a:ea typeface="游ゴシック" panose="020B0400000000000000" pitchFamily="50" charset="-128"/>
+                                        <a:cs typeface="+mn-cs"/>
+                                      </a:rPr>
+                                    </m:ctrlPr>
+                                  </m:sSubPr>
+                                  <m:e>
+                                    <m:r>
+                                      <a:rPr kumimoji="1" lang="en-US" altLang="ja-JP" sz="1800" b="0" i="1" u="none" strike="noStrike" kern="1200" cap="none" spc="0" normalizeH="0" baseline="0" noProof="0" smtClean="0">
+                                        <a:ln>
+                                          <a:noFill/>
+                                        </a:ln>
+                                        <a:solidFill>
+                                          <a:prstClr val="black"/>
+                                        </a:solidFill>
+                                        <a:effectLst/>
+                                        <a:uLnTx/>
+                                        <a:uFillTx/>
+                                        <a:latin typeface="Cambria Math" panose="02040503050406030204" pitchFamily="18" charset="0"/>
+                                        <a:ea typeface="游ゴシック" panose="020B0400000000000000" pitchFamily="50" charset="-128"/>
+                                        <a:cs typeface="+mn-cs"/>
+                                      </a:rPr>
+                                      <m:t>𝑖</m:t>
+                                    </m:r>
+                                  </m:e>
+                                  <m:sub>
+                                    <m:r>
+                                      <a:rPr kumimoji="1" lang="en-US" altLang="ja-JP" sz="1800" b="0" i="1" u="none" strike="noStrike" kern="1200" cap="none" spc="0" normalizeH="0" baseline="0" noProof="0" smtClean="0">
+                                        <a:ln>
+                                          <a:noFill/>
+                                        </a:ln>
+                                        <a:solidFill>
+                                          <a:prstClr val="black"/>
+                                        </a:solidFill>
+                                        <a:effectLst/>
+                                        <a:uLnTx/>
+                                        <a:uFillTx/>
+                                        <a:latin typeface="Cambria Math" panose="02040503050406030204" pitchFamily="18" charset="0"/>
+                                        <a:ea typeface="游ゴシック" panose="020B0400000000000000" pitchFamily="50" charset="-128"/>
+                                        <a:cs typeface="+mn-cs"/>
+                                      </a:rPr>
+                                      <m:t>𝐶</m:t>
+                                    </m:r>
+                                  </m:sub>
+                                </m:sSub>
+                              </m:oMath>
+                            </m:oMathPara>
+                          </a14:m>
+                          <a:endParaRPr kumimoji="1" lang="ja-JP" altLang="en-US" dirty="0"/>
+                        </a:p>
+                      </a:txBody>
+                      <a:tcPr/>
+                    </a:tc>
+                    <a:tc>
+                      <a:txBody>
+                        <a:bodyPr/>
+                        <a:lstStyle/>
+                        <a:p>
+                          <a:pPr algn="ctr"/>
+                          <a14:m>
+                            <m:oMathPara xmlns:m="http://schemas.openxmlformats.org/officeDocument/2006/math">
+                              <m:oMathParaPr>
+                                <m:jc m:val="centerGroup"/>
+                              </m:oMathParaPr>
+                              <m:oMath xmlns:m="http://schemas.openxmlformats.org/officeDocument/2006/math">
+                                <m:r>
+                                  <a:rPr kumimoji="1" lang="en-US" altLang="ja-JP" b="0" i="1" smtClean="0">
+                                    <a:latin typeface="Cambria Math" panose="02040503050406030204" pitchFamily="18" charset="0"/>
+                                  </a:rPr>
+                                  <m:t>4</m:t>
+                                </m:r>
+                              </m:oMath>
+                            </m:oMathPara>
+                          </a14:m>
+                          <a:endParaRPr kumimoji="1" lang="ja-JP" altLang="en-US" dirty="0"/>
+                        </a:p>
+                      </a:txBody>
+                      <a:tcPr/>
+                    </a:tc>
+                    <a:tc>
+                      <a:txBody>
+                        <a:bodyPr/>
+                        <a:lstStyle/>
+                        <a:p>
+                          <a:pPr algn="ctr"/>
+                          <a14:m>
+                            <m:oMathPara xmlns:m="http://schemas.openxmlformats.org/officeDocument/2006/math">
+                              <m:oMathParaPr>
+                                <m:jc m:val="centerGroup"/>
+                              </m:oMathParaPr>
+                              <m:oMath xmlns:m="http://schemas.openxmlformats.org/officeDocument/2006/math">
+                                <m:r>
+                                  <a:rPr kumimoji="1" lang="en-US" altLang="ja-JP" sz="1800" b="0" i="1" u="none" strike="noStrike" kern="1200" cap="none" spc="0" normalizeH="0" baseline="0" noProof="0" smtClean="0">
+                                    <a:ln>
+                                      <a:noFill/>
+                                    </a:ln>
+                                    <a:solidFill>
+                                      <a:prstClr val="black"/>
+                                    </a:solidFill>
+                                    <a:effectLst/>
+                                    <a:uLnTx/>
+                                    <a:uFillTx/>
+                                    <a:latin typeface="Cambria Math" panose="02040503050406030204" pitchFamily="18" charset="0"/>
+                                    <a:ea typeface="游ゴシック" panose="020B0400000000000000" pitchFamily="50" charset="-128"/>
+                                    <a:cs typeface="+mn-cs"/>
+                                  </a:rPr>
+                                  <m:t>3.976</m:t>
+                                </m:r>
+                              </m:oMath>
+                            </m:oMathPara>
+                          </a14:m>
+                          <a:endParaRPr kumimoji="1" lang="ja-JP" altLang="en-US" dirty="0"/>
+                        </a:p>
+                      </a:txBody>
+                      <a:tcPr/>
+                    </a:tc>
+                    <a:extLst>
+                      <a:ext uri="{0D108BD9-81ED-4DB2-BD59-A6C34878D82A}">
+                        <a16:rowId xmlns:a16="http://schemas.microsoft.com/office/drawing/2014/main" val="2836464053"/>
                       </a:ext>
                     </a:extLst>
                   </a:tr>
@@ -9150,13 +10342,13 @@
             </a:graphic>
           </p:graphicFrame>
         </mc:Choice>
-        <mc:Fallback xmlns="">
+        <mc:Fallback>
           <p:graphicFrame>
             <p:nvGraphicFramePr>
-              <p:cNvPr id="8" name="表 5">
+              <p:cNvPr id="5" name="表 5">
                 <a:extLst>
                   <a:ext uri="{FF2B5EF4-FFF2-40B4-BE49-F238E27FC236}">
-                    <a16:creationId xmlns:a16="http://schemas.microsoft.com/office/drawing/2014/main" id="{686D6557-A6FF-66BE-5FB9-1C139BD21E30}"/>
+                    <a16:creationId xmlns:a16="http://schemas.microsoft.com/office/drawing/2014/main" id="{4CDDD51F-7552-2BBD-4BA8-F81D6C7A3F6A}"/>
                   </a:ext>
                 </a:extLst>
               </p:cNvPr>
@@ -9166,14 +10358,14 @@
               <p:nvPr>
                 <p:extLst>
                   <p:ext uri="{D42A27DB-BD31-4B8C-83A1-F6EECF244321}">
-                    <p14:modId xmlns:p14="http://schemas.microsoft.com/office/powerpoint/2010/main" val="1447310240"/>
+                    <p14:modId xmlns:p14="http://schemas.microsoft.com/office/powerpoint/2010/main" val="428449437"/>
                   </p:ext>
                 </p:extLst>
               </p:nvPr>
             </p:nvGraphicFramePr>
             <p:xfrm>
-              <a:off x="7428572" y="2354739"/>
-              <a:ext cx="4478292" cy="3337560"/>
+              <a:off x="7578080" y="960492"/>
+              <a:ext cx="4390182" cy="3724529"/>
             </p:xfrm>
             <a:graphic>
               <a:graphicData uri="http://schemas.openxmlformats.org/drawingml/2006/table">
@@ -9182,21 +10374,119 @@
                     <a:tableStyleId>{5C22544A-7EE6-4342-B048-85BDC9FD1C3A}</a:tableStyleId>
                   </a:tblPr>
                   <a:tblGrid>
-                    <a:gridCol w="2239146">
+                    <a:gridCol w="925387">
                       <a:extLst>
                         <a:ext uri="{9D8B030D-6E8A-4147-A177-3AD203B41FA5}">
-                          <a16:colId xmlns:a16="http://schemas.microsoft.com/office/drawing/2014/main" val="3876103087"/>
+                          <a16:colId xmlns:a16="http://schemas.microsoft.com/office/drawing/2014/main" val="552314133"/>
                         </a:ext>
                       </a:extLst>
                     </a:gridCol>
-                    <a:gridCol w="2239146">
+                    <a:gridCol w="1217177">
                       <a:extLst>
                         <a:ext uri="{9D8B030D-6E8A-4147-A177-3AD203B41FA5}">
-                          <a16:colId xmlns:a16="http://schemas.microsoft.com/office/drawing/2014/main" val="1662711070"/>
+                          <a16:colId xmlns:a16="http://schemas.microsoft.com/office/drawing/2014/main" val="4058355900"/>
+                        </a:ext>
+                      </a:extLst>
+                    </a:gridCol>
+                    <a:gridCol w="2247618">
+                      <a:extLst>
+                        <a:ext uri="{9D8B030D-6E8A-4147-A177-3AD203B41FA5}">
+                          <a16:colId xmlns:a16="http://schemas.microsoft.com/office/drawing/2014/main" val="1457556449"/>
                         </a:ext>
                       </a:extLst>
                     </a:gridCol>
                   </a:tblGrid>
+                  <a:tr h="370840">
+                    <a:tc>
+                      <a:txBody>
+                        <a:bodyPr/>
+                        <a:lstStyle/>
+                        <a:p>
+                          <a:pPr algn="ctr"/>
+                          <a:endParaRPr kumimoji="1" lang="ja-JP" altLang="en-US"/>
+                        </a:p>
+                      </a:txBody>
+                      <a:tcPr/>
+                    </a:tc>
+                    <a:tc>
+                      <a:txBody>
+                        <a:bodyPr/>
+                        <a:lstStyle/>
+                        <a:p>
+                          <a:pPr algn="ctr"/>
+                          <a:r>
+                            <a:rPr kumimoji="1" lang="ja-JP" altLang="en-US" dirty="0"/>
+                            <a:t>設計値</a:t>
+                          </a:r>
+                        </a:p>
+                      </a:txBody>
+                      <a:tcPr/>
+                    </a:tc>
+                    <a:tc>
+                      <a:txBody>
+                        <a:bodyPr/>
+                        <a:lstStyle/>
+                        <a:p>
+                          <a:pPr algn="ctr"/>
+                          <a:r>
+                            <a:rPr kumimoji="1" lang="ja-JP" altLang="en-US" dirty="0"/>
+                            <a:t>シミュレーション</a:t>
+                          </a:r>
+                        </a:p>
+                      </a:txBody>
+                      <a:tcPr/>
+                    </a:tc>
+                    <a:extLst>
+                      <a:ext uri="{0D108BD9-81ED-4DB2-BD59-A6C34878D82A}">
+                        <a16:rowId xmlns:a16="http://schemas.microsoft.com/office/drawing/2014/main" val="156977211"/>
+                      </a:ext>
+                    </a:extLst>
+                  </a:tr>
+                  <a:tr h="370840">
+                    <a:tc>
+                      <a:txBody>
+                        <a:bodyPr/>
+                        <a:lstStyle/>
+                        <a:p>
+                          <a:pPr algn="ctr"/>
+                          <a:endParaRPr kumimoji="1" lang="ja-JP" altLang="en-US" dirty="0"/>
+                        </a:p>
+                      </a:txBody>
+                      <a:tcPr/>
+                    </a:tc>
+                    <a:tc gridSpan="2">
+                      <a:txBody>
+                        <a:bodyPr/>
+                        <a:lstStyle/>
+                        <a:p>
+                          <a:endParaRPr lang="ja-JP"/>
+                        </a:p>
+                      </a:txBody>
+                      <a:tcPr>
+                        <a:blipFill>
+                          <a:blip r:embed="rId3"/>
+                          <a:stretch>
+                            <a:fillRect l="-26889" t="-108197" r="-351" b="-806557"/>
+                          </a:stretch>
+                        </a:blipFill>
+                      </a:tcPr>
+                    </a:tc>
+                    <a:tc hMerge="1">
+                      <a:txBody>
+                        <a:bodyPr/>
+                        <a:lstStyle/>
+                        <a:p>
+                          <a:endParaRPr kumimoji="1" lang="ja-JP" altLang="en-US"/>
+                        </a:p>
+                      </a:txBody>
+                      <a:tcPr/>
+                    </a:tc>
+                    <a:extLst>
+                      <a:ext uri="{0D108BD9-81ED-4DB2-BD59-A6C34878D82A}">
+                        <a16:rowId xmlns:a16="http://schemas.microsoft.com/office/drawing/2014/main" val="3874868801"/>
+                      </a:ext>
+                    </a:extLst>
+                  </a:tr>
                   <a:tr h="370840">
                     <a:tc>
                       <a:txBody>
@@ -9210,7 +10500,7 @@
                         <a:blipFill>
                           <a:blip r:embed="rId3"/>
                           <a:stretch>
-                            <a:fillRect l="-272" t="-1639" r="-100543" b="-801639"/>
+                            <a:fillRect l="-658" t="-208197" r="-375658" b="-706557"/>
                           </a:stretch>
                         </a:blipFill>
                       </a:tcPr>
@@ -9227,14 +10517,89 @@
                         <a:blipFill>
                           <a:blip r:embed="rId3"/>
                           <a:stretch>
-                            <a:fillRect l="-100272" t="-1639" r="-543" b="-801639"/>
+                            <a:fillRect l="-76500" t="-208197" r="-185500" b="-706557"/>
+                          </a:stretch>
+                        </a:blipFill>
+                      </a:tcPr>
+                    </a:tc>
+                    <a:tc>
+                      <a:txBody>
+                        <a:bodyPr/>
+                        <a:lstStyle/>
+                        <a:p>
+                          <a:endParaRPr lang="ja-JP"/>
+                        </a:p>
+                      </a:txBody>
+                      <a:tcPr>
+                        <a:blipFill>
+                          <a:blip r:embed="rId3"/>
+                          <a:stretch>
+                            <a:fillRect l="-95664" t="-208197" r="-542" b="-706557"/>
                           </a:stretch>
                         </a:blipFill>
                       </a:tcPr>
                     </a:tc>
                     <a:extLst>
                       <a:ext uri="{0D108BD9-81ED-4DB2-BD59-A6C34878D82A}">
-                        <a16:rowId xmlns:a16="http://schemas.microsoft.com/office/drawing/2014/main" val="1419202294"/>
+                        <a16:rowId xmlns:a16="http://schemas.microsoft.com/office/drawing/2014/main" val="3847328756"/>
+                      </a:ext>
+                    </a:extLst>
+                  </a:tr>
+                  <a:tr h="386969">
+                    <a:tc>
+                      <a:txBody>
+                        <a:bodyPr/>
+                        <a:lstStyle/>
+                        <a:p>
+                          <a:endParaRPr lang="ja-JP"/>
+                        </a:p>
+                      </a:txBody>
+                      <a:tcPr>
+                        <a:blipFill>
+                          <a:blip r:embed="rId3"/>
+                          <a:stretch>
+                            <a:fillRect l="-658" t="-298413" r="-375658" b="-584127"/>
+                          </a:stretch>
+                        </a:blipFill>
+                      </a:tcPr>
+                    </a:tc>
+                    <a:tc>
+                      <a:txBody>
+                        <a:bodyPr/>
+                        <a:lstStyle/>
+                        <a:p>
+                          <a:endParaRPr lang="ja-JP"/>
+                        </a:p>
+                      </a:txBody>
+                      <a:tcPr>
+                        <a:blipFill>
+                          <a:blip r:embed="rId3"/>
+                          <a:stretch>
+                            <a:fillRect l="-76500" t="-298413" r="-185500" b="-584127"/>
+                          </a:stretch>
+                        </a:blipFill>
+                      </a:tcPr>
+                    </a:tc>
+                    <a:tc>
+                      <a:txBody>
+                        <a:bodyPr/>
+                        <a:lstStyle/>
+                        <a:p>
+                          <a:endParaRPr lang="ja-JP"/>
+                        </a:p>
+                      </a:txBody>
+                      <a:tcPr>
+                        <a:blipFill>
+                          <a:blip r:embed="rId3"/>
+                          <a:stretch>
+                            <a:fillRect l="-95664" t="-298413" r="-542" b="-584127"/>
+                          </a:stretch>
+                        </a:blipFill>
+                      </a:tcPr>
+                    </a:tc>
+                    <a:extLst>
+                      <a:ext uri="{0D108BD9-81ED-4DB2-BD59-A6C34878D82A}">
+                        <a16:rowId xmlns:a16="http://schemas.microsoft.com/office/drawing/2014/main" val="1295486149"/>
                       </a:ext>
                     </a:extLst>
                   </a:tr>
@@ -9251,7 +10616,7 @@
                         <a:blipFill>
                           <a:blip r:embed="rId3"/>
                           <a:stretch>
-                            <a:fillRect l="-272" t="-101639" r="-100543" b="-701639"/>
+                            <a:fillRect l="-658" t="-411475" r="-375658" b="-503279"/>
                           </a:stretch>
                         </a:blipFill>
                       </a:tcPr>
@@ -9268,31 +10633,7 @@
                         <a:blipFill>
                           <a:blip r:embed="rId3"/>
                           <a:stretch>
-                            <a:fillRect l="-100272" t="-101639" r="-543" b="-701639"/>
-                          </a:stretch>
-                        </a:blipFill>
-                      </a:tcPr>
-                    </a:tc>
-                    <a:extLst>
-                      <a:ext uri="{0D108BD9-81ED-4DB2-BD59-A6C34878D82A}">
-                        <a16:rowId xmlns:a16="http://schemas.microsoft.com/office/drawing/2014/main" val="2095585407"/>
-                      </a:ext>
-                    </a:extLst>
-                  </a:tr>
-                  <a:tr h="370840">
-                    <a:tc>
-                      <a:txBody>
-                        <a:bodyPr/>
-                        <a:lstStyle/>
-                        <a:p>
-                          <a:endParaRPr lang="ja-JP"/>
-                        </a:p>
-                      </a:txBody>
-                      <a:tcPr>
-                        <a:blipFill>
-                          <a:blip r:embed="rId3"/>
-                          <a:stretch>
-                            <a:fillRect l="-272" t="-201639" r="-100543" b="-601639"/>
+                            <a:fillRect l="-76500" t="-411475" r="-185500" b="-503279"/>
                           </a:stretch>
                         </a:blipFill>
                       </a:tcPr>
@@ -9309,137 +10650,14 @@
                         <a:blipFill>
                           <a:blip r:embed="rId3"/>
                           <a:stretch>
-                            <a:fillRect l="-100272" t="-201639" r="-543" b="-601639"/>
+                            <a:fillRect l="-95664" t="-411475" r="-542" b="-503279"/>
                           </a:stretch>
                         </a:blipFill>
                       </a:tcPr>
                     </a:tc>
                     <a:extLst>
                       <a:ext uri="{0D108BD9-81ED-4DB2-BD59-A6C34878D82A}">
-                        <a16:rowId xmlns:a16="http://schemas.microsoft.com/office/drawing/2014/main" val="3435956096"/>
-                      </a:ext>
-                    </a:extLst>
-                  </a:tr>
-                  <a:tr h="370840">
-                    <a:tc>
-                      <a:txBody>
-                        <a:bodyPr/>
-                        <a:lstStyle/>
-                        <a:p>
-                          <a:endParaRPr lang="ja-JP"/>
-                        </a:p>
-                      </a:txBody>
-                      <a:tcPr>
-                        <a:blipFill>
-                          <a:blip r:embed="rId3"/>
-                          <a:stretch>
-                            <a:fillRect l="-272" t="-301639" r="-100543" b="-501639"/>
-                          </a:stretch>
-                        </a:blipFill>
-                      </a:tcPr>
-                    </a:tc>
-                    <a:tc>
-                      <a:txBody>
-                        <a:bodyPr/>
-                        <a:lstStyle/>
-                        <a:p>
-                          <a:endParaRPr lang="ja-JP"/>
-                        </a:p>
-                      </a:txBody>
-                      <a:tcPr>
-                        <a:blipFill>
-                          <a:blip r:embed="rId3"/>
-                          <a:stretch>
-                            <a:fillRect l="-100272" t="-301639" r="-543" b="-501639"/>
-                          </a:stretch>
-                        </a:blipFill>
-                      </a:tcPr>
-                    </a:tc>
-                    <a:extLst>
-                      <a:ext uri="{0D108BD9-81ED-4DB2-BD59-A6C34878D82A}">
-                        <a16:rowId xmlns:a16="http://schemas.microsoft.com/office/drawing/2014/main" val="1532471"/>
-                      </a:ext>
-                    </a:extLst>
-                  </a:tr>
-                  <a:tr h="370840">
-                    <a:tc>
-                      <a:txBody>
-                        <a:bodyPr/>
-                        <a:lstStyle/>
-                        <a:p>
-                          <a:endParaRPr lang="ja-JP"/>
-                        </a:p>
-                      </a:txBody>
-                      <a:tcPr>
-                        <a:blipFill>
-                          <a:blip r:embed="rId3"/>
-                          <a:stretch>
-                            <a:fillRect l="-272" t="-408333" r="-100543" b="-410000"/>
-                          </a:stretch>
-                        </a:blipFill>
-                      </a:tcPr>
-                    </a:tc>
-                    <a:tc>
-                      <a:txBody>
-                        <a:bodyPr/>
-                        <a:lstStyle/>
-                        <a:p>
-                          <a:endParaRPr lang="ja-JP"/>
-                        </a:p>
-                      </a:txBody>
-                      <a:tcPr>
-                        <a:blipFill>
-                          <a:blip r:embed="rId3"/>
-                          <a:stretch>
-                            <a:fillRect l="-100272" t="-408333" r="-543" b="-410000"/>
-                          </a:stretch>
-                        </a:blipFill>
-                      </a:tcPr>
-                    </a:tc>
-                    <a:extLst>
-                      <a:ext uri="{0D108BD9-81ED-4DB2-BD59-A6C34878D82A}">
-                        <a16:rowId xmlns:a16="http://schemas.microsoft.com/office/drawing/2014/main" val="307558442"/>
-                      </a:ext>
-                    </a:extLst>
-                  </a:tr>
-                  <a:tr h="370840">
-                    <a:tc>
-                      <a:txBody>
-                        <a:bodyPr/>
-                        <a:lstStyle/>
-                        <a:p>
-                          <a:endParaRPr lang="ja-JP"/>
-                        </a:p>
-                      </a:txBody>
-                      <a:tcPr>
-                        <a:blipFill>
-                          <a:blip r:embed="rId3"/>
-                          <a:stretch>
-                            <a:fillRect l="-272" t="-500000" r="-100543" b="-303279"/>
-                          </a:stretch>
-                        </a:blipFill>
-                      </a:tcPr>
-                    </a:tc>
-                    <a:tc>
-                      <a:txBody>
-                        <a:bodyPr/>
-                        <a:lstStyle/>
-                        <a:p>
-                          <a:endParaRPr lang="ja-JP"/>
-                        </a:p>
-                      </a:txBody>
-                      <a:tcPr>
-                        <a:blipFill>
-                          <a:blip r:embed="rId3"/>
-                          <a:stretch>
-                            <a:fillRect l="-100272" t="-500000" r="-543" b="-303279"/>
-                          </a:stretch>
-                        </a:blipFill>
-                      </a:tcPr>
-                    </a:tc>
-                    <a:extLst>
-                      <a:ext uri="{0D108BD9-81ED-4DB2-BD59-A6C34878D82A}">
-                        <a16:rowId xmlns:a16="http://schemas.microsoft.com/office/drawing/2014/main" val="4111179192"/>
+                        <a16:rowId xmlns:a16="http://schemas.microsoft.com/office/drawing/2014/main" val="2902319756"/>
                       </a:ext>
                     </a:extLst>
                   </a:tr>
@@ -9466,9 +10684,65 @@
                       </a:txBody>
                       <a:tcPr/>
                     </a:tc>
+                    <a:tc>
+                      <a:txBody>
+                        <a:bodyPr/>
+                        <a:lstStyle/>
+                        <a:p>
+                          <a:pPr algn="ctr"/>
+                          <a:endParaRPr kumimoji="1" lang="ja-JP" altLang="en-US" dirty="0"/>
+                        </a:p>
+                      </a:txBody>
+                      <a:tcPr/>
+                    </a:tc>
                     <a:extLst>
                       <a:ext uri="{0D108BD9-81ED-4DB2-BD59-A6C34878D82A}">
-                        <a16:rowId xmlns:a16="http://schemas.microsoft.com/office/drawing/2014/main" val="512577662"/>
+                        <a16:rowId xmlns:a16="http://schemas.microsoft.com/office/drawing/2014/main" val="1135960524"/>
+                      </a:ext>
+                    </a:extLst>
+                  </a:tr>
+                  <a:tr h="370840">
+                    <a:tc>
+                      <a:txBody>
+                        <a:bodyPr/>
+                        <a:lstStyle/>
+                        <a:p>
+                          <a:pPr algn="ctr"/>
+                          <a:endParaRPr kumimoji="1" lang="ja-JP" altLang="en-US" dirty="0"/>
+                        </a:p>
+                      </a:txBody>
+                      <a:tcPr/>
+                    </a:tc>
+                    <a:tc gridSpan="2">
+                      <a:txBody>
+                        <a:bodyPr/>
+                        <a:lstStyle/>
+                        <a:p>
+                          <a:endParaRPr lang="ja-JP"/>
+                        </a:p>
+                      </a:txBody>
+                      <a:tcPr>
+                        <a:blipFill>
+                          <a:blip r:embed="rId3"/>
+                          <a:stretch>
+                            <a:fillRect l="-26889" t="-611475" r="-351" b="-303279"/>
+                          </a:stretch>
+                        </a:blipFill>
+                      </a:tcPr>
+                    </a:tc>
+                    <a:tc hMerge="1">
+                      <a:txBody>
+                        <a:bodyPr/>
+                        <a:lstStyle/>
+                        <a:p>
+                          <a:endParaRPr kumimoji="1" lang="ja-JP" altLang="en-US"/>
+                        </a:p>
+                      </a:txBody>
+                      <a:tcPr/>
+                    </a:tc>
+                    <a:extLst>
+                      <a:ext uri="{0D108BD9-81ED-4DB2-BD59-A6C34878D82A}">
+                        <a16:rowId xmlns:a16="http://schemas.microsoft.com/office/drawing/2014/main" val="2027561445"/>
                       </a:ext>
                     </a:extLst>
                   </a:tr>
@@ -9485,7 +10759,7 @@
                         <a:blipFill>
                           <a:blip r:embed="rId3"/>
                           <a:stretch>
-                            <a:fillRect l="-272" t="-700000" r="-100543" b="-103279"/>
+                            <a:fillRect l="-658" t="-711475" r="-375658" b="-203279"/>
                           </a:stretch>
                         </a:blipFill>
                       </a:tcPr>
@@ -9502,14 +10776,31 @@
                         <a:blipFill>
                           <a:blip r:embed="rId3"/>
                           <a:stretch>
-                            <a:fillRect l="-100272" t="-700000" r="-543" b="-103279"/>
+                            <a:fillRect l="-76500" t="-711475" r="-185500" b="-203279"/>
+                          </a:stretch>
+                        </a:blipFill>
+                      </a:tcPr>
+                    </a:tc>
+                    <a:tc>
+                      <a:txBody>
+                        <a:bodyPr/>
+                        <a:lstStyle/>
+                        <a:p>
+                          <a:endParaRPr lang="ja-JP"/>
+                        </a:p>
+                      </a:txBody>
+                      <a:tcPr>
+                        <a:blipFill>
+                          <a:blip r:embed="rId3"/>
+                          <a:stretch>
+                            <a:fillRect l="-95664" t="-711475" r="-542" b="-203279"/>
                           </a:stretch>
                         </a:blipFill>
                       </a:tcPr>
                     </a:tc>
                     <a:extLst>
                       <a:ext uri="{0D108BD9-81ED-4DB2-BD59-A6C34878D82A}">
-                        <a16:rowId xmlns:a16="http://schemas.microsoft.com/office/drawing/2014/main" val="1358309396"/>
+                        <a16:rowId xmlns:a16="http://schemas.microsoft.com/office/drawing/2014/main" val="1065121288"/>
                       </a:ext>
                     </a:extLst>
                   </a:tr>
@@ -9526,7 +10817,7 @@
                         <a:blipFill>
                           <a:blip r:embed="rId3"/>
                           <a:stretch>
-                            <a:fillRect l="-272" t="-800000" r="-100543" b="-3279"/>
+                            <a:fillRect l="-658" t="-811475" r="-375658" b="-103279"/>
                           </a:stretch>
                         </a:blipFill>
                       </a:tcPr>
@@ -9543,14 +10834,89 @@
                         <a:blipFill>
                           <a:blip r:embed="rId3"/>
                           <a:stretch>
-                            <a:fillRect l="-100272" t="-800000" r="-543" b="-3279"/>
+                            <a:fillRect l="-76500" t="-811475" r="-185500" b="-103279"/>
+                          </a:stretch>
+                        </a:blipFill>
+                      </a:tcPr>
+                    </a:tc>
+                    <a:tc>
+                      <a:txBody>
+                        <a:bodyPr/>
+                        <a:lstStyle/>
+                        <a:p>
+                          <a:endParaRPr lang="ja-JP"/>
+                        </a:p>
+                      </a:txBody>
+                      <a:tcPr>
+                        <a:blipFill>
+                          <a:blip r:embed="rId3"/>
+                          <a:stretch>
+                            <a:fillRect l="-95664" t="-811475" r="-542" b="-103279"/>
                           </a:stretch>
                         </a:blipFill>
                       </a:tcPr>
                     </a:tc>
                     <a:extLst>
                       <a:ext uri="{0D108BD9-81ED-4DB2-BD59-A6C34878D82A}">
-                        <a16:rowId xmlns:a16="http://schemas.microsoft.com/office/drawing/2014/main" val="1237250867"/>
+                        <a16:rowId xmlns:a16="http://schemas.microsoft.com/office/drawing/2014/main" val="3675479137"/>
+                      </a:ext>
+                    </a:extLst>
+                  </a:tr>
+                  <a:tr h="370840">
+                    <a:tc>
+                      <a:txBody>
+                        <a:bodyPr/>
+                        <a:lstStyle/>
+                        <a:p>
+                          <a:endParaRPr lang="ja-JP"/>
+                        </a:p>
+                      </a:txBody>
+                      <a:tcPr>
+                        <a:blipFill>
+                          <a:blip r:embed="rId3"/>
+                          <a:stretch>
+                            <a:fillRect l="-658" t="-911475" r="-375658" b="-3279"/>
+                          </a:stretch>
+                        </a:blipFill>
+                      </a:tcPr>
+                    </a:tc>
+                    <a:tc>
+                      <a:txBody>
+                        <a:bodyPr/>
+                        <a:lstStyle/>
+                        <a:p>
+                          <a:endParaRPr lang="ja-JP"/>
+                        </a:p>
+                      </a:txBody>
+                      <a:tcPr>
+                        <a:blipFill>
+                          <a:blip r:embed="rId3"/>
+                          <a:stretch>
+                            <a:fillRect l="-76500" t="-911475" r="-185500" b="-3279"/>
+                          </a:stretch>
+                        </a:blipFill>
+                      </a:tcPr>
+                    </a:tc>
+                    <a:tc>
+                      <a:txBody>
+                        <a:bodyPr/>
+                        <a:lstStyle/>
+                        <a:p>
+                          <a:endParaRPr lang="ja-JP"/>
+                        </a:p>
+                      </a:txBody>
+                      <a:tcPr>
+                        <a:blipFill>
+                          <a:blip r:embed="rId3"/>
+                          <a:stretch>
+                            <a:fillRect l="-95664" t="-911475" r="-542" b="-3279"/>
+                          </a:stretch>
+                        </a:blipFill>
+                      </a:tcPr>
+                    </a:tc>
+                    <a:extLst>
+                      <a:ext uri="{0D108BD9-81ED-4DB2-BD59-A6C34878D82A}">
+                        <a16:rowId xmlns:a16="http://schemas.microsoft.com/office/drawing/2014/main" val="2836464053"/>
                       </a:ext>
                     </a:extLst>
                   </a:tr>
@@ -9560,14 +10926,14 @@
           </p:graphicFrame>
         </mc:Fallback>
       </mc:AlternateContent>
-      <mc:AlternateContent xmlns:mc="http://schemas.openxmlformats.org/markup-compatibility/2006" xmlns:a14="http://schemas.microsoft.com/office/drawing/2010/main">
-        <mc:Choice Requires="a14">
+      <mc:AlternateContent xmlns:mc="http://schemas.openxmlformats.org/markup-compatibility/2006">
+        <mc:Choice xmlns:a14="http://schemas.microsoft.com/office/drawing/2010/main" Requires="a14">
           <p:sp>
             <p:nvSpPr>
-              <p:cNvPr id="9" name="テキスト ボックス 8">
+              <p:cNvPr id="6" name="テキスト ボックス 5">
                 <a:extLst>
                   <a:ext uri="{FF2B5EF4-FFF2-40B4-BE49-F238E27FC236}">
-                    <a16:creationId xmlns:a16="http://schemas.microsoft.com/office/drawing/2014/main" id="{C4E00861-7606-60D1-4793-5FD9BF1A1E2E}"/>
+                    <a16:creationId xmlns:a16="http://schemas.microsoft.com/office/drawing/2014/main" id="{FDB8F1FE-3133-A57B-CE61-A4A5900F0BD7}"/>
                   </a:ext>
                 </a:extLst>
               </p:cNvPr>
@@ -9576,8 +10942,8 @@
             </p:nvSpPr>
             <p:spPr>
               <a:xfrm>
-                <a:off x="393290" y="2354739"/>
-                <a:ext cx="6685935" cy="3099888"/>
+                <a:off x="7377951" y="5110004"/>
+                <a:ext cx="4470865" cy="769441"/>
               </a:xfrm>
               <a:prstGeom prst="rect">
                 <a:avLst/>
@@ -9591,513 +10957,56 @@
               <a:lstStyle/>
               <a:p>
                 <a:pPr algn="l"/>
-                <a:r>
-                  <a:rPr kumimoji="1" lang="ja-JP" altLang="en-US" sz="2400" dirty="0"/>
-                  <a:t>したがって</a:t>
-                </a:r>
                 <a14:m>
                   <m:oMath xmlns:m="http://schemas.openxmlformats.org/officeDocument/2006/math">
                     <m:sSub>
                       <m:sSubPr>
                         <m:ctrlPr>
-                          <a:rPr kumimoji="1" lang="en-US" altLang="ja-JP" sz="2400" b="0" i="1" smtClean="0">
+                          <a:rPr kumimoji="1" lang="en-US" altLang="ja-JP" sz="2200" b="0" i="1" smtClean="0">
                             <a:latin typeface="Cambria Math" panose="02040503050406030204" pitchFamily="18" charset="0"/>
                           </a:rPr>
                         </m:ctrlPr>
                       </m:sSubPr>
                       <m:e>
                         <m:r>
-                          <a:rPr kumimoji="1" lang="en-US" altLang="ja-JP" sz="2400" b="0" i="1" smtClean="0">
+                          <a:rPr kumimoji="1" lang="en-US" altLang="ja-JP" sz="2200" b="0" i="1" smtClean="0">
                             <a:latin typeface="Cambria Math" panose="02040503050406030204" pitchFamily="18" charset="0"/>
                           </a:rPr>
-                          <m:t>𝐾</m:t>
+                          <m:t>𝑉</m:t>
                         </m:r>
                       </m:e>
                       <m:sub>
                         <m:r>
-                          <a:rPr kumimoji="1" lang="en-US" altLang="ja-JP" sz="2400" b="0" i="1" smtClean="0">
+                          <a:rPr kumimoji="1" lang="en-US" altLang="ja-JP" sz="2200" b="0" i="1" smtClean="0">
                             <a:latin typeface="Cambria Math" panose="02040503050406030204" pitchFamily="18" charset="0"/>
                           </a:rPr>
-                          <m:t>𝐴</m:t>
+                          <m:t>𝑛𝑆</m:t>
                         </m:r>
                       </m:sub>
                     </m:sSub>
+                    <m:r>
+                      <a:rPr lang="ja-JP" altLang="en-US" sz="2200" i="1">
+                        <a:latin typeface="Cambria Math" panose="02040503050406030204" pitchFamily="18" charset="0"/>
+                      </a:rPr>
+                      <m:t>以外</m:t>
+                    </m:r>
                   </m:oMath>
                 </a14:m>
                 <a:r>
-                  <a:rPr kumimoji="1" lang="ja-JP" altLang="en-US" sz="2400" dirty="0"/>
-                  <a:t>は</a:t>
+                  <a:rPr kumimoji="1" lang="ja-JP" altLang="en-US" sz="2200" dirty="0"/>
+                  <a:t>はほとんど設計通りのシミュレーション結果が得られた。</a:t>
                 </a:r>
-                <a:endParaRPr kumimoji="1" lang="en-US" altLang="ja-JP" sz="2400" dirty="0"/>
-              </a:p>
-              <a:p>
-                <a:pPr algn="l"/>
-                <a14:m>
-                  <m:oMathPara xmlns:m="http://schemas.openxmlformats.org/officeDocument/2006/math">
-                    <m:oMathParaPr>
-                      <m:jc m:val="centerGroup"/>
-                    </m:oMathParaPr>
-                    <m:oMath xmlns:m="http://schemas.openxmlformats.org/officeDocument/2006/math">
-                      <m:sSub>
-                        <m:sSubPr>
-                          <m:ctrlPr>
-                            <a:rPr kumimoji="1" lang="en-US" altLang="ja-JP" sz="2400" b="0" i="1" smtClean="0">
-                              <a:latin typeface="Cambria Math" panose="02040503050406030204" pitchFamily="18" charset="0"/>
-                            </a:rPr>
-                          </m:ctrlPr>
-                        </m:sSubPr>
-                        <m:e>
-                          <m:r>
-                            <a:rPr kumimoji="1" lang="en-US" altLang="ja-JP" sz="2400" b="0" i="1" smtClean="0">
-                              <a:latin typeface="Cambria Math" panose="02040503050406030204" pitchFamily="18" charset="0"/>
-                            </a:rPr>
-                            <m:t>𝐾</m:t>
-                          </m:r>
-                        </m:e>
-                        <m:sub>
-                          <m:r>
-                            <a:rPr kumimoji="1" lang="en-US" altLang="ja-JP" sz="2400" b="0" i="1" smtClean="0">
-                              <a:latin typeface="Cambria Math" panose="02040503050406030204" pitchFamily="18" charset="0"/>
-                            </a:rPr>
-                            <m:t>𝐴</m:t>
-                          </m:r>
-                        </m:sub>
-                      </m:sSub>
-                      <m:r>
-                        <a:rPr kumimoji="1" lang="en-US" altLang="ja-JP" sz="2400" b="0" i="1" smtClean="0">
-                          <a:latin typeface="Cambria Math" panose="02040503050406030204" pitchFamily="18" charset="0"/>
-                        </a:rPr>
-                        <m:t>=</m:t>
-                      </m:r>
-                      <m:f>
-                        <m:fPr>
-                          <m:ctrlPr>
-                            <a:rPr kumimoji="1" lang="en-US" altLang="ja-JP" sz="2400" b="0" i="1" smtClean="0">
-                              <a:latin typeface="Cambria Math" panose="02040503050406030204" pitchFamily="18" charset="0"/>
-                            </a:rPr>
-                          </m:ctrlPr>
-                        </m:fPr>
-                        <m:num>
-                          <m:r>
-                            <a:rPr kumimoji="1" lang="en-US" altLang="ja-JP" sz="2400" b="0" i="1" smtClean="0">
-                              <a:latin typeface="Cambria Math" panose="02040503050406030204" pitchFamily="18" charset="0"/>
-                            </a:rPr>
-                            <m:t>2⋅990.8×</m:t>
-                          </m:r>
-                          <m:sSup>
-                            <m:sSupPr>
-                              <m:ctrlPr>
-                                <a:rPr kumimoji="1" lang="en-US" altLang="ja-JP" sz="2400" b="0" i="1" smtClean="0">
-                                  <a:latin typeface="Cambria Math" panose="02040503050406030204" pitchFamily="18" charset="0"/>
-                                </a:rPr>
-                              </m:ctrlPr>
-                            </m:sSupPr>
-                            <m:e>
-                              <m:r>
-                                <a:rPr kumimoji="1" lang="en-US" altLang="ja-JP" sz="2400" b="0" i="1" smtClean="0">
-                                  <a:latin typeface="Cambria Math" panose="02040503050406030204" pitchFamily="18" charset="0"/>
-                                </a:rPr>
-                                <m:t>10</m:t>
-                              </m:r>
-                            </m:e>
-                            <m:sup>
-                              <m:r>
-                                <a:rPr kumimoji="1" lang="en-US" altLang="ja-JP" sz="2400" b="0" i="1" smtClean="0">
-                                  <a:latin typeface="Cambria Math" panose="02040503050406030204" pitchFamily="18" charset="0"/>
-                                </a:rPr>
-                                <m:t>−6</m:t>
-                              </m:r>
-                            </m:sup>
-                          </m:sSup>
-                        </m:num>
-                        <m:den>
-                          <m:sSup>
-                            <m:sSupPr>
-                              <m:ctrlPr>
-                                <a:rPr kumimoji="1" lang="en-US" altLang="ja-JP" sz="2400" b="0" i="1" smtClean="0">
-                                  <a:latin typeface="Cambria Math" panose="02040503050406030204" pitchFamily="18" charset="0"/>
-                                </a:rPr>
-                              </m:ctrlPr>
-                            </m:sSupPr>
-                            <m:e>
-                              <m:d>
-                                <m:dPr>
-                                  <m:begChr m:val=""/>
-                                  <m:endChr m:val="}"/>
-                                  <m:ctrlPr>
-                                    <a:rPr kumimoji="1" lang="en-US" altLang="ja-JP" sz="2400" b="0" i="1" smtClean="0">
-                                      <a:latin typeface="Cambria Math" panose="02040503050406030204" pitchFamily="18" charset="0"/>
-                                    </a:rPr>
-                                  </m:ctrlPr>
-                                </m:dPr>
-                                <m:e>
-                                  <m:d>
-                                    <m:dPr>
-                                      <m:begChr m:val="{"/>
-                                      <m:endChr m:val=""/>
-                                      <m:ctrlPr>
-                                        <a:rPr kumimoji="1" lang="en-US" altLang="ja-JP" sz="2400" b="0" i="1" smtClean="0">
-                                          <a:latin typeface="Cambria Math" panose="02040503050406030204" pitchFamily="18" charset="0"/>
-                                        </a:rPr>
-                                      </m:ctrlPr>
-                                    </m:dPr>
-                                    <m:e>
-                                      <m:d>
-                                        <m:dPr>
-                                          <m:ctrlPr>
-                                            <a:rPr kumimoji="1" lang="en-US" altLang="ja-JP" sz="2400" b="0" i="1" smtClean="0">
-                                              <a:latin typeface="Cambria Math" panose="02040503050406030204" pitchFamily="18" charset="0"/>
-                                            </a:rPr>
-                                          </m:ctrlPr>
-                                        </m:dPr>
-                                        <m:e>
-                                          <m:r>
-                                            <a:rPr kumimoji="1" lang="en-US" altLang="ja-JP" sz="2400" b="0" i="1" smtClean="0">
-                                              <a:latin typeface="Cambria Math" panose="02040503050406030204" pitchFamily="18" charset="0"/>
-                                            </a:rPr>
-                                            <m:t>1.59−0.6687</m:t>
-                                          </m:r>
-                                        </m:e>
-                                      </m:d>
-                                      <m:r>
-                                        <a:rPr kumimoji="1" lang="en-US" altLang="ja-JP" sz="2400" b="0" i="1" smtClean="0">
-                                          <a:latin typeface="Cambria Math" panose="02040503050406030204" pitchFamily="18" charset="0"/>
-                                        </a:rPr>
-                                        <m:t>−0.5614</m:t>
-                                      </m:r>
-                                    </m:e>
-                                  </m:d>
-                                </m:e>
-                              </m:d>
-                            </m:e>
-                            <m:sup>
-                              <m:r>
-                                <a:rPr kumimoji="1" lang="en-US" altLang="ja-JP" sz="2400" b="0" i="1" smtClean="0">
-                                  <a:latin typeface="Cambria Math" panose="02040503050406030204" pitchFamily="18" charset="0"/>
-                                </a:rPr>
-                                <m:t>2</m:t>
-                              </m:r>
-                            </m:sup>
-                          </m:sSup>
-                        </m:den>
-                      </m:f>
-                    </m:oMath>
-                  </m:oMathPara>
-                </a14:m>
-                <a:endParaRPr kumimoji="1" lang="en-US" altLang="ja-JP" sz="2400" b="0" dirty="0"/>
-              </a:p>
-              <a:p>
-                <a:pPr/>
-                <a14:m>
-                  <m:oMathPara xmlns:m="http://schemas.openxmlformats.org/officeDocument/2006/math">
-                    <m:oMathParaPr>
-                      <m:jc m:val="centerGroup"/>
-                    </m:oMathParaPr>
-                    <m:oMath xmlns:m="http://schemas.openxmlformats.org/officeDocument/2006/math">
-                      <m:r>
-                        <a:rPr lang="en-US" altLang="ja-JP" sz="2400" i="1">
-                          <a:latin typeface="Cambria Math" panose="02040503050406030204" pitchFamily="18" charset="0"/>
-                        </a:rPr>
-                        <m:t>=0.01529</m:t>
-                      </m:r>
-                      <m:r>
-                        <a:rPr lang="en-US" altLang="ja-JP" sz="2400" b="0" i="1" smtClean="0">
-                          <a:latin typeface="Cambria Math" panose="02040503050406030204" pitchFamily="18" charset="0"/>
-                        </a:rPr>
-                        <m:t>⋯≈15.3 [</m:t>
-                      </m:r>
-                      <m:r>
-                        <m:rPr>
-                          <m:sty m:val="p"/>
-                        </m:rPr>
-                        <a:rPr lang="en-US" altLang="ja-JP" sz="2400" b="0" i="0" smtClean="0">
-                          <a:latin typeface="Cambria Math" panose="02040503050406030204" pitchFamily="18" charset="0"/>
-                        </a:rPr>
-                        <m:t>mS</m:t>
-                      </m:r>
-                      <m:r>
-                        <a:rPr lang="en-US" altLang="ja-JP" sz="2400" b="0" i="0" smtClean="0">
-                          <a:latin typeface="Cambria Math" panose="02040503050406030204" pitchFamily="18" charset="0"/>
-                        </a:rPr>
-                        <m:t>/</m:t>
-                      </m:r>
-                      <m:r>
-                        <m:rPr>
-                          <m:sty m:val="p"/>
-                        </m:rPr>
-                        <a:rPr lang="en-US" altLang="ja-JP" sz="2400" b="0" i="0" smtClean="0">
-                          <a:latin typeface="Cambria Math" panose="02040503050406030204" pitchFamily="18" charset="0"/>
-                        </a:rPr>
-                        <m:t>V</m:t>
-                      </m:r>
-                      <m:r>
-                        <a:rPr lang="en-US" altLang="ja-JP" sz="2400" b="0" i="1" smtClean="0">
-                          <a:latin typeface="Cambria Math" panose="02040503050406030204" pitchFamily="18" charset="0"/>
-                        </a:rPr>
-                        <m:t>]</m:t>
-                      </m:r>
-                    </m:oMath>
-                  </m:oMathPara>
-                </a14:m>
-                <a:endParaRPr lang="en-US" altLang="ja-JP" sz="2400" b="0" dirty="0"/>
-              </a:p>
-              <a:p>
-                <a:r>
-                  <a:rPr kumimoji="1" lang="ja-JP" altLang="en-US" sz="2400" dirty="0"/>
-                  <a:t>ちなみに、</a:t>
-                </a:r>
-                <a14:m>
-                  <m:oMath xmlns:m="http://schemas.openxmlformats.org/officeDocument/2006/math">
-                    <m:r>
-                      <m:rPr>
-                        <m:sty m:val="p"/>
-                      </m:rPr>
-                      <a:rPr kumimoji="1" lang="en-US" altLang="ja-JP" sz="2400" b="0" i="0" smtClean="0">
-                        <a:latin typeface="Cambria Math" panose="02040503050406030204" pitchFamily="18" charset="0"/>
-                      </a:rPr>
-                      <m:t>L</m:t>
-                    </m:r>
-                    <m:r>
-                      <a:rPr kumimoji="1" lang="en-US" altLang="ja-JP" sz="2400" b="0" i="0" smtClean="0">
-                        <a:latin typeface="Cambria Math" panose="02040503050406030204" pitchFamily="18" charset="0"/>
-                      </a:rPr>
-                      <m:t>=0.72 </m:t>
-                    </m:r>
-                    <m:r>
-                      <m:rPr>
-                        <m:sty m:val="p"/>
-                      </m:rPr>
-                      <a:rPr kumimoji="1" lang="en-US" altLang="ja-JP" sz="2400" b="0" i="0" smtClean="0">
-                        <a:latin typeface="Cambria Math" panose="02040503050406030204" pitchFamily="18" charset="0"/>
-                      </a:rPr>
-                      <m:t>μm</m:t>
-                    </m:r>
-                    <m:r>
-                      <a:rPr kumimoji="1" lang="en-US" altLang="ja-JP" sz="2400" b="0" i="0" smtClean="0">
-                        <a:latin typeface="Cambria Math" panose="02040503050406030204" pitchFamily="18" charset="0"/>
-                      </a:rPr>
-                      <m:t>,</m:t>
-                    </m:r>
-                    <m:r>
-                      <m:rPr>
-                        <m:sty m:val="p"/>
-                      </m:rPr>
-                      <a:rPr kumimoji="1" lang="en-US" altLang="ja-JP" sz="2400" b="0" i="0" smtClean="0">
-                        <a:latin typeface="Cambria Math" panose="02040503050406030204" pitchFamily="18" charset="0"/>
-                      </a:rPr>
-                      <m:t>W</m:t>
-                    </m:r>
-                    <m:r>
-                      <a:rPr kumimoji="1" lang="en-US" altLang="ja-JP" sz="2400" b="0" i="0" smtClean="0">
-                        <a:latin typeface="Cambria Math" panose="02040503050406030204" pitchFamily="18" charset="0"/>
-                      </a:rPr>
-                      <m:t>=4.27 </m:t>
-                    </m:r>
-                    <m:r>
-                      <m:rPr>
-                        <m:sty m:val="p"/>
-                      </m:rPr>
-                      <a:rPr kumimoji="1" lang="en-US" altLang="ja-JP" sz="2400" b="0" i="0" smtClean="0">
-                        <a:latin typeface="Cambria Math" panose="02040503050406030204" pitchFamily="18" charset="0"/>
-                      </a:rPr>
-                      <m:t>μm</m:t>
-                    </m:r>
-                    <m:r>
-                      <a:rPr kumimoji="1" lang="en-US" altLang="ja-JP" sz="2400" b="0" i="0" smtClean="0">
-                        <a:latin typeface="Cambria Math" panose="02040503050406030204" pitchFamily="18" charset="0"/>
-                      </a:rPr>
-                      <m:t>,</m:t>
-                    </m:r>
-                    <m:r>
-                      <m:rPr>
-                        <m:sty m:val="p"/>
-                      </m:rPr>
-                      <a:rPr kumimoji="1" lang="en-US" altLang="ja-JP" sz="2400" b="0" i="0" smtClean="0">
-                        <a:latin typeface="Cambria Math" panose="02040503050406030204" pitchFamily="18" charset="0"/>
-                      </a:rPr>
-                      <m:t>M</m:t>
-                    </m:r>
-                    <m:r>
-                      <a:rPr kumimoji="1" lang="en-US" altLang="ja-JP" sz="2400" b="0" i="0" smtClean="0">
-                        <a:latin typeface="Cambria Math" panose="02040503050406030204" pitchFamily="18" charset="0"/>
-                      </a:rPr>
-                      <m:t>=10</m:t>
-                    </m:r>
-                  </m:oMath>
-                </a14:m>
-                <a:endParaRPr kumimoji="1" lang="en-US" altLang="ja-JP" sz="2400" dirty="0"/>
-              </a:p>
-              <a:p>
-                <a:r>
-                  <a:rPr lang="ja-JP" altLang="en-US" sz="2400" dirty="0"/>
-                  <a:t>だったので、</a:t>
-                </a:r>
-                <a:endParaRPr lang="en-US" altLang="ja-JP" sz="2400" dirty="0"/>
-              </a:p>
-              <a:p>
-                <a:pPr/>
-                <a14:m>
-                  <m:oMathPara xmlns:m="http://schemas.openxmlformats.org/officeDocument/2006/math">
-                    <m:oMathParaPr>
-                      <m:jc m:val="centerGroup"/>
-                    </m:oMathParaPr>
-                    <m:oMath xmlns:m="http://schemas.openxmlformats.org/officeDocument/2006/math">
-                      <m:sSub>
-                        <m:sSubPr>
-                          <m:ctrlPr>
-                            <a:rPr kumimoji="1" lang="en-US" altLang="ja-JP" sz="2400" b="0" i="1" smtClean="0">
-                              <a:latin typeface="Cambria Math" panose="02040503050406030204" pitchFamily="18" charset="0"/>
-                            </a:rPr>
-                          </m:ctrlPr>
-                        </m:sSubPr>
-                        <m:e>
-                          <m:r>
-                            <a:rPr kumimoji="1" lang="en-US" altLang="ja-JP" sz="2400" b="0" i="1" smtClean="0">
-                              <a:latin typeface="Cambria Math" panose="02040503050406030204" pitchFamily="18" charset="0"/>
-                            </a:rPr>
-                            <m:t>𝐾</m:t>
-                          </m:r>
-                        </m:e>
-                        <m:sub>
-                          <m:r>
-                            <a:rPr kumimoji="1" lang="en-US" altLang="ja-JP" sz="2400" b="0" i="1" smtClean="0">
-                              <a:latin typeface="Cambria Math" panose="02040503050406030204" pitchFamily="18" charset="0"/>
-                            </a:rPr>
-                            <m:t>0</m:t>
-                          </m:r>
-                        </m:sub>
-                      </m:sSub>
-                      <m:r>
-                        <a:rPr kumimoji="1" lang="en-US" altLang="ja-JP" sz="2400" b="0" i="1" smtClean="0">
-                          <a:latin typeface="Cambria Math" panose="02040503050406030204" pitchFamily="18" charset="0"/>
-                        </a:rPr>
-                        <m:t>=</m:t>
-                      </m:r>
-                      <m:sSub>
-                        <m:sSubPr>
-                          <m:ctrlPr>
-                            <a:rPr kumimoji="1" lang="en-US" altLang="ja-JP" sz="2400" b="0" i="1" smtClean="0">
-                              <a:latin typeface="Cambria Math" panose="02040503050406030204" pitchFamily="18" charset="0"/>
-                            </a:rPr>
-                          </m:ctrlPr>
-                        </m:sSubPr>
-                        <m:e>
-                          <m:r>
-                            <a:rPr kumimoji="1" lang="en-US" altLang="ja-JP" sz="2400" b="0" i="1" smtClean="0">
-                              <a:latin typeface="Cambria Math" panose="02040503050406030204" pitchFamily="18" charset="0"/>
-                            </a:rPr>
-                            <m:t>𝐾</m:t>
-                          </m:r>
-                        </m:e>
-                        <m:sub>
-                          <m:r>
-                            <a:rPr kumimoji="1" lang="en-US" altLang="ja-JP" sz="2400" b="0" i="1" smtClean="0">
-                              <a:latin typeface="Cambria Math" panose="02040503050406030204" pitchFamily="18" charset="0"/>
-                            </a:rPr>
-                            <m:t>𝐴</m:t>
-                          </m:r>
-                        </m:sub>
-                      </m:sSub>
-                      <m:r>
-                        <a:rPr kumimoji="1" lang="en-US" altLang="ja-JP" sz="2400" b="0" i="1" smtClean="0">
-                          <a:latin typeface="Cambria Math" panose="02040503050406030204" pitchFamily="18" charset="0"/>
-                        </a:rPr>
-                        <m:t>⋅</m:t>
-                      </m:r>
-                      <m:f>
-                        <m:fPr>
-                          <m:ctrlPr>
-                            <a:rPr kumimoji="1" lang="en-US" altLang="ja-JP" sz="2400" b="0" i="1" smtClean="0">
-                              <a:latin typeface="Cambria Math" panose="02040503050406030204" pitchFamily="18" charset="0"/>
-                            </a:rPr>
-                          </m:ctrlPr>
-                        </m:fPr>
-                        <m:num>
-                          <m:r>
-                            <a:rPr kumimoji="1" lang="en-US" altLang="ja-JP" sz="2400" b="0" i="1" smtClean="0">
-                              <a:latin typeface="Cambria Math" panose="02040503050406030204" pitchFamily="18" charset="0"/>
-                            </a:rPr>
-                            <m:t>𝐿</m:t>
-                          </m:r>
-                        </m:num>
-                        <m:den>
-                          <m:r>
-                            <a:rPr kumimoji="1" lang="en-US" altLang="ja-JP" sz="2400" b="0" i="1" smtClean="0">
-                              <a:latin typeface="Cambria Math" panose="02040503050406030204" pitchFamily="18" charset="0"/>
-                            </a:rPr>
-                            <m:t>2⋅</m:t>
-                          </m:r>
-                          <m:r>
-                            <a:rPr kumimoji="1" lang="en-US" altLang="ja-JP" sz="2400" b="0" i="1" smtClean="0">
-                              <a:latin typeface="Cambria Math" panose="02040503050406030204" pitchFamily="18" charset="0"/>
-                            </a:rPr>
-                            <m:t>𝑊</m:t>
-                          </m:r>
-                          <m:r>
-                            <a:rPr kumimoji="1" lang="en-US" altLang="ja-JP" sz="2400" b="0" i="1" smtClean="0">
-                              <a:latin typeface="Cambria Math" panose="02040503050406030204" pitchFamily="18" charset="0"/>
-                            </a:rPr>
-                            <m:t>⋅</m:t>
-                          </m:r>
-                          <m:r>
-                            <a:rPr kumimoji="1" lang="en-US" altLang="ja-JP" sz="2400" b="0" i="1" smtClean="0">
-                              <a:latin typeface="Cambria Math" panose="02040503050406030204" pitchFamily="18" charset="0"/>
-                            </a:rPr>
-                            <m:t>𝑀</m:t>
-                          </m:r>
-                        </m:den>
-                      </m:f>
-                      <m:r>
-                        <a:rPr lang="en-US" altLang="ja-JP" sz="2400" i="1">
-                          <a:latin typeface="Cambria Math" panose="02040503050406030204" pitchFamily="18" charset="0"/>
-                        </a:rPr>
-                        <m:t>=0.0001289</m:t>
-                      </m:r>
-                      <m:r>
-                        <a:rPr lang="en-US" altLang="ja-JP" sz="2400" b="0" i="1" smtClean="0">
-                          <a:latin typeface="Cambria Math" panose="02040503050406030204" pitchFamily="18" charset="0"/>
-                        </a:rPr>
-                        <m:t>⋯≈129 </m:t>
-                      </m:r>
-                      <m:r>
-                        <m:rPr>
-                          <m:sty m:val="p"/>
-                        </m:rPr>
-                        <a:rPr lang="en-US" altLang="ja-JP" sz="2400" b="0" i="0" smtClean="0">
-                          <a:latin typeface="Cambria Math" panose="02040503050406030204" pitchFamily="18" charset="0"/>
-                        </a:rPr>
-                        <m:t>μS</m:t>
-                      </m:r>
-                      <m:r>
-                        <a:rPr lang="en-US" altLang="ja-JP" sz="2400" b="0" i="0" smtClean="0">
-                          <a:latin typeface="Cambria Math" panose="02040503050406030204" pitchFamily="18" charset="0"/>
-                        </a:rPr>
-                        <m:t>/</m:t>
-                      </m:r>
-                      <m:r>
-                        <m:rPr>
-                          <m:sty m:val="p"/>
-                        </m:rPr>
-                        <a:rPr lang="en-US" altLang="ja-JP" sz="2400" b="0" i="0" smtClean="0">
-                          <a:latin typeface="Cambria Math" panose="02040503050406030204" pitchFamily="18" charset="0"/>
-                        </a:rPr>
-                        <m:t>V</m:t>
-                      </m:r>
-                    </m:oMath>
-                  </m:oMathPara>
-                </a14:m>
-                <a:endParaRPr kumimoji="1" lang="ja-JP" altLang="en-US" sz="2400" dirty="0"/>
               </a:p>
             </p:txBody>
           </p:sp>
         </mc:Choice>
-        <mc:Fallback xmlns="">
+        <mc:Fallback>
           <p:sp>
             <p:nvSpPr>
-              <p:cNvPr id="9" name="テキスト ボックス 8">
+              <p:cNvPr id="6" name="テキスト ボックス 5">
                 <a:extLst>
                   <a:ext uri="{FF2B5EF4-FFF2-40B4-BE49-F238E27FC236}">
-                    <a16:creationId xmlns:a16="http://schemas.microsoft.com/office/drawing/2014/main" id="{C4E00861-7606-60D1-4793-5FD9BF1A1E2E}"/>
+                    <a16:creationId xmlns:a16="http://schemas.microsoft.com/office/drawing/2014/main" id="{FDB8F1FE-3133-A57B-CE61-A4A5900F0BD7}"/>
                   </a:ext>
                 </a:extLst>
               </p:cNvPr>
@@ -10108,8 +11017,8 @@
             </p:nvSpPr>
             <p:spPr>
               <a:xfrm>
-                <a:off x="393290" y="2354739"/>
-                <a:ext cx="6685935" cy="3099888"/>
+                <a:off x="7377951" y="5110004"/>
+                <a:ext cx="4470865" cy="769441"/>
               </a:xfrm>
               <a:prstGeom prst="rect">
                 <a:avLst/>
@@ -10117,7 +11026,7 @@
               <a:blipFill>
                 <a:blip r:embed="rId4"/>
                 <a:stretch>
-                  <a:fillRect l="-1460" t="-1572"/>
+                  <a:fillRect l="-1771" t="-3968" b="-15873"/>
                 </a:stretch>
               </a:blipFill>
             </p:spPr>
@@ -10139,1053 +11048,7 @@
     </p:spTree>
     <p:extLst>
       <p:ext uri="{BB962C8B-B14F-4D97-AF65-F5344CB8AC3E}">
-        <p14:creationId xmlns:p14="http://schemas.microsoft.com/office/powerpoint/2010/main" val="3758820632"/>
-      </p:ext>
-    </p:extLst>
-  </p:cSld>
-  <p:clrMapOvr>
-    <a:masterClrMapping/>
-  </p:clrMapOvr>
-</p:sld>
-</file>
-
-<file path=ppt/slides/slide7.xml><?xml version="1.0" encoding="utf-8"?>
-<p:sld xmlns:a="http://schemas.openxmlformats.org/drawingml/2006/main" xmlns:r="http://schemas.openxmlformats.org/officeDocument/2006/relationships" xmlns:p="http://schemas.openxmlformats.org/presentationml/2006/main">
-  <p:cSld>
-    <p:spTree>
-      <p:nvGrpSpPr>
-        <p:cNvPr id="1" name=""/>
-        <p:cNvGrpSpPr/>
-        <p:nvPr/>
-      </p:nvGrpSpPr>
-      <p:grpSpPr>
-        <a:xfrm>
-          <a:off x="0" y="0"/>
-          <a:ext cx="0" cy="0"/>
-          <a:chOff x="0" y="0"/>
-          <a:chExt cx="0" cy="0"/>
-        </a:xfrm>
-      </p:grpSpPr>
-      <mc:AlternateContent xmlns:mc="http://schemas.openxmlformats.org/markup-compatibility/2006" xmlns:a14="http://schemas.microsoft.com/office/drawing/2010/main">
-        <mc:Choice Requires="a14">
-          <p:sp>
-            <p:nvSpPr>
-              <p:cNvPr id="2" name="タイトル 1">
-                <a:extLst>
-                  <a:ext uri="{FF2B5EF4-FFF2-40B4-BE49-F238E27FC236}">
-                    <a16:creationId xmlns:a16="http://schemas.microsoft.com/office/drawing/2014/main" id="{1B987416-4CCE-31D9-9367-27635201F51B}"/>
-                  </a:ext>
-                </a:extLst>
-              </p:cNvPr>
-              <p:cNvSpPr>
-                <a:spLocks noGrp="1"/>
-              </p:cNvSpPr>
-              <p:nvPr>
-                <p:ph type="title"/>
-              </p:nvPr>
-            </p:nvSpPr>
-            <p:spPr/>
-            <p:txBody>
-              <a:bodyPr/>
-              <a:lstStyle/>
-              <a:p>
-                <a14:m>
-                  <m:oMath xmlns:m="http://schemas.openxmlformats.org/officeDocument/2006/math">
-                    <m:r>
-                      <m:rPr>
-                        <m:sty m:val="p"/>
-                      </m:rPr>
-                      <a:rPr kumimoji="1" lang="en-US" altLang="ja-JP" b="0" i="0" smtClean="0">
-                        <a:latin typeface="Cambria Math" panose="02040503050406030204" pitchFamily="18" charset="0"/>
-                      </a:rPr>
-                      <m:t>pmos</m:t>
-                    </m:r>
-                  </m:oMath>
-                </a14:m>
-                <a:r>
-                  <a:rPr kumimoji="1" lang="ja-JP" altLang="en-US" dirty="0"/>
-                  <a:t>の設計</a:t>
-                </a:r>
-              </a:p>
-            </p:txBody>
-          </p:sp>
-        </mc:Choice>
-        <mc:Fallback xmlns="">
-          <p:sp>
-            <p:nvSpPr>
-              <p:cNvPr id="2" name="タイトル 1">
-                <a:extLst>
-                  <a:ext uri="{FF2B5EF4-FFF2-40B4-BE49-F238E27FC236}">
-                    <a16:creationId xmlns:a16="http://schemas.microsoft.com/office/drawing/2014/main" id="{1B987416-4CCE-31D9-9367-27635201F51B}"/>
-                  </a:ext>
-                </a:extLst>
-              </p:cNvPr>
-              <p:cNvSpPr>
-                <a:spLocks noGrp="1" noRot="1" noChangeAspect="1" noMove="1" noResize="1" noEditPoints="1" noAdjustHandles="1" noChangeArrowheads="1" noChangeShapeType="1" noTextEdit="1"/>
-              </p:cNvSpPr>
-              <p:nvPr>
-                <p:ph type="title"/>
-              </p:nvPr>
-            </p:nvSpPr>
-            <p:spPr>
-              <a:blipFill>
-                <a:blip r:embed="rId2"/>
-                <a:stretch>
-                  <a:fillRect/>
-                </a:stretch>
-              </a:blipFill>
-            </p:spPr>
-            <p:txBody>
-              <a:bodyPr/>
-              <a:lstStyle/>
-              <a:p>
-                <a:r>
-                  <a:rPr lang="ja-JP" altLang="en-US">
-                    <a:noFill/>
-                  </a:rPr>
-                  <a:t> </a:t>
-                </a:r>
-              </a:p>
-            </p:txBody>
-          </p:sp>
-        </mc:Fallback>
-      </mc:AlternateContent>
-      <p:sp>
-        <p:nvSpPr>
-          <p:cNvPr id="3" name="スライド番号プレースホルダー 2">
-            <a:extLst>
-              <a:ext uri="{FF2B5EF4-FFF2-40B4-BE49-F238E27FC236}">
-                <a16:creationId xmlns:a16="http://schemas.microsoft.com/office/drawing/2014/main" id="{6CF04BE4-CA49-E436-BCAA-BDD1FE815DDD}"/>
-              </a:ext>
-            </a:extLst>
-          </p:cNvPr>
-          <p:cNvSpPr>
-            <a:spLocks noGrp="1"/>
-          </p:cNvSpPr>
-          <p:nvPr>
-            <p:ph type="sldNum" sz="quarter" idx="12"/>
-          </p:nvPr>
-        </p:nvSpPr>
-        <p:spPr/>
-        <p:txBody>
-          <a:bodyPr/>
-          <a:lstStyle/>
-          <a:p>
-            <a:fld id="{85B6C27D-B957-4A92-99D3-4644DF81A59E}" type="slidenum">
-              <a:rPr kumimoji="1" lang="ja-JP" altLang="en-US" smtClean="0"/>
-              <a:t>7</a:t>
-            </a:fld>
-            <a:endParaRPr kumimoji="1" lang="ja-JP" altLang="en-US"/>
-          </a:p>
-        </p:txBody>
-      </p:sp>
-      <p:pic>
-        <p:nvPicPr>
-          <p:cNvPr id="5" name="図 4" descr="グラフ, 折れ線グラフ&#10;&#10;自動的に生成された説明">
-            <a:extLst>
-              <a:ext uri="{FF2B5EF4-FFF2-40B4-BE49-F238E27FC236}">
-                <a16:creationId xmlns:a16="http://schemas.microsoft.com/office/drawing/2014/main" id="{A7FE8B07-8A58-F26A-9DC5-E3CAA17DED36}"/>
-              </a:ext>
-            </a:extLst>
-          </p:cNvPr>
-          <p:cNvPicPr>
-            <a:picLocks noChangeAspect="1"/>
-          </p:cNvPicPr>
-          <p:nvPr/>
-        </p:nvPicPr>
-        <p:blipFill>
-          <a:blip r:embed="rId3">
-            <a:extLst>
-              <a:ext uri="{28A0092B-C50C-407E-A947-70E740481C1C}">
-                <a14:useLocalDpi xmlns:a14="http://schemas.microsoft.com/office/drawing/2010/main" val="0"/>
-              </a:ext>
-            </a:extLst>
-          </a:blip>
-          <a:stretch>
-            <a:fillRect/>
-          </a:stretch>
-        </p:blipFill>
-        <p:spPr>
-          <a:xfrm>
-            <a:off x="112741" y="1387013"/>
-            <a:ext cx="7620660" cy="5334462"/>
-          </a:xfrm>
-          <a:prstGeom prst="rect">
-            <a:avLst/>
-          </a:prstGeom>
-        </p:spPr>
-      </p:pic>
-      <p:pic>
-        <p:nvPicPr>
-          <p:cNvPr id="7" name="図 6" descr="黒い背景に白い文字がある&#10;&#10;低い精度で自動的に生成された説明">
-            <a:extLst>
-              <a:ext uri="{FF2B5EF4-FFF2-40B4-BE49-F238E27FC236}">
-                <a16:creationId xmlns:a16="http://schemas.microsoft.com/office/drawing/2014/main" id="{6538C474-C1EC-F8F6-9AE1-8DC0DF1D3949}"/>
-              </a:ext>
-            </a:extLst>
-          </p:cNvPr>
-          <p:cNvPicPr>
-            <a:picLocks noChangeAspect="1"/>
-          </p:cNvPicPr>
-          <p:nvPr/>
-        </p:nvPicPr>
-        <p:blipFill>
-          <a:blip r:embed="rId4">
-            <a:extLst>
-              <a:ext uri="{28A0092B-C50C-407E-A947-70E740481C1C}">
-                <a14:useLocalDpi xmlns:a14="http://schemas.microsoft.com/office/drawing/2010/main" val="0"/>
-              </a:ext>
-            </a:extLst>
-          </a:blip>
-          <a:stretch>
-            <a:fillRect/>
-          </a:stretch>
-        </p:blipFill>
-        <p:spPr>
-          <a:xfrm>
-            <a:off x="6748562" y="939415"/>
-            <a:ext cx="4461412" cy="2826339"/>
-          </a:xfrm>
-          <a:prstGeom prst="rect">
-            <a:avLst/>
-          </a:prstGeom>
-        </p:spPr>
-      </p:pic>
-      <mc:AlternateContent xmlns:mc="http://schemas.openxmlformats.org/markup-compatibility/2006" xmlns:a14="http://schemas.microsoft.com/office/drawing/2010/main">
-        <mc:Choice Requires="a14">
-          <p:sp>
-            <p:nvSpPr>
-              <p:cNvPr id="8" name="テキスト ボックス 7">
-                <a:extLst>
-                  <a:ext uri="{FF2B5EF4-FFF2-40B4-BE49-F238E27FC236}">
-                    <a16:creationId xmlns:a16="http://schemas.microsoft.com/office/drawing/2014/main" id="{6C907D1D-AD36-F501-1678-6972BC1FBCCC}"/>
-                  </a:ext>
-                </a:extLst>
-              </p:cNvPr>
-              <p:cNvSpPr txBox="1"/>
-              <p:nvPr/>
-            </p:nvSpPr>
-            <p:spPr>
-              <a:xfrm>
-                <a:off x="7433187" y="4100052"/>
-                <a:ext cx="4109884" cy="1938992"/>
-              </a:xfrm>
-              <a:prstGeom prst="rect">
-                <a:avLst/>
-              </a:prstGeom>
-              <a:noFill/>
-            </p:spPr>
-            <p:txBody>
-              <a:bodyPr wrap="square" rtlCol="0">
-                <a:spAutoFit/>
-              </a:bodyPr>
-              <a:lstStyle/>
-              <a:p>
-                <a:pPr algn="l"/>
-                <a:r>
-                  <a:rPr kumimoji="1" lang="ja-JP" altLang="en-US" sz="2400" dirty="0"/>
-                  <a:t>チャネル幅 </a:t>
-                </a:r>
-                <a:r>
-                  <a:rPr kumimoji="1" lang="en-US" altLang="ja-JP" sz="2400" dirty="0"/>
-                  <a:t>: </a:t>
-                </a:r>
-                <a14:m>
-                  <m:oMath xmlns:m="http://schemas.openxmlformats.org/officeDocument/2006/math">
-                    <m:r>
-                      <a:rPr kumimoji="1" lang="en-US" altLang="ja-JP" sz="2400" b="0" i="1" smtClean="0">
-                        <a:latin typeface="Cambria Math" panose="02040503050406030204" pitchFamily="18" charset="0"/>
-                      </a:rPr>
-                      <m:t>20 </m:t>
-                    </m:r>
-                    <m:r>
-                      <m:rPr>
-                        <m:sty m:val="p"/>
-                      </m:rPr>
-                      <a:rPr kumimoji="1" lang="en-US" altLang="ja-JP" sz="2400" b="0" i="0" smtClean="0">
-                        <a:latin typeface="Cambria Math" panose="02040503050406030204" pitchFamily="18" charset="0"/>
-                      </a:rPr>
-                      <m:t>μm</m:t>
-                    </m:r>
-                  </m:oMath>
-                </a14:m>
-                <a:endParaRPr kumimoji="1" lang="en-US" altLang="ja-JP" sz="2400" dirty="0"/>
-              </a:p>
-              <a:p>
-                <a:pPr algn="l"/>
-                <a:r>
-                  <a:rPr lang="ja-JP" altLang="en-US" sz="2400" dirty="0"/>
-                  <a:t>チャネル長 </a:t>
-                </a:r>
-                <a:r>
-                  <a:rPr lang="en-US" altLang="ja-JP" sz="2400" dirty="0"/>
-                  <a:t>: </a:t>
-                </a:r>
-                <a14:m>
-                  <m:oMath xmlns:m="http://schemas.openxmlformats.org/officeDocument/2006/math">
-                    <m:r>
-                      <a:rPr lang="en-US" altLang="ja-JP" sz="2400" b="0" i="1" smtClean="0">
-                        <a:latin typeface="Cambria Math" panose="02040503050406030204" pitchFamily="18" charset="0"/>
-                      </a:rPr>
-                      <m:t>0.72 </m:t>
-                    </m:r>
-                    <m:r>
-                      <m:rPr>
-                        <m:sty m:val="p"/>
-                      </m:rPr>
-                      <a:rPr lang="en-US" altLang="ja-JP" sz="2400" b="0" i="0" smtClean="0">
-                        <a:latin typeface="Cambria Math" panose="02040503050406030204" pitchFamily="18" charset="0"/>
-                      </a:rPr>
-                      <m:t>μm</m:t>
-                    </m:r>
-                  </m:oMath>
-                </a14:m>
-                <a:endParaRPr lang="en-US" altLang="ja-JP" sz="2400" dirty="0"/>
-              </a:p>
-              <a:p>
-                <a:pPr algn="l"/>
-                <a:r>
-                  <a:rPr kumimoji="1" lang="ja-JP" altLang="en-US" sz="2400" dirty="0"/>
-                  <a:t>並列数 </a:t>
-                </a:r>
-                <a:r>
-                  <a:rPr kumimoji="1" lang="en-US" altLang="ja-JP" sz="2400" dirty="0"/>
-                  <a:t>: </a:t>
-                </a:r>
-                <a14:m>
-                  <m:oMath xmlns:m="http://schemas.openxmlformats.org/officeDocument/2006/math">
-                    <m:r>
-                      <a:rPr kumimoji="1" lang="en-US" altLang="ja-JP" sz="2400" b="0" i="1" smtClean="0">
-                        <a:latin typeface="Cambria Math" panose="02040503050406030204" pitchFamily="18" charset="0"/>
-                      </a:rPr>
-                      <m:t>1</m:t>
-                    </m:r>
-                  </m:oMath>
-                </a14:m>
-                <a:endParaRPr kumimoji="1" lang="en-US" altLang="ja-JP" sz="2400" dirty="0"/>
-              </a:p>
-              <a:p>
-                <a:pPr algn="l"/>
-                <a:endParaRPr kumimoji="1" lang="en-US" altLang="ja-JP" sz="2400" dirty="0"/>
-              </a:p>
-              <a:p>
-                <a:pPr algn="l"/>
-                <a:r>
-                  <a:rPr lang="ja-JP" altLang="en-US" sz="2400" dirty="0"/>
-                  <a:t>ドレインソース電圧 </a:t>
-                </a:r>
-                <a:r>
-                  <a:rPr lang="en-US" altLang="ja-JP" sz="2400" dirty="0"/>
-                  <a:t>: </a:t>
-                </a:r>
-                <a14:m>
-                  <m:oMath xmlns:m="http://schemas.openxmlformats.org/officeDocument/2006/math">
-                    <m:r>
-                      <a:rPr lang="en-US" altLang="ja-JP" sz="2400" b="0" i="1" smtClean="0">
-                        <a:latin typeface="Cambria Math" panose="02040503050406030204" pitchFamily="18" charset="0"/>
-                      </a:rPr>
-                      <m:t>1 </m:t>
-                    </m:r>
-                    <m:r>
-                      <m:rPr>
-                        <m:sty m:val="p"/>
-                      </m:rPr>
-                      <a:rPr lang="en-US" altLang="ja-JP" sz="2400" b="0" i="0" smtClean="0">
-                        <a:latin typeface="Cambria Math" panose="02040503050406030204" pitchFamily="18" charset="0"/>
-                      </a:rPr>
-                      <m:t>V</m:t>
-                    </m:r>
-                  </m:oMath>
-                </a14:m>
-                <a:endParaRPr kumimoji="1" lang="ja-JP" altLang="en-US" sz="2400" dirty="0"/>
-              </a:p>
-            </p:txBody>
-          </p:sp>
-        </mc:Choice>
-        <mc:Fallback xmlns="">
-          <p:sp>
-            <p:nvSpPr>
-              <p:cNvPr id="8" name="テキスト ボックス 7">
-                <a:extLst>
-                  <a:ext uri="{FF2B5EF4-FFF2-40B4-BE49-F238E27FC236}">
-                    <a16:creationId xmlns:a16="http://schemas.microsoft.com/office/drawing/2014/main" id="{6C907D1D-AD36-F501-1678-6972BC1FBCCC}"/>
-                  </a:ext>
-                </a:extLst>
-              </p:cNvPr>
-              <p:cNvSpPr txBox="1">
-                <a:spLocks noRot="1" noChangeAspect="1" noMove="1" noResize="1" noEditPoints="1" noAdjustHandles="1" noChangeArrowheads="1" noChangeShapeType="1" noTextEdit="1"/>
-              </p:cNvSpPr>
-              <p:nvPr/>
-            </p:nvSpPr>
-            <p:spPr>
-              <a:xfrm>
-                <a:off x="7433187" y="4100052"/>
-                <a:ext cx="4109884" cy="1938992"/>
-              </a:xfrm>
-              <a:prstGeom prst="rect">
-                <a:avLst/>
-              </a:prstGeom>
-              <a:blipFill>
-                <a:blip r:embed="rId5"/>
-                <a:stretch>
-                  <a:fillRect l="-2222" t="-2516" b="-6289"/>
-                </a:stretch>
-              </a:blipFill>
-            </p:spPr>
-            <p:txBody>
-              <a:bodyPr/>
-              <a:lstStyle/>
-              <a:p>
-                <a:r>
-                  <a:rPr lang="ja-JP" altLang="en-US">
-                    <a:noFill/>
-                  </a:rPr>
-                  <a:t> </a:t>
-                </a:r>
-              </a:p>
-            </p:txBody>
-          </p:sp>
-        </mc:Fallback>
-      </mc:AlternateContent>
-    </p:spTree>
-    <p:extLst>
-      <p:ext uri="{BB962C8B-B14F-4D97-AF65-F5344CB8AC3E}">
-        <p14:creationId xmlns:p14="http://schemas.microsoft.com/office/powerpoint/2010/main" val="54706068"/>
-      </p:ext>
-    </p:extLst>
-  </p:cSld>
-  <p:clrMapOvr>
-    <a:masterClrMapping/>
-  </p:clrMapOvr>
-</p:sld>
-</file>
-
-<file path=ppt/slides/slide8.xml><?xml version="1.0" encoding="utf-8"?>
-<p:sld xmlns:a="http://schemas.openxmlformats.org/drawingml/2006/main" xmlns:r="http://schemas.openxmlformats.org/officeDocument/2006/relationships" xmlns:p="http://schemas.openxmlformats.org/presentationml/2006/main">
-  <p:cSld>
-    <p:spTree>
-      <p:nvGrpSpPr>
-        <p:cNvPr id="1" name=""/>
-        <p:cNvGrpSpPr/>
-        <p:nvPr/>
-      </p:nvGrpSpPr>
-      <p:grpSpPr>
-        <a:xfrm>
-          <a:off x="0" y="0"/>
-          <a:ext cx="0" cy="0"/>
-          <a:chOff x="0" y="0"/>
-          <a:chExt cx="0" cy="0"/>
-        </a:xfrm>
-      </p:grpSpPr>
-      <mc:AlternateContent xmlns:mc="http://schemas.openxmlformats.org/markup-compatibility/2006" xmlns:a14="http://schemas.microsoft.com/office/drawing/2010/main">
-        <mc:Choice Requires="a14">
-          <p:sp>
-            <p:nvSpPr>
-              <p:cNvPr id="2" name="タイトル 1">
-                <a:extLst>
-                  <a:ext uri="{FF2B5EF4-FFF2-40B4-BE49-F238E27FC236}">
-                    <a16:creationId xmlns:a16="http://schemas.microsoft.com/office/drawing/2014/main" id="{C55CE99F-BBF8-8410-B935-58A8D26A6D01}"/>
-                  </a:ext>
-                </a:extLst>
-              </p:cNvPr>
-              <p:cNvSpPr>
-                <a:spLocks noGrp="1"/>
-              </p:cNvSpPr>
-              <p:nvPr>
-                <p:ph type="title"/>
-              </p:nvPr>
-            </p:nvSpPr>
-            <p:spPr/>
-            <p:txBody>
-              <a:bodyPr/>
-              <a:lstStyle/>
-              <a:p>
-                <a14:m>
-                  <m:oMath xmlns:m="http://schemas.openxmlformats.org/officeDocument/2006/math">
-                    <m:r>
-                      <m:rPr>
-                        <m:sty m:val="p"/>
-                      </m:rPr>
-                      <a:rPr kumimoji="1" lang="en-US" altLang="ja-JP" b="0" i="0" smtClean="0">
-                        <a:latin typeface="Cambria Math" panose="02040503050406030204" pitchFamily="18" charset="0"/>
-                      </a:rPr>
-                      <m:t>pmos</m:t>
-                    </m:r>
-                  </m:oMath>
-                </a14:m>
-                <a:r>
-                  <a:rPr kumimoji="1" lang="ja-JP" altLang="en-US" dirty="0"/>
-                  <a:t>の設計</a:t>
-                </a:r>
-              </a:p>
-            </p:txBody>
-          </p:sp>
-        </mc:Choice>
-        <mc:Fallback xmlns="">
-          <p:sp>
-            <p:nvSpPr>
-              <p:cNvPr id="2" name="タイトル 1">
-                <a:extLst>
-                  <a:ext uri="{FF2B5EF4-FFF2-40B4-BE49-F238E27FC236}">
-                    <a16:creationId xmlns:a16="http://schemas.microsoft.com/office/drawing/2014/main" id="{C55CE99F-BBF8-8410-B935-58A8D26A6D01}"/>
-                  </a:ext>
-                </a:extLst>
-              </p:cNvPr>
-              <p:cNvSpPr>
-                <a:spLocks noGrp="1" noRot="1" noChangeAspect="1" noMove="1" noResize="1" noEditPoints="1" noAdjustHandles="1" noChangeArrowheads="1" noChangeShapeType="1" noTextEdit="1"/>
-              </p:cNvSpPr>
-              <p:nvPr>
-                <p:ph type="title"/>
-              </p:nvPr>
-            </p:nvSpPr>
-            <p:spPr>
-              <a:blipFill>
-                <a:blip r:embed="rId2"/>
-                <a:stretch>
-                  <a:fillRect/>
-                </a:stretch>
-              </a:blipFill>
-            </p:spPr>
-            <p:txBody>
-              <a:bodyPr/>
-              <a:lstStyle/>
-              <a:p>
-                <a:r>
-                  <a:rPr lang="ja-JP" altLang="en-US">
-                    <a:noFill/>
-                  </a:rPr>
-                  <a:t> </a:t>
-                </a:r>
-              </a:p>
-            </p:txBody>
-          </p:sp>
-        </mc:Fallback>
-      </mc:AlternateContent>
-      <p:sp>
-        <p:nvSpPr>
-          <p:cNvPr id="3" name="スライド番号プレースホルダー 2">
-            <a:extLst>
-              <a:ext uri="{FF2B5EF4-FFF2-40B4-BE49-F238E27FC236}">
-                <a16:creationId xmlns:a16="http://schemas.microsoft.com/office/drawing/2014/main" id="{7DAFF3E7-68EA-3167-EDEA-8963ECB1AB5C}"/>
-              </a:ext>
-            </a:extLst>
-          </p:cNvPr>
-          <p:cNvSpPr>
-            <a:spLocks noGrp="1"/>
-          </p:cNvSpPr>
-          <p:nvPr>
-            <p:ph type="sldNum" sz="quarter" idx="12"/>
-          </p:nvPr>
-        </p:nvSpPr>
-        <p:spPr/>
-        <p:txBody>
-          <a:bodyPr/>
-          <a:lstStyle/>
-          <a:p>
-            <a:fld id="{85B6C27D-B957-4A92-99D3-4644DF81A59E}" type="slidenum">
-              <a:rPr kumimoji="1" lang="ja-JP" altLang="en-US" smtClean="0"/>
-              <a:t>8</a:t>
-            </a:fld>
-            <a:endParaRPr kumimoji="1" lang="ja-JP" altLang="en-US"/>
-          </a:p>
-        </p:txBody>
-      </p:sp>
-      <p:pic>
-        <p:nvPicPr>
-          <p:cNvPr id="7" name="図 6" descr="グラフ, 折れ線グラフ&#10;&#10;自動的に生成された説明">
-            <a:extLst>
-              <a:ext uri="{FF2B5EF4-FFF2-40B4-BE49-F238E27FC236}">
-                <a16:creationId xmlns:a16="http://schemas.microsoft.com/office/drawing/2014/main" id="{C53B9D22-E79A-C1EF-3B32-0637E8170A66}"/>
-              </a:ext>
-            </a:extLst>
-          </p:cNvPr>
-          <p:cNvPicPr>
-            <a:picLocks noChangeAspect="1"/>
-          </p:cNvPicPr>
-          <p:nvPr/>
-        </p:nvPicPr>
-        <p:blipFill>
-          <a:blip r:embed="rId3">
-            <a:extLst>
-              <a:ext uri="{28A0092B-C50C-407E-A947-70E740481C1C}">
-                <a14:useLocalDpi xmlns:a14="http://schemas.microsoft.com/office/drawing/2010/main" val="0"/>
-              </a:ext>
-            </a:extLst>
-          </a:blip>
-          <a:stretch>
-            <a:fillRect/>
-          </a:stretch>
-        </p:blipFill>
-        <p:spPr>
-          <a:xfrm>
-            <a:off x="0" y="1523538"/>
-            <a:ext cx="7620660" cy="5334462"/>
-          </a:xfrm>
-          <a:prstGeom prst="rect">
-            <a:avLst/>
-          </a:prstGeom>
-        </p:spPr>
-      </p:pic>
-      <mc:AlternateContent xmlns:mc="http://schemas.openxmlformats.org/markup-compatibility/2006" xmlns:a14="http://schemas.microsoft.com/office/drawing/2010/main">
-        <mc:Choice Requires="a14">
-          <p:sp>
-            <p:nvSpPr>
-              <p:cNvPr id="8" name="テキスト ボックス 7">
-                <a:extLst>
-                  <a:ext uri="{FF2B5EF4-FFF2-40B4-BE49-F238E27FC236}">
-                    <a16:creationId xmlns:a16="http://schemas.microsoft.com/office/drawing/2014/main" id="{CA946009-EF29-6FCD-1FAB-3614BA63A19E}"/>
-                  </a:ext>
-                </a:extLst>
-              </p:cNvPr>
-              <p:cNvSpPr txBox="1"/>
-              <p:nvPr/>
-            </p:nvSpPr>
-            <p:spPr>
-              <a:xfrm>
-                <a:off x="6528620" y="2314141"/>
-                <a:ext cx="5407741" cy="3418756"/>
-              </a:xfrm>
-              <a:prstGeom prst="rect">
-                <a:avLst/>
-              </a:prstGeom>
-              <a:noFill/>
-            </p:spPr>
-            <p:txBody>
-              <a:bodyPr wrap="square" rtlCol="0">
-                <a:spAutoFit/>
-              </a:bodyPr>
-              <a:lstStyle/>
-              <a:p>
-                <a:pPr algn="l"/>
-                <a:r>
-                  <a:rPr kumimoji="1" lang="ja-JP" altLang="en-US" sz="2400" dirty="0"/>
-                  <a:t>左のグラフは</a:t>
-                </a:r>
-                <a14:m>
-                  <m:oMath xmlns:m="http://schemas.openxmlformats.org/officeDocument/2006/math">
-                    <m:sSub>
-                      <m:sSubPr>
-                        <m:ctrlPr>
-                          <a:rPr kumimoji="1" lang="en-US" altLang="ja-JP" sz="2400" b="0" i="1" smtClean="0">
-                            <a:latin typeface="Cambria Math" panose="02040503050406030204" pitchFamily="18" charset="0"/>
-                          </a:rPr>
-                        </m:ctrlPr>
-                      </m:sSubPr>
-                      <m:e>
-                        <m:r>
-                          <a:rPr kumimoji="1" lang="en-US" altLang="ja-JP" sz="2400" b="0" i="1" smtClean="0">
-                            <a:latin typeface="Cambria Math" panose="02040503050406030204" pitchFamily="18" charset="0"/>
-                          </a:rPr>
-                          <m:t>𝑔</m:t>
-                        </m:r>
-                      </m:e>
-                      <m:sub>
-                        <m:r>
-                          <a:rPr kumimoji="1" lang="en-US" altLang="ja-JP" sz="2400" b="0" i="1" smtClean="0">
-                            <a:latin typeface="Cambria Math" panose="02040503050406030204" pitchFamily="18" charset="0"/>
-                          </a:rPr>
-                          <m:t>𝑚</m:t>
-                        </m:r>
-                      </m:sub>
-                    </m:sSub>
-                    <m:r>
-                      <a:rPr kumimoji="1" lang="en-US" altLang="ja-JP" sz="2400" b="0" i="1" smtClean="0">
-                        <a:latin typeface="Cambria Math" panose="02040503050406030204" pitchFamily="18" charset="0"/>
-                      </a:rPr>
-                      <m:t>−</m:t>
-                    </m:r>
-                    <m:sSub>
-                      <m:sSubPr>
-                        <m:ctrlPr>
-                          <a:rPr kumimoji="1" lang="en-US" altLang="ja-JP" sz="2400" b="0" i="1" smtClean="0">
-                            <a:latin typeface="Cambria Math" panose="02040503050406030204" pitchFamily="18" charset="0"/>
-                          </a:rPr>
-                        </m:ctrlPr>
-                      </m:sSubPr>
-                      <m:e>
-                        <m:r>
-                          <a:rPr kumimoji="1" lang="en-US" altLang="ja-JP" sz="2400" b="0" i="1" smtClean="0">
-                            <a:latin typeface="Cambria Math" panose="02040503050406030204" pitchFamily="18" charset="0"/>
-                          </a:rPr>
-                          <m:t>𝑉</m:t>
-                        </m:r>
-                      </m:e>
-                      <m:sub>
-                        <m:r>
-                          <a:rPr kumimoji="1" lang="en-US" altLang="ja-JP" sz="2400" b="0" i="1" smtClean="0">
-                            <a:latin typeface="Cambria Math" panose="02040503050406030204" pitchFamily="18" charset="0"/>
-                          </a:rPr>
-                          <m:t>𝐺𝑆</m:t>
-                        </m:r>
-                      </m:sub>
-                    </m:sSub>
-                  </m:oMath>
-                </a14:m>
-                <a:r>
-                  <a:rPr kumimoji="1" lang="ja-JP" altLang="en-US" sz="2400" dirty="0"/>
-                  <a:t>特性と、</a:t>
-                </a:r>
-                <a:endParaRPr kumimoji="1" lang="en-US" altLang="ja-JP" sz="2400" dirty="0"/>
-              </a:p>
-              <a:p>
-                <a:pPr algn="l"/>
-                <a14:m>
-                  <m:oMath xmlns:m="http://schemas.openxmlformats.org/officeDocument/2006/math">
-                    <m:sSub>
-                      <m:sSubPr>
-                        <m:ctrlPr>
-                          <a:rPr kumimoji="1" lang="en-US" altLang="ja-JP" sz="2400" b="0" i="1" smtClean="0">
-                            <a:latin typeface="Cambria Math" panose="02040503050406030204" pitchFamily="18" charset="0"/>
-                          </a:rPr>
-                        </m:ctrlPr>
-                      </m:sSubPr>
-                      <m:e>
-                        <m:r>
-                          <m:rPr>
-                            <m:sty m:val="p"/>
-                          </m:rPr>
-                          <a:rPr kumimoji="1" lang="en-US" altLang="ja-JP" sz="2400" b="0" i="0" smtClean="0">
-                            <a:latin typeface="Cambria Math" panose="02040503050406030204" pitchFamily="18" charset="0"/>
-                          </a:rPr>
-                          <m:t>V</m:t>
-                        </m:r>
-                      </m:e>
-                      <m:sub>
-                        <m:r>
-                          <m:rPr>
-                            <m:sty m:val="p"/>
-                          </m:rPr>
-                          <a:rPr kumimoji="1" lang="en-US" altLang="ja-JP" sz="2400" b="0" i="0" smtClean="0">
-                            <a:latin typeface="Cambria Math" panose="02040503050406030204" pitchFamily="18" charset="0"/>
-                          </a:rPr>
-                          <m:t>GS</m:t>
-                        </m:r>
-                      </m:sub>
-                    </m:sSub>
-                    <m:r>
-                      <a:rPr kumimoji="1" lang="en-US" altLang="ja-JP" sz="2400" b="0" i="0" smtClean="0">
-                        <a:latin typeface="Cambria Math" panose="02040503050406030204" pitchFamily="18" charset="0"/>
-                      </a:rPr>
-                      <m:t>=</m:t>
-                    </m:r>
-                    <m:r>
-                      <a:rPr kumimoji="1" lang="en-US" altLang="ja-JP" sz="2400" b="0" i="1" smtClean="0">
-                        <a:latin typeface="Cambria Math" panose="02040503050406030204" pitchFamily="18" charset="0"/>
-                      </a:rPr>
-                      <m:t>0.7 </m:t>
-                    </m:r>
-                    <m:r>
-                      <m:rPr>
-                        <m:sty m:val="p"/>
-                      </m:rPr>
-                      <a:rPr kumimoji="1" lang="en-US" altLang="ja-JP" sz="2400" b="0" i="0" smtClean="0">
-                        <a:latin typeface="Cambria Math" panose="02040503050406030204" pitchFamily="18" charset="0"/>
-                      </a:rPr>
-                      <m:t>V</m:t>
-                    </m:r>
-                  </m:oMath>
-                </a14:m>
-                <a:r>
-                  <a:rPr kumimoji="1" lang="ja-JP" altLang="en-US" sz="2400" dirty="0"/>
-                  <a:t>付近での近似直線である。</a:t>
-                </a:r>
-                <a:endParaRPr kumimoji="1" lang="en-US" altLang="ja-JP" sz="2400" dirty="0"/>
-              </a:p>
-              <a:p>
-                <a:pPr algn="l"/>
-                <a:r>
-                  <a:rPr kumimoji="1" lang="ja-JP" altLang="en-US" sz="2400" dirty="0"/>
-                  <a:t>この傾きが</a:t>
-                </a:r>
-                <a14:m>
-                  <m:oMath xmlns:m="http://schemas.openxmlformats.org/officeDocument/2006/math">
-                    <m:sSub>
-                      <m:sSubPr>
-                        <m:ctrlPr>
-                          <a:rPr kumimoji="1" lang="en-US" altLang="ja-JP" sz="2400" b="0" i="1" smtClean="0">
-                            <a:latin typeface="Cambria Math" panose="02040503050406030204" pitchFamily="18" charset="0"/>
-                          </a:rPr>
-                        </m:ctrlPr>
-                      </m:sSubPr>
-                      <m:e>
-                        <m:r>
-                          <a:rPr kumimoji="1" lang="en-US" altLang="ja-JP" sz="2400" b="0" i="1" smtClean="0">
-                            <a:latin typeface="Cambria Math" panose="02040503050406030204" pitchFamily="18" charset="0"/>
-                          </a:rPr>
-                          <m:t>𝐾</m:t>
-                        </m:r>
-                      </m:e>
-                      <m:sub>
-                        <m:r>
-                          <a:rPr kumimoji="1" lang="en-US" altLang="ja-JP" sz="2400" b="0" i="1" smtClean="0">
-                            <a:latin typeface="Cambria Math" panose="02040503050406030204" pitchFamily="18" charset="0"/>
-                          </a:rPr>
-                          <m:t>𝐴</m:t>
-                        </m:r>
-                      </m:sub>
-                    </m:sSub>
-                  </m:oMath>
-                </a14:m>
-                <a:r>
-                  <a:rPr kumimoji="1" lang="ja-JP" altLang="en-US" sz="2400" dirty="0"/>
-                  <a:t>と等しくなるためには</a:t>
-                </a:r>
-                <a:endParaRPr kumimoji="1" lang="en-US" altLang="ja-JP" sz="2400" dirty="0"/>
-              </a:p>
-              <a:p>
-                <a:pPr algn="l"/>
-                <a14:m>
-                  <m:oMathPara xmlns:m="http://schemas.openxmlformats.org/officeDocument/2006/math">
-                    <m:oMathParaPr>
-                      <m:jc m:val="centerGroup"/>
-                    </m:oMathParaPr>
-                    <m:oMath xmlns:m="http://schemas.openxmlformats.org/officeDocument/2006/math">
-                      <m:f>
-                        <m:fPr>
-                          <m:ctrlPr>
-                            <a:rPr kumimoji="1" lang="en-US" altLang="ja-JP" sz="2400" b="0" i="1" smtClean="0">
-                              <a:latin typeface="Cambria Math" panose="02040503050406030204" pitchFamily="18" charset="0"/>
-                            </a:rPr>
-                          </m:ctrlPr>
-                        </m:fPr>
-                        <m:num>
-                          <m:sSub>
-                            <m:sSubPr>
-                              <m:ctrlPr>
-                                <a:rPr kumimoji="1" lang="en-US" altLang="ja-JP" sz="2400" b="0" i="1" smtClean="0">
-                                  <a:latin typeface="Cambria Math" panose="02040503050406030204" pitchFamily="18" charset="0"/>
-                                </a:rPr>
-                              </m:ctrlPr>
-                            </m:sSubPr>
-                            <m:e>
-                              <m:r>
-                                <a:rPr kumimoji="1" lang="en-US" altLang="ja-JP" sz="2400" b="0" i="1" smtClean="0">
-                                  <a:latin typeface="Cambria Math" panose="02040503050406030204" pitchFamily="18" charset="0"/>
-                                </a:rPr>
-                                <m:t>𝐾</m:t>
-                              </m:r>
-                            </m:e>
-                            <m:sub>
-                              <m:r>
-                                <a:rPr kumimoji="1" lang="en-US" altLang="ja-JP" sz="2400" b="0" i="1" smtClean="0">
-                                  <a:latin typeface="Cambria Math" panose="02040503050406030204" pitchFamily="18" charset="0"/>
-                                </a:rPr>
-                                <m:t>𝐴</m:t>
-                              </m:r>
-                            </m:sub>
-                          </m:sSub>
-                        </m:num>
-                        <m:den>
-                          <m:r>
-                            <a:rPr kumimoji="1" lang="en-US" altLang="ja-JP" sz="2400" b="0" i="1" smtClean="0">
-                              <a:latin typeface="Cambria Math" panose="02040503050406030204" pitchFamily="18" charset="0"/>
-                            </a:rPr>
-                            <m:t>0.253965×</m:t>
-                          </m:r>
-                          <m:sSup>
-                            <m:sSupPr>
-                              <m:ctrlPr>
-                                <a:rPr kumimoji="1" lang="en-US" altLang="ja-JP" sz="2400" b="0" i="1" smtClean="0">
-                                  <a:latin typeface="Cambria Math" panose="02040503050406030204" pitchFamily="18" charset="0"/>
-                                </a:rPr>
-                              </m:ctrlPr>
-                            </m:sSupPr>
-                            <m:e>
-                              <m:r>
-                                <a:rPr kumimoji="1" lang="en-US" altLang="ja-JP" sz="2400" b="0" i="1" smtClean="0">
-                                  <a:latin typeface="Cambria Math" panose="02040503050406030204" pitchFamily="18" charset="0"/>
-                                </a:rPr>
-                                <m:t>10</m:t>
-                              </m:r>
-                            </m:e>
-                            <m:sup>
-                              <m:r>
-                                <a:rPr kumimoji="1" lang="en-US" altLang="ja-JP" sz="2400" b="0" i="1" smtClean="0">
-                                  <a:latin typeface="Cambria Math" panose="02040503050406030204" pitchFamily="18" charset="0"/>
-                                </a:rPr>
-                                <m:t>−3</m:t>
-                              </m:r>
-                            </m:sup>
-                          </m:sSup>
-                        </m:den>
-                      </m:f>
-                      <m:r>
-                        <a:rPr kumimoji="1" lang="en-US" altLang="ja-JP" sz="2400" b="0" i="1" smtClean="0">
-                          <a:latin typeface="Cambria Math" panose="02040503050406030204" pitchFamily="18" charset="0"/>
-                        </a:rPr>
-                        <m:t>≈</m:t>
-                      </m:r>
-                      <m:f>
-                        <m:fPr>
-                          <m:ctrlPr>
-                            <a:rPr kumimoji="1" lang="en-US" altLang="ja-JP" sz="2400" b="0" i="1" smtClean="0">
-                              <a:latin typeface="Cambria Math" panose="02040503050406030204" pitchFamily="18" charset="0"/>
-                            </a:rPr>
-                          </m:ctrlPr>
-                        </m:fPr>
-                        <m:num>
-                          <m:r>
-                            <a:rPr kumimoji="1" lang="en-US" altLang="ja-JP" sz="2400" b="0" i="1" smtClean="0">
-                              <a:latin typeface="Cambria Math" panose="02040503050406030204" pitchFamily="18" charset="0"/>
-                            </a:rPr>
-                            <m:t>15.3×</m:t>
-                          </m:r>
-                          <m:sSup>
-                            <m:sSupPr>
-                              <m:ctrlPr>
-                                <a:rPr kumimoji="1" lang="en-US" altLang="ja-JP" sz="2400" b="0" i="1" smtClean="0">
-                                  <a:latin typeface="Cambria Math" panose="02040503050406030204" pitchFamily="18" charset="0"/>
-                                </a:rPr>
-                              </m:ctrlPr>
-                            </m:sSupPr>
-                            <m:e>
-                              <m:r>
-                                <a:rPr kumimoji="1" lang="en-US" altLang="ja-JP" sz="2400" b="0" i="1" smtClean="0">
-                                  <a:latin typeface="Cambria Math" panose="02040503050406030204" pitchFamily="18" charset="0"/>
-                                </a:rPr>
-                                <m:t>10</m:t>
-                              </m:r>
-                            </m:e>
-                            <m:sup>
-                              <m:r>
-                                <a:rPr kumimoji="1" lang="en-US" altLang="ja-JP" sz="2400" b="0" i="1" smtClean="0">
-                                  <a:latin typeface="Cambria Math" panose="02040503050406030204" pitchFamily="18" charset="0"/>
-                                </a:rPr>
-                                <m:t>−3</m:t>
-                              </m:r>
-                            </m:sup>
-                          </m:sSup>
-                        </m:num>
-                        <m:den>
-                          <m:r>
-                            <a:rPr kumimoji="1" lang="en-US" altLang="ja-JP" sz="2400" b="0" i="1" smtClean="0">
-                              <a:latin typeface="Cambria Math" panose="02040503050406030204" pitchFamily="18" charset="0"/>
-                            </a:rPr>
-                            <m:t>0.254×</m:t>
-                          </m:r>
-                          <m:sSup>
-                            <m:sSupPr>
-                              <m:ctrlPr>
-                                <a:rPr kumimoji="1" lang="en-US" altLang="ja-JP" sz="2400" b="0" i="1" smtClean="0">
-                                  <a:latin typeface="Cambria Math" panose="02040503050406030204" pitchFamily="18" charset="0"/>
-                                </a:rPr>
-                              </m:ctrlPr>
-                            </m:sSupPr>
-                            <m:e>
-                              <m:r>
-                                <a:rPr kumimoji="1" lang="en-US" altLang="ja-JP" sz="2400" b="0" i="1" smtClean="0">
-                                  <a:latin typeface="Cambria Math" panose="02040503050406030204" pitchFamily="18" charset="0"/>
-                                </a:rPr>
-                                <m:t>10</m:t>
-                              </m:r>
-                            </m:e>
-                            <m:sup>
-                              <m:r>
-                                <a:rPr kumimoji="1" lang="en-US" altLang="ja-JP" sz="2400" b="0" i="1" smtClean="0">
-                                  <a:latin typeface="Cambria Math" panose="02040503050406030204" pitchFamily="18" charset="0"/>
-                                </a:rPr>
-                                <m:t>−3</m:t>
-                              </m:r>
-                            </m:sup>
-                          </m:sSup>
-                        </m:den>
-                      </m:f>
-                    </m:oMath>
-                  </m:oMathPara>
-                </a14:m>
-                <a:endParaRPr kumimoji="1" lang="en-US" altLang="ja-JP" sz="2400" b="0" dirty="0"/>
-              </a:p>
-              <a:p>
-                <a:pPr algn="l"/>
-                <a14:m>
-                  <m:oMathPara xmlns:m="http://schemas.openxmlformats.org/officeDocument/2006/math">
-                    <m:oMathParaPr>
-                      <m:jc m:val="centerGroup"/>
-                    </m:oMathParaPr>
-                    <m:oMath xmlns:m="http://schemas.openxmlformats.org/officeDocument/2006/math">
-                      <m:r>
-                        <a:rPr kumimoji="1" lang="en-US" altLang="ja-JP" sz="2400" b="0" i="1" smtClean="0">
-                          <a:latin typeface="Cambria Math" panose="02040503050406030204" pitchFamily="18" charset="0"/>
-                        </a:rPr>
-                        <m:t>=60.23⋯≈60.2</m:t>
-                      </m:r>
-                    </m:oMath>
-                  </m:oMathPara>
-                </a14:m>
-                <a:endParaRPr kumimoji="1" lang="en-US" altLang="ja-JP" sz="2400" b="0" dirty="0"/>
-              </a:p>
-              <a:p>
-                <a:pPr algn="l"/>
-                <a:endParaRPr kumimoji="1" lang="en-US" altLang="ja-JP" sz="2400" dirty="0"/>
-              </a:p>
-              <a:p>
-                <a:pPr algn="l"/>
-                <a:r>
-                  <a:rPr lang="ja-JP" altLang="en-US" sz="2400" dirty="0"/>
-                  <a:t>したがって、シミュレーションを行った物の形状比を</a:t>
-                </a:r>
-                <a:r>
-                  <a:rPr lang="en-US" altLang="ja-JP" sz="2400" dirty="0"/>
-                  <a:t>60</a:t>
-                </a:r>
-                <a:r>
-                  <a:rPr lang="ja-JP" altLang="en-US" sz="2400" dirty="0"/>
-                  <a:t>倍にすればよい。</a:t>
-                </a:r>
-                <a:endParaRPr kumimoji="1" lang="ja-JP" altLang="en-US" sz="2400" dirty="0"/>
-              </a:p>
-            </p:txBody>
-          </p:sp>
-        </mc:Choice>
-        <mc:Fallback xmlns="">
-          <p:sp>
-            <p:nvSpPr>
-              <p:cNvPr id="8" name="テキスト ボックス 7">
-                <a:extLst>
-                  <a:ext uri="{FF2B5EF4-FFF2-40B4-BE49-F238E27FC236}">
-                    <a16:creationId xmlns:a16="http://schemas.microsoft.com/office/drawing/2014/main" id="{CA946009-EF29-6FCD-1FAB-3614BA63A19E}"/>
-                  </a:ext>
-                </a:extLst>
-              </p:cNvPr>
-              <p:cNvSpPr txBox="1">
-                <a:spLocks noRot="1" noChangeAspect="1" noMove="1" noResize="1" noEditPoints="1" noAdjustHandles="1" noChangeArrowheads="1" noChangeShapeType="1" noTextEdit="1"/>
-              </p:cNvSpPr>
-              <p:nvPr/>
-            </p:nvSpPr>
-            <p:spPr>
-              <a:xfrm>
-                <a:off x="6528620" y="2314141"/>
-                <a:ext cx="5407741" cy="3418756"/>
-              </a:xfrm>
-              <a:prstGeom prst="rect">
-                <a:avLst/>
-              </a:prstGeom>
-              <a:blipFill>
-                <a:blip r:embed="rId4"/>
-                <a:stretch>
-                  <a:fillRect l="-1804" t="-1429" r="-902" b="-3214"/>
-                </a:stretch>
-              </a:blipFill>
-            </p:spPr>
-            <p:txBody>
-              <a:bodyPr/>
-              <a:lstStyle/>
-              <a:p>
-                <a:r>
-                  <a:rPr lang="ja-JP" altLang="en-US">
-                    <a:noFill/>
-                  </a:rPr>
-                  <a:t> </a:t>
-                </a:r>
-              </a:p>
-            </p:txBody>
-          </p:sp>
-        </mc:Fallback>
-      </mc:AlternateContent>
-    </p:spTree>
-    <p:extLst>
-      <p:ext uri="{BB962C8B-B14F-4D97-AF65-F5344CB8AC3E}">
-        <p14:creationId xmlns:p14="http://schemas.microsoft.com/office/powerpoint/2010/main" val="660388300"/>
+        <p14:creationId xmlns:p14="http://schemas.microsoft.com/office/powerpoint/2010/main" val="353484744"/>
       </p:ext>
     </p:extLst>
   </p:cSld>
@@ -11212,36 +11075,264 @@
           <a:chExt cx="0" cy="0"/>
         </a:xfrm>
       </p:grpSpPr>
-      <mc:AlternateContent xmlns:mc="http://schemas.openxmlformats.org/markup-compatibility/2006" xmlns:a14="http://schemas.microsoft.com/office/drawing/2010/main">
-        <mc:Choice Requires="a14">
+      <p:sp>
+        <p:nvSpPr>
+          <p:cNvPr id="2" name="タイトル 1">
+            <a:extLst>
+              <a:ext uri="{FF2B5EF4-FFF2-40B4-BE49-F238E27FC236}">
+                <a16:creationId xmlns:a16="http://schemas.microsoft.com/office/drawing/2014/main" id="{220D7C82-5080-82E7-656E-D1D1DC34032E}"/>
+              </a:ext>
+            </a:extLst>
+          </p:cNvPr>
+          <p:cNvSpPr>
+            <a:spLocks noGrp="1"/>
+          </p:cNvSpPr>
+          <p:nvPr>
+            <p:ph type="title"/>
+          </p:nvPr>
+        </p:nvSpPr>
+        <p:spPr/>
+        <p:txBody>
+          <a:bodyPr/>
+          <a:lstStyle/>
+          <a:p>
+            <a:r>
+              <a:rPr lang="en-US" altLang="ja-JP" dirty="0"/>
+              <a:t>DC</a:t>
+            </a:r>
+            <a:r>
+              <a:rPr kumimoji="1" lang="ja-JP" altLang="en-US" dirty="0"/>
+              <a:t>解析</a:t>
+            </a:r>
+          </a:p>
+        </p:txBody>
+      </p:sp>
+      <p:sp>
+        <p:nvSpPr>
+          <p:cNvPr id="3" name="スライド番号プレースホルダー 2">
+            <a:extLst>
+              <a:ext uri="{FF2B5EF4-FFF2-40B4-BE49-F238E27FC236}">
+                <a16:creationId xmlns:a16="http://schemas.microsoft.com/office/drawing/2014/main" id="{7866DEF1-5BE0-3D42-7ED3-F932FA24574F}"/>
+              </a:ext>
+            </a:extLst>
+          </p:cNvPr>
+          <p:cNvSpPr>
+            <a:spLocks noGrp="1"/>
+          </p:cNvSpPr>
+          <p:nvPr>
+            <p:ph type="sldNum" sz="quarter" idx="12"/>
+          </p:nvPr>
+        </p:nvSpPr>
+        <p:spPr/>
+        <p:txBody>
+          <a:bodyPr/>
+          <a:lstStyle/>
+          <a:p>
+            <a:fld id="{85B6C27D-B957-4A92-99D3-4644DF81A59E}" type="slidenum">
+              <a:rPr kumimoji="1" lang="ja-JP" altLang="en-US" smtClean="0"/>
+              <a:t>9</a:t>
+            </a:fld>
+            <a:endParaRPr kumimoji="1" lang="ja-JP" altLang="en-US"/>
+          </a:p>
+        </p:txBody>
+      </p:sp>
+      <p:pic>
+        <p:nvPicPr>
+          <p:cNvPr id="11" name="図 10" descr="グラフ&#10;&#10;自動的に生成された説明">
+            <a:extLst>
+              <a:ext uri="{FF2B5EF4-FFF2-40B4-BE49-F238E27FC236}">
+                <a16:creationId xmlns:a16="http://schemas.microsoft.com/office/drawing/2014/main" id="{720EE4C9-DD8A-E162-005D-59260762D009}"/>
+              </a:ext>
+            </a:extLst>
+          </p:cNvPr>
+          <p:cNvPicPr>
+            <a:picLocks noChangeAspect="1"/>
+          </p:cNvPicPr>
+          <p:nvPr/>
+        </p:nvPicPr>
+        <p:blipFill rotWithShape="1">
+          <a:blip r:embed="rId2">
+            <a:extLst>
+              <a:ext uri="{28A0092B-C50C-407E-A947-70E740481C1C}">
+                <a14:useLocalDpi xmlns:a14="http://schemas.microsoft.com/office/drawing/2010/main" val="0"/>
+              </a:ext>
+            </a:extLst>
+          </a:blip>
+          <a:srcRect r="10166"/>
+          <a:stretch/>
+        </p:blipFill>
+        <p:spPr>
+          <a:xfrm>
+            <a:off x="0" y="1369070"/>
+            <a:ext cx="6813176" cy="5308899"/>
+          </a:xfrm>
+          <a:prstGeom prst="rect">
+            <a:avLst/>
+          </a:prstGeom>
+        </p:spPr>
+      </p:pic>
+      <mc:AlternateContent xmlns:mc="http://schemas.openxmlformats.org/markup-compatibility/2006">
+        <mc:Choice xmlns:a14="http://schemas.microsoft.com/office/drawing/2010/main" Requires="a14">
           <p:sp>
             <p:nvSpPr>
-              <p:cNvPr id="2" name="タイトル 1">
+              <p:cNvPr id="13" name="テキスト ボックス 12">
                 <a:extLst>
                   <a:ext uri="{FF2B5EF4-FFF2-40B4-BE49-F238E27FC236}">
-                    <a16:creationId xmlns:a16="http://schemas.microsoft.com/office/drawing/2014/main" id="{C7E622DE-9AD0-F379-B553-FE1123FF1947}"/>
+                    <a16:creationId xmlns:a16="http://schemas.microsoft.com/office/drawing/2014/main" id="{34664D17-4F01-CED0-CA0F-95FA31789938}"/>
                   </a:ext>
                 </a:extLst>
               </p:cNvPr>
-              <p:cNvSpPr>
-                <a:spLocks noGrp="1"/>
-              </p:cNvSpPr>
-              <p:nvPr>
-                <p:ph type="title"/>
-              </p:nvPr>
+              <p:cNvSpPr txBox="1"/>
+              <p:nvPr/>
             </p:nvSpPr>
-            <p:spPr/>
+            <p:spPr>
+              <a:xfrm>
+                <a:off x="7082116" y="2115304"/>
+                <a:ext cx="4661647" cy="4154984"/>
+              </a:xfrm>
+              <a:prstGeom prst="rect">
+                <a:avLst/>
+              </a:prstGeom>
+              <a:noFill/>
+            </p:spPr>
             <p:txBody>
-              <a:bodyPr/>
+              <a:bodyPr wrap="square" rtlCol="0">
+                <a:spAutoFit/>
+              </a:bodyPr>
               <a:lstStyle/>
               <a:p>
+                <a:pPr algn="l"/>
+                <a14:m>
+                  <m:oMath xmlns:m="http://schemas.openxmlformats.org/officeDocument/2006/math">
+                    <m:sSub>
+                      <m:sSubPr>
+                        <m:ctrlPr>
+                          <a:rPr kumimoji="1" lang="en-US" altLang="ja-JP" sz="2200" b="0" i="1" smtClean="0">
+                            <a:latin typeface="Cambria Math" panose="02040503050406030204" pitchFamily="18" charset="0"/>
+                          </a:rPr>
+                        </m:ctrlPr>
+                      </m:sSubPr>
+                      <m:e>
+                        <m:r>
+                          <a:rPr kumimoji="1" lang="en-US" altLang="ja-JP" sz="2200" b="0" i="1" smtClean="0">
+                            <a:latin typeface="Cambria Math" panose="02040503050406030204" pitchFamily="18" charset="0"/>
+                          </a:rPr>
+                          <m:t>𝑣</m:t>
+                        </m:r>
+                      </m:e>
+                      <m:sub>
+                        <m:r>
+                          <a:rPr kumimoji="1" lang="en-US" altLang="ja-JP" sz="2200" b="0" i="1" smtClean="0">
+                            <a:latin typeface="Cambria Math" panose="02040503050406030204" pitchFamily="18" charset="0"/>
+                          </a:rPr>
+                          <m:t>𝑖𝑛</m:t>
+                        </m:r>
+                      </m:sub>
+                    </m:sSub>
+                    <m:r>
+                      <a:rPr kumimoji="1" lang="en-US" altLang="ja-JP" sz="2200" b="0" i="1" smtClean="0">
+                        <a:latin typeface="Cambria Math" panose="02040503050406030204" pitchFamily="18" charset="0"/>
+                      </a:rPr>
+                      <m:t>,</m:t>
+                    </m:r>
+                    <m:sSub>
+                      <m:sSubPr>
+                        <m:ctrlPr>
+                          <a:rPr kumimoji="1" lang="en-US" altLang="ja-JP" sz="2200" b="0" i="1" smtClean="0">
+                            <a:latin typeface="Cambria Math" panose="02040503050406030204" pitchFamily="18" charset="0"/>
+                          </a:rPr>
+                        </m:ctrlPr>
+                      </m:sSubPr>
+                      <m:e>
+                        <m:r>
+                          <a:rPr kumimoji="1" lang="en-US" altLang="ja-JP" sz="2200" b="0" i="1" smtClean="0">
+                            <a:latin typeface="Cambria Math" panose="02040503050406030204" pitchFamily="18" charset="0"/>
+                          </a:rPr>
+                          <m:t>𝑉</m:t>
+                        </m:r>
+                      </m:e>
+                      <m:sub>
+                        <m:r>
+                          <a:rPr kumimoji="1" lang="en-US" altLang="ja-JP" sz="2200" b="0" i="1" smtClean="0">
+                            <a:latin typeface="Cambria Math" panose="02040503050406030204" pitchFamily="18" charset="0"/>
+                          </a:rPr>
+                          <m:t>𝐶𝑇𝑅𝐿</m:t>
+                        </m:r>
+                      </m:sub>
+                    </m:sSub>
+                  </m:oMath>
+                </a14:m>
+                <a:r>
+                  <a:rPr kumimoji="1" lang="ja-JP" altLang="en-US" sz="2200" dirty="0"/>
+                  <a:t>におよそ比例した出力が得られた。また、主力範囲は拡大することができた。</a:t>
+                </a:r>
+                <a:endParaRPr kumimoji="1" lang="en-US" altLang="ja-JP" sz="2200" dirty="0"/>
+              </a:p>
+              <a:p>
+                <a:pPr algn="l"/>
+                <a:endParaRPr kumimoji="1" lang="en-US" altLang="ja-JP" sz="2200" dirty="0"/>
+              </a:p>
+              <a:p>
+                <a:pPr algn="l"/>
+                <a:r>
+                  <a:rPr lang="ja-JP" altLang="en-US" sz="2200" dirty="0"/>
+                  <a:t>しかし、</a:t>
+                </a:r>
+                <a14:m>
+                  <m:oMath xmlns:m="http://schemas.openxmlformats.org/officeDocument/2006/math">
+                    <m:sSub>
+                      <m:sSubPr>
+                        <m:ctrlPr>
+                          <a:rPr lang="en-US" altLang="ja-JP" sz="2200" b="0" i="1" smtClean="0">
+                            <a:latin typeface="Cambria Math" panose="02040503050406030204" pitchFamily="18" charset="0"/>
+                          </a:rPr>
+                        </m:ctrlPr>
+                      </m:sSubPr>
+                      <m:e>
+                        <m:r>
+                          <a:rPr lang="en-US" altLang="ja-JP" sz="2200" b="0" i="1" smtClean="0">
+                            <a:latin typeface="Cambria Math" panose="02040503050406030204" pitchFamily="18" charset="0"/>
+                          </a:rPr>
+                          <m:t>𝑣</m:t>
+                        </m:r>
+                      </m:e>
+                      <m:sub>
+                        <m:r>
+                          <a:rPr lang="en-US" altLang="ja-JP" sz="2200" b="0" i="1" smtClean="0">
+                            <a:latin typeface="Cambria Math" panose="02040503050406030204" pitchFamily="18" charset="0"/>
+                          </a:rPr>
+                          <m:t>𝑖𝑛</m:t>
+                        </m:r>
+                      </m:sub>
+                    </m:sSub>
+                    <m:r>
+                      <a:rPr lang="en-US" altLang="ja-JP" sz="2200" b="0" i="1" smtClean="0">
+                        <a:latin typeface="Cambria Math" panose="02040503050406030204" pitchFamily="18" charset="0"/>
+                      </a:rPr>
+                      <m:t>=±0.15 </m:t>
+                    </m:r>
+                    <m:r>
+                      <m:rPr>
+                        <m:sty m:val="p"/>
+                      </m:rPr>
+                      <a:rPr lang="en-US" altLang="ja-JP" sz="2200" b="0" i="0" smtClean="0">
+                        <a:latin typeface="Cambria Math" panose="02040503050406030204" pitchFamily="18" charset="0"/>
+                      </a:rPr>
+                      <m:t>V</m:t>
+                    </m:r>
+                  </m:oMath>
+                </a14:m>
+                <a:r>
+                  <a:rPr kumimoji="1" lang="ja-JP" altLang="en-US" sz="2200" dirty="0"/>
+                  <a:t>付近で屈曲が見られた。これは</a:t>
+                </a:r>
                 <a14:m>
                   <m:oMath xmlns:m="http://schemas.openxmlformats.org/officeDocument/2006/math">
                     <m:r>
                       <m:rPr>
                         <m:sty m:val="p"/>
                       </m:rPr>
-                      <a:rPr kumimoji="1" lang="en-US" altLang="ja-JP" b="0" i="0" smtClean="0">
+                      <a:rPr kumimoji="1" lang="en-US" altLang="ja-JP" sz="2200" i="0" dirty="0" smtClean="0">
                         <a:latin typeface="Cambria Math" panose="02040503050406030204" pitchFamily="18" charset="0"/>
                       </a:rPr>
                       <m:t>pmos</m:t>
@@ -11249,35 +11340,109 @@
                   </m:oMath>
                 </a14:m>
                 <a:r>
-                  <a:rPr kumimoji="1" lang="ja-JP" altLang="en-US" dirty="0"/>
-                  <a:t>の設計</a:t>
+                  <a:rPr kumimoji="1" lang="ja-JP" altLang="en-US" sz="2200" dirty="0"/>
+                  <a:t>の</a:t>
                 </a:r>
+                <a14:m>
+                  <m:oMath xmlns:m="http://schemas.openxmlformats.org/officeDocument/2006/math">
+                    <m:sSub>
+                      <m:sSubPr>
+                        <m:ctrlPr>
+                          <a:rPr kumimoji="1" lang="en-US" altLang="ja-JP" sz="2200" b="0" i="1" dirty="0" smtClean="0">
+                            <a:latin typeface="Cambria Math" panose="02040503050406030204" pitchFamily="18" charset="0"/>
+                          </a:rPr>
+                        </m:ctrlPr>
+                      </m:sSubPr>
+                      <m:e>
+                        <m:r>
+                          <a:rPr kumimoji="1" lang="en-US" altLang="ja-JP" sz="2200" b="0" i="1" dirty="0" smtClean="0">
+                            <a:latin typeface="Cambria Math" panose="02040503050406030204" pitchFamily="18" charset="0"/>
+                          </a:rPr>
+                          <m:t>𝑔</m:t>
+                        </m:r>
+                      </m:e>
+                      <m:sub>
+                        <m:r>
+                          <a:rPr kumimoji="1" lang="en-US" altLang="ja-JP" sz="2200" b="0" i="1" dirty="0" smtClean="0">
+                            <a:latin typeface="Cambria Math" panose="02040503050406030204" pitchFamily="18" charset="0"/>
+                          </a:rPr>
+                          <m:t>𝑚</m:t>
+                        </m:r>
+                      </m:sub>
+                    </m:sSub>
+                    <m:r>
+                      <a:rPr kumimoji="1" lang="en-US" altLang="ja-JP" sz="2200" b="0" i="1" dirty="0" smtClean="0">
+                        <a:latin typeface="Cambria Math" panose="02040503050406030204" pitchFamily="18" charset="0"/>
+                      </a:rPr>
+                      <m:t>−</m:t>
+                    </m:r>
+                    <m:sSub>
+                      <m:sSubPr>
+                        <m:ctrlPr>
+                          <a:rPr kumimoji="1" lang="en-US" altLang="ja-JP" sz="2200" b="0" i="1" dirty="0" smtClean="0">
+                            <a:latin typeface="Cambria Math" panose="02040503050406030204" pitchFamily="18" charset="0"/>
+                          </a:rPr>
+                        </m:ctrlPr>
+                      </m:sSubPr>
+                      <m:e>
+                        <m:r>
+                          <a:rPr kumimoji="1" lang="en-US" altLang="ja-JP" sz="2200" b="0" i="1" dirty="0" smtClean="0">
+                            <a:latin typeface="Cambria Math" panose="02040503050406030204" pitchFamily="18" charset="0"/>
+                          </a:rPr>
+                          <m:t>𝑉</m:t>
+                        </m:r>
+                      </m:e>
+                      <m:sub>
+                        <m:r>
+                          <a:rPr kumimoji="1" lang="en-US" altLang="ja-JP" sz="2200" b="0" i="1" dirty="0" smtClean="0">
+                            <a:latin typeface="Cambria Math" panose="02040503050406030204" pitchFamily="18" charset="0"/>
+                          </a:rPr>
+                          <m:t>𝐺𝑆</m:t>
+                        </m:r>
+                      </m:sub>
+                    </m:sSub>
+                  </m:oMath>
+                </a14:m>
+                <a:r>
+                  <a:rPr kumimoji="1" lang="ja-JP" altLang="en-US" sz="2200" dirty="0"/>
+                  <a:t>特性の時に見られた折れ曲がりの影響であると思われる。</a:t>
+                </a:r>
+                <a:r>
+                  <a:rPr lang="ja-JP" altLang="en-US" sz="2200" dirty="0"/>
+                  <a:t>したがって、線形に近づけるにはこの折れ曲がり付近を使わないように設計する必要がある。これは出力範囲を狭める方向に働く。</a:t>
+                </a:r>
+                <a:endParaRPr lang="en-US" altLang="ja-JP" sz="2200" dirty="0"/>
               </a:p>
             </p:txBody>
           </p:sp>
         </mc:Choice>
-        <mc:Fallback xmlns="">
+        <mc:Fallback>
           <p:sp>
             <p:nvSpPr>
-              <p:cNvPr id="2" name="タイトル 1">
+              <p:cNvPr id="13" name="テキスト ボックス 12">
                 <a:extLst>
                   <a:ext uri="{FF2B5EF4-FFF2-40B4-BE49-F238E27FC236}">
-                    <a16:creationId xmlns:a16="http://schemas.microsoft.com/office/drawing/2014/main" id="{C7E622DE-9AD0-F379-B553-FE1123FF1947}"/>
+                    <a16:creationId xmlns:a16="http://schemas.microsoft.com/office/drawing/2014/main" id="{34664D17-4F01-CED0-CA0F-95FA31789938}"/>
                   </a:ext>
                 </a:extLst>
               </p:cNvPr>
-              <p:cNvSpPr>
-                <a:spLocks noGrp="1" noRot="1" noChangeAspect="1" noMove="1" noResize="1" noEditPoints="1" noAdjustHandles="1" noChangeArrowheads="1" noChangeShapeType="1" noTextEdit="1"/>
+              <p:cNvSpPr txBox="1">
+                <a:spLocks noRot="1" noChangeAspect="1" noMove="1" noResize="1" noEditPoints="1" noAdjustHandles="1" noChangeArrowheads="1" noChangeShapeType="1" noTextEdit="1"/>
               </p:cNvSpPr>
-              <p:nvPr>
-                <p:ph type="title"/>
-              </p:nvPr>
+              <p:nvPr/>
             </p:nvSpPr>
             <p:spPr>
+              <a:xfrm>
+                <a:off x="7082116" y="2115304"/>
+                <a:ext cx="4661647" cy="4154984"/>
+              </a:xfrm>
+              <a:prstGeom prst="rect">
+                <a:avLst/>
+              </a:prstGeom>
               <a:blipFill>
-                <a:blip r:embed="rId2"/>
+                <a:blip r:embed="rId3"/>
                 <a:stretch>
-                  <a:fillRect/>
+                  <a:fillRect l="-1702" t="-1026" r="-1832" b="-1906"/>
                 </a:stretch>
               </a:blipFill>
             </p:spPr>
@@ -11296,39 +11461,10 @@
           </p:sp>
         </mc:Fallback>
       </mc:AlternateContent>
-      <p:sp>
-        <p:nvSpPr>
-          <p:cNvPr id="3" name="スライド番号プレースホルダー 2">
-            <a:extLst>
-              <a:ext uri="{FF2B5EF4-FFF2-40B4-BE49-F238E27FC236}">
-                <a16:creationId xmlns:a16="http://schemas.microsoft.com/office/drawing/2014/main" id="{CC281A05-D453-1877-F172-5A0816735526}"/>
-              </a:ext>
-            </a:extLst>
-          </p:cNvPr>
-          <p:cNvSpPr>
-            <a:spLocks noGrp="1"/>
-          </p:cNvSpPr>
-          <p:nvPr>
-            <p:ph type="sldNum" sz="quarter" idx="12"/>
-          </p:nvPr>
-        </p:nvSpPr>
-        <p:spPr/>
-        <p:txBody>
-          <a:bodyPr/>
-          <a:lstStyle/>
-          <a:p>
-            <a:fld id="{85B6C27D-B957-4A92-99D3-4644DF81A59E}" type="slidenum">
-              <a:rPr kumimoji="1" lang="ja-JP" altLang="en-US" smtClean="0"/>
-              <a:t>9</a:t>
-            </a:fld>
-            <a:endParaRPr kumimoji="1" lang="ja-JP" altLang="en-US"/>
-          </a:p>
-        </p:txBody>
-      </p:sp>
     </p:spTree>
     <p:extLst>
       <p:ext uri="{BB962C8B-B14F-4D97-AF65-F5344CB8AC3E}">
-        <p14:creationId xmlns:p14="http://schemas.microsoft.com/office/powerpoint/2010/main" val="2444191024"/>
+        <p14:creationId xmlns:p14="http://schemas.microsoft.com/office/powerpoint/2010/main" val="3605520721"/>
       </p:ext>
     </p:extLst>
   </p:cSld>
@@ -11633,7 +11769,7 @@
       </a:bodyPr>
       <a:lstStyle>
         <a:defPPr algn="l">
-          <a:defRPr kumimoji="1" sz="2400" dirty="0"/>
+          <a:defRPr kumimoji="1" sz="2200" dirty="0"/>
         </a:defPPr>
       </a:lstStyle>
     </a:txDef>

--- a/folded_gilbert/20230717/折り返し型の電圧範囲.pptx
+++ b/folded_gilbert/20230717/折り返し型の電圧範囲.pptx
@@ -401,7 +401,7 @@
           <a:p>
             <a:fld id="{DE382154-419C-409D-B617-0B89EFE1CE79}" type="datetimeFigureOut">
               <a:rPr kumimoji="1" lang="ja-JP" altLang="en-US" smtClean="0"/>
-              <a:t>2023/7/16</a:t>
+              <a:t>2023/7/17</a:t>
             </a:fld>
             <a:endParaRPr kumimoji="1" lang="ja-JP" altLang="en-US"/>
           </a:p>
@@ -847,7 +847,7 @@
           <a:p>
             <a:fld id="{51C00744-0B96-40C4-851C-83586B5ED643}" type="datetime1">
               <a:rPr kumimoji="1" lang="ja-JP" altLang="en-US" smtClean="0"/>
-              <a:t>2023/7/16</a:t>
+              <a:t>2023/7/17</a:t>
             </a:fld>
             <a:endParaRPr kumimoji="1" lang="ja-JP" altLang="en-US"/>
           </a:p>
@@ -1077,7 +1077,7 @@
           <a:p>
             <a:fld id="{EF7C8E09-3058-4716-AE5A-C5CA582A05F1}" type="datetime1">
               <a:rPr kumimoji="1" lang="ja-JP" altLang="en-US" smtClean="0"/>
-              <a:t>2023/7/16</a:t>
+              <a:t>2023/7/17</a:t>
             </a:fld>
             <a:endParaRPr kumimoji="1" lang="ja-JP" altLang="en-US"/>
           </a:p>
@@ -1317,7 +1317,7 @@
           <a:p>
             <a:fld id="{4179C582-9FBB-4F37-BEA6-6B0A84724C2B}" type="datetime1">
               <a:rPr kumimoji="1" lang="ja-JP" altLang="en-US" smtClean="0"/>
-              <a:t>2023/7/16</a:t>
+              <a:t>2023/7/17</a:t>
             </a:fld>
             <a:endParaRPr kumimoji="1" lang="ja-JP" altLang="en-US"/>
           </a:p>
@@ -1547,7 +1547,7 @@
           <a:p>
             <a:fld id="{B9710FC7-F292-464E-B04D-D382BBC5B6EA}" type="datetime1">
               <a:rPr kumimoji="1" lang="ja-JP" altLang="en-US" smtClean="0"/>
-              <a:t>2023/7/16</a:t>
+              <a:t>2023/7/17</a:t>
             </a:fld>
             <a:endParaRPr kumimoji="1" lang="ja-JP" altLang="en-US"/>
           </a:p>
@@ -1822,7 +1822,7 @@
           <a:p>
             <a:fld id="{B5564B36-BDCF-4E10-8FFE-CB21D40BC2DD}" type="datetime1">
               <a:rPr kumimoji="1" lang="ja-JP" altLang="en-US" smtClean="0"/>
-              <a:t>2023/7/16</a:t>
+              <a:t>2023/7/17</a:t>
             </a:fld>
             <a:endParaRPr kumimoji="1" lang="ja-JP" altLang="en-US"/>
           </a:p>
@@ -2151,7 +2151,7 @@
           <a:p>
             <a:fld id="{4BD5286A-916E-4B5B-84B6-DDE4DEB090B2}" type="datetime1">
               <a:rPr kumimoji="1" lang="ja-JP" altLang="en-US" smtClean="0"/>
-              <a:t>2023/7/16</a:t>
+              <a:t>2023/7/17</a:t>
             </a:fld>
             <a:endParaRPr kumimoji="1" lang="ja-JP" altLang="en-US"/>
           </a:p>
@@ -2627,7 +2627,7 @@
           <a:p>
             <a:fld id="{7567D527-BD0D-4C2A-B41E-CA79E11F4B63}" type="datetime1">
               <a:rPr kumimoji="1" lang="ja-JP" altLang="en-US" smtClean="0"/>
-              <a:t>2023/7/16</a:t>
+              <a:t>2023/7/17</a:t>
             </a:fld>
             <a:endParaRPr kumimoji="1" lang="ja-JP" altLang="en-US"/>
           </a:p>
@@ -2768,7 +2768,7 @@
           <a:p>
             <a:fld id="{02C36703-85BB-4D8D-8511-E9B4F426175F}" type="datetime1">
               <a:rPr kumimoji="1" lang="ja-JP" altLang="en-US" smtClean="0"/>
-              <a:t>2023/7/16</a:t>
+              <a:t>2023/7/17</a:t>
             </a:fld>
             <a:endParaRPr kumimoji="1" lang="ja-JP" altLang="en-US"/>
           </a:p>
@@ -2881,7 +2881,7 @@
           <a:p>
             <a:fld id="{A94F3F00-754A-4C95-A300-F53CA6E5E9A5}" type="datetime1">
               <a:rPr kumimoji="1" lang="ja-JP" altLang="en-US" smtClean="0"/>
-              <a:t>2023/7/16</a:t>
+              <a:t>2023/7/17</a:t>
             </a:fld>
             <a:endParaRPr kumimoji="1" lang="ja-JP" altLang="en-US"/>
           </a:p>
@@ -3224,7 +3224,7 @@
           <a:p>
             <a:fld id="{ABB84780-9747-432F-8DBF-1C07342C76D8}" type="datetime1">
               <a:rPr kumimoji="1" lang="ja-JP" altLang="en-US" smtClean="0"/>
-              <a:t>2023/7/16</a:t>
+              <a:t>2023/7/17</a:t>
             </a:fld>
             <a:endParaRPr kumimoji="1" lang="ja-JP" altLang="en-US"/>
           </a:p>
@@ -3512,7 +3512,7 @@
           <a:p>
             <a:fld id="{BB42EB3F-5154-43C6-ACD8-A692B0412506}" type="datetime1">
               <a:rPr kumimoji="1" lang="ja-JP" altLang="en-US" smtClean="0"/>
-              <a:t>2023/7/16</a:t>
+              <a:t>2023/7/17</a:t>
             </a:fld>
             <a:endParaRPr kumimoji="1" lang="ja-JP" altLang="en-US"/>
           </a:p>
@@ -3785,7 +3785,7 @@
           <a:p>
             <a:fld id="{3DE181C2-0CF6-41E9-B879-ED17C3A7EA86}" type="datetime1">
               <a:rPr kumimoji="1" lang="ja-JP" altLang="en-US" smtClean="0"/>
-              <a:t>2023/7/16</a:t>
+              <a:t>2023/7/17</a:t>
             </a:fld>
             <a:endParaRPr kumimoji="1" lang="ja-JP" altLang="en-US"/>
           </a:p>
@@ -4785,8 +4785,8 @@
           </a:p>
         </p:txBody>
       </p:sp>
-      <mc:AlternateContent xmlns:mc="http://schemas.openxmlformats.org/markup-compatibility/2006">
-        <mc:Choice xmlns:a14="http://schemas.microsoft.com/office/drawing/2010/main" Requires="a14">
+      <mc:AlternateContent xmlns:mc="http://schemas.openxmlformats.org/markup-compatibility/2006" xmlns:a14="http://schemas.microsoft.com/office/drawing/2010/main">
+        <mc:Choice Requires="a14">
           <p:sp>
             <p:nvSpPr>
               <p:cNvPr id="4" name="テキスト ボックス 3">
@@ -4887,7 +4887,7 @@
             </p:txBody>
           </p:sp>
         </mc:Choice>
-        <mc:Fallback>
+        <mc:Fallback xmlns="">
           <p:sp>
             <p:nvSpPr>
               <p:cNvPr id="4" name="テキスト ボックス 3">
@@ -5350,7 +5350,7 @@
           <a:p>
             <a:r>
               <a:rPr kumimoji="1" lang="ja-JP" altLang="en-US" dirty="0"/>
-              <a:t>従来型の設計値とシミュレーション結果</a:t>
+              <a:t>従来型の設計値</a:t>
             </a:r>
           </a:p>
         </p:txBody>
@@ -5437,7 +5437,7 @@
               <p:nvPr>
                 <p:extLst>
                   <p:ext uri="{D42A27DB-BD31-4B8C-83A1-F6EECF244321}">
-                    <p14:modId xmlns:p14="http://schemas.microsoft.com/office/powerpoint/2010/main" val="2909373644"/>
+                    <p14:modId xmlns:p14="http://schemas.microsoft.com/office/powerpoint/2010/main" val="521928257"/>
                   </p:ext>
                 </p:extLst>
               </p:nvPr>
@@ -5874,7 +5874,7 @@
                         <a:bodyPr/>
                         <a:lstStyle/>
                         <a:p>
-                          <a:pPr algn="ctr"/>
+                          <a:pPr/>
                           <a14:m>
                             <m:oMathPara xmlns:m="http://schemas.openxmlformats.org/officeDocument/2006/math">
                               <m:oMathParaPr>
@@ -5893,10 +5893,10 @@
                                     <a:uLnTx/>
                                     <a:uFillTx/>
                                     <a:latin typeface="Cambria Math" panose="02040503050406030204" pitchFamily="18" charset="0"/>
-                                    <a:ea typeface="游ゴシック" panose="020B0400000000000000" pitchFamily="50" charset="-128"/>
+                                    <a:ea typeface="+mn-ea"/>
                                     <a:cs typeface="+mn-cs"/>
                                   </a:rPr>
-                                  <m:t>1.206</m:t>
+                                  <m:t>1.5</m:t>
                                 </m:r>
                               </m:oMath>
                             </m:oMathPara>
@@ -5996,7 +5996,23 @@
                         <a:bodyPr/>
                         <a:lstStyle/>
                         <a:p>
-                          <a:pPr algn="ctr"/>
+                          <a:pPr marL="0" marR="0" lvl="0" indent="0" algn="ctr" defTabSz="914400" rtl="0" eaLnBrk="1" fontAlgn="auto" latinLnBrk="0" hangingPunct="1">
+                            <a:lnSpc>
+                              <a:spcPct val="100000"/>
+                            </a:lnSpc>
+                            <a:spcBef>
+                              <a:spcPts val="0"/>
+                            </a:spcBef>
+                            <a:spcAft>
+                              <a:spcPts val="0"/>
+                            </a:spcAft>
+                            <a:buClrTx/>
+                            <a:buSzTx/>
+                            <a:buFontTx/>
+                            <a:buNone/>
+                            <a:tabLst/>
+                            <a:defRPr/>
+                          </a:pPr>
                           <a14:m>
                             <m:oMathPara xmlns:m="http://schemas.openxmlformats.org/officeDocument/2006/math">
                               <m:oMathParaPr>
@@ -6015,10 +6031,10 @@
                                     <a:uLnTx/>
                                     <a:uFillTx/>
                                     <a:latin typeface="Cambria Math" panose="02040503050406030204" pitchFamily="18" charset="0"/>
-                                    <a:ea typeface="游ゴシック" panose="020B0400000000000000" pitchFamily="50" charset="-128"/>
+                                    <a:ea typeface="+mn-ea"/>
                                     <a:cs typeface="+mn-cs"/>
                                   </a:rPr>
-                                  <m:t>0.6687</m:t>
+                                  <m:t>0.8</m:t>
                                 </m:r>
                               </m:oMath>
                             </m:oMathPara>
@@ -6293,21 +6309,10 @@
                               </m:oMathParaPr>
                               <m:oMath xmlns:m="http://schemas.openxmlformats.org/officeDocument/2006/math">
                                 <m:r>
-                                  <a:rPr kumimoji="1" lang="en-US" altLang="ja-JP" sz="1800" b="0" i="1" u="none" strike="noStrike" kern="1200" cap="none" spc="0" normalizeH="0" baseline="0" noProof="0" smtClean="0">
-                                    <a:ln>
-                                      <a:noFill/>
-                                    </a:ln>
-                                    <a:solidFill>
-                                      <a:prstClr val="black"/>
-                                    </a:solidFill>
-                                    <a:effectLst/>
-                                    <a:uLnTx/>
-                                    <a:uFillTx/>
+                                  <a:rPr kumimoji="1" lang="en-US" altLang="ja-JP" b="0" i="1" smtClean="0">
                                     <a:latin typeface="Cambria Math" panose="02040503050406030204" pitchFamily="18" charset="0"/>
-                                    <a:ea typeface="游ゴシック" panose="020B0400000000000000" pitchFamily="50" charset="-128"/>
-                                    <a:cs typeface="+mn-cs"/>
                                   </a:rPr>
-                                  <m:t>990.8</m:t>
+                                  <m:t>1</m:t>
                                 </m:r>
                               </m:oMath>
                             </m:oMathPara>
@@ -6344,7 +6349,7 @@
               <p:nvPr>
                 <p:extLst>
                   <p:ext uri="{D42A27DB-BD31-4B8C-83A1-F6EECF244321}">
-                    <p14:modId xmlns:p14="http://schemas.microsoft.com/office/powerpoint/2010/main" val="2909373644"/>
+                    <p14:modId xmlns:p14="http://schemas.microsoft.com/office/powerpoint/2010/main" val="521928257"/>
                   </p:ext>
                 </p:extLst>
               </p:nvPr>
@@ -6870,8 +6875,8 @@
           </a:p>
         </p:txBody>
       </p:sp>
-      <mc:AlternateContent xmlns:mc="http://schemas.openxmlformats.org/markup-compatibility/2006">
-        <mc:Choice xmlns:a14="http://schemas.microsoft.com/office/drawing/2010/main" Requires="a14">
+      <mc:AlternateContent xmlns:mc="http://schemas.openxmlformats.org/markup-compatibility/2006" xmlns:a14="http://schemas.microsoft.com/office/drawing/2010/main">
+        <mc:Choice Requires="a14">
           <p:sp>
             <p:nvSpPr>
               <p:cNvPr id="9" name="テキスト ボックス 8">
@@ -6959,7 +6964,7 @@
             </p:txBody>
           </p:sp>
         </mc:Choice>
-        <mc:Fallback>
+        <mc:Fallback xmlns="">
           <p:sp>
             <p:nvSpPr>
               <p:cNvPr id="9" name="テキスト ボックス 8">
@@ -7145,7 +7150,13 @@
                         <a:rPr kumimoji="1" lang="en-US" altLang="ja-JP" sz="2200" b="0" i="1" smtClean="0">
                           <a:latin typeface="Cambria Math" panose="02040503050406030204" pitchFamily="18" charset="0"/>
                         </a:rPr>
-                        <m:t>=0.9213 </m:t>
+                        <m:t>=</m:t>
+                      </m:r>
+                      <m:r>
+                        <a:rPr kumimoji="1" lang="en-US" altLang="ja-JP" sz="2200" b="0" i="1" smtClean="0">
+                          <a:latin typeface="Cambria Math" panose="02040503050406030204" pitchFamily="18" charset="0"/>
+                        </a:rPr>
+                        <m:t>0.79 </m:t>
                       </m:r>
                       <m:r>
                         <m:rPr>
@@ -7239,8 +7250,8 @@
           <a:chExt cx="0" cy="0"/>
         </a:xfrm>
       </p:grpSpPr>
-      <mc:AlternateContent xmlns:mc="http://schemas.openxmlformats.org/markup-compatibility/2006">
-        <mc:Choice xmlns:a14="http://schemas.microsoft.com/office/drawing/2010/main" Requires="a14">
+      <mc:AlternateContent xmlns:mc="http://schemas.openxmlformats.org/markup-compatibility/2006" xmlns:a14="http://schemas.microsoft.com/office/drawing/2010/main">
+        <mc:Choice Requires="a14">
           <p:sp>
             <p:nvSpPr>
               <p:cNvPr id="2" name="タイトル 1">
@@ -7283,7 +7294,7 @@
             </p:txBody>
           </p:sp>
         </mc:Choice>
-        <mc:Fallback>
+        <mc:Fallback xmlns="">
           <p:sp>
             <p:nvSpPr>
               <p:cNvPr id="2" name="タイトル 1">
@@ -7417,8 +7428,8 @@
           </a:prstGeom>
         </p:spPr>
       </p:pic>
-      <mc:AlternateContent xmlns:mc="http://schemas.openxmlformats.org/markup-compatibility/2006">
-        <mc:Choice xmlns:a14="http://schemas.microsoft.com/office/drawing/2010/main" Requires="a14">
+      <mc:AlternateContent xmlns:mc="http://schemas.openxmlformats.org/markup-compatibility/2006" xmlns:a14="http://schemas.microsoft.com/office/drawing/2010/main">
+        <mc:Choice Requires="a14">
           <p:sp>
             <p:nvSpPr>
               <p:cNvPr id="10" name="テキスト ボックス 9">
@@ -7710,7 +7721,7 @@
             </p:txBody>
           </p:sp>
         </mc:Choice>
-        <mc:Fallback>
+        <mc:Fallback xmlns="">
           <p:sp>
             <p:nvSpPr>
               <p:cNvPr id="10" name="テキスト ボックス 9">
@@ -7814,8 +7825,8 @@
           </a:prstGeom>
         </p:spPr>
       </p:pic>
-      <mc:AlternateContent xmlns:mc="http://schemas.openxmlformats.org/markup-compatibility/2006">
-        <mc:Choice xmlns:a14="http://schemas.microsoft.com/office/drawing/2010/main" Requires="a14">
+      <mc:AlternateContent xmlns:mc="http://schemas.openxmlformats.org/markup-compatibility/2006" xmlns:a14="http://schemas.microsoft.com/office/drawing/2010/main">
+        <mc:Choice Requires="a14">
           <p:sp>
             <p:nvSpPr>
               <p:cNvPr id="2" name="タイトル 1">
@@ -7858,7 +7869,7 @@
             </p:txBody>
           </p:sp>
         </mc:Choice>
-        <mc:Fallback>
+        <mc:Fallback xmlns="">
           <p:sp>
             <p:nvSpPr>
               <p:cNvPr id="2" name="タイトル 1">
@@ -7927,8 +7938,8 @@
           </a:p>
         </p:txBody>
       </p:sp>
-      <mc:AlternateContent xmlns:mc="http://schemas.openxmlformats.org/markup-compatibility/2006">
-        <mc:Choice xmlns:a14="http://schemas.microsoft.com/office/drawing/2010/main" Requires="a14">
+      <mc:AlternateContent xmlns:mc="http://schemas.openxmlformats.org/markup-compatibility/2006" xmlns:a14="http://schemas.microsoft.com/office/drawing/2010/main">
+        <mc:Choice Requires="a14">
           <p:sp>
             <p:nvSpPr>
               <p:cNvPr id="9" name="テキスト ボックス 8">
@@ -7957,6 +7968,7 @@
               </a:bodyPr>
               <a:lstStyle/>
               <a:p>
+                <a:pPr/>
                 <a14:m>
                   <m:oMathPara xmlns:m="http://schemas.openxmlformats.org/officeDocument/2006/math">
                     <m:oMathParaPr>
@@ -8158,6 +8170,7 @@
                 <a:endParaRPr kumimoji="1" lang="en-US" altLang="ja-JP" sz="2200" dirty="0"/>
               </a:p>
               <a:p>
+                <a:pPr/>
                 <a14:m>
                   <m:oMathPara xmlns:m="http://schemas.openxmlformats.org/officeDocument/2006/math">
                     <m:oMathParaPr>
@@ -8194,7 +8207,7 @@
             </p:txBody>
           </p:sp>
         </mc:Choice>
-        <mc:Fallback>
+        <mc:Fallback xmlns="">
           <p:sp>
             <p:nvSpPr>
               <p:cNvPr id="9" name="テキスト ボックス 8">
@@ -8269,8 +8282,8 @@
           <a:chExt cx="0" cy="0"/>
         </a:xfrm>
       </p:grpSpPr>
-      <mc:AlternateContent xmlns:mc="http://schemas.openxmlformats.org/markup-compatibility/2006">
-        <mc:Choice xmlns:a14="http://schemas.microsoft.com/office/drawing/2010/main" Requires="a14">
+      <mc:AlternateContent xmlns:mc="http://schemas.openxmlformats.org/markup-compatibility/2006" xmlns:a14="http://schemas.microsoft.com/office/drawing/2010/main">
+        <mc:Choice Requires="a14">
           <p:sp>
             <p:nvSpPr>
               <p:cNvPr id="2" name="タイトル 1">
@@ -8313,7 +8326,7 @@
             </p:txBody>
           </p:sp>
         </mc:Choice>
-        <mc:Fallback>
+        <mc:Fallback xmlns="">
           <p:sp>
             <p:nvSpPr>
               <p:cNvPr id="2" name="タイトル 1">
@@ -8411,8 +8424,8 @@
           </a:prstGeom>
         </p:spPr>
       </p:pic>
-      <mc:AlternateContent xmlns:mc="http://schemas.openxmlformats.org/markup-compatibility/2006">
-        <mc:Choice xmlns:a14="http://schemas.microsoft.com/office/drawing/2010/main" Requires="a14">
+      <mc:AlternateContent xmlns:mc="http://schemas.openxmlformats.org/markup-compatibility/2006" xmlns:a14="http://schemas.microsoft.com/office/drawing/2010/main">
+        <mc:Choice Requires="a14">
           <p:sp>
             <p:nvSpPr>
               <p:cNvPr id="7" name="テキスト ボックス 6">
@@ -8593,13 +8606,7 @@
                       <a:rPr kumimoji="1" lang="en-US" altLang="ja-JP" sz="2200" b="0" i="1" smtClean="0">
                         <a:latin typeface="Cambria Math" panose="02040503050406030204" pitchFamily="18" charset="0"/>
                       </a:rPr>
-                      <m:t>1</m:t>
-                    </m:r>
-                    <m:r>
-                      <a:rPr kumimoji="1" lang="en-US" altLang="ja-JP" sz="2200" b="0" i="1" smtClean="0">
-                        <a:latin typeface="Cambria Math" panose="02040503050406030204" pitchFamily="18" charset="0"/>
-                      </a:rPr>
-                      <m:t>0</m:t>
+                      <m:t>10</m:t>
                     </m:r>
                   </m:oMath>
                 </a14:m>
@@ -8813,7 +8820,7 @@
             </p:txBody>
           </p:sp>
         </mc:Choice>
-        <mc:Fallback>
+        <mc:Fallback xmlns="">
           <p:sp>
             <p:nvSpPr>
               <p:cNvPr id="7" name="テキスト ボックス 6">
@@ -9137,8 +9144,8 @@
           </a:prstGeom>
         </p:spPr>
       </p:pic>
-      <mc:AlternateContent xmlns:mc="http://schemas.openxmlformats.org/markup-compatibility/2006">
-        <mc:Choice xmlns:a14="http://schemas.microsoft.com/office/drawing/2010/main" Requires="a14">
+      <mc:AlternateContent xmlns:mc="http://schemas.openxmlformats.org/markup-compatibility/2006" xmlns:a14="http://schemas.microsoft.com/office/drawing/2010/main">
+        <mc:Choice Requires="a14">
           <p:graphicFrame>
             <p:nvGraphicFramePr>
               <p:cNvPr id="5" name="表 5">
@@ -10342,7 +10349,7 @@
             </a:graphic>
           </p:graphicFrame>
         </mc:Choice>
-        <mc:Fallback>
+        <mc:Fallback xmlns="">
           <p:graphicFrame>
             <p:nvGraphicFramePr>
               <p:cNvPr id="5" name="表 5">
@@ -10926,8 +10933,8 @@
           </p:graphicFrame>
         </mc:Fallback>
       </mc:AlternateContent>
-      <mc:AlternateContent xmlns:mc="http://schemas.openxmlformats.org/markup-compatibility/2006">
-        <mc:Choice xmlns:a14="http://schemas.microsoft.com/office/drawing/2010/main" Requires="a14">
+      <mc:AlternateContent xmlns:mc="http://schemas.openxmlformats.org/markup-compatibility/2006" xmlns:a14="http://schemas.microsoft.com/office/drawing/2010/main">
+        <mc:Choice Requires="a14">
           <p:sp>
             <p:nvSpPr>
               <p:cNvPr id="6" name="テキスト ボックス 5">
@@ -11000,7 +11007,7 @@
             </p:txBody>
           </p:sp>
         </mc:Choice>
-        <mc:Fallback>
+        <mc:Fallback xmlns="">
           <p:sp>
             <p:nvSpPr>
               <p:cNvPr id="6" name="テキスト ボックス 5">
@@ -11171,8 +11178,8 @@
           </a:prstGeom>
         </p:spPr>
       </p:pic>
-      <mc:AlternateContent xmlns:mc="http://schemas.openxmlformats.org/markup-compatibility/2006">
-        <mc:Choice xmlns:a14="http://schemas.microsoft.com/office/drawing/2010/main" Requires="a14">
+      <mc:AlternateContent xmlns:mc="http://schemas.openxmlformats.org/markup-compatibility/2006" xmlns:a14="http://schemas.microsoft.com/office/drawing/2010/main">
+        <mc:Choice Requires="a14">
           <p:sp>
             <p:nvSpPr>
               <p:cNvPr id="13" name="テキスト ボックス 12">
@@ -11416,7 +11423,7 @@
             </p:txBody>
           </p:sp>
         </mc:Choice>
-        <mc:Fallback>
+        <mc:Fallback xmlns="">
           <p:sp>
             <p:nvSpPr>
               <p:cNvPr id="13" name="テキスト ボックス 12">

--- a/folded_gilbert/20230717/折り返し型の電圧範囲.pptx
+++ b/folded_gilbert/20230717/折り返し型の電圧範囲.pptx
@@ -401,7 +401,7 @@
           <a:p>
             <a:fld id="{DE382154-419C-409D-B617-0B89EFE1CE79}" type="datetimeFigureOut">
               <a:rPr kumimoji="1" lang="ja-JP" altLang="en-US" smtClean="0"/>
-              <a:t>2023/7/17</a:t>
+              <a:t>2023/7/19</a:t>
             </a:fld>
             <a:endParaRPr kumimoji="1" lang="ja-JP" altLang="en-US"/>
           </a:p>
@@ -847,7 +847,7 @@
           <a:p>
             <a:fld id="{51C00744-0B96-40C4-851C-83586B5ED643}" type="datetime1">
               <a:rPr kumimoji="1" lang="ja-JP" altLang="en-US" smtClean="0"/>
-              <a:t>2023/7/17</a:t>
+              <a:t>2023/7/19</a:t>
             </a:fld>
             <a:endParaRPr kumimoji="1" lang="ja-JP" altLang="en-US"/>
           </a:p>
@@ -1077,7 +1077,7 @@
           <a:p>
             <a:fld id="{EF7C8E09-3058-4716-AE5A-C5CA582A05F1}" type="datetime1">
               <a:rPr kumimoji="1" lang="ja-JP" altLang="en-US" smtClean="0"/>
-              <a:t>2023/7/17</a:t>
+              <a:t>2023/7/19</a:t>
             </a:fld>
             <a:endParaRPr kumimoji="1" lang="ja-JP" altLang="en-US"/>
           </a:p>
@@ -1317,7 +1317,7 @@
           <a:p>
             <a:fld id="{4179C582-9FBB-4F37-BEA6-6B0A84724C2B}" type="datetime1">
               <a:rPr kumimoji="1" lang="ja-JP" altLang="en-US" smtClean="0"/>
-              <a:t>2023/7/17</a:t>
+              <a:t>2023/7/19</a:t>
             </a:fld>
             <a:endParaRPr kumimoji="1" lang="ja-JP" altLang="en-US"/>
           </a:p>
@@ -1547,7 +1547,7 @@
           <a:p>
             <a:fld id="{B9710FC7-F292-464E-B04D-D382BBC5B6EA}" type="datetime1">
               <a:rPr kumimoji="1" lang="ja-JP" altLang="en-US" smtClean="0"/>
-              <a:t>2023/7/17</a:t>
+              <a:t>2023/7/19</a:t>
             </a:fld>
             <a:endParaRPr kumimoji="1" lang="ja-JP" altLang="en-US"/>
           </a:p>
@@ -1822,7 +1822,7 @@
           <a:p>
             <a:fld id="{B5564B36-BDCF-4E10-8FFE-CB21D40BC2DD}" type="datetime1">
               <a:rPr kumimoji="1" lang="ja-JP" altLang="en-US" smtClean="0"/>
-              <a:t>2023/7/17</a:t>
+              <a:t>2023/7/19</a:t>
             </a:fld>
             <a:endParaRPr kumimoji="1" lang="ja-JP" altLang="en-US"/>
           </a:p>
@@ -2151,7 +2151,7 @@
           <a:p>
             <a:fld id="{4BD5286A-916E-4B5B-84B6-DDE4DEB090B2}" type="datetime1">
               <a:rPr kumimoji="1" lang="ja-JP" altLang="en-US" smtClean="0"/>
-              <a:t>2023/7/17</a:t>
+              <a:t>2023/7/19</a:t>
             </a:fld>
             <a:endParaRPr kumimoji="1" lang="ja-JP" altLang="en-US"/>
           </a:p>
@@ -2627,7 +2627,7 @@
           <a:p>
             <a:fld id="{7567D527-BD0D-4C2A-B41E-CA79E11F4B63}" type="datetime1">
               <a:rPr kumimoji="1" lang="ja-JP" altLang="en-US" smtClean="0"/>
-              <a:t>2023/7/17</a:t>
+              <a:t>2023/7/19</a:t>
             </a:fld>
             <a:endParaRPr kumimoji="1" lang="ja-JP" altLang="en-US"/>
           </a:p>
@@ -2768,7 +2768,7 @@
           <a:p>
             <a:fld id="{02C36703-85BB-4D8D-8511-E9B4F426175F}" type="datetime1">
               <a:rPr kumimoji="1" lang="ja-JP" altLang="en-US" smtClean="0"/>
-              <a:t>2023/7/17</a:t>
+              <a:t>2023/7/19</a:t>
             </a:fld>
             <a:endParaRPr kumimoji="1" lang="ja-JP" altLang="en-US"/>
           </a:p>
@@ -2881,7 +2881,7 @@
           <a:p>
             <a:fld id="{A94F3F00-754A-4C95-A300-F53CA6E5E9A5}" type="datetime1">
               <a:rPr kumimoji="1" lang="ja-JP" altLang="en-US" smtClean="0"/>
-              <a:t>2023/7/17</a:t>
+              <a:t>2023/7/19</a:t>
             </a:fld>
             <a:endParaRPr kumimoji="1" lang="ja-JP" altLang="en-US"/>
           </a:p>
@@ -3224,7 +3224,7 @@
           <a:p>
             <a:fld id="{ABB84780-9747-432F-8DBF-1C07342C76D8}" type="datetime1">
               <a:rPr kumimoji="1" lang="ja-JP" altLang="en-US" smtClean="0"/>
-              <a:t>2023/7/17</a:t>
+              <a:t>2023/7/19</a:t>
             </a:fld>
             <a:endParaRPr kumimoji="1" lang="ja-JP" altLang="en-US"/>
           </a:p>
@@ -3512,7 +3512,7 @@
           <a:p>
             <a:fld id="{BB42EB3F-5154-43C6-ACD8-A692B0412506}" type="datetime1">
               <a:rPr kumimoji="1" lang="ja-JP" altLang="en-US" smtClean="0"/>
-              <a:t>2023/7/17</a:t>
+              <a:t>2023/7/19</a:t>
             </a:fld>
             <a:endParaRPr kumimoji="1" lang="ja-JP" altLang="en-US"/>
           </a:p>
@@ -3785,7 +3785,7 @@
           <a:p>
             <a:fld id="{3DE181C2-0CF6-41E9-B879-ED17C3A7EA86}" type="datetime1">
               <a:rPr kumimoji="1" lang="ja-JP" altLang="en-US" smtClean="0"/>
-              <a:t>2023/7/17</a:t>
+              <a:t>2023/7/19</a:t>
             </a:fld>
             <a:endParaRPr kumimoji="1" lang="ja-JP" altLang="en-US"/>
           </a:p>
@@ -5420,8 +5420,8 @@
           </a:prstGeom>
         </p:spPr>
       </p:pic>
-      <mc:AlternateContent xmlns:mc="http://schemas.openxmlformats.org/markup-compatibility/2006">
-        <mc:Choice xmlns:a14="http://schemas.microsoft.com/office/drawing/2010/main" Requires="a14">
+      <mc:AlternateContent xmlns:mc="http://schemas.openxmlformats.org/markup-compatibility/2006" xmlns:a14="http://schemas.microsoft.com/office/drawing/2010/main">
+        <mc:Choice Requires="a14">
           <p:graphicFrame>
             <p:nvGraphicFramePr>
               <p:cNvPr id="7" name="表 5">
@@ -6333,7 +6333,7 @@
             </a:graphic>
           </p:graphicFrame>
         </mc:Choice>
-        <mc:Fallback>
+        <mc:Fallback xmlns="">
           <p:graphicFrame>
             <p:nvGraphicFramePr>
               <p:cNvPr id="7" name="表 5">
@@ -7014,8 +7014,8 @@
           </p:sp>
         </mc:Fallback>
       </mc:AlternateContent>
-      <mc:AlternateContent xmlns:mc="http://schemas.openxmlformats.org/markup-compatibility/2006">
-        <mc:Choice xmlns:a14="http://schemas.microsoft.com/office/drawing/2010/main" Requires="a14">
+      <mc:AlternateContent xmlns:mc="http://schemas.openxmlformats.org/markup-compatibility/2006" xmlns:a14="http://schemas.microsoft.com/office/drawing/2010/main">
+        <mc:Choice Requires="a14">
           <p:sp>
             <p:nvSpPr>
               <p:cNvPr id="10" name="テキスト ボックス 9">
@@ -7150,13 +7150,7 @@
                         <a:rPr kumimoji="1" lang="en-US" altLang="ja-JP" sz="2200" b="0" i="1" smtClean="0">
                           <a:latin typeface="Cambria Math" panose="02040503050406030204" pitchFamily="18" charset="0"/>
                         </a:rPr>
-                        <m:t>=</m:t>
-                      </m:r>
-                      <m:r>
-                        <a:rPr kumimoji="1" lang="en-US" altLang="ja-JP" sz="2200" b="0" i="1" smtClean="0">
-                          <a:latin typeface="Cambria Math" panose="02040503050406030204" pitchFamily="18" charset="0"/>
-                        </a:rPr>
-                        <m:t>0.79 </m:t>
+                        <m:t>=0.79 </m:t>
                       </m:r>
                       <m:r>
                         <m:rPr>
@@ -7175,7 +7169,7 @@
             </p:txBody>
           </p:sp>
         </mc:Choice>
-        <mc:Fallback>
+        <mc:Fallback xmlns="">
           <p:sp>
             <p:nvSpPr>
               <p:cNvPr id="10" name="テキスト ボックス 9">
